--- a/Day_4/Lectures/Day_4_Lecture_2_Model_Tuning_Interpretation_Deployment.pptx
+++ b/Day_4/Lectures/Day_4_Lecture_2_Model_Tuning_Interpretation_Deployment.pptx
@@ -27435,9 +27435,9 @@
 </file>
 
 <file path=ppt/theme/theme1.xml><?xml version="1.0" encoding="utf-8"?>
-<a:theme xmlns:a="http://schemas.openxmlformats.org/drawingml/2006/main" xmlns:r="http://schemas.openxmlformats.org/officeDocument/2006/relationships">
+<a:theme xmlns:a="http://schemas.openxmlformats.org/drawingml/2006/main" xmlns:r="http://schemas.openxmlformats.org/officeDocument/2006/relationships" name="Simple Light">
   <a:themeElements>
-    <a:clrScheme name="Default">
+    <a:clrScheme name="Simple Light">
       <a:dk1>
         <a:srgbClr val="000000"/>
       </a:dk1>
@@ -27445,34 +27445,34 @@
         <a:srgbClr val="FFFFFF"/>
       </a:lt1>
       <a:dk2>
-        <a:srgbClr val="158158"/>
+        <a:srgbClr val="595959"/>
       </a:dk2>
       <a:lt2>
-        <a:srgbClr val="F3F3F3"/>
+        <a:srgbClr val="EEEEEE"/>
       </a:lt2>
       <a:accent1>
-        <a:srgbClr val="058DC7"/>
+        <a:srgbClr val="4285F4"/>
       </a:accent1>
       <a:accent2>
-        <a:srgbClr val="50B432"/>
+        <a:srgbClr val="212121"/>
       </a:accent2>
       <a:accent3>
-        <a:srgbClr val="ED561B"/>
+        <a:srgbClr val="78909C"/>
       </a:accent3>
       <a:accent4>
-        <a:srgbClr val="EDEF00"/>
+        <a:srgbClr val="FFAB40"/>
       </a:accent4>
       <a:accent5>
-        <a:srgbClr val="24CBE5"/>
+        <a:srgbClr val="0097A7"/>
       </a:accent5>
       <a:accent6>
-        <a:srgbClr val="64E572"/>
+        <a:srgbClr val="EEFF41"/>
       </a:accent6>
       <a:hlink>
-        <a:srgbClr val="2200CC"/>
+        <a:srgbClr val="0097A7"/>
       </a:hlink>
       <a:folHlink>
-        <a:srgbClr val="551A8B"/>
+        <a:srgbClr val="0097A7"/>
       </a:folHlink>
     </a:clrScheme>
     <a:fontScheme name="Office">
@@ -27714,9 +27714,9 @@
 </file>
 
 <file path=ppt/theme/theme2.xml><?xml version="1.0" encoding="utf-8"?>
-<a:theme xmlns:a="http://schemas.openxmlformats.org/drawingml/2006/main" xmlns:r="http://schemas.openxmlformats.org/officeDocument/2006/relationships" name="Simple Light">
+<a:theme xmlns:a="http://schemas.openxmlformats.org/drawingml/2006/main" xmlns:r="http://schemas.openxmlformats.org/officeDocument/2006/relationships">
   <a:themeElements>
-    <a:clrScheme name="Simple Light">
+    <a:clrScheme name="Default">
       <a:dk1>
         <a:srgbClr val="000000"/>
       </a:dk1>
@@ -27724,34 +27724,34 @@
         <a:srgbClr val="FFFFFF"/>
       </a:lt1>
       <a:dk2>
-        <a:srgbClr val="595959"/>
+        <a:srgbClr val="158158"/>
       </a:dk2>
       <a:lt2>
-        <a:srgbClr val="EEEEEE"/>
+        <a:srgbClr val="F3F3F3"/>
       </a:lt2>
       <a:accent1>
-        <a:srgbClr val="4285F4"/>
+        <a:srgbClr val="058DC7"/>
       </a:accent1>
       <a:accent2>
-        <a:srgbClr val="212121"/>
+        <a:srgbClr val="50B432"/>
       </a:accent2>
       <a:accent3>
-        <a:srgbClr val="78909C"/>
+        <a:srgbClr val="ED561B"/>
       </a:accent3>
       <a:accent4>
-        <a:srgbClr val="FFAB40"/>
+        <a:srgbClr val="EDEF00"/>
       </a:accent4>
       <a:accent5>
-        <a:srgbClr val="0097A7"/>
+        <a:srgbClr val="24CBE5"/>
       </a:accent5>
       <a:accent6>
-        <a:srgbClr val="EEFF41"/>
+        <a:srgbClr val="64E572"/>
       </a:accent6>
       <a:hlink>
-        <a:srgbClr val="0097A7"/>
+        <a:srgbClr val="2200CC"/>
       </a:hlink>
       <a:folHlink>
-        <a:srgbClr val="0097A7"/>
+        <a:srgbClr val="551A8B"/>
       </a:folHlink>
     </a:clrScheme>
     <a:fontScheme name="Office">

--- a/Day_4/Lectures/Day_4_Lecture_2_Model_Tuning_Interpretation_Deployment.pptx
+++ b/Day_4/Lectures/Day_4_Lecture_2_Model_Tuning_Interpretation_Deployment.pptx
@@ -32,18 +32,16 @@
     <p:sldId id="275" r:id="rId27"/>
     <p:sldId id="276" r:id="rId28"/>
     <p:sldId id="277" r:id="rId29"/>
-    <p:sldId id="278" r:id="rId30"/>
-    <p:sldId id="279" r:id="rId31"/>
   </p:sldIdLst>
   <p:sldSz cy="5143500" cx="9144000"/>
   <p:notesSz cx="6858000" cy="9144000"/>
   <p:embeddedFontLst>
     <p:embeddedFont>
       <p:font typeface="Roboto"/>
-      <p:regular r:id="rId32"/>
-      <p:bold r:id="rId33"/>
-      <p:italic r:id="rId34"/>
-      <p:boldItalic r:id="rId35"/>
+      <p:regular r:id="rId30"/>
+      <p:bold r:id="rId31"/>
+      <p:italic r:id="rId32"/>
+      <p:boldItalic r:id="rId33"/>
     </p:embeddedFont>
   </p:embeddedFontLst>
   <p:defaultTextStyle>
@@ -912,7 +910,7 @@
   <p:cSld>
     <p:spTree>
       <p:nvGrpSpPr>
-        <p:cNvPr id="253" name="Shape 253"/>
+        <p:cNvPr id="254" name="Shape 254"/>
         <p:cNvGrpSpPr/>
         <p:nvPr/>
       </p:nvGrpSpPr>
@@ -926,7 +924,7 @@
       </p:grpSpPr>
       <p:sp>
         <p:nvSpPr>
-          <p:cNvPr id="254" name="Google Shape;254;g111b5833a4e_0_153:notes"/>
+          <p:cNvPr id="255" name="Google Shape;255;g111b5833a4e_0_153:notes"/>
           <p:cNvSpPr/>
           <p:nvPr>
             <p:ph idx="2" type="sldImg"/>
@@ -961,7 +959,7 @@
       </p:sp>
       <p:sp>
         <p:nvSpPr>
-          <p:cNvPr id="255" name="Google Shape;255;g111b5833a4e_0_153:notes"/>
+          <p:cNvPr id="256" name="Google Shape;256;g111b5833a4e_0_153:notes"/>
           <p:cNvSpPr txBox="1"/>
           <p:nvPr>
             <p:ph idx="1" type="body"/>
@@ -1011,7 +1009,7 @@
   <p:cSld>
     <p:spTree>
       <p:nvGrpSpPr>
-        <p:cNvPr id="263" name="Shape 263"/>
+        <p:cNvPr id="264" name="Shape 264"/>
         <p:cNvGrpSpPr/>
         <p:nvPr/>
       </p:nvGrpSpPr>
@@ -1025,7 +1023,7 @@
       </p:grpSpPr>
       <p:sp>
         <p:nvSpPr>
-          <p:cNvPr id="264" name="Google Shape;264;g111984a9035_0_38:notes"/>
+          <p:cNvPr id="265" name="Google Shape;265;g111984a9035_0_38:notes"/>
           <p:cNvSpPr/>
           <p:nvPr>
             <p:ph idx="2" type="sldImg"/>
@@ -1060,7 +1058,7 @@
       </p:sp>
       <p:sp>
         <p:nvSpPr>
-          <p:cNvPr id="265" name="Google Shape;265;g111984a9035_0_38:notes"/>
+          <p:cNvPr id="266" name="Google Shape;266;g111984a9035_0_38:notes"/>
           <p:cNvSpPr txBox="1"/>
           <p:nvPr>
             <p:ph idx="1" type="body"/>
@@ -1110,7 +1108,7 @@
   <p:cSld>
     <p:spTree>
       <p:nvGrpSpPr>
-        <p:cNvPr id="274" name="Shape 274"/>
+        <p:cNvPr id="275" name="Shape 275"/>
         <p:cNvGrpSpPr/>
         <p:nvPr/>
       </p:nvGrpSpPr>
@@ -1124,7 +1122,7 @@
       </p:grpSpPr>
       <p:sp>
         <p:nvSpPr>
-          <p:cNvPr id="275" name="Google Shape;275;g111984a9035_0_46:notes"/>
+          <p:cNvPr id="276" name="Google Shape;276;g111984a9035_0_46:notes"/>
           <p:cNvSpPr/>
           <p:nvPr>
             <p:ph idx="2" type="sldImg"/>
@@ -1159,7 +1157,7 @@
       </p:sp>
       <p:sp>
         <p:nvSpPr>
-          <p:cNvPr id="276" name="Google Shape;276;g111984a9035_0_46:notes"/>
+          <p:cNvPr id="277" name="Google Shape;277;g111984a9035_0_46:notes"/>
           <p:cNvSpPr txBox="1"/>
           <p:nvPr>
             <p:ph idx="1" type="body"/>
@@ -1209,7 +1207,7 @@
   <p:cSld>
     <p:spTree>
       <p:nvGrpSpPr>
-        <p:cNvPr id="282" name="Shape 282"/>
+        <p:cNvPr id="285" name="Shape 285"/>
         <p:cNvGrpSpPr/>
         <p:nvPr/>
       </p:nvGrpSpPr>
@@ -1223,7 +1221,7 @@
       </p:grpSpPr>
       <p:sp>
         <p:nvSpPr>
-          <p:cNvPr id="283" name="Google Shape;283;g111984a9035_0_59:notes"/>
+          <p:cNvPr id="286" name="Google Shape;286;g111984a9035_0_73:notes"/>
           <p:cNvSpPr/>
           <p:nvPr>
             <p:ph idx="2" type="sldImg"/>
@@ -1258,7 +1256,7 @@
       </p:sp>
       <p:sp>
         <p:nvSpPr>
-          <p:cNvPr id="284" name="Google Shape;284;g111984a9035_0_59:notes"/>
+          <p:cNvPr id="287" name="Google Shape;287;g111984a9035_0_73:notes"/>
           <p:cNvSpPr txBox="1"/>
           <p:nvPr>
             <p:ph idx="1" type="body"/>
@@ -1308,7 +1306,7 @@
   <p:cSld>
     <p:spTree>
       <p:nvGrpSpPr>
-        <p:cNvPr id="291" name="Shape 291"/>
+        <p:cNvPr id="296" name="Shape 296"/>
         <p:cNvGrpSpPr/>
         <p:nvPr/>
       </p:nvGrpSpPr>
@@ -1322,7 +1320,7 @@
       </p:grpSpPr>
       <p:sp>
         <p:nvSpPr>
-          <p:cNvPr id="292" name="Google Shape;292;g111984a9035_0_67:notes"/>
+          <p:cNvPr id="297" name="Google Shape;297;g111b5833a4e_0_34:notes"/>
           <p:cNvSpPr/>
           <p:nvPr>
             <p:ph idx="2" type="sldImg"/>
@@ -1357,7 +1355,7 @@
       </p:sp>
       <p:sp>
         <p:nvSpPr>
-          <p:cNvPr id="293" name="Google Shape;293;g111984a9035_0_67:notes"/>
+          <p:cNvPr id="298" name="Google Shape;298;g111b5833a4e_0_34:notes"/>
           <p:cNvSpPr txBox="1"/>
           <p:nvPr>
             <p:ph idx="1" type="body"/>
@@ -1407,7 +1405,7 @@
   <p:cSld>
     <p:spTree>
       <p:nvGrpSpPr>
-        <p:cNvPr id="301" name="Shape 301"/>
+        <p:cNvPr id="304" name="Shape 304"/>
         <p:cNvGrpSpPr/>
         <p:nvPr/>
       </p:nvGrpSpPr>
@@ -1421,7 +1419,7 @@
       </p:grpSpPr>
       <p:sp>
         <p:nvSpPr>
-          <p:cNvPr id="302" name="Google Shape;302;g111984a9035_0_73:notes"/>
+          <p:cNvPr id="305" name="Google Shape;305;g11c1490d445_0_1:notes"/>
           <p:cNvSpPr/>
           <p:nvPr>
             <p:ph idx="2" type="sldImg"/>
@@ -1456,7 +1454,7 @@
       </p:sp>
       <p:sp>
         <p:nvSpPr>
-          <p:cNvPr id="303" name="Google Shape;303;g111984a9035_0_73:notes"/>
+          <p:cNvPr id="306" name="Google Shape;306;g11c1490d445_0_1:notes"/>
           <p:cNvSpPr txBox="1"/>
           <p:nvPr>
             <p:ph idx="1" type="body"/>
@@ -1506,7 +1504,7 @@
   <p:cSld>
     <p:spTree>
       <p:nvGrpSpPr>
-        <p:cNvPr id="312" name="Shape 312"/>
+        <p:cNvPr id="313" name="Shape 313"/>
         <p:cNvGrpSpPr/>
         <p:nvPr/>
       </p:nvGrpSpPr>
@@ -1520,7 +1518,7 @@
       </p:grpSpPr>
       <p:sp>
         <p:nvSpPr>
-          <p:cNvPr id="313" name="Google Shape;313;g111b5833a4e_0_34:notes"/>
+          <p:cNvPr id="314" name="Google Shape;314;g111b5833a4e_0_43:notes"/>
           <p:cNvSpPr/>
           <p:nvPr>
             <p:ph idx="2" type="sldImg"/>
@@ -1555,7 +1553,7 @@
       </p:sp>
       <p:sp>
         <p:nvSpPr>
-          <p:cNvPr id="314" name="Google Shape;314;g111b5833a4e_0_34:notes"/>
+          <p:cNvPr id="315" name="Google Shape;315;g111b5833a4e_0_43:notes"/>
           <p:cNvSpPr txBox="1"/>
           <p:nvPr>
             <p:ph idx="1" type="body"/>
@@ -1605,7 +1603,7 @@
   <p:cSld>
     <p:spTree>
       <p:nvGrpSpPr>
-        <p:cNvPr id="320" name="Shape 320"/>
+        <p:cNvPr id="322" name="Shape 322"/>
         <p:cNvGrpSpPr/>
         <p:nvPr/>
       </p:nvGrpSpPr>
@@ -1619,7 +1617,7 @@
       </p:grpSpPr>
       <p:sp>
         <p:nvSpPr>
-          <p:cNvPr id="321" name="Google Shape;321;g11c1490d445_0_1:notes"/>
+          <p:cNvPr id="323" name="Google Shape;323;g111b5833a4e_0_50:notes"/>
           <p:cNvSpPr/>
           <p:nvPr>
             <p:ph idx="2" type="sldImg"/>
@@ -1654,7 +1652,7 @@
       </p:sp>
       <p:sp>
         <p:nvSpPr>
-          <p:cNvPr id="322" name="Google Shape;322;g11c1490d445_0_1:notes"/>
+          <p:cNvPr id="324" name="Google Shape;324;g111b5833a4e_0_50:notes"/>
           <p:cNvSpPr txBox="1"/>
           <p:nvPr>
             <p:ph idx="1" type="body"/>
@@ -1704,7 +1702,7 @@
   <p:cSld>
     <p:spTree>
       <p:nvGrpSpPr>
-        <p:cNvPr id="329" name="Shape 329"/>
+        <p:cNvPr id="332" name="Shape 332"/>
         <p:cNvGrpSpPr/>
         <p:nvPr/>
       </p:nvGrpSpPr>
@@ -1718,7 +1716,7 @@
       </p:grpSpPr>
       <p:sp>
         <p:nvSpPr>
-          <p:cNvPr id="330" name="Google Shape;330;g111b5833a4e_0_43:notes"/>
+          <p:cNvPr id="333" name="Google Shape;333;g11c1490d445_0_9:notes"/>
           <p:cNvSpPr/>
           <p:nvPr>
             <p:ph idx="2" type="sldImg"/>
@@ -1753,7 +1751,7 @@
       </p:sp>
       <p:sp>
         <p:nvSpPr>
-          <p:cNvPr id="331" name="Google Shape;331;g111b5833a4e_0_43:notes"/>
+          <p:cNvPr id="334" name="Google Shape;334;g11c1490d445_0_9:notes"/>
           <p:cNvSpPr txBox="1"/>
           <p:nvPr>
             <p:ph idx="1" type="body"/>
@@ -1803,7 +1801,7 @@
   <p:cSld>
     <p:spTree>
       <p:nvGrpSpPr>
-        <p:cNvPr id="338" name="Shape 338"/>
+        <p:cNvPr id="341" name="Shape 341"/>
         <p:cNvGrpSpPr/>
         <p:nvPr/>
       </p:nvGrpSpPr>
@@ -1817,7 +1815,7 @@
       </p:grpSpPr>
       <p:sp>
         <p:nvSpPr>
-          <p:cNvPr id="339" name="Google Shape;339;g111b5833a4e_0_50:notes"/>
+          <p:cNvPr id="342" name="Google Shape;342;g111b5833a4e_0_65:notes"/>
           <p:cNvSpPr/>
           <p:nvPr>
             <p:ph idx="2" type="sldImg"/>
@@ -1852,7 +1850,7 @@
       </p:sp>
       <p:sp>
         <p:nvSpPr>
-          <p:cNvPr id="340" name="Google Shape;340;g111b5833a4e_0_50:notes"/>
+          <p:cNvPr id="343" name="Google Shape;343;g111b5833a4e_0_65:notes"/>
           <p:cNvSpPr txBox="1"/>
           <p:nvPr>
             <p:ph idx="1" type="body"/>
@@ -1902,7 +1900,7 @@
   <p:cSld>
     <p:spTree>
       <p:nvGrpSpPr>
-        <p:cNvPr id="179" name="Shape 179"/>
+        <p:cNvPr id="180" name="Shape 180"/>
         <p:cNvGrpSpPr/>
         <p:nvPr/>
       </p:nvGrpSpPr>
@@ -1916,7 +1914,7 @@
       </p:grpSpPr>
       <p:sp>
         <p:nvSpPr>
-          <p:cNvPr id="180" name="Google Shape;180;gc6f9e470d_0_0:notes"/>
+          <p:cNvPr id="181" name="Google Shape;181;gc6f9e470d_0_0:notes"/>
           <p:cNvSpPr/>
           <p:nvPr>
             <p:ph idx="2" type="sldImg"/>
@@ -1951,7 +1949,7 @@
       </p:sp>
       <p:sp>
         <p:nvSpPr>
-          <p:cNvPr id="181" name="Google Shape;181;gc6f9e470d_0_0:notes"/>
+          <p:cNvPr id="182" name="Google Shape;182;gc6f9e470d_0_0:notes"/>
           <p:cNvSpPr txBox="1"/>
           <p:nvPr>
             <p:ph idx="1" type="body"/>
@@ -2001,7 +1999,7 @@
   <p:cSld>
     <p:spTree>
       <p:nvGrpSpPr>
-        <p:cNvPr id="348" name="Shape 348"/>
+        <p:cNvPr id="349" name="Shape 349"/>
         <p:cNvGrpSpPr/>
         <p:nvPr/>
       </p:nvGrpSpPr>
@@ -2015,7 +2013,7 @@
       </p:grpSpPr>
       <p:sp>
         <p:nvSpPr>
-          <p:cNvPr id="349" name="Google Shape;349;g11c1490d445_0_9:notes"/>
+          <p:cNvPr id="350" name="Google Shape;350;g111b5833a4e_0_71:notes"/>
           <p:cNvSpPr/>
           <p:nvPr>
             <p:ph idx="2" type="sldImg"/>
@@ -2050,7 +2048,7 @@
       </p:sp>
       <p:sp>
         <p:nvSpPr>
-          <p:cNvPr id="350" name="Google Shape;350;g11c1490d445_0_9:notes"/>
+          <p:cNvPr id="351" name="Google Shape;351;g111b5833a4e_0_71:notes"/>
           <p:cNvSpPr txBox="1"/>
           <p:nvPr>
             <p:ph idx="1" type="body"/>
@@ -2114,7 +2112,7 @@
       </p:grpSpPr>
       <p:sp>
         <p:nvSpPr>
-          <p:cNvPr id="358" name="Google Shape;358;g111b5833a4e_0_65:notes"/>
+          <p:cNvPr id="358" name="Google Shape;358;g11b9f8cd8a3_0_64:notes"/>
           <p:cNvSpPr/>
           <p:nvPr>
             <p:ph idx="2" type="sldImg"/>
@@ -2149,7 +2147,7 @@
       </p:sp>
       <p:sp>
         <p:nvSpPr>
-          <p:cNvPr id="359" name="Google Shape;359;g111b5833a4e_0_65:notes"/>
+          <p:cNvPr id="359" name="Google Shape;359;g11b9f8cd8a3_0_64:notes"/>
           <p:cNvSpPr txBox="1"/>
           <p:nvPr>
             <p:ph idx="1" type="body"/>
@@ -2199,7 +2197,7 @@
   <p:cSld>
     <p:spTree>
       <p:nvGrpSpPr>
-        <p:cNvPr id="365" name="Shape 365"/>
+        <p:cNvPr id="374" name="Shape 374"/>
         <p:cNvGrpSpPr/>
         <p:nvPr/>
       </p:nvGrpSpPr>
@@ -2213,7 +2211,7 @@
       </p:grpSpPr>
       <p:sp>
         <p:nvSpPr>
-          <p:cNvPr id="366" name="Google Shape;366;g111b5833a4e_0_71:notes"/>
+          <p:cNvPr id="375" name="Google Shape;375;g110cd4518f6_0_0:notes"/>
           <p:cNvSpPr/>
           <p:nvPr>
             <p:ph idx="2" type="sldImg"/>
@@ -2248,7 +2246,7 @@
       </p:sp>
       <p:sp>
         <p:nvSpPr>
-          <p:cNvPr id="367" name="Google Shape;367;g111b5833a4e_0_71:notes"/>
+          <p:cNvPr id="376" name="Google Shape;376;g110cd4518f6_0_0:notes"/>
           <p:cNvSpPr txBox="1"/>
           <p:nvPr>
             <p:ph idx="1" type="body"/>
@@ -2293,12 +2291,12 @@
 </p:notes>
 </file>
 
-<file path=ppt/notesSlides/notesSlide23.xml><?xml version="1.0" encoding="utf-8"?>
+<file path=ppt/notesSlides/notesSlide3.xml><?xml version="1.0" encoding="utf-8"?>
 <p:notes xmlns:a="http://schemas.openxmlformats.org/drawingml/2006/main" xmlns:r="http://schemas.openxmlformats.org/officeDocument/2006/relationships" xmlns:mc="http://schemas.openxmlformats.org/markup-compatibility/2006" xmlns:mv="urn:schemas-microsoft-com:mac:vml" xmlns:p="http://schemas.openxmlformats.org/presentationml/2006/main" xmlns:c="http://schemas.openxmlformats.org/drawingml/2006/chart" xmlns:dgm="http://schemas.openxmlformats.org/drawingml/2006/diagram" xmlns:o="urn:schemas-microsoft-com:office:office" xmlns:v="urn:schemas-microsoft-com:vml" xmlns:pvml="urn:schemas-microsoft-com:office:powerpoint" xmlns:com="http://schemas.openxmlformats.org/drawingml/2006/compatibility" xmlns:p14="http://schemas.microsoft.com/office/powerpoint/2010/main" xmlns:p15="http://schemas.microsoft.com/office/powerpoint/2012/main" xmlns:ahyp="http://schemas.microsoft.com/office/drawing/2018/hyperlinkcolor" showMasterPhAnim="0" showMasterSp="0">
   <p:cSld>
     <p:spTree>
       <p:nvGrpSpPr>
-        <p:cNvPr id="373" name="Shape 373"/>
+        <p:cNvPr id="187" name="Shape 187"/>
         <p:cNvGrpSpPr/>
         <p:nvPr/>
       </p:nvGrpSpPr>
@@ -2312,7 +2310,7 @@
       </p:grpSpPr>
       <p:sp>
         <p:nvSpPr>
-          <p:cNvPr id="374" name="Google Shape;374;g11b9f8cd8a3_0_64:notes"/>
+          <p:cNvPr id="188" name="Google Shape;188;g12806d98424_0_107:notes"/>
           <p:cNvSpPr/>
           <p:nvPr>
             <p:ph idx="2" type="sldImg"/>
@@ -2347,7 +2345,7 @@
       </p:sp>
       <p:sp>
         <p:nvSpPr>
-          <p:cNvPr id="375" name="Google Shape;375;g11b9f8cd8a3_0_64:notes"/>
+          <p:cNvPr id="189" name="Google Shape;189;g12806d98424_0_107:notes"/>
           <p:cNvSpPr txBox="1"/>
           <p:nvPr>
             <p:ph idx="1" type="body"/>
@@ -2392,12 +2390,12 @@
 </p:notes>
 </file>
 
-<file path=ppt/notesSlides/notesSlide24.xml><?xml version="1.0" encoding="utf-8"?>
+<file path=ppt/notesSlides/notesSlide4.xml><?xml version="1.0" encoding="utf-8"?>
 <p:notes xmlns:a="http://schemas.openxmlformats.org/drawingml/2006/main" xmlns:r="http://schemas.openxmlformats.org/officeDocument/2006/relationships" xmlns:mc="http://schemas.openxmlformats.org/markup-compatibility/2006" xmlns:mv="urn:schemas-microsoft-com:mac:vml" xmlns:p="http://schemas.openxmlformats.org/presentationml/2006/main" xmlns:c="http://schemas.openxmlformats.org/drawingml/2006/chart" xmlns:dgm="http://schemas.openxmlformats.org/drawingml/2006/diagram" xmlns:o="urn:schemas-microsoft-com:office:office" xmlns:v="urn:schemas-microsoft-com:vml" xmlns:pvml="urn:schemas-microsoft-com:office:powerpoint" xmlns:com="http://schemas.openxmlformats.org/drawingml/2006/compatibility" xmlns:p14="http://schemas.microsoft.com/office/powerpoint/2010/main" xmlns:p15="http://schemas.microsoft.com/office/powerpoint/2012/main" xmlns:ahyp="http://schemas.microsoft.com/office/drawing/2018/hyperlinkcolor" showMasterPhAnim="0" showMasterSp="0">
   <p:cSld>
     <p:spTree>
       <p:nvGrpSpPr>
-        <p:cNvPr id="390" name="Shape 390"/>
+        <p:cNvPr id="196" name="Shape 196"/>
         <p:cNvGrpSpPr/>
         <p:nvPr/>
       </p:nvGrpSpPr>
@@ -2411,7 +2409,7 @@
       </p:grpSpPr>
       <p:sp>
         <p:nvSpPr>
-          <p:cNvPr id="391" name="Google Shape;391;g110cd4518f6_0_0:notes"/>
+          <p:cNvPr id="197" name="Google Shape;197;g110821d2d52_0_0:notes"/>
           <p:cNvSpPr/>
           <p:nvPr>
             <p:ph idx="2" type="sldImg"/>
@@ -2446,7 +2444,7 @@
       </p:sp>
       <p:sp>
         <p:nvSpPr>
-          <p:cNvPr id="392" name="Google Shape;392;g110cd4518f6_0_0:notes"/>
+          <p:cNvPr id="198" name="Google Shape;198;g110821d2d52_0_0:notes"/>
           <p:cNvSpPr txBox="1"/>
           <p:nvPr>
             <p:ph idx="1" type="body"/>
@@ -2491,12 +2489,12 @@
 </p:notes>
 </file>
 
-<file path=ppt/notesSlides/notesSlide3.xml><?xml version="1.0" encoding="utf-8"?>
+<file path=ppt/notesSlides/notesSlide5.xml><?xml version="1.0" encoding="utf-8"?>
 <p:notes xmlns:a="http://schemas.openxmlformats.org/drawingml/2006/main" xmlns:r="http://schemas.openxmlformats.org/officeDocument/2006/relationships" xmlns:mc="http://schemas.openxmlformats.org/markup-compatibility/2006" xmlns:mv="urn:schemas-microsoft-com:mac:vml" xmlns:p="http://schemas.openxmlformats.org/presentationml/2006/main" xmlns:c="http://schemas.openxmlformats.org/drawingml/2006/chart" xmlns:dgm="http://schemas.openxmlformats.org/drawingml/2006/diagram" xmlns:o="urn:schemas-microsoft-com:office:office" xmlns:v="urn:schemas-microsoft-com:vml" xmlns:pvml="urn:schemas-microsoft-com:office:powerpoint" xmlns:com="http://schemas.openxmlformats.org/drawingml/2006/compatibility" xmlns:p14="http://schemas.microsoft.com/office/powerpoint/2010/main" xmlns:p15="http://schemas.microsoft.com/office/powerpoint/2012/main" xmlns:ahyp="http://schemas.microsoft.com/office/drawing/2018/hyperlinkcolor" showMasterPhAnim="0" showMasterSp="0">
   <p:cSld>
     <p:spTree>
       <p:nvGrpSpPr>
-        <p:cNvPr id="186" name="Shape 186"/>
+        <p:cNvPr id="207" name="Shape 207"/>
         <p:cNvGrpSpPr/>
         <p:nvPr/>
       </p:nvGrpSpPr>
@@ -2510,7 +2508,7 @@
       </p:grpSpPr>
       <p:sp>
         <p:nvSpPr>
-          <p:cNvPr id="187" name="Google Shape;187;g12806d98424_0_107:notes"/>
+          <p:cNvPr id="208" name="Google Shape;208;g1113c07b4bc_0_112:notes"/>
           <p:cNvSpPr/>
           <p:nvPr>
             <p:ph idx="2" type="sldImg"/>
@@ -2545,7 +2543,7 @@
       </p:sp>
       <p:sp>
         <p:nvSpPr>
-          <p:cNvPr id="188" name="Google Shape;188;g12806d98424_0_107:notes"/>
+          <p:cNvPr id="209" name="Google Shape;209;g1113c07b4bc_0_112:notes"/>
           <p:cNvSpPr txBox="1"/>
           <p:nvPr>
             <p:ph idx="1" type="body"/>
@@ -2590,12 +2588,12 @@
 </p:notes>
 </file>
 
-<file path=ppt/notesSlides/notesSlide4.xml><?xml version="1.0" encoding="utf-8"?>
+<file path=ppt/notesSlides/notesSlide6.xml><?xml version="1.0" encoding="utf-8"?>
 <p:notes xmlns:a="http://schemas.openxmlformats.org/drawingml/2006/main" xmlns:r="http://schemas.openxmlformats.org/officeDocument/2006/relationships" xmlns:mc="http://schemas.openxmlformats.org/markup-compatibility/2006" xmlns:mv="urn:schemas-microsoft-com:mac:vml" xmlns:p="http://schemas.openxmlformats.org/presentationml/2006/main" xmlns:c="http://schemas.openxmlformats.org/drawingml/2006/chart" xmlns:dgm="http://schemas.openxmlformats.org/drawingml/2006/diagram" xmlns:o="urn:schemas-microsoft-com:office:office" xmlns:v="urn:schemas-microsoft-com:vml" xmlns:pvml="urn:schemas-microsoft-com:office:powerpoint" xmlns:com="http://schemas.openxmlformats.org/drawingml/2006/compatibility" xmlns:p14="http://schemas.microsoft.com/office/powerpoint/2010/main" xmlns:p15="http://schemas.microsoft.com/office/powerpoint/2012/main" xmlns:ahyp="http://schemas.microsoft.com/office/drawing/2018/hyperlinkcolor" showMasterPhAnim="0" showMasterSp="0">
   <p:cSld>
     <p:spTree>
       <p:nvGrpSpPr>
-        <p:cNvPr id="195" name="Shape 195"/>
+        <p:cNvPr id="215" name="Shape 215"/>
         <p:cNvGrpSpPr/>
         <p:nvPr/>
       </p:nvGrpSpPr>
@@ -2609,7 +2607,7 @@
       </p:grpSpPr>
       <p:sp>
         <p:nvSpPr>
-          <p:cNvPr id="196" name="Google Shape;196;g110821d2d52_0_0:notes"/>
+          <p:cNvPr id="216" name="Google Shape;216;g111984a9035_0_12:notes"/>
           <p:cNvSpPr/>
           <p:nvPr>
             <p:ph idx="2" type="sldImg"/>
@@ -2644,7 +2642,7 @@
       </p:sp>
       <p:sp>
         <p:nvSpPr>
-          <p:cNvPr id="197" name="Google Shape;197;g110821d2d52_0_0:notes"/>
+          <p:cNvPr id="217" name="Google Shape;217;g111984a9035_0_12:notes"/>
           <p:cNvSpPr txBox="1"/>
           <p:nvPr>
             <p:ph idx="1" type="body"/>
@@ -2689,12 +2687,12 @@
 </p:notes>
 </file>
 
-<file path=ppt/notesSlides/notesSlide5.xml><?xml version="1.0" encoding="utf-8"?>
+<file path=ppt/notesSlides/notesSlide7.xml><?xml version="1.0" encoding="utf-8"?>
 <p:notes xmlns:a="http://schemas.openxmlformats.org/drawingml/2006/main" xmlns:r="http://schemas.openxmlformats.org/officeDocument/2006/relationships" xmlns:mc="http://schemas.openxmlformats.org/markup-compatibility/2006" xmlns:mv="urn:schemas-microsoft-com:mac:vml" xmlns:p="http://schemas.openxmlformats.org/presentationml/2006/main" xmlns:c="http://schemas.openxmlformats.org/drawingml/2006/chart" xmlns:dgm="http://schemas.openxmlformats.org/drawingml/2006/diagram" xmlns:o="urn:schemas-microsoft-com:office:office" xmlns:v="urn:schemas-microsoft-com:vml" xmlns:pvml="urn:schemas-microsoft-com:office:powerpoint" xmlns:com="http://schemas.openxmlformats.org/drawingml/2006/compatibility" xmlns:p14="http://schemas.microsoft.com/office/powerpoint/2010/main" xmlns:p15="http://schemas.microsoft.com/office/powerpoint/2012/main" xmlns:ahyp="http://schemas.microsoft.com/office/drawing/2018/hyperlinkcolor" showMasterPhAnim="0" showMasterSp="0">
   <p:cSld>
     <p:spTree>
       <p:nvGrpSpPr>
-        <p:cNvPr id="206" name="Shape 206"/>
+        <p:cNvPr id="223" name="Shape 223"/>
         <p:cNvGrpSpPr/>
         <p:nvPr/>
       </p:nvGrpSpPr>
@@ -2708,7 +2706,7 @@
       </p:grpSpPr>
       <p:sp>
         <p:nvSpPr>
-          <p:cNvPr id="207" name="Google Shape;207;g1113c07b4bc_0_112:notes"/>
+          <p:cNvPr id="224" name="Google Shape;224;g111b5833a4e_0_13:notes"/>
           <p:cNvSpPr/>
           <p:nvPr>
             <p:ph idx="2" type="sldImg"/>
@@ -2743,7 +2741,7 @@
       </p:sp>
       <p:sp>
         <p:nvSpPr>
-          <p:cNvPr id="208" name="Google Shape;208;g1113c07b4bc_0_112:notes"/>
+          <p:cNvPr id="225" name="Google Shape;225;g111b5833a4e_0_13:notes"/>
           <p:cNvSpPr txBox="1"/>
           <p:nvPr>
             <p:ph idx="1" type="body"/>
@@ -2788,12 +2786,12 @@
 </p:notes>
 </file>
 
-<file path=ppt/notesSlides/notesSlide6.xml><?xml version="1.0" encoding="utf-8"?>
+<file path=ppt/notesSlides/notesSlide8.xml><?xml version="1.0" encoding="utf-8"?>
 <p:notes xmlns:a="http://schemas.openxmlformats.org/drawingml/2006/main" xmlns:r="http://schemas.openxmlformats.org/officeDocument/2006/relationships" xmlns:mc="http://schemas.openxmlformats.org/markup-compatibility/2006" xmlns:mv="urn:schemas-microsoft-com:mac:vml" xmlns:p="http://schemas.openxmlformats.org/presentationml/2006/main" xmlns:c="http://schemas.openxmlformats.org/drawingml/2006/chart" xmlns:dgm="http://schemas.openxmlformats.org/drawingml/2006/diagram" xmlns:o="urn:schemas-microsoft-com:office:office" xmlns:v="urn:schemas-microsoft-com:vml" xmlns:pvml="urn:schemas-microsoft-com:office:powerpoint" xmlns:com="http://schemas.openxmlformats.org/drawingml/2006/compatibility" xmlns:p14="http://schemas.microsoft.com/office/powerpoint/2010/main" xmlns:p15="http://schemas.microsoft.com/office/powerpoint/2012/main" xmlns:ahyp="http://schemas.microsoft.com/office/drawing/2018/hyperlinkcolor" showMasterPhAnim="0" showMasterSp="0">
   <p:cSld>
     <p:spTree>
       <p:nvGrpSpPr>
-        <p:cNvPr id="214" name="Shape 214"/>
+        <p:cNvPr id="231" name="Shape 231"/>
         <p:cNvGrpSpPr/>
         <p:nvPr/>
       </p:nvGrpSpPr>
@@ -2807,7 +2805,7 @@
       </p:grpSpPr>
       <p:sp>
         <p:nvSpPr>
-          <p:cNvPr id="215" name="Google Shape;215;g111984a9035_0_12:notes"/>
+          <p:cNvPr id="232" name="Google Shape;232;g111b5833a4e_0_5:notes"/>
           <p:cNvSpPr/>
           <p:nvPr>
             <p:ph idx="2" type="sldImg"/>
@@ -2842,7 +2840,7 @@
       </p:sp>
       <p:sp>
         <p:nvSpPr>
-          <p:cNvPr id="216" name="Google Shape;216;g111984a9035_0_12:notes"/>
+          <p:cNvPr id="233" name="Google Shape;233;g111b5833a4e_0_5:notes"/>
           <p:cNvSpPr txBox="1"/>
           <p:nvPr>
             <p:ph idx="1" type="body"/>
@@ -2887,12 +2885,12 @@
 </p:notes>
 </file>
 
-<file path=ppt/notesSlides/notesSlide7.xml><?xml version="1.0" encoding="utf-8"?>
+<file path=ppt/notesSlides/notesSlide9.xml><?xml version="1.0" encoding="utf-8"?>
 <p:notes xmlns:a="http://schemas.openxmlformats.org/drawingml/2006/main" xmlns:r="http://schemas.openxmlformats.org/officeDocument/2006/relationships" xmlns:mc="http://schemas.openxmlformats.org/markup-compatibility/2006" xmlns:mv="urn:schemas-microsoft-com:mac:vml" xmlns:p="http://schemas.openxmlformats.org/presentationml/2006/main" xmlns:c="http://schemas.openxmlformats.org/drawingml/2006/chart" xmlns:dgm="http://schemas.openxmlformats.org/drawingml/2006/diagram" xmlns:o="urn:schemas-microsoft-com:office:office" xmlns:v="urn:schemas-microsoft-com:vml" xmlns:pvml="urn:schemas-microsoft-com:office:powerpoint" xmlns:com="http://schemas.openxmlformats.org/drawingml/2006/compatibility" xmlns:p14="http://schemas.microsoft.com/office/powerpoint/2010/main" xmlns:p15="http://schemas.microsoft.com/office/powerpoint/2012/main" xmlns:ahyp="http://schemas.microsoft.com/office/drawing/2018/hyperlinkcolor" showMasterPhAnim="0" showMasterSp="0">
   <p:cSld>
     <p:spTree>
       <p:nvGrpSpPr>
-        <p:cNvPr id="222" name="Shape 222"/>
+        <p:cNvPr id="244" name="Shape 244"/>
         <p:cNvGrpSpPr/>
         <p:nvPr/>
       </p:nvGrpSpPr>
@@ -2906,7 +2904,7 @@
       </p:grpSpPr>
       <p:sp>
         <p:nvSpPr>
-          <p:cNvPr id="223" name="Google Shape;223;g111b5833a4e_0_13:notes"/>
+          <p:cNvPr id="245" name="Google Shape;245;g111984a9035_0_23:notes"/>
           <p:cNvSpPr/>
           <p:nvPr>
             <p:ph idx="2" type="sldImg"/>
@@ -2941,205 +2939,7 @@
       </p:sp>
       <p:sp>
         <p:nvSpPr>
-          <p:cNvPr id="224" name="Google Shape;224;g111b5833a4e_0_13:notes"/>
-          <p:cNvSpPr txBox="1"/>
-          <p:nvPr>
-            <p:ph idx="1" type="body"/>
-          </p:nvPr>
-        </p:nvSpPr>
-        <p:spPr>
-          <a:xfrm>
-            <a:off x="685800" y="4343400"/>
-            <a:ext cx="5486400" cy="4114800"/>
-          </a:xfrm>
-          <a:prstGeom prst="rect">
-            <a:avLst/>
-          </a:prstGeom>
-        </p:spPr>
-        <p:txBody>
-          <a:bodyPr anchorCtr="0" anchor="t" bIns="91425" lIns="91425" spcFirstLastPara="1" rIns="91425" wrap="square" tIns="91425">
-            <a:noAutofit/>
-          </a:bodyPr>
-          <a:lstStyle/>
-          <a:p>
-            <a:pPr indent="0" lvl="0" marL="0" rtl="0" algn="l">
-              <a:spcBef>
-                <a:spcPts val="0"/>
-              </a:spcBef>
-              <a:spcAft>
-                <a:spcPts val="0"/>
-              </a:spcAft>
-              <a:buNone/>
-            </a:pPr>
-            <a:r>
-              <a:t/>
-            </a:r>
-            <a:endParaRPr/>
-          </a:p>
-        </p:txBody>
-      </p:sp>
-    </p:spTree>
-  </p:cSld>
-  <p:clrMapOvr>
-    <a:masterClrMapping/>
-  </p:clrMapOvr>
-</p:notes>
-</file>
-
-<file path=ppt/notesSlides/notesSlide8.xml><?xml version="1.0" encoding="utf-8"?>
-<p:notes xmlns:a="http://schemas.openxmlformats.org/drawingml/2006/main" xmlns:r="http://schemas.openxmlformats.org/officeDocument/2006/relationships" xmlns:mc="http://schemas.openxmlformats.org/markup-compatibility/2006" xmlns:mv="urn:schemas-microsoft-com:mac:vml" xmlns:p="http://schemas.openxmlformats.org/presentationml/2006/main" xmlns:c="http://schemas.openxmlformats.org/drawingml/2006/chart" xmlns:dgm="http://schemas.openxmlformats.org/drawingml/2006/diagram" xmlns:o="urn:schemas-microsoft-com:office:office" xmlns:v="urn:schemas-microsoft-com:vml" xmlns:pvml="urn:schemas-microsoft-com:office:powerpoint" xmlns:com="http://schemas.openxmlformats.org/drawingml/2006/compatibility" xmlns:p14="http://schemas.microsoft.com/office/powerpoint/2010/main" xmlns:p15="http://schemas.microsoft.com/office/powerpoint/2012/main" xmlns:ahyp="http://schemas.microsoft.com/office/drawing/2018/hyperlinkcolor" showMasterPhAnim="0" showMasterSp="0">
-  <p:cSld>
-    <p:spTree>
-      <p:nvGrpSpPr>
-        <p:cNvPr id="230" name="Shape 230"/>
-        <p:cNvGrpSpPr/>
-        <p:nvPr/>
-      </p:nvGrpSpPr>
-      <p:grpSpPr>
-        <a:xfrm>
-          <a:off x="0" y="0"/>
-          <a:ext cx="0" cy="0"/>
-          <a:chOff x="0" y="0"/>
-          <a:chExt cx="0" cy="0"/>
-        </a:xfrm>
-      </p:grpSpPr>
-      <p:sp>
-        <p:nvSpPr>
-          <p:cNvPr id="231" name="Google Shape;231;g111b5833a4e_0_5:notes"/>
-          <p:cNvSpPr/>
-          <p:nvPr>
-            <p:ph idx="2" type="sldImg"/>
-          </p:nvPr>
-        </p:nvSpPr>
-        <p:spPr>
-          <a:xfrm>
-            <a:off x="381188" y="685800"/>
-            <a:ext cx="6096300" cy="3429000"/>
-          </a:xfrm>
-          <a:custGeom>
-            <a:rect b="b" l="l" r="r" t="t"/>
-            <a:pathLst>
-              <a:path extrusionOk="0" h="120000" w="120000">
-                <a:moveTo>
-                  <a:pt x="0" y="0"/>
-                </a:moveTo>
-                <a:lnTo>
-                  <a:pt x="120000" y="0"/>
-                </a:lnTo>
-                <a:lnTo>
-                  <a:pt x="120000" y="120000"/>
-                </a:lnTo>
-                <a:lnTo>
-                  <a:pt x="0" y="120000"/>
-                </a:lnTo>
-                <a:close/>
-              </a:path>
-            </a:pathLst>
-          </a:custGeom>
-        </p:spPr>
-      </p:sp>
-      <p:sp>
-        <p:nvSpPr>
-          <p:cNvPr id="232" name="Google Shape;232;g111b5833a4e_0_5:notes"/>
-          <p:cNvSpPr txBox="1"/>
-          <p:nvPr>
-            <p:ph idx="1" type="body"/>
-          </p:nvPr>
-        </p:nvSpPr>
-        <p:spPr>
-          <a:xfrm>
-            <a:off x="685800" y="4343400"/>
-            <a:ext cx="5486400" cy="4114800"/>
-          </a:xfrm>
-          <a:prstGeom prst="rect">
-            <a:avLst/>
-          </a:prstGeom>
-        </p:spPr>
-        <p:txBody>
-          <a:bodyPr anchorCtr="0" anchor="t" bIns="91425" lIns="91425" spcFirstLastPara="1" rIns="91425" wrap="square" tIns="91425">
-            <a:noAutofit/>
-          </a:bodyPr>
-          <a:lstStyle/>
-          <a:p>
-            <a:pPr indent="0" lvl="0" marL="0" rtl="0" algn="l">
-              <a:spcBef>
-                <a:spcPts val="0"/>
-              </a:spcBef>
-              <a:spcAft>
-                <a:spcPts val="0"/>
-              </a:spcAft>
-              <a:buNone/>
-            </a:pPr>
-            <a:r>
-              <a:t/>
-            </a:r>
-            <a:endParaRPr/>
-          </a:p>
-        </p:txBody>
-      </p:sp>
-    </p:spTree>
-  </p:cSld>
-  <p:clrMapOvr>
-    <a:masterClrMapping/>
-  </p:clrMapOvr>
-</p:notes>
-</file>
-
-<file path=ppt/notesSlides/notesSlide9.xml><?xml version="1.0" encoding="utf-8"?>
-<p:notes xmlns:a="http://schemas.openxmlformats.org/drawingml/2006/main" xmlns:r="http://schemas.openxmlformats.org/officeDocument/2006/relationships" xmlns:mc="http://schemas.openxmlformats.org/markup-compatibility/2006" xmlns:mv="urn:schemas-microsoft-com:mac:vml" xmlns:p="http://schemas.openxmlformats.org/presentationml/2006/main" xmlns:c="http://schemas.openxmlformats.org/drawingml/2006/chart" xmlns:dgm="http://schemas.openxmlformats.org/drawingml/2006/diagram" xmlns:o="urn:schemas-microsoft-com:office:office" xmlns:v="urn:schemas-microsoft-com:vml" xmlns:pvml="urn:schemas-microsoft-com:office:powerpoint" xmlns:com="http://schemas.openxmlformats.org/drawingml/2006/compatibility" xmlns:p14="http://schemas.microsoft.com/office/powerpoint/2010/main" xmlns:p15="http://schemas.microsoft.com/office/powerpoint/2012/main" xmlns:ahyp="http://schemas.microsoft.com/office/drawing/2018/hyperlinkcolor" showMasterPhAnim="0" showMasterSp="0">
-  <p:cSld>
-    <p:spTree>
-      <p:nvGrpSpPr>
-        <p:cNvPr id="243" name="Shape 243"/>
-        <p:cNvGrpSpPr/>
-        <p:nvPr/>
-      </p:nvGrpSpPr>
-      <p:grpSpPr>
-        <a:xfrm>
-          <a:off x="0" y="0"/>
-          <a:ext cx="0" cy="0"/>
-          <a:chOff x="0" y="0"/>
-          <a:chExt cx="0" cy="0"/>
-        </a:xfrm>
-      </p:grpSpPr>
-      <p:sp>
-        <p:nvSpPr>
-          <p:cNvPr id="244" name="Google Shape;244;g111984a9035_0_23:notes"/>
-          <p:cNvSpPr/>
-          <p:nvPr>
-            <p:ph idx="2" type="sldImg"/>
-          </p:nvPr>
-        </p:nvSpPr>
-        <p:spPr>
-          <a:xfrm>
-            <a:off x="381188" y="685800"/>
-            <a:ext cx="6096300" cy="3429000"/>
-          </a:xfrm>
-          <a:custGeom>
-            <a:rect b="b" l="l" r="r" t="t"/>
-            <a:pathLst>
-              <a:path extrusionOk="0" h="120000" w="120000">
-                <a:moveTo>
-                  <a:pt x="0" y="0"/>
-                </a:moveTo>
-                <a:lnTo>
-                  <a:pt x="120000" y="0"/>
-                </a:lnTo>
-                <a:lnTo>
-                  <a:pt x="120000" y="120000"/>
-                </a:lnTo>
-                <a:lnTo>
-                  <a:pt x="0" y="120000"/>
-                </a:lnTo>
-                <a:close/>
-              </a:path>
-            </a:pathLst>
-          </a:custGeom>
-        </p:spPr>
-      </p:sp>
-      <p:sp>
-        <p:nvSpPr>
-          <p:cNvPr id="245" name="Google Shape;245;g111984a9035_0_23:notes"/>
+          <p:cNvPr id="246" name="Google Shape;246;g111984a9035_0_23:notes"/>
           <p:cNvSpPr txBox="1"/>
           <p:nvPr>
             <p:ph idx="1" type="body"/>
@@ -19498,6 +19298,34 @@
           </a:p>
         </p:txBody>
       </p:sp>
+      <p:pic>
+        <p:nvPicPr>
+          <p:cNvPr id="179" name="Google Shape;179;p37"/>
+          <p:cNvPicPr preferRelativeResize="0"/>
+          <p:nvPr/>
+        </p:nvPicPr>
+        <p:blipFill>
+          <a:blip r:embed="rId5">
+            <a:alphaModFix/>
+          </a:blip>
+          <a:stretch>
+            <a:fillRect/>
+          </a:stretch>
+        </p:blipFill>
+        <p:spPr>
+          <a:xfrm>
+            <a:off x="7959900" y="3603500"/>
+            <a:ext cx="872400" cy="872400"/>
+          </a:xfrm>
+          <a:prstGeom prst="rect">
+            <a:avLst/>
+          </a:prstGeom>
+          <a:noFill/>
+          <a:ln>
+            <a:noFill/>
+          </a:ln>
+        </p:spPr>
+      </p:pic>
     </p:spTree>
   </p:cSld>
   <p:clrMapOvr>
@@ -19511,7 +19339,7 @@
   <p:cSld>
     <p:spTree>
       <p:nvGrpSpPr>
-        <p:cNvPr id="256" name="Shape 256"/>
+        <p:cNvPr id="257" name="Shape 257"/>
         <p:cNvGrpSpPr/>
         <p:nvPr/>
       </p:nvGrpSpPr>
@@ -19525,7 +19353,7 @@
       </p:grpSpPr>
       <p:pic>
         <p:nvPicPr>
-          <p:cNvPr id="257" name="Google Shape;257;p46"/>
+          <p:cNvPr id="258" name="Google Shape;258;p46"/>
           <p:cNvPicPr preferRelativeResize="0"/>
           <p:nvPr/>
         </p:nvPicPr>
@@ -19553,7 +19381,7 @@
       </p:pic>
       <p:sp>
         <p:nvSpPr>
-          <p:cNvPr id="258" name="Google Shape;258;p46"/>
+          <p:cNvPr id="259" name="Google Shape;259;p46"/>
           <p:cNvSpPr txBox="1"/>
           <p:nvPr>
             <p:ph type="title"/>
@@ -19601,7 +19429,7 @@
       </p:sp>
       <p:sp>
         <p:nvSpPr>
-          <p:cNvPr id="259" name="Google Shape;259;p46"/>
+          <p:cNvPr id="260" name="Google Shape;260;p46"/>
           <p:cNvSpPr txBox="1"/>
           <p:nvPr/>
         </p:nvSpPr>
@@ -19715,7 +19543,7 @@
       </p:sp>
       <p:sp>
         <p:nvSpPr>
-          <p:cNvPr id="260" name="Google Shape;260;p46"/>
+          <p:cNvPr id="261" name="Google Shape;261;p46"/>
           <p:cNvSpPr txBox="1"/>
           <p:nvPr>
             <p:ph idx="12" type="sldNum"/>
@@ -19763,7 +19591,7 @@
       </p:sp>
       <p:pic>
         <p:nvPicPr>
-          <p:cNvPr id="261" name="Google Shape;261;p46"/>
+          <p:cNvPr id="262" name="Google Shape;262;p46"/>
           <p:cNvPicPr preferRelativeResize="0"/>
           <p:nvPr/>
         </p:nvPicPr>
@@ -19791,7 +19619,7 @@
       </p:pic>
       <p:sp>
         <p:nvSpPr>
-          <p:cNvPr id="262" name="Google Shape;262;p46"/>
+          <p:cNvPr id="263" name="Google Shape;263;p46"/>
           <p:cNvSpPr txBox="1"/>
           <p:nvPr/>
         </p:nvSpPr>
@@ -19854,7 +19682,7 @@
   <p:cSld>
     <p:spTree>
       <p:nvGrpSpPr>
-        <p:cNvPr id="266" name="Shape 266"/>
+        <p:cNvPr id="267" name="Shape 267"/>
         <p:cNvGrpSpPr/>
         <p:nvPr/>
       </p:nvGrpSpPr>
@@ -19868,7 +19696,7 @@
       </p:grpSpPr>
       <p:pic>
         <p:nvPicPr>
-          <p:cNvPr id="267" name="Google Shape;267;p47"/>
+          <p:cNvPr id="268" name="Google Shape;268;p47"/>
           <p:cNvPicPr preferRelativeResize="0"/>
           <p:nvPr/>
         </p:nvPicPr>
@@ -19896,7 +19724,7 @@
       </p:pic>
       <p:sp>
         <p:nvSpPr>
-          <p:cNvPr id="268" name="Google Shape;268;p47"/>
+          <p:cNvPr id="269" name="Google Shape;269;p47"/>
           <p:cNvSpPr txBox="1"/>
           <p:nvPr>
             <p:ph type="title"/>
@@ -19944,7 +19772,7 @@
       </p:sp>
       <p:sp>
         <p:nvSpPr>
-          <p:cNvPr id="269" name="Google Shape;269;p47"/>
+          <p:cNvPr id="270" name="Google Shape;270;p47"/>
           <p:cNvSpPr txBox="1"/>
           <p:nvPr/>
         </p:nvSpPr>
@@ -20070,7 +19898,7 @@
       </p:sp>
       <p:sp>
         <p:nvSpPr>
-          <p:cNvPr id="270" name="Google Shape;270;p47"/>
+          <p:cNvPr id="271" name="Google Shape;271;p47"/>
           <p:cNvSpPr txBox="1"/>
           <p:nvPr>
             <p:ph idx="12" type="sldNum"/>
@@ -20118,7 +19946,7 @@
       </p:sp>
       <p:pic>
         <p:nvPicPr>
-          <p:cNvPr id="271" name="Google Shape;271;p47"/>
+          <p:cNvPr id="272" name="Google Shape;272;p47"/>
           <p:cNvPicPr preferRelativeResize="0"/>
           <p:nvPr/>
         </p:nvPicPr>
@@ -20146,7 +19974,7 @@
       </p:pic>
       <p:sp>
         <p:nvSpPr>
-          <p:cNvPr id="272" name="Google Shape;272;p47"/>
+          <p:cNvPr id="273" name="Google Shape;273;p47"/>
           <p:cNvSpPr txBox="1"/>
           <p:nvPr/>
         </p:nvSpPr>
@@ -20198,7 +20026,7 @@
       </p:sp>
       <p:pic>
         <p:nvPicPr>
-          <p:cNvPr id="273" name="Google Shape;273;p47"/>
+          <p:cNvPr id="274" name="Google Shape;274;p47"/>
           <p:cNvPicPr preferRelativeResize="0"/>
           <p:nvPr/>
         </p:nvPicPr>
@@ -20237,7 +20065,7 @@
   <p:cSld>
     <p:spTree>
       <p:nvGrpSpPr>
-        <p:cNvPr id="277" name="Shape 277"/>
+        <p:cNvPr id="278" name="Shape 278"/>
         <p:cNvGrpSpPr/>
         <p:nvPr/>
       </p:nvGrpSpPr>
@@ -20251,7 +20079,7 @@
       </p:grpSpPr>
       <p:pic>
         <p:nvPicPr>
-          <p:cNvPr id="278" name="Google Shape;278;p48"/>
+          <p:cNvPr id="279" name="Google Shape;279;p48"/>
           <p:cNvPicPr preferRelativeResize="0"/>
           <p:nvPr/>
         </p:nvPicPr>
@@ -20279,7 +20107,7 @@
       </p:pic>
       <p:sp>
         <p:nvSpPr>
-          <p:cNvPr id="279" name="Google Shape;279;p48"/>
+          <p:cNvPr id="280" name="Google Shape;280;p48"/>
           <p:cNvSpPr txBox="1"/>
           <p:nvPr>
             <p:ph type="title"/>
@@ -20327,14 +20155,14 @@
       </p:sp>
       <p:sp>
         <p:nvSpPr>
-          <p:cNvPr id="280" name="Google Shape;280;p48"/>
+          <p:cNvPr id="281" name="Google Shape;281;p48"/>
           <p:cNvSpPr txBox="1"/>
           <p:nvPr/>
         </p:nvSpPr>
         <p:spPr>
           <a:xfrm>
-            <a:off x="519550" y="875450"/>
-            <a:ext cx="8401200" cy="1563900"/>
+            <a:off x="548700" y="766750"/>
+            <a:ext cx="8401200" cy="1736100"/>
           </a:xfrm>
           <a:prstGeom prst="rect">
             <a:avLst/>
@@ -20350,7 +20178,7 @@
           </a:bodyPr>
           <a:lstStyle/>
           <a:p>
-            <a:pPr indent="-330200" lvl="0" marL="457200" rtl="0" algn="l">
+            <a:pPr indent="-342900" lvl="0" marL="457200" rtl="0" algn="l">
               <a:lnSpc>
                 <a:spcPct val="115000"/>
               </a:lnSpc>
@@ -20360,17 +20188,17 @@
               <a:spcAft>
                 <a:spcPts val="0"/>
               </a:spcAft>
-              <a:buSzPts val="1600"/>
+              <a:buSzPts val="1800"/>
               <a:buChar char="●"/>
             </a:pPr>
             <a:r>
-              <a:rPr lang="en" sz="1600"/>
+              <a:rPr lang="en" sz="1800"/>
               <a:t>Most prevalent practices for tuning ML models.</a:t>
             </a:r>
-            <a:endParaRPr sz="1600"/>
+            <a:endParaRPr sz="1800"/>
           </a:p>
           <a:p>
-            <a:pPr indent="-330200" lvl="0" marL="457200" rtl="0" algn="l">
+            <a:pPr indent="-342900" lvl="0" marL="457200" rtl="0" algn="l">
               <a:lnSpc>
                 <a:spcPct val="115000"/>
               </a:lnSpc>
@@ -20380,17 +20208,17 @@
               <a:spcAft>
                 <a:spcPts val="0"/>
               </a:spcAft>
-              <a:buSzPts val="1600"/>
+              <a:buSzPts val="1800"/>
               <a:buChar char="●"/>
             </a:pPr>
             <a:r>
-              <a:rPr lang="en" sz="1600"/>
+              <a:rPr lang="en" sz="1800"/>
               <a:t>Uses the same data to build different models and also tune their hyperparameters using a simple data partitioning strategy.</a:t>
             </a:r>
-            <a:endParaRPr sz="1600"/>
+            <a:endParaRPr sz="1800"/>
           </a:p>
           <a:p>
-            <a:pPr indent="-330200" lvl="0" marL="457200" rtl="0" algn="l">
+            <a:pPr indent="-342900" lvl="0" marL="457200" rtl="0" algn="l">
               <a:lnSpc>
                 <a:spcPct val="115000"/>
               </a:lnSpc>
@@ -20400,20 +20228,20 @@
               <a:spcAft>
                 <a:spcPts val="0"/>
               </a:spcAft>
-              <a:buSzPts val="1600"/>
+              <a:buSzPts val="1800"/>
               <a:buChar char="●"/>
             </a:pPr>
             <a:r>
-              <a:rPr lang="en" sz="1600"/>
+              <a:rPr lang="en" sz="1800"/>
               <a:t>Useful when we have less data observations and cannot segregate a specific partition of data as validation set.</a:t>
             </a:r>
-            <a:endParaRPr sz="1600"/>
+            <a:endParaRPr sz="1800"/>
           </a:p>
         </p:txBody>
       </p:sp>
       <p:sp>
         <p:nvSpPr>
-          <p:cNvPr id="281" name="Google Shape;281;p48"/>
+          <p:cNvPr id="282" name="Google Shape;282;p48"/>
           <p:cNvSpPr txBox="1"/>
           <p:nvPr>
             <p:ph idx="12" type="sldNum"/>
@@ -20459,6 +20287,86 @@
           </a:p>
         </p:txBody>
       </p:sp>
+      <p:pic>
+        <p:nvPicPr>
+          <p:cNvPr id="283" name="Google Shape;283;p48"/>
+          <p:cNvPicPr preferRelativeResize="0"/>
+          <p:nvPr/>
+        </p:nvPicPr>
+        <p:blipFill>
+          <a:blip r:embed="rId4">
+            <a:alphaModFix/>
+          </a:blip>
+          <a:stretch>
+            <a:fillRect/>
+          </a:stretch>
+        </p:blipFill>
+        <p:spPr>
+          <a:xfrm>
+            <a:off x="1673538" y="2551952"/>
+            <a:ext cx="3883162" cy="2158350"/>
+          </a:xfrm>
+          <a:prstGeom prst="rect">
+            <a:avLst/>
+          </a:prstGeom>
+          <a:noFill/>
+          <a:ln>
+            <a:noFill/>
+          </a:ln>
+        </p:spPr>
+      </p:pic>
+      <p:sp>
+        <p:nvSpPr>
+          <p:cNvPr id="284" name="Google Shape;284;p48"/>
+          <p:cNvSpPr txBox="1"/>
+          <p:nvPr/>
+        </p:nvSpPr>
+        <p:spPr>
+          <a:xfrm>
+            <a:off x="5614513" y="3986025"/>
+            <a:ext cx="1989300" cy="400200"/>
+          </a:xfrm>
+          <a:prstGeom prst="rect">
+            <a:avLst/>
+          </a:prstGeom>
+          <a:noFill/>
+          <a:ln>
+            <a:noFill/>
+          </a:ln>
+        </p:spPr>
+        <p:txBody>
+          <a:bodyPr anchorCtr="0" anchor="t" bIns="91425" lIns="91425" spcFirstLastPara="1" rIns="91425" wrap="square" tIns="91425">
+            <a:spAutoFit/>
+          </a:bodyPr>
+          <a:lstStyle/>
+          <a:p>
+            <a:pPr indent="0" lvl="0" marL="0" rtl="0" algn="ctr">
+              <a:spcBef>
+                <a:spcPts val="0"/>
+              </a:spcBef>
+              <a:spcAft>
+                <a:spcPts val="0"/>
+              </a:spcAft>
+              <a:buNone/>
+            </a:pPr>
+            <a:r>
+              <a:rPr lang="en">
+                <a:latin typeface="Roboto"/>
+                <a:ea typeface="Roboto"/>
+                <a:cs typeface="Roboto"/>
+                <a:sym typeface="Roboto"/>
+              </a:rPr>
+              <a:t>(Greener et al. 2022)</a:t>
+            </a:r>
+            <a:endParaRPr>
+              <a:latin typeface="Roboto"/>
+              <a:ea typeface="Roboto"/>
+              <a:cs typeface="Roboto"/>
+              <a:sym typeface="Roboto"/>
+            </a:endParaRPr>
+          </a:p>
+        </p:txBody>
+      </p:sp>
     </p:spTree>
   </p:cSld>
   <p:clrMapOvr>
@@ -20472,7 +20380,7 @@
   <p:cSld>
     <p:spTree>
       <p:nvGrpSpPr>
-        <p:cNvPr id="285" name="Shape 285"/>
+        <p:cNvPr id="288" name="Shape 288"/>
         <p:cNvGrpSpPr/>
         <p:nvPr/>
       </p:nvGrpSpPr>
@@ -20486,7 +20394,7 @@
       </p:grpSpPr>
       <p:pic>
         <p:nvPicPr>
-          <p:cNvPr id="286" name="Google Shape;286;p49"/>
+          <p:cNvPr id="289" name="Google Shape;289;p49"/>
           <p:cNvPicPr preferRelativeResize="0"/>
           <p:nvPr/>
         </p:nvPicPr>
@@ -20514,7 +20422,7 @@
       </p:pic>
       <p:sp>
         <p:nvSpPr>
-          <p:cNvPr id="287" name="Google Shape;287;p49"/>
+          <p:cNvPr id="290" name="Google Shape;290;p49"/>
           <p:cNvSpPr txBox="1"/>
           <p:nvPr>
             <p:ph type="title"/>
@@ -20545,22 +20453,14 @@
               <a:buNone/>
             </a:pPr>
             <a:r>
-              <a:rPr lang="en" sz="2700">
+              <a:rPr lang="en">
                 <a:solidFill>
                   <a:srgbClr val="4A86E8"/>
                 </a:solidFill>
               </a:rPr>
-              <a:t>ML </a:t>
+              <a:t>Cross-Validation Strategies</a:t>
             </a:r>
-            <a:r>
-              <a:rPr lang="en" sz="2700">
-                <a:solidFill>
-                  <a:srgbClr val="4A86E8"/>
-                </a:solidFill>
-              </a:rPr>
-              <a:t>model building and tuning process</a:t>
-            </a:r>
-            <a:endParaRPr sz="2700">
+            <a:endParaRPr>
               <a:solidFill>
                 <a:srgbClr val="4A86E8"/>
               </a:solidFill>
@@ -20570,7 +20470,77 @@
       </p:sp>
       <p:sp>
         <p:nvSpPr>
-          <p:cNvPr id="288" name="Google Shape;288;p49"/>
+          <p:cNvPr id="291" name="Google Shape;291;p49"/>
+          <p:cNvSpPr txBox="1"/>
+          <p:nvPr/>
+        </p:nvSpPr>
+        <p:spPr>
+          <a:xfrm>
+            <a:off x="519525" y="777175"/>
+            <a:ext cx="8399400" cy="997500"/>
+          </a:xfrm>
+          <a:prstGeom prst="rect">
+            <a:avLst/>
+          </a:prstGeom>
+          <a:noFill/>
+          <a:ln>
+            <a:noFill/>
+          </a:ln>
+        </p:spPr>
+        <p:txBody>
+          <a:bodyPr anchorCtr="0" anchor="t" bIns="91425" lIns="91425" spcFirstLastPara="1" rIns="91425" wrap="square" tIns="91425">
+            <a:spAutoFit/>
+          </a:bodyPr>
+          <a:lstStyle/>
+          <a:p>
+            <a:pPr indent="-330200" lvl="0" marL="457200" rtl="0" algn="l">
+              <a:lnSpc>
+                <a:spcPct val="115000"/>
+              </a:lnSpc>
+              <a:spcBef>
+                <a:spcPts val="0"/>
+              </a:spcBef>
+              <a:spcAft>
+                <a:spcPts val="0"/>
+              </a:spcAft>
+              <a:buSzPts val="1600"/>
+              <a:buChar char="●"/>
+            </a:pPr>
+            <a:r>
+              <a:rPr b="1" lang="en" sz="1600"/>
+              <a:t>Leave One Out Cross-Validation</a:t>
+            </a:r>
+            <a:r>
+              <a:rPr lang="en" sz="1600"/>
+              <a:t>: </a:t>
+            </a:r>
+            <a:endParaRPr sz="1600"/>
+          </a:p>
+          <a:p>
+            <a:pPr indent="-330200" lvl="1" marL="914400" rtl="0" algn="l">
+              <a:lnSpc>
+                <a:spcPct val="115000"/>
+              </a:lnSpc>
+              <a:spcBef>
+                <a:spcPts val="0"/>
+              </a:spcBef>
+              <a:spcAft>
+                <a:spcPts val="0"/>
+              </a:spcAft>
+              <a:buSzPts val="1600"/>
+              <a:buChar char="○"/>
+            </a:pPr>
+            <a:r>
+              <a:rPr lang="en" sz="1600"/>
+              <a:t>We have a single point only in our validation set and the rest n-1 observations become the training set. Mostly suitable for small datasets.</a:t>
+            </a:r>
+            <a:endParaRPr sz="1600"/>
+          </a:p>
+        </p:txBody>
+      </p:sp>
+      <p:sp>
+        <p:nvSpPr>
+          <p:cNvPr id="292" name="Google Shape;292;p49"/>
           <p:cNvSpPr txBox="1"/>
           <p:nvPr>
             <p:ph idx="12" type="sldNum"/>
@@ -20616,9 +20586,139 @@
           </a:p>
         </p:txBody>
       </p:sp>
+      <p:sp>
+        <p:nvSpPr>
+          <p:cNvPr id="293" name="Google Shape;293;p49"/>
+          <p:cNvSpPr txBox="1"/>
+          <p:nvPr/>
+        </p:nvSpPr>
+        <p:spPr>
+          <a:xfrm>
+            <a:off x="3506300" y="1719050"/>
+            <a:ext cx="5326200" cy="2979900"/>
+          </a:xfrm>
+          <a:prstGeom prst="rect">
+            <a:avLst/>
+          </a:prstGeom>
+          <a:noFill/>
+          <a:ln>
+            <a:noFill/>
+          </a:ln>
+        </p:spPr>
+        <p:txBody>
+          <a:bodyPr anchorCtr="0" anchor="t" bIns="91425" lIns="91425" spcFirstLastPara="1" rIns="91425" wrap="square" tIns="91425">
+            <a:spAutoFit/>
+          </a:bodyPr>
+          <a:lstStyle/>
+          <a:p>
+            <a:pPr indent="-330200" lvl="0" marL="457200" rtl="0" algn="l">
+              <a:lnSpc>
+                <a:spcPct val="115000"/>
+              </a:lnSpc>
+              <a:spcBef>
+                <a:spcPts val="0"/>
+              </a:spcBef>
+              <a:spcAft>
+                <a:spcPts val="0"/>
+              </a:spcAft>
+              <a:buSzPts val="1600"/>
+              <a:buChar char="●"/>
+            </a:pPr>
+            <a:r>
+              <a:rPr b="1" lang="en" sz="1600"/>
+              <a:t>K-Fold Cross Validation</a:t>
+            </a:r>
+            <a:r>
+              <a:rPr lang="en" sz="1600"/>
+              <a:t>: </a:t>
+            </a:r>
+            <a:endParaRPr sz="1600"/>
+          </a:p>
+          <a:p>
+            <a:pPr indent="-330200" lvl="1" marL="914400" rtl="0" algn="l">
+              <a:lnSpc>
+                <a:spcPct val="115000"/>
+              </a:lnSpc>
+              <a:spcBef>
+                <a:spcPts val="0"/>
+              </a:spcBef>
+              <a:spcAft>
+                <a:spcPts val="0"/>
+              </a:spcAft>
+              <a:buSzPts val="1600"/>
+              <a:buChar char="○"/>
+            </a:pPr>
+            <a:r>
+              <a:rPr lang="en" sz="1600"/>
+              <a:t>To split the training dataset into k equal subsets.</a:t>
+            </a:r>
+            <a:endParaRPr sz="1600"/>
+          </a:p>
+          <a:p>
+            <a:pPr indent="-330200" lvl="1" marL="914400" rtl="0" algn="l">
+              <a:lnSpc>
+                <a:spcPct val="115000"/>
+              </a:lnSpc>
+              <a:spcBef>
+                <a:spcPts val="0"/>
+              </a:spcBef>
+              <a:spcAft>
+                <a:spcPts val="0"/>
+              </a:spcAft>
+              <a:buSzPts val="1600"/>
+              <a:buChar char="○"/>
+            </a:pPr>
+            <a:r>
+              <a:rPr lang="en" sz="1600"/>
+              <a:t>Out of these k subsets we train the model on k-1 subsets and keep one subset as a validation set.</a:t>
+            </a:r>
+            <a:endParaRPr sz="1600"/>
+          </a:p>
+          <a:p>
+            <a:pPr indent="-330200" lvl="1" marL="914400" rtl="0" algn="l">
+              <a:lnSpc>
+                <a:spcPct val="115000"/>
+              </a:lnSpc>
+              <a:spcBef>
+                <a:spcPts val="0"/>
+              </a:spcBef>
+              <a:spcAft>
+                <a:spcPts val="0"/>
+              </a:spcAft>
+              <a:buSzPts val="1600"/>
+              <a:buChar char="○"/>
+            </a:pPr>
+            <a:r>
+              <a:rPr lang="en" sz="1600"/>
+              <a:t>This process is repeated k times and the error is averaged over the k models.</a:t>
+            </a:r>
+            <a:endParaRPr sz="1600"/>
+          </a:p>
+          <a:p>
+            <a:pPr indent="-330200" lvl="1" marL="914400" rtl="0" algn="l">
+              <a:lnSpc>
+                <a:spcPct val="115000"/>
+              </a:lnSpc>
+              <a:spcBef>
+                <a:spcPts val="0"/>
+              </a:spcBef>
+              <a:spcAft>
+                <a:spcPts val="0"/>
+              </a:spcAft>
+              <a:buSzPts val="1600"/>
+              <a:buChar char="○"/>
+            </a:pPr>
+            <a:r>
+              <a:rPr lang="en" sz="1600"/>
+              <a:t>For each iteration, the model is trained on a different subset.</a:t>
+            </a:r>
+            <a:endParaRPr sz="1600"/>
+          </a:p>
+        </p:txBody>
+      </p:sp>
       <p:pic>
         <p:nvPicPr>
-          <p:cNvPr id="289" name="Google Shape;289;p49"/>
+          <p:cNvPr id="294" name="Google Shape;294;p49"/>
           <p:cNvPicPr preferRelativeResize="0"/>
           <p:nvPr/>
         </p:nvPicPr>
@@ -20632,8 +20732,8 @@
         </p:blipFill>
         <p:spPr>
           <a:xfrm>
-            <a:off x="815225" y="717650"/>
-            <a:ext cx="6955700" cy="3498000"/>
+            <a:off x="122775" y="1834200"/>
+            <a:ext cx="3878574" cy="1736125"/>
           </a:xfrm>
           <a:prstGeom prst="rect">
             <a:avLst/>
@@ -20646,14 +20746,14 @@
       </p:pic>
       <p:sp>
         <p:nvSpPr>
-          <p:cNvPr id="290" name="Google Shape;290;p49"/>
+          <p:cNvPr id="295" name="Google Shape;295;p49"/>
           <p:cNvSpPr txBox="1"/>
           <p:nvPr/>
         </p:nvSpPr>
         <p:spPr>
           <a:xfrm>
-            <a:off x="3444575" y="4113500"/>
-            <a:ext cx="2095500" cy="369300"/>
+            <a:off x="820713" y="3629850"/>
+            <a:ext cx="1233000" cy="400200"/>
           </a:xfrm>
           <a:prstGeom prst="rect">
             <a:avLst/>
@@ -20679,15 +20779,15 @@
               <a:buNone/>
             </a:pPr>
             <a:r>
-              <a:rPr lang="en" sz="1200">
+              <a:rPr lang="en">
                 <a:latin typeface="Roboto"/>
                 <a:ea typeface="Roboto"/>
                 <a:cs typeface="Roboto"/>
                 <a:sym typeface="Roboto"/>
               </a:rPr>
-              <a:t>(Sarkar et al. 2018)</a:t>
+              <a:t>(Patro, 2021)</a:t>
             </a:r>
-            <a:endParaRPr sz="1200">
+            <a:endParaRPr>
               <a:latin typeface="Roboto"/>
               <a:ea typeface="Roboto"/>
               <a:cs typeface="Roboto"/>
@@ -20709,7 +20809,7 @@
   <p:cSld>
     <p:spTree>
       <p:nvGrpSpPr>
-        <p:cNvPr id="294" name="Shape 294"/>
+        <p:cNvPr id="299" name="Shape 299"/>
         <p:cNvGrpSpPr/>
         <p:nvPr/>
       </p:nvGrpSpPr>
@@ -20723,7 +20823,7 @@
       </p:grpSpPr>
       <p:pic>
         <p:nvPicPr>
-          <p:cNvPr id="295" name="Google Shape;295;p50"/>
+          <p:cNvPr id="300" name="Google Shape;300;p50"/>
           <p:cNvPicPr preferRelativeResize="0"/>
           <p:nvPr/>
         </p:nvPicPr>
@@ -20751,7 +20851,7 @@
       </p:pic>
       <p:sp>
         <p:nvSpPr>
-          <p:cNvPr id="296" name="Google Shape;296;p50"/>
+          <p:cNvPr id="301" name="Google Shape;301;p50"/>
           <p:cNvSpPr txBox="1"/>
           <p:nvPr>
             <p:ph type="title"/>
@@ -20787,770 +20887,6 @@
                   <a:srgbClr val="4A86E8"/>
                 </a:solidFill>
               </a:rPr>
-              <a:t>Where is the </a:t>
-            </a:r>
-            <a:r>
-              <a:rPr lang="en">
-                <a:solidFill>
-                  <a:srgbClr val="4A86E8"/>
-                </a:solidFill>
-              </a:rPr>
-              <a:t>cross</a:t>
-            </a:r>
-            <a:r>
-              <a:rPr lang="en">
-                <a:solidFill>
-                  <a:srgbClr val="4A86E8"/>
-                </a:solidFill>
-              </a:rPr>
-              <a:t>-validation?</a:t>
-            </a:r>
-            <a:endParaRPr>
-              <a:solidFill>
-                <a:srgbClr val="4A86E8"/>
-              </a:solidFill>
-            </a:endParaRPr>
-          </a:p>
-        </p:txBody>
-      </p:sp>
-      <p:sp>
-        <p:nvSpPr>
-          <p:cNvPr id="297" name="Google Shape;297;p50"/>
-          <p:cNvSpPr txBox="1"/>
-          <p:nvPr/>
-        </p:nvSpPr>
-        <p:spPr>
-          <a:xfrm>
-            <a:off x="4721050" y="858150"/>
-            <a:ext cx="4017000" cy="3263100"/>
-          </a:xfrm>
-          <a:prstGeom prst="rect">
-            <a:avLst/>
-          </a:prstGeom>
-          <a:noFill/>
-          <a:ln>
-            <a:noFill/>
-          </a:ln>
-        </p:spPr>
-        <p:txBody>
-          <a:bodyPr anchorCtr="0" anchor="t" bIns="91425" lIns="91425" spcFirstLastPara="1" rIns="91425" wrap="square" tIns="91425">
-            <a:spAutoFit/>
-          </a:bodyPr>
-          <a:lstStyle/>
-          <a:p>
-            <a:pPr indent="-330200" lvl="0" marL="457200" rtl="0" algn="l">
-              <a:lnSpc>
-                <a:spcPct val="115000"/>
-              </a:lnSpc>
-              <a:spcBef>
-                <a:spcPts val="0"/>
-              </a:spcBef>
-              <a:spcAft>
-                <a:spcPts val="0"/>
-              </a:spcAft>
-              <a:buSzPts val="1600"/>
-              <a:buChar char="●"/>
-            </a:pPr>
-            <a:r>
-              <a:rPr lang="en" sz="1600"/>
-              <a:t>Gets different splits of </a:t>
-            </a:r>
-            <a:r>
-              <a:rPr lang="en" sz="1600"/>
-              <a:t>train and validation sets and then build multiple iterations of each model on these different splits.</a:t>
-            </a:r>
-            <a:endParaRPr sz="1600"/>
-          </a:p>
-          <a:p>
-            <a:pPr indent="-330200" lvl="0" marL="457200" rtl="0" algn="l">
-              <a:lnSpc>
-                <a:spcPct val="115000"/>
-              </a:lnSpc>
-              <a:spcBef>
-                <a:spcPts val="0"/>
-              </a:spcBef>
-              <a:spcAft>
-                <a:spcPts val="0"/>
-              </a:spcAft>
-              <a:buSzPts val="1600"/>
-              <a:buChar char="●"/>
-            </a:pPr>
-            <a:r>
-              <a:rPr lang="en" sz="1600"/>
-              <a:t>The average error on these splits is then reported as the error of the model in question.</a:t>
-            </a:r>
-            <a:endParaRPr sz="1600"/>
-          </a:p>
-          <a:p>
-            <a:pPr indent="-330200" lvl="0" marL="457200" rtl="0" algn="l">
-              <a:lnSpc>
-                <a:spcPct val="115000"/>
-              </a:lnSpc>
-              <a:spcBef>
-                <a:spcPts val="0"/>
-              </a:spcBef>
-              <a:spcAft>
-                <a:spcPts val="0"/>
-              </a:spcAft>
-              <a:buSzPts val="1600"/>
-              <a:buChar char="●"/>
-            </a:pPr>
-            <a:r>
-              <a:rPr lang="en" sz="1600"/>
-              <a:t>The final decision is made on this averaged error metric, which is close to model’s error on really unseen data.</a:t>
-            </a:r>
-            <a:endParaRPr sz="1600"/>
-          </a:p>
-        </p:txBody>
-      </p:sp>
-      <p:sp>
-        <p:nvSpPr>
-          <p:cNvPr id="298" name="Google Shape;298;p50"/>
-          <p:cNvSpPr txBox="1"/>
-          <p:nvPr>
-            <p:ph idx="12" type="sldNum"/>
-          </p:nvPr>
-        </p:nvSpPr>
-        <p:spPr>
-          <a:xfrm>
-            <a:off x="6" y="4730090"/>
-            <a:ext cx="548700" cy="393600"/>
-          </a:xfrm>
-          <a:prstGeom prst="rect">
-            <a:avLst/>
-          </a:prstGeom>
-        </p:spPr>
-        <p:txBody>
-          <a:bodyPr anchorCtr="0" anchor="ctr" bIns="91425" lIns="91425" spcFirstLastPara="1" rIns="91425" wrap="square" tIns="91425">
-            <a:noAutofit/>
-          </a:bodyPr>
-          <a:lstStyle/>
-          <a:p>
-            <a:pPr indent="0" lvl="0" marL="0" rtl="0" algn="r">
-              <a:spcBef>
-                <a:spcPts val="0"/>
-              </a:spcBef>
-              <a:spcAft>
-                <a:spcPts val="0"/>
-              </a:spcAft>
-              <a:buNone/>
-            </a:pPr>
-            <a:fld id="{00000000-1234-1234-1234-123412341234}" type="slidenum">
-              <a:rPr lang="en">
-                <a:solidFill>
-                  <a:schemeClr val="lt1"/>
-                </a:solidFill>
-              </a:rPr>
-              <a:t>‹#›</a:t>
-            </a:fld>
-            <a:endParaRPr>
-              <a:solidFill>
-                <a:schemeClr val="lt1"/>
-              </a:solidFill>
-            </a:endParaRPr>
-          </a:p>
-        </p:txBody>
-      </p:sp>
-      <p:pic>
-        <p:nvPicPr>
-          <p:cNvPr id="299" name="Google Shape;299;p50"/>
-          <p:cNvPicPr preferRelativeResize="0"/>
-          <p:nvPr/>
-        </p:nvPicPr>
-        <p:blipFill>
-          <a:blip r:embed="rId4">
-            <a:alphaModFix/>
-          </a:blip>
-          <a:stretch>
-            <a:fillRect/>
-          </a:stretch>
-        </p:blipFill>
-        <p:spPr>
-          <a:xfrm>
-            <a:off x="311700" y="1220025"/>
-            <a:ext cx="4409351" cy="2399475"/>
-          </a:xfrm>
-          <a:prstGeom prst="rect">
-            <a:avLst/>
-          </a:prstGeom>
-          <a:noFill/>
-          <a:ln>
-            <a:noFill/>
-          </a:ln>
-        </p:spPr>
-      </p:pic>
-      <p:sp>
-        <p:nvSpPr>
-          <p:cNvPr id="300" name="Google Shape;300;p50"/>
-          <p:cNvSpPr txBox="1"/>
-          <p:nvPr/>
-        </p:nvSpPr>
-        <p:spPr>
-          <a:xfrm>
-            <a:off x="1468625" y="3718625"/>
-            <a:ext cx="2095500" cy="400200"/>
-          </a:xfrm>
-          <a:prstGeom prst="rect">
-            <a:avLst/>
-          </a:prstGeom>
-          <a:noFill/>
-          <a:ln>
-            <a:noFill/>
-          </a:ln>
-        </p:spPr>
-        <p:txBody>
-          <a:bodyPr anchorCtr="0" anchor="t" bIns="91425" lIns="91425" spcFirstLastPara="1" rIns="91425" wrap="square" tIns="91425">
-            <a:spAutoFit/>
-          </a:bodyPr>
-          <a:lstStyle/>
-          <a:p>
-            <a:pPr indent="0" lvl="0" marL="0" rtl="0" algn="l">
-              <a:spcBef>
-                <a:spcPts val="0"/>
-              </a:spcBef>
-              <a:spcAft>
-                <a:spcPts val="0"/>
-              </a:spcAft>
-              <a:buNone/>
-            </a:pPr>
-            <a:r>
-              <a:rPr lang="en">
-                <a:latin typeface="Roboto"/>
-                <a:ea typeface="Roboto"/>
-                <a:cs typeface="Roboto"/>
-                <a:sym typeface="Roboto"/>
-              </a:rPr>
-              <a:t>(Sarkar et al. 2018)</a:t>
-            </a:r>
-            <a:endParaRPr>
-              <a:latin typeface="Roboto"/>
-              <a:ea typeface="Roboto"/>
-              <a:cs typeface="Roboto"/>
-              <a:sym typeface="Roboto"/>
-            </a:endParaRPr>
-          </a:p>
-        </p:txBody>
-      </p:sp>
-    </p:spTree>
-  </p:cSld>
-  <p:clrMapOvr>
-    <a:masterClrMapping/>
-  </p:clrMapOvr>
-</p:sld>
-</file>
-
-<file path=ppt/slides/slide15.xml><?xml version="1.0" encoding="utf-8"?>
-<p:sld xmlns:a="http://schemas.openxmlformats.org/drawingml/2006/main" xmlns:r="http://schemas.openxmlformats.org/officeDocument/2006/relationships" xmlns:mc="http://schemas.openxmlformats.org/markup-compatibility/2006" xmlns:mv="urn:schemas-microsoft-com:mac:vml" xmlns:p="http://schemas.openxmlformats.org/presentationml/2006/main" xmlns:c="http://schemas.openxmlformats.org/drawingml/2006/chart" xmlns:dgm="http://schemas.openxmlformats.org/drawingml/2006/diagram" xmlns:o="urn:schemas-microsoft-com:office:office" xmlns:v="urn:schemas-microsoft-com:vml" xmlns:pvml="urn:schemas-microsoft-com:office:powerpoint" xmlns:com="http://schemas.openxmlformats.org/drawingml/2006/compatibility" xmlns:p14="http://schemas.microsoft.com/office/powerpoint/2010/main" xmlns:p15="http://schemas.microsoft.com/office/powerpoint/2012/main" xmlns:ahyp="http://schemas.microsoft.com/office/drawing/2018/hyperlinkcolor">
-  <p:cSld>
-    <p:spTree>
-      <p:nvGrpSpPr>
-        <p:cNvPr id="304" name="Shape 304"/>
-        <p:cNvGrpSpPr/>
-        <p:nvPr/>
-      </p:nvGrpSpPr>
-      <p:grpSpPr>
-        <a:xfrm>
-          <a:off x="0" y="0"/>
-          <a:ext cx="0" cy="0"/>
-          <a:chOff x="0" y="0"/>
-          <a:chExt cx="0" cy="0"/>
-        </a:xfrm>
-      </p:grpSpPr>
-      <p:pic>
-        <p:nvPicPr>
-          <p:cNvPr id="305" name="Google Shape;305;p51"/>
-          <p:cNvPicPr preferRelativeResize="0"/>
-          <p:nvPr/>
-        </p:nvPicPr>
-        <p:blipFill>
-          <a:blip r:embed="rId3">
-            <a:alphaModFix/>
-          </a:blip>
-          <a:stretch>
-            <a:fillRect/>
-          </a:stretch>
-        </p:blipFill>
-        <p:spPr>
-          <a:xfrm>
-            <a:off x="0" y="4710300"/>
-            <a:ext cx="9144000" cy="433200"/>
-          </a:xfrm>
-          <a:prstGeom prst="rect">
-            <a:avLst/>
-          </a:prstGeom>
-          <a:noFill/>
-          <a:ln>
-            <a:noFill/>
-          </a:ln>
-        </p:spPr>
-      </p:pic>
-      <p:sp>
-        <p:nvSpPr>
-          <p:cNvPr id="306" name="Google Shape;306;p51"/>
-          <p:cNvSpPr txBox="1"/>
-          <p:nvPr>
-            <p:ph type="title"/>
-          </p:nvPr>
-        </p:nvSpPr>
-        <p:spPr>
-          <a:xfrm>
-            <a:off x="311700" y="109850"/>
-            <a:ext cx="8520600" cy="607800"/>
-          </a:xfrm>
-          <a:prstGeom prst="rect">
-            <a:avLst/>
-          </a:prstGeom>
-        </p:spPr>
-        <p:txBody>
-          <a:bodyPr anchorCtr="0" anchor="t" bIns="91425" lIns="91425" spcFirstLastPara="1" rIns="91425" wrap="square" tIns="91425">
-            <a:noAutofit/>
-          </a:bodyPr>
-          <a:lstStyle/>
-          <a:p>
-            <a:pPr indent="0" lvl="0" marL="0" rtl="0" algn="l">
-              <a:spcBef>
-                <a:spcPts val="0"/>
-              </a:spcBef>
-              <a:spcAft>
-                <a:spcPts val="0"/>
-              </a:spcAft>
-              <a:buNone/>
-            </a:pPr>
-            <a:r>
-              <a:rPr lang="en">
-                <a:solidFill>
-                  <a:srgbClr val="4A86E8"/>
-                </a:solidFill>
-              </a:rPr>
-              <a:t>Cross-Validation Strategies</a:t>
-            </a:r>
-            <a:endParaRPr>
-              <a:solidFill>
-                <a:srgbClr val="4A86E8"/>
-              </a:solidFill>
-            </a:endParaRPr>
-          </a:p>
-        </p:txBody>
-      </p:sp>
-      <p:sp>
-        <p:nvSpPr>
-          <p:cNvPr id="307" name="Google Shape;307;p51"/>
-          <p:cNvSpPr txBox="1"/>
-          <p:nvPr/>
-        </p:nvSpPr>
-        <p:spPr>
-          <a:xfrm>
-            <a:off x="519525" y="777175"/>
-            <a:ext cx="8399400" cy="997500"/>
-          </a:xfrm>
-          <a:prstGeom prst="rect">
-            <a:avLst/>
-          </a:prstGeom>
-          <a:noFill/>
-          <a:ln>
-            <a:noFill/>
-          </a:ln>
-        </p:spPr>
-        <p:txBody>
-          <a:bodyPr anchorCtr="0" anchor="t" bIns="91425" lIns="91425" spcFirstLastPara="1" rIns="91425" wrap="square" tIns="91425">
-            <a:spAutoFit/>
-          </a:bodyPr>
-          <a:lstStyle/>
-          <a:p>
-            <a:pPr indent="-330200" lvl="0" marL="457200" rtl="0" algn="l">
-              <a:lnSpc>
-                <a:spcPct val="115000"/>
-              </a:lnSpc>
-              <a:spcBef>
-                <a:spcPts val="0"/>
-              </a:spcBef>
-              <a:spcAft>
-                <a:spcPts val="0"/>
-              </a:spcAft>
-              <a:buSzPts val="1600"/>
-              <a:buChar char="●"/>
-            </a:pPr>
-            <a:r>
-              <a:rPr b="1" lang="en" sz="1600"/>
-              <a:t>Leave One Out Cross-Validation</a:t>
-            </a:r>
-            <a:r>
-              <a:rPr lang="en" sz="1600"/>
-              <a:t>: </a:t>
-            </a:r>
-            <a:endParaRPr sz="1600"/>
-          </a:p>
-          <a:p>
-            <a:pPr indent="-330200" lvl="1" marL="914400" rtl="0" algn="l">
-              <a:lnSpc>
-                <a:spcPct val="115000"/>
-              </a:lnSpc>
-              <a:spcBef>
-                <a:spcPts val="0"/>
-              </a:spcBef>
-              <a:spcAft>
-                <a:spcPts val="0"/>
-              </a:spcAft>
-              <a:buSzPts val="1600"/>
-              <a:buChar char="○"/>
-            </a:pPr>
-            <a:r>
-              <a:rPr lang="en" sz="1600"/>
-              <a:t>We have a single point only in our validation set and the rest n-1 observations become the training set. Mostly suitable for small datasets.</a:t>
-            </a:r>
-            <a:endParaRPr sz="1600"/>
-          </a:p>
-        </p:txBody>
-      </p:sp>
-      <p:sp>
-        <p:nvSpPr>
-          <p:cNvPr id="308" name="Google Shape;308;p51"/>
-          <p:cNvSpPr txBox="1"/>
-          <p:nvPr>
-            <p:ph idx="12" type="sldNum"/>
-          </p:nvPr>
-        </p:nvSpPr>
-        <p:spPr>
-          <a:xfrm>
-            <a:off x="6" y="4730090"/>
-            <a:ext cx="548700" cy="393600"/>
-          </a:xfrm>
-          <a:prstGeom prst="rect">
-            <a:avLst/>
-          </a:prstGeom>
-        </p:spPr>
-        <p:txBody>
-          <a:bodyPr anchorCtr="0" anchor="ctr" bIns="91425" lIns="91425" spcFirstLastPara="1" rIns="91425" wrap="square" tIns="91425">
-            <a:noAutofit/>
-          </a:bodyPr>
-          <a:lstStyle/>
-          <a:p>
-            <a:pPr indent="0" lvl="0" marL="0" rtl="0" algn="r">
-              <a:spcBef>
-                <a:spcPts val="0"/>
-              </a:spcBef>
-              <a:spcAft>
-                <a:spcPts val="0"/>
-              </a:spcAft>
-              <a:buNone/>
-            </a:pPr>
-            <a:fld id="{00000000-1234-1234-1234-123412341234}" type="slidenum">
-              <a:rPr lang="en">
-                <a:solidFill>
-                  <a:schemeClr val="lt1"/>
-                </a:solidFill>
-              </a:rPr>
-              <a:t>‹#›</a:t>
-            </a:fld>
-            <a:endParaRPr>
-              <a:solidFill>
-                <a:schemeClr val="lt1"/>
-              </a:solidFill>
-            </a:endParaRPr>
-          </a:p>
-        </p:txBody>
-      </p:sp>
-      <p:sp>
-        <p:nvSpPr>
-          <p:cNvPr id="309" name="Google Shape;309;p51"/>
-          <p:cNvSpPr txBox="1"/>
-          <p:nvPr/>
-        </p:nvSpPr>
-        <p:spPr>
-          <a:xfrm>
-            <a:off x="3974525" y="1722850"/>
-            <a:ext cx="4857900" cy="2979900"/>
-          </a:xfrm>
-          <a:prstGeom prst="rect">
-            <a:avLst/>
-          </a:prstGeom>
-          <a:noFill/>
-          <a:ln>
-            <a:noFill/>
-          </a:ln>
-        </p:spPr>
-        <p:txBody>
-          <a:bodyPr anchorCtr="0" anchor="t" bIns="91425" lIns="91425" spcFirstLastPara="1" rIns="91425" wrap="square" tIns="91425">
-            <a:spAutoFit/>
-          </a:bodyPr>
-          <a:lstStyle/>
-          <a:p>
-            <a:pPr indent="-330200" lvl="0" marL="457200" rtl="0" algn="l">
-              <a:lnSpc>
-                <a:spcPct val="115000"/>
-              </a:lnSpc>
-              <a:spcBef>
-                <a:spcPts val="0"/>
-              </a:spcBef>
-              <a:spcAft>
-                <a:spcPts val="0"/>
-              </a:spcAft>
-              <a:buSzPts val="1600"/>
-              <a:buChar char="●"/>
-            </a:pPr>
-            <a:r>
-              <a:rPr b="1" lang="en" sz="1600"/>
-              <a:t>K-Fold Cross Validation</a:t>
-            </a:r>
-            <a:r>
-              <a:rPr lang="en" sz="1600"/>
-              <a:t>: </a:t>
-            </a:r>
-            <a:endParaRPr sz="1600"/>
-          </a:p>
-          <a:p>
-            <a:pPr indent="-330200" lvl="1" marL="914400" rtl="0" algn="l">
-              <a:lnSpc>
-                <a:spcPct val="115000"/>
-              </a:lnSpc>
-              <a:spcBef>
-                <a:spcPts val="0"/>
-              </a:spcBef>
-              <a:spcAft>
-                <a:spcPts val="0"/>
-              </a:spcAft>
-              <a:buSzPts val="1600"/>
-              <a:buChar char="○"/>
-            </a:pPr>
-            <a:r>
-              <a:rPr lang="en" sz="1600"/>
-              <a:t>To split the training dataset into k equal subsets.</a:t>
-            </a:r>
-            <a:endParaRPr sz="1600"/>
-          </a:p>
-          <a:p>
-            <a:pPr indent="-330200" lvl="1" marL="914400" rtl="0" algn="l">
-              <a:lnSpc>
-                <a:spcPct val="115000"/>
-              </a:lnSpc>
-              <a:spcBef>
-                <a:spcPts val="0"/>
-              </a:spcBef>
-              <a:spcAft>
-                <a:spcPts val="0"/>
-              </a:spcAft>
-              <a:buSzPts val="1600"/>
-              <a:buChar char="○"/>
-            </a:pPr>
-            <a:r>
-              <a:rPr lang="en" sz="1600"/>
-              <a:t>Out of these k subsets we train the model on k-1 subsets and keep one subset as a validation set.</a:t>
-            </a:r>
-            <a:endParaRPr sz="1600"/>
-          </a:p>
-          <a:p>
-            <a:pPr indent="-330200" lvl="1" marL="914400" rtl="0" algn="l">
-              <a:lnSpc>
-                <a:spcPct val="115000"/>
-              </a:lnSpc>
-              <a:spcBef>
-                <a:spcPts val="0"/>
-              </a:spcBef>
-              <a:spcAft>
-                <a:spcPts val="0"/>
-              </a:spcAft>
-              <a:buSzPts val="1600"/>
-              <a:buChar char="○"/>
-            </a:pPr>
-            <a:r>
-              <a:rPr lang="en" sz="1600"/>
-              <a:t>This process is repeated k times and the error is averaged over the k models.</a:t>
-            </a:r>
-            <a:endParaRPr sz="1600"/>
-          </a:p>
-          <a:p>
-            <a:pPr indent="-330200" lvl="1" marL="914400" rtl="0" algn="l">
-              <a:lnSpc>
-                <a:spcPct val="115000"/>
-              </a:lnSpc>
-              <a:spcBef>
-                <a:spcPts val="0"/>
-              </a:spcBef>
-              <a:spcAft>
-                <a:spcPts val="0"/>
-              </a:spcAft>
-              <a:buSzPts val="1600"/>
-              <a:buChar char="○"/>
-            </a:pPr>
-            <a:r>
-              <a:rPr lang="en" sz="1600"/>
-              <a:t>For each iteration, the model is trained on a different subset.</a:t>
-            </a:r>
-            <a:endParaRPr sz="1600"/>
-          </a:p>
-        </p:txBody>
-      </p:sp>
-      <p:pic>
-        <p:nvPicPr>
-          <p:cNvPr id="310" name="Google Shape;310;p51"/>
-          <p:cNvPicPr preferRelativeResize="0"/>
-          <p:nvPr/>
-        </p:nvPicPr>
-        <p:blipFill>
-          <a:blip r:embed="rId4">
-            <a:alphaModFix/>
-          </a:blip>
-          <a:stretch>
-            <a:fillRect/>
-          </a:stretch>
-        </p:blipFill>
-        <p:spPr>
-          <a:xfrm>
-            <a:off x="160800" y="2089375"/>
-            <a:ext cx="3878574" cy="1736125"/>
-          </a:xfrm>
-          <a:prstGeom prst="rect">
-            <a:avLst/>
-          </a:prstGeom>
-          <a:noFill/>
-          <a:ln>
-            <a:noFill/>
-          </a:ln>
-        </p:spPr>
-      </p:pic>
-      <p:sp>
-        <p:nvSpPr>
-          <p:cNvPr id="311" name="Google Shape;311;p51"/>
-          <p:cNvSpPr txBox="1"/>
-          <p:nvPr/>
-        </p:nvSpPr>
-        <p:spPr>
-          <a:xfrm>
-            <a:off x="1830313" y="4135900"/>
-            <a:ext cx="1233000" cy="400200"/>
-          </a:xfrm>
-          <a:prstGeom prst="rect">
-            <a:avLst/>
-          </a:prstGeom>
-          <a:noFill/>
-          <a:ln>
-            <a:noFill/>
-          </a:ln>
-        </p:spPr>
-        <p:txBody>
-          <a:bodyPr anchorCtr="0" anchor="t" bIns="91425" lIns="91425" spcFirstLastPara="1" rIns="91425" wrap="square" tIns="91425">
-            <a:spAutoFit/>
-          </a:bodyPr>
-          <a:lstStyle/>
-          <a:p>
-            <a:pPr indent="0" lvl="0" marL="0" rtl="0" algn="l">
-              <a:spcBef>
-                <a:spcPts val="0"/>
-              </a:spcBef>
-              <a:spcAft>
-                <a:spcPts val="0"/>
-              </a:spcAft>
-              <a:buNone/>
-            </a:pPr>
-            <a:r>
-              <a:rPr lang="en">
-                <a:latin typeface="Roboto"/>
-                <a:ea typeface="Roboto"/>
-                <a:cs typeface="Roboto"/>
-                <a:sym typeface="Roboto"/>
-              </a:rPr>
-              <a:t>(Patro, 2021)</a:t>
-            </a:r>
-            <a:endParaRPr>
-              <a:latin typeface="Roboto"/>
-              <a:ea typeface="Roboto"/>
-              <a:cs typeface="Roboto"/>
-              <a:sym typeface="Roboto"/>
-            </a:endParaRPr>
-          </a:p>
-        </p:txBody>
-      </p:sp>
-    </p:spTree>
-  </p:cSld>
-  <p:clrMapOvr>
-    <a:masterClrMapping/>
-  </p:clrMapOvr>
-</p:sld>
-</file>
-
-<file path=ppt/slides/slide16.xml><?xml version="1.0" encoding="utf-8"?>
-<p:sld xmlns:a="http://schemas.openxmlformats.org/drawingml/2006/main" xmlns:r="http://schemas.openxmlformats.org/officeDocument/2006/relationships" xmlns:mc="http://schemas.openxmlformats.org/markup-compatibility/2006" xmlns:mv="urn:schemas-microsoft-com:mac:vml" xmlns:p="http://schemas.openxmlformats.org/presentationml/2006/main" xmlns:c="http://schemas.openxmlformats.org/drawingml/2006/chart" xmlns:dgm="http://schemas.openxmlformats.org/drawingml/2006/diagram" xmlns:o="urn:schemas-microsoft-com:office:office" xmlns:v="urn:schemas-microsoft-com:vml" xmlns:pvml="urn:schemas-microsoft-com:office:powerpoint" xmlns:com="http://schemas.openxmlformats.org/drawingml/2006/compatibility" xmlns:p14="http://schemas.microsoft.com/office/powerpoint/2010/main" xmlns:p15="http://schemas.microsoft.com/office/powerpoint/2012/main" xmlns:ahyp="http://schemas.microsoft.com/office/drawing/2018/hyperlinkcolor">
-  <p:cSld>
-    <p:spTree>
-      <p:nvGrpSpPr>
-        <p:cNvPr id="315" name="Shape 315"/>
-        <p:cNvGrpSpPr/>
-        <p:nvPr/>
-      </p:nvGrpSpPr>
-      <p:grpSpPr>
-        <a:xfrm>
-          <a:off x="0" y="0"/>
-          <a:ext cx="0" cy="0"/>
-          <a:chOff x="0" y="0"/>
-          <a:chExt cx="0" cy="0"/>
-        </a:xfrm>
-      </p:grpSpPr>
-      <p:pic>
-        <p:nvPicPr>
-          <p:cNvPr id="316" name="Google Shape;316;p52"/>
-          <p:cNvPicPr preferRelativeResize="0"/>
-          <p:nvPr/>
-        </p:nvPicPr>
-        <p:blipFill>
-          <a:blip r:embed="rId3">
-            <a:alphaModFix/>
-          </a:blip>
-          <a:stretch>
-            <a:fillRect/>
-          </a:stretch>
-        </p:blipFill>
-        <p:spPr>
-          <a:xfrm>
-            <a:off x="0" y="4710300"/>
-            <a:ext cx="9144000" cy="433200"/>
-          </a:xfrm>
-          <a:prstGeom prst="rect">
-            <a:avLst/>
-          </a:prstGeom>
-          <a:noFill/>
-          <a:ln>
-            <a:noFill/>
-          </a:ln>
-        </p:spPr>
-      </p:pic>
-      <p:sp>
-        <p:nvSpPr>
-          <p:cNvPr id="317" name="Google Shape;317;p52"/>
-          <p:cNvSpPr txBox="1"/>
-          <p:nvPr>
-            <p:ph type="title"/>
-          </p:nvPr>
-        </p:nvSpPr>
-        <p:spPr>
-          <a:xfrm>
-            <a:off x="311700" y="109850"/>
-            <a:ext cx="8520600" cy="607800"/>
-          </a:xfrm>
-          <a:prstGeom prst="rect">
-            <a:avLst/>
-          </a:prstGeom>
-        </p:spPr>
-        <p:txBody>
-          <a:bodyPr anchorCtr="0" anchor="t" bIns="91425" lIns="91425" spcFirstLastPara="1" rIns="91425" wrap="square" tIns="91425">
-            <a:noAutofit/>
-          </a:bodyPr>
-          <a:lstStyle/>
-          <a:p>
-            <a:pPr indent="0" lvl="0" marL="0" rtl="0" algn="l">
-              <a:spcBef>
-                <a:spcPts val="0"/>
-              </a:spcBef>
-              <a:spcAft>
-                <a:spcPts val="0"/>
-              </a:spcAft>
-              <a:buNone/>
-            </a:pPr>
-            <a:r>
-              <a:rPr lang="en">
-                <a:solidFill>
-                  <a:srgbClr val="4A86E8"/>
-                </a:solidFill>
-              </a:rPr>
               <a:t>Hyperparameter tuning strategies</a:t>
             </a:r>
             <a:endParaRPr>
@@ -21563,7 +20899,7 @@
       </p:sp>
       <p:sp>
         <p:nvSpPr>
-          <p:cNvPr id="318" name="Google Shape;318;p52"/>
+          <p:cNvPr id="302" name="Google Shape;302;p50"/>
           <p:cNvSpPr txBox="1"/>
           <p:nvPr/>
         </p:nvSpPr>
@@ -21761,7 +21097,7 @@
       </p:sp>
       <p:sp>
         <p:nvSpPr>
-          <p:cNvPr id="319" name="Google Shape;319;p52"/>
+          <p:cNvPr id="303" name="Google Shape;303;p50"/>
           <p:cNvSpPr txBox="1"/>
           <p:nvPr>
             <p:ph idx="12" type="sldNum"/>
@@ -21815,12 +21151,12 @@
 </p:sld>
 </file>
 
-<file path=ppt/slides/slide17.xml><?xml version="1.0" encoding="utf-8"?>
+<file path=ppt/slides/slide15.xml><?xml version="1.0" encoding="utf-8"?>
 <p:sld xmlns:a="http://schemas.openxmlformats.org/drawingml/2006/main" xmlns:r="http://schemas.openxmlformats.org/officeDocument/2006/relationships" xmlns:mc="http://schemas.openxmlformats.org/markup-compatibility/2006" xmlns:mv="urn:schemas-microsoft-com:mac:vml" xmlns:p="http://schemas.openxmlformats.org/presentationml/2006/main" xmlns:c="http://schemas.openxmlformats.org/drawingml/2006/chart" xmlns:dgm="http://schemas.openxmlformats.org/drawingml/2006/diagram" xmlns:o="urn:schemas-microsoft-com:office:office" xmlns:v="urn:schemas-microsoft-com:vml" xmlns:pvml="urn:schemas-microsoft-com:office:powerpoint" xmlns:com="http://schemas.openxmlformats.org/drawingml/2006/compatibility" xmlns:p14="http://schemas.microsoft.com/office/powerpoint/2010/main" xmlns:p15="http://schemas.microsoft.com/office/powerpoint/2012/main" xmlns:ahyp="http://schemas.microsoft.com/office/drawing/2018/hyperlinkcolor">
   <p:cSld>
     <p:spTree>
       <p:nvGrpSpPr>
-        <p:cNvPr id="323" name="Shape 323"/>
+        <p:cNvPr id="307" name="Shape 307"/>
         <p:cNvGrpSpPr/>
         <p:nvPr/>
       </p:nvGrpSpPr>
@@ -21834,7 +21170,7 @@
       </p:grpSpPr>
       <p:pic>
         <p:nvPicPr>
-          <p:cNvPr id="324" name="Google Shape;324;p53"/>
+          <p:cNvPr id="308" name="Google Shape;308;p51"/>
           <p:cNvPicPr preferRelativeResize="0"/>
           <p:nvPr/>
         </p:nvPicPr>
@@ -21861,7 +21197,7 @@
       </p:pic>
       <p:sp>
         <p:nvSpPr>
-          <p:cNvPr id="325" name="Google Shape;325;p53"/>
+          <p:cNvPr id="309" name="Google Shape;309;p51"/>
           <p:cNvSpPr txBox="1"/>
           <p:nvPr>
             <p:ph type="title"/>
@@ -21909,7 +21245,7 @@
       </p:sp>
       <p:sp>
         <p:nvSpPr>
-          <p:cNvPr id="326" name="Google Shape;326;p53"/>
+          <p:cNvPr id="310" name="Google Shape;310;p51"/>
           <p:cNvSpPr txBox="1"/>
           <p:nvPr/>
         </p:nvSpPr>
@@ -22073,7 +21409,7 @@
       </p:sp>
       <p:sp>
         <p:nvSpPr>
-          <p:cNvPr id="327" name="Google Shape;327;p53"/>
+          <p:cNvPr id="311" name="Google Shape;311;p51"/>
           <p:cNvSpPr txBox="1"/>
           <p:nvPr>
             <p:ph idx="12" type="sldNum"/>
@@ -22121,7 +21457,7 @@
       </p:sp>
       <p:pic>
         <p:nvPicPr>
-          <p:cNvPr id="328" name="Google Shape;328;p53"/>
+          <p:cNvPr id="312" name="Google Shape;312;p51"/>
           <p:cNvPicPr preferRelativeResize="0"/>
           <p:nvPr/>
         </p:nvPicPr>
@@ -22154,12 +21490,12 @@
 </p:sld>
 </file>
 
-<file path=ppt/slides/slide18.xml><?xml version="1.0" encoding="utf-8"?>
+<file path=ppt/slides/slide16.xml><?xml version="1.0" encoding="utf-8"?>
 <p:sld xmlns:a="http://schemas.openxmlformats.org/drawingml/2006/main" xmlns:r="http://schemas.openxmlformats.org/officeDocument/2006/relationships" xmlns:mc="http://schemas.openxmlformats.org/markup-compatibility/2006" xmlns:mv="urn:schemas-microsoft-com:mac:vml" xmlns:p="http://schemas.openxmlformats.org/presentationml/2006/main" xmlns:c="http://schemas.openxmlformats.org/drawingml/2006/chart" xmlns:dgm="http://schemas.openxmlformats.org/drawingml/2006/diagram" xmlns:o="urn:schemas-microsoft-com:office:office" xmlns:v="urn:schemas-microsoft-com:vml" xmlns:pvml="urn:schemas-microsoft-com:office:powerpoint" xmlns:com="http://schemas.openxmlformats.org/drawingml/2006/compatibility" xmlns:p14="http://schemas.microsoft.com/office/powerpoint/2010/main" xmlns:p15="http://schemas.microsoft.com/office/powerpoint/2012/main" xmlns:ahyp="http://schemas.microsoft.com/office/drawing/2018/hyperlinkcolor">
   <p:cSld>
     <p:spTree>
       <p:nvGrpSpPr>
-        <p:cNvPr id="332" name="Shape 332"/>
+        <p:cNvPr id="316" name="Shape 316"/>
         <p:cNvGrpSpPr/>
         <p:nvPr/>
       </p:nvGrpSpPr>
@@ -22173,7 +21509,7 @@
       </p:grpSpPr>
       <p:pic>
         <p:nvPicPr>
-          <p:cNvPr id="333" name="Google Shape;333;p54"/>
+          <p:cNvPr id="317" name="Google Shape;317;p52"/>
           <p:cNvPicPr preferRelativeResize="0"/>
           <p:nvPr/>
         </p:nvPicPr>
@@ -22201,7 +21537,7 @@
       </p:pic>
       <p:sp>
         <p:nvSpPr>
-          <p:cNvPr id="334" name="Google Shape;334;p54"/>
+          <p:cNvPr id="318" name="Google Shape;318;p52"/>
           <p:cNvSpPr txBox="1"/>
           <p:nvPr>
             <p:ph type="title"/>
@@ -22249,14 +21585,14 @@
       </p:sp>
       <p:sp>
         <p:nvSpPr>
-          <p:cNvPr id="335" name="Google Shape;335;p54"/>
+          <p:cNvPr id="319" name="Google Shape;319;p52"/>
           <p:cNvSpPr txBox="1"/>
           <p:nvPr/>
         </p:nvSpPr>
         <p:spPr>
           <a:xfrm>
             <a:off x="311700" y="717650"/>
-            <a:ext cx="8697300" cy="3263100"/>
+            <a:ext cx="8697300" cy="2979900"/>
           </a:xfrm>
           <a:prstGeom prst="rect">
             <a:avLst/>
@@ -22347,7 +21683,7 @@
             </a:pPr>
             <a:r>
               <a:rPr lang="en" sz="1600"/>
-              <a:t>Model interpretation can help bridge the gap between technology and the business team</a:t>
+              <a:t>Model interpretation can help data scientists understand the interactions among features that can lead to better feature engineering and enhanced performance.</a:t>
             </a:r>
             <a:endParaRPr sz="1600"/>
           </a:p>
@@ -22367,27 +21703,7 @@
             </a:pPr>
             <a:r>
               <a:rPr lang="en" sz="1600"/>
-              <a:t>It can also help data scientists understand the interactions among features that can lead to better feature engineering and enhanced performance.</a:t>
-            </a:r>
-            <a:endParaRPr sz="1600"/>
-          </a:p>
-          <a:p>
-            <a:pPr indent="-330200" lvl="0" marL="457200" rtl="0" algn="l">
-              <a:lnSpc>
-                <a:spcPct val="115000"/>
-              </a:lnSpc>
-              <a:spcBef>
-                <a:spcPts val="0"/>
-              </a:spcBef>
-              <a:spcAft>
-                <a:spcPts val="0"/>
-              </a:spcAft>
-              <a:buSzPts val="1600"/>
-              <a:buChar char="●"/>
-            </a:pPr>
-            <a:r>
-              <a:rPr lang="en" sz="1600"/>
-              <a:t>It can also help in model comparisons and explaining the results better to the business stakeholders. </a:t>
+              <a:t>It can also help in model comparisons and explaining the results better to the stakeholders. </a:t>
             </a:r>
             <a:endParaRPr sz="1600"/>
           </a:p>
@@ -22395,7 +21711,7 @@
       </p:sp>
       <p:sp>
         <p:nvSpPr>
-          <p:cNvPr id="336" name="Google Shape;336;p54"/>
+          <p:cNvPr id="320" name="Google Shape;320;p52"/>
           <p:cNvSpPr txBox="1"/>
           <p:nvPr>
             <p:ph idx="12" type="sldNum"/>
@@ -22443,7 +21759,7 @@
       </p:sp>
       <p:sp>
         <p:nvSpPr>
-          <p:cNvPr id="337" name="Google Shape;337;p54"/>
+          <p:cNvPr id="321" name="Google Shape;321;p52"/>
           <p:cNvSpPr txBox="1"/>
           <p:nvPr/>
         </p:nvSpPr>
@@ -22498,12 +21814,12 @@
 </p:sld>
 </file>
 
-<file path=ppt/slides/slide19.xml><?xml version="1.0" encoding="utf-8"?>
+<file path=ppt/slides/slide17.xml><?xml version="1.0" encoding="utf-8"?>
 <p:sld xmlns:a="http://schemas.openxmlformats.org/drawingml/2006/main" xmlns:r="http://schemas.openxmlformats.org/officeDocument/2006/relationships" xmlns:mc="http://schemas.openxmlformats.org/markup-compatibility/2006" xmlns:mv="urn:schemas-microsoft-com:mac:vml" xmlns:p="http://schemas.openxmlformats.org/presentationml/2006/main" xmlns:c="http://schemas.openxmlformats.org/drawingml/2006/chart" xmlns:dgm="http://schemas.openxmlformats.org/drawingml/2006/diagram" xmlns:o="urn:schemas-microsoft-com:office:office" xmlns:v="urn:schemas-microsoft-com:vml" xmlns:pvml="urn:schemas-microsoft-com:office:powerpoint" xmlns:com="http://schemas.openxmlformats.org/drawingml/2006/compatibility" xmlns:p14="http://schemas.microsoft.com/office/powerpoint/2010/main" xmlns:p15="http://schemas.microsoft.com/office/powerpoint/2012/main" xmlns:ahyp="http://schemas.microsoft.com/office/drawing/2018/hyperlinkcolor">
   <p:cSld>
     <p:spTree>
       <p:nvGrpSpPr>
-        <p:cNvPr id="341" name="Shape 341"/>
+        <p:cNvPr id="325" name="Shape 325"/>
         <p:cNvGrpSpPr/>
         <p:nvPr/>
       </p:nvGrpSpPr>
@@ -22517,7 +21833,7 @@
       </p:grpSpPr>
       <p:pic>
         <p:nvPicPr>
-          <p:cNvPr id="342" name="Google Shape;342;p55"/>
+          <p:cNvPr id="326" name="Google Shape;326;p53"/>
           <p:cNvPicPr preferRelativeResize="0"/>
           <p:nvPr/>
         </p:nvPicPr>
@@ -22545,7 +21861,7 @@
       </p:pic>
       <p:sp>
         <p:nvSpPr>
-          <p:cNvPr id="343" name="Google Shape;343;p55"/>
+          <p:cNvPr id="327" name="Google Shape;327;p53"/>
           <p:cNvSpPr txBox="1"/>
           <p:nvPr>
             <p:ph type="title"/>
@@ -22593,13 +21909,13 @@
       </p:sp>
       <p:sp>
         <p:nvSpPr>
-          <p:cNvPr id="344" name="Google Shape;344;p55"/>
+          <p:cNvPr id="328" name="Google Shape;328;p53"/>
           <p:cNvSpPr txBox="1"/>
           <p:nvPr/>
         </p:nvSpPr>
         <p:spPr>
           <a:xfrm>
-            <a:off x="69275" y="717650"/>
+            <a:off x="69300" y="605125"/>
             <a:ext cx="8763000" cy="1743300"/>
           </a:xfrm>
           <a:prstGeom prst="rect">
@@ -22679,7 +21995,7 @@
       </p:sp>
       <p:sp>
         <p:nvSpPr>
-          <p:cNvPr id="345" name="Google Shape;345;p55"/>
+          <p:cNvPr id="329" name="Google Shape;329;p53"/>
           <p:cNvSpPr txBox="1"/>
           <p:nvPr>
             <p:ph idx="12" type="sldNum"/>
@@ -22725,16 +22041,44 @@
           </a:p>
         </p:txBody>
       </p:sp>
+      <p:pic>
+        <p:nvPicPr>
+          <p:cNvPr id="330" name="Google Shape;330;p53"/>
+          <p:cNvPicPr preferRelativeResize="0"/>
+          <p:nvPr/>
+        </p:nvPicPr>
+        <p:blipFill>
+          <a:blip r:embed="rId4">
+            <a:alphaModFix/>
+          </a:blip>
+          <a:stretch>
+            <a:fillRect/>
+          </a:stretch>
+        </p:blipFill>
+        <p:spPr>
+          <a:xfrm>
+            <a:off x="2419225" y="2278425"/>
+            <a:ext cx="5174925" cy="2319350"/>
+          </a:xfrm>
+          <a:prstGeom prst="rect">
+            <a:avLst/>
+          </a:prstGeom>
+          <a:noFill/>
+          <a:ln>
+            <a:noFill/>
+          </a:ln>
+        </p:spPr>
+      </p:pic>
       <p:sp>
         <p:nvSpPr>
-          <p:cNvPr id="346" name="Google Shape;346;p55"/>
+          <p:cNvPr id="331" name="Google Shape;331;p53"/>
           <p:cNvSpPr txBox="1"/>
           <p:nvPr/>
         </p:nvSpPr>
         <p:spPr>
           <a:xfrm>
-            <a:off x="1346250" y="3384075"/>
-            <a:ext cx="2095500" cy="369300"/>
+            <a:off x="2241725" y="4011150"/>
+            <a:ext cx="1473600" cy="369300"/>
           </a:xfrm>
           <a:prstGeom prst="rect">
             <a:avLst/>
@@ -22777,24 +22121,335 @@
           </a:p>
         </p:txBody>
       </p:sp>
+    </p:spTree>
+  </p:cSld>
+  <p:clrMapOvr>
+    <a:masterClrMapping/>
+  </p:clrMapOvr>
+</p:sld>
+</file>
+
+<file path=ppt/slides/slide18.xml><?xml version="1.0" encoding="utf-8"?>
+<p:sld xmlns:a="http://schemas.openxmlformats.org/drawingml/2006/main" xmlns:r="http://schemas.openxmlformats.org/officeDocument/2006/relationships" xmlns:mc="http://schemas.openxmlformats.org/markup-compatibility/2006" xmlns:mv="urn:schemas-microsoft-com:mac:vml" xmlns:p="http://schemas.openxmlformats.org/presentationml/2006/main" xmlns:c="http://schemas.openxmlformats.org/drawingml/2006/chart" xmlns:dgm="http://schemas.openxmlformats.org/drawingml/2006/diagram" xmlns:o="urn:schemas-microsoft-com:office:office" xmlns:v="urn:schemas-microsoft-com:vml" xmlns:pvml="urn:schemas-microsoft-com:office:powerpoint" xmlns:com="http://schemas.openxmlformats.org/drawingml/2006/compatibility" xmlns:p14="http://schemas.microsoft.com/office/powerpoint/2010/main" xmlns:p15="http://schemas.microsoft.com/office/powerpoint/2012/main" xmlns:ahyp="http://schemas.microsoft.com/office/drawing/2018/hyperlinkcolor">
+  <p:cSld>
+    <p:spTree>
+      <p:nvGrpSpPr>
+        <p:cNvPr id="335" name="Shape 335"/>
+        <p:cNvGrpSpPr/>
+        <p:nvPr/>
+      </p:nvGrpSpPr>
+      <p:grpSpPr>
+        <a:xfrm>
+          <a:off x="0" y="0"/>
+          <a:ext cx="0" cy="0"/>
+          <a:chOff x="0" y="0"/>
+          <a:chExt cx="0" cy="0"/>
+        </a:xfrm>
+      </p:grpSpPr>
       <p:pic>
         <p:nvPicPr>
-          <p:cNvPr id="347" name="Google Shape;347;p55"/>
+          <p:cNvPr id="336" name="Google Shape;336;p54"/>
           <p:cNvPicPr preferRelativeResize="0"/>
           <p:nvPr/>
         </p:nvPicPr>
-        <p:blipFill>
+        <p:blipFill rotWithShape="1">
+          <a:blip r:embed="rId3">
+            <a:alphaModFix/>
+          </a:blip>
+          <a:srcRect b="0" l="0" r="0" t="0"/>
+          <a:stretch/>
+        </p:blipFill>
+        <p:spPr>
+          <a:xfrm>
+            <a:off x="0" y="4710300"/>
+            <a:ext cx="9144000" cy="433200"/>
+          </a:xfrm>
+          <a:prstGeom prst="rect">
+            <a:avLst/>
+          </a:prstGeom>
+          <a:noFill/>
+          <a:ln>
+            <a:noFill/>
+          </a:ln>
+        </p:spPr>
+      </p:pic>
+      <p:sp>
+        <p:nvSpPr>
+          <p:cNvPr id="337" name="Google Shape;337;p54"/>
+          <p:cNvSpPr txBox="1"/>
+          <p:nvPr>
+            <p:ph type="title"/>
+          </p:nvPr>
+        </p:nvSpPr>
+        <p:spPr>
+          <a:xfrm>
+            <a:off x="311700" y="445025"/>
+            <a:ext cx="8520600" cy="572700"/>
+          </a:xfrm>
+          <a:prstGeom prst="rect">
+            <a:avLst/>
+          </a:prstGeom>
+        </p:spPr>
+        <p:txBody>
+          <a:bodyPr anchorCtr="0" anchor="t" bIns="91425" lIns="91425" spcFirstLastPara="1" rIns="91425" wrap="square" tIns="91425">
+            <a:normAutofit fontScale="90000"/>
+          </a:bodyPr>
+          <a:lstStyle/>
+          <a:p>
+            <a:pPr indent="0" lvl="0" marL="0" rtl="0" algn="ctr">
+              <a:spcBef>
+                <a:spcPts val="0"/>
+              </a:spcBef>
+              <a:spcAft>
+                <a:spcPts val="0"/>
+              </a:spcAft>
+              <a:buNone/>
+            </a:pPr>
+            <a:r>
+              <a:rPr lang="en">
+                <a:solidFill>
+                  <a:srgbClr val="4A86E8"/>
+                </a:solidFill>
+              </a:rPr>
+              <a:t>Lecture Outline</a:t>
+            </a:r>
+            <a:endParaRPr>
+              <a:solidFill>
+                <a:srgbClr val="4A86E8"/>
+              </a:solidFill>
+            </a:endParaRPr>
+          </a:p>
+        </p:txBody>
+      </p:sp>
+      <p:sp>
+        <p:nvSpPr>
+          <p:cNvPr id="338" name="Google Shape;338;p54"/>
+          <p:cNvSpPr txBox="1"/>
+          <p:nvPr/>
+        </p:nvSpPr>
+        <p:spPr>
+          <a:xfrm>
+            <a:off x="2674050" y="1380000"/>
+            <a:ext cx="8332200" cy="1970100"/>
+          </a:xfrm>
+          <a:prstGeom prst="rect">
+            <a:avLst/>
+          </a:prstGeom>
+          <a:noFill/>
+          <a:ln>
+            <a:noFill/>
+          </a:ln>
+        </p:spPr>
+        <p:txBody>
+          <a:bodyPr anchorCtr="0" anchor="t" bIns="91425" lIns="91425" spcFirstLastPara="1" rIns="91425" wrap="square" tIns="91425">
+            <a:spAutoFit/>
+          </a:bodyPr>
+          <a:lstStyle/>
+          <a:p>
+            <a:pPr indent="0" lvl="0" marL="0" rtl="0" algn="l">
+              <a:spcBef>
+                <a:spcPts val="0"/>
+              </a:spcBef>
+              <a:spcAft>
+                <a:spcPts val="0"/>
+              </a:spcAft>
+              <a:buNone/>
+            </a:pPr>
+            <a:r>
+              <a:rPr lang="en" sz="1900">
+                <a:latin typeface="Roboto"/>
+                <a:ea typeface="Roboto"/>
+                <a:cs typeface="Roboto"/>
+                <a:sym typeface="Roboto"/>
+              </a:rPr>
+              <a:t>Model Tuning</a:t>
+            </a:r>
+            <a:endParaRPr sz="1900">
+              <a:latin typeface="Roboto"/>
+              <a:ea typeface="Roboto"/>
+              <a:cs typeface="Roboto"/>
+              <a:sym typeface="Roboto"/>
+            </a:endParaRPr>
+          </a:p>
+          <a:p>
+            <a:pPr indent="0" lvl="0" marL="0" rtl="0" algn="l">
+              <a:spcBef>
+                <a:spcPts val="0"/>
+              </a:spcBef>
+              <a:spcAft>
+                <a:spcPts val="0"/>
+              </a:spcAft>
+              <a:buNone/>
+            </a:pPr>
+            <a:r>
+              <a:t/>
+            </a:r>
+            <a:endParaRPr b="1" sz="1900">
+              <a:latin typeface="Roboto"/>
+              <a:ea typeface="Roboto"/>
+              <a:cs typeface="Roboto"/>
+              <a:sym typeface="Roboto"/>
+            </a:endParaRPr>
+          </a:p>
+          <a:p>
+            <a:pPr indent="0" lvl="0" marL="0" rtl="0" algn="l">
+              <a:spcBef>
+                <a:spcPts val="0"/>
+              </a:spcBef>
+              <a:spcAft>
+                <a:spcPts val="0"/>
+              </a:spcAft>
+              <a:buNone/>
+            </a:pPr>
+            <a:r>
+              <a:rPr lang="en" sz="1900">
+                <a:latin typeface="Roboto"/>
+                <a:ea typeface="Roboto"/>
+                <a:cs typeface="Roboto"/>
+                <a:sym typeface="Roboto"/>
+              </a:rPr>
+              <a:t>Model Interpretation</a:t>
+            </a:r>
+            <a:endParaRPr sz="1900">
+              <a:latin typeface="Roboto"/>
+              <a:ea typeface="Roboto"/>
+              <a:cs typeface="Roboto"/>
+              <a:sym typeface="Roboto"/>
+            </a:endParaRPr>
+          </a:p>
+          <a:p>
+            <a:pPr indent="0" lvl="0" marL="0" rtl="0" algn="l">
+              <a:spcBef>
+                <a:spcPts val="0"/>
+              </a:spcBef>
+              <a:spcAft>
+                <a:spcPts val="0"/>
+              </a:spcAft>
+              <a:buNone/>
+            </a:pPr>
+            <a:r>
+              <a:t/>
+            </a:r>
+            <a:endParaRPr sz="1900">
+              <a:latin typeface="Roboto"/>
+              <a:ea typeface="Roboto"/>
+              <a:cs typeface="Roboto"/>
+              <a:sym typeface="Roboto"/>
+            </a:endParaRPr>
+          </a:p>
+          <a:p>
+            <a:pPr indent="0" lvl="0" marL="0" rtl="0" algn="l">
+              <a:spcBef>
+                <a:spcPts val="0"/>
+              </a:spcBef>
+              <a:spcAft>
+                <a:spcPts val="0"/>
+              </a:spcAft>
+              <a:buNone/>
+            </a:pPr>
+            <a:r>
+              <a:rPr b="1" lang="en" sz="1900">
+                <a:latin typeface="Roboto"/>
+                <a:ea typeface="Roboto"/>
+                <a:cs typeface="Roboto"/>
+                <a:sym typeface="Roboto"/>
+              </a:rPr>
+              <a:t>Model Deployment</a:t>
+            </a:r>
+            <a:endParaRPr b="1" sz="1900">
+              <a:latin typeface="Roboto"/>
+              <a:ea typeface="Roboto"/>
+              <a:cs typeface="Roboto"/>
+              <a:sym typeface="Roboto"/>
+            </a:endParaRPr>
+          </a:p>
+          <a:p>
+            <a:pPr indent="0" lvl="0" marL="0" rtl="0" algn="l">
+              <a:spcBef>
+                <a:spcPts val="0"/>
+              </a:spcBef>
+              <a:spcAft>
+                <a:spcPts val="0"/>
+              </a:spcAft>
+              <a:buNone/>
+            </a:pPr>
+            <a:r>
+              <a:t/>
+            </a:r>
+            <a:endParaRPr sz="2100">
+              <a:latin typeface="Roboto"/>
+              <a:ea typeface="Roboto"/>
+              <a:cs typeface="Roboto"/>
+              <a:sym typeface="Roboto"/>
+            </a:endParaRPr>
+          </a:p>
+        </p:txBody>
+      </p:sp>
+      <p:sp>
+        <p:nvSpPr>
+          <p:cNvPr id="339" name="Google Shape;339;p54"/>
+          <p:cNvSpPr txBox="1"/>
+          <p:nvPr>
+            <p:ph idx="12" type="sldNum"/>
+          </p:nvPr>
+        </p:nvSpPr>
+        <p:spPr>
+          <a:xfrm>
+            <a:off x="8" y="4730092"/>
+            <a:ext cx="548700" cy="393600"/>
+          </a:xfrm>
+          <a:prstGeom prst="rect">
+            <a:avLst/>
+          </a:prstGeom>
+        </p:spPr>
+        <p:txBody>
+          <a:bodyPr anchorCtr="0" anchor="ctr" bIns="91425" lIns="91425" spcFirstLastPara="1" rIns="91425" wrap="square" tIns="91425">
+            <a:normAutofit/>
+          </a:bodyPr>
+          <a:lstStyle/>
+          <a:p>
+            <a:pPr indent="0" lvl="0" marL="0" rtl="0" algn="r">
+              <a:spcBef>
+                <a:spcPts val="0"/>
+              </a:spcBef>
+              <a:spcAft>
+                <a:spcPts val="0"/>
+              </a:spcAft>
+              <a:buNone/>
+            </a:pPr>
+            <a:fld id="{00000000-1234-1234-1234-123412341234}" type="slidenum">
+              <a:rPr lang="en">
+                <a:solidFill>
+                  <a:schemeClr val="lt1"/>
+                </a:solidFill>
+              </a:rPr>
+              <a:t>‹#›</a:t>
+            </a:fld>
+            <a:endParaRPr>
+              <a:solidFill>
+                <a:schemeClr val="lt1"/>
+              </a:solidFill>
+            </a:endParaRPr>
+          </a:p>
+        </p:txBody>
+      </p:sp>
+      <p:pic>
+        <p:nvPicPr>
+          <p:cNvPr id="340" name="Google Shape;340;p54"/>
+          <p:cNvPicPr preferRelativeResize="0"/>
+          <p:nvPr/>
+        </p:nvPicPr>
+        <p:blipFill rotWithShape="1">
           <a:blip r:embed="rId4">
             <a:alphaModFix/>
           </a:blip>
-          <a:stretch>
-            <a:fillRect/>
-          </a:stretch>
+          <a:srcRect b="0" l="0" r="43813" t="0"/>
+          <a:stretch/>
         </p:blipFill>
         <p:spPr>
           <a:xfrm>
-            <a:off x="2848225" y="2460950"/>
-            <a:ext cx="4338677" cy="1944550"/>
+            <a:off x="340300" y="0"/>
+            <a:ext cx="1156000" cy="4730100"/>
           </a:xfrm>
           <a:prstGeom prst="rect">
             <a:avLst/>
@@ -22813,12 +22468,247 @@
 </p:sld>
 </file>
 
+<file path=ppt/slides/slide19.xml><?xml version="1.0" encoding="utf-8"?>
+<p:sld xmlns:a="http://schemas.openxmlformats.org/drawingml/2006/main" xmlns:r="http://schemas.openxmlformats.org/officeDocument/2006/relationships" xmlns:mc="http://schemas.openxmlformats.org/markup-compatibility/2006" xmlns:mv="urn:schemas-microsoft-com:mac:vml" xmlns:p="http://schemas.openxmlformats.org/presentationml/2006/main" xmlns:c="http://schemas.openxmlformats.org/drawingml/2006/chart" xmlns:dgm="http://schemas.openxmlformats.org/drawingml/2006/diagram" xmlns:o="urn:schemas-microsoft-com:office:office" xmlns:v="urn:schemas-microsoft-com:vml" xmlns:pvml="urn:schemas-microsoft-com:office:powerpoint" xmlns:com="http://schemas.openxmlformats.org/drawingml/2006/compatibility" xmlns:p14="http://schemas.microsoft.com/office/powerpoint/2010/main" xmlns:p15="http://schemas.microsoft.com/office/powerpoint/2012/main" xmlns:ahyp="http://schemas.microsoft.com/office/drawing/2018/hyperlinkcolor">
+  <p:cSld>
+    <p:spTree>
+      <p:nvGrpSpPr>
+        <p:cNvPr id="344" name="Shape 344"/>
+        <p:cNvGrpSpPr/>
+        <p:nvPr/>
+      </p:nvGrpSpPr>
+      <p:grpSpPr>
+        <a:xfrm>
+          <a:off x="0" y="0"/>
+          <a:ext cx="0" cy="0"/>
+          <a:chOff x="0" y="0"/>
+          <a:chExt cx="0" cy="0"/>
+        </a:xfrm>
+      </p:grpSpPr>
+      <p:pic>
+        <p:nvPicPr>
+          <p:cNvPr id="345" name="Google Shape;345;p55"/>
+          <p:cNvPicPr preferRelativeResize="0"/>
+          <p:nvPr/>
+        </p:nvPicPr>
+        <p:blipFill>
+          <a:blip r:embed="rId3">
+            <a:alphaModFix/>
+          </a:blip>
+          <a:stretch>
+            <a:fillRect/>
+          </a:stretch>
+        </p:blipFill>
+        <p:spPr>
+          <a:xfrm>
+            <a:off x="0" y="4710300"/>
+            <a:ext cx="9144000" cy="433200"/>
+          </a:xfrm>
+          <a:prstGeom prst="rect">
+            <a:avLst/>
+          </a:prstGeom>
+          <a:noFill/>
+          <a:ln>
+            <a:noFill/>
+          </a:ln>
+        </p:spPr>
+      </p:pic>
+      <p:sp>
+        <p:nvSpPr>
+          <p:cNvPr id="346" name="Google Shape;346;p55"/>
+          <p:cNvSpPr txBox="1"/>
+          <p:nvPr>
+            <p:ph type="title"/>
+          </p:nvPr>
+        </p:nvSpPr>
+        <p:spPr>
+          <a:xfrm>
+            <a:off x="311700" y="109850"/>
+            <a:ext cx="8520600" cy="607800"/>
+          </a:xfrm>
+          <a:prstGeom prst="rect">
+            <a:avLst/>
+          </a:prstGeom>
+        </p:spPr>
+        <p:txBody>
+          <a:bodyPr anchorCtr="0" anchor="t" bIns="91425" lIns="91425" spcFirstLastPara="1" rIns="91425" wrap="square" tIns="91425">
+            <a:noAutofit/>
+          </a:bodyPr>
+          <a:lstStyle/>
+          <a:p>
+            <a:pPr indent="0" lvl="0" marL="0" rtl="0" algn="l">
+              <a:spcBef>
+                <a:spcPts val="0"/>
+              </a:spcBef>
+              <a:spcAft>
+                <a:spcPts val="0"/>
+              </a:spcAft>
+              <a:buNone/>
+            </a:pPr>
+            <a:r>
+              <a:rPr lang="en">
+                <a:solidFill>
+                  <a:srgbClr val="4A86E8"/>
+                </a:solidFill>
+              </a:rPr>
+              <a:t>Model persistence</a:t>
+            </a:r>
+            <a:endParaRPr>
+              <a:solidFill>
+                <a:srgbClr val="4A86E8"/>
+              </a:solidFill>
+            </a:endParaRPr>
+          </a:p>
+        </p:txBody>
+      </p:sp>
+      <p:sp>
+        <p:nvSpPr>
+          <p:cNvPr id="347" name="Google Shape;347;p55"/>
+          <p:cNvSpPr txBox="1"/>
+          <p:nvPr/>
+        </p:nvSpPr>
+        <p:spPr>
+          <a:xfrm>
+            <a:off x="415500" y="906275"/>
+            <a:ext cx="8313000" cy="1650000"/>
+          </a:xfrm>
+          <a:prstGeom prst="rect">
+            <a:avLst/>
+          </a:prstGeom>
+          <a:noFill/>
+          <a:ln>
+            <a:noFill/>
+          </a:ln>
+        </p:spPr>
+        <p:txBody>
+          <a:bodyPr anchorCtr="0" anchor="t" bIns="91425" lIns="91425" spcFirstLastPara="1" rIns="91425" wrap="square" tIns="91425">
+            <a:spAutoFit/>
+          </a:bodyPr>
+          <a:lstStyle/>
+          <a:p>
+            <a:pPr indent="-336550" lvl="0" marL="457200" rtl="0" algn="l">
+              <a:lnSpc>
+                <a:spcPct val="115000"/>
+              </a:lnSpc>
+              <a:spcBef>
+                <a:spcPts val="0"/>
+              </a:spcBef>
+              <a:spcAft>
+                <a:spcPts val="0"/>
+              </a:spcAft>
+              <a:buSzPts val="1700"/>
+              <a:buChar char="●"/>
+            </a:pPr>
+            <a:r>
+              <a:rPr lang="en" sz="1700"/>
+              <a:t>The simplest way to deploy a model is to persist the final model on permanent media like hard drive and use it for making predictions in the future.</a:t>
+            </a:r>
+            <a:endParaRPr sz="1700"/>
+          </a:p>
+          <a:p>
+            <a:pPr indent="-336550" lvl="0" marL="457200" rtl="0" algn="l">
+              <a:lnSpc>
+                <a:spcPct val="115000"/>
+              </a:lnSpc>
+              <a:spcBef>
+                <a:spcPts val="0"/>
+              </a:spcBef>
+              <a:spcAft>
+                <a:spcPts val="0"/>
+              </a:spcAft>
+              <a:buSzPts val="1700"/>
+              <a:buChar char="●"/>
+            </a:pPr>
+            <a:r>
+              <a:rPr lang="en" sz="1700"/>
+              <a:t>This deployment scheme performs the necessary data transformations on the raw data and then reads the model from the permanent data store.</a:t>
+            </a:r>
+            <a:endParaRPr sz="1700"/>
+          </a:p>
+          <a:p>
+            <a:pPr indent="-336550" lvl="0" marL="457200" rtl="0" algn="l">
+              <a:lnSpc>
+                <a:spcPct val="115000"/>
+              </a:lnSpc>
+              <a:spcBef>
+                <a:spcPts val="0"/>
+              </a:spcBef>
+              <a:spcAft>
+                <a:spcPts val="0"/>
+              </a:spcAft>
+              <a:buSzPts val="1700"/>
+              <a:buChar char="●"/>
+            </a:pPr>
+            <a:r>
+              <a:rPr lang="en" sz="1700"/>
+              <a:t>Once we have the data and model, we then can make a prediction.</a:t>
+            </a:r>
+            <a:endParaRPr sz="1700"/>
+          </a:p>
+        </p:txBody>
+      </p:sp>
+      <p:sp>
+        <p:nvSpPr>
+          <p:cNvPr id="348" name="Google Shape;348;p55"/>
+          <p:cNvSpPr txBox="1"/>
+          <p:nvPr>
+            <p:ph idx="12" type="sldNum"/>
+          </p:nvPr>
+        </p:nvSpPr>
+        <p:spPr>
+          <a:xfrm>
+            <a:off x="6" y="4730090"/>
+            <a:ext cx="548700" cy="393600"/>
+          </a:xfrm>
+          <a:prstGeom prst="rect">
+            <a:avLst/>
+          </a:prstGeom>
+        </p:spPr>
+        <p:txBody>
+          <a:bodyPr anchorCtr="0" anchor="ctr" bIns="91425" lIns="91425" spcFirstLastPara="1" rIns="91425" wrap="square" tIns="91425">
+            <a:noAutofit/>
+          </a:bodyPr>
+          <a:lstStyle/>
+          <a:p>
+            <a:pPr indent="0" lvl="0" marL="0" rtl="0" algn="r">
+              <a:spcBef>
+                <a:spcPts val="0"/>
+              </a:spcBef>
+              <a:spcAft>
+                <a:spcPts val="0"/>
+              </a:spcAft>
+              <a:buNone/>
+            </a:pPr>
+            <a:fld id="{00000000-1234-1234-1234-123412341234}" type="slidenum">
+              <a:rPr lang="en">
+                <a:solidFill>
+                  <a:schemeClr val="lt1"/>
+                </a:solidFill>
+              </a:rPr>
+              <a:t>‹#›</a:t>
+            </a:fld>
+            <a:endParaRPr>
+              <a:solidFill>
+                <a:schemeClr val="lt1"/>
+              </a:solidFill>
+            </a:endParaRPr>
+          </a:p>
+        </p:txBody>
+      </p:sp>
+    </p:spTree>
+  </p:cSld>
+  <p:clrMapOvr>
+    <a:masterClrMapping/>
+  </p:clrMapOvr>
+</p:sld>
+</file>
+
 <file path=ppt/slides/slide2.xml><?xml version="1.0" encoding="utf-8"?>
 <p:sld xmlns:a="http://schemas.openxmlformats.org/drawingml/2006/main" xmlns:r="http://schemas.openxmlformats.org/officeDocument/2006/relationships" xmlns:mc="http://schemas.openxmlformats.org/markup-compatibility/2006" xmlns:mv="urn:schemas-microsoft-com:mac:vml" xmlns:p="http://schemas.openxmlformats.org/presentationml/2006/main" xmlns:c="http://schemas.openxmlformats.org/drawingml/2006/chart" xmlns:dgm="http://schemas.openxmlformats.org/drawingml/2006/diagram" xmlns:o="urn:schemas-microsoft-com:office:office" xmlns:v="urn:schemas-microsoft-com:vml" xmlns:pvml="urn:schemas-microsoft-com:office:powerpoint" xmlns:com="http://schemas.openxmlformats.org/drawingml/2006/compatibility" xmlns:p14="http://schemas.microsoft.com/office/powerpoint/2010/main" xmlns:p15="http://schemas.microsoft.com/office/powerpoint/2012/main" xmlns:ahyp="http://schemas.microsoft.com/office/drawing/2018/hyperlinkcolor">
   <p:cSld>
     <p:spTree>
       <p:nvGrpSpPr>
-        <p:cNvPr id="182" name="Shape 182"/>
+        <p:cNvPr id="183" name="Shape 183"/>
         <p:cNvGrpSpPr/>
         <p:nvPr/>
       </p:nvGrpSpPr>
@@ -22832,7 +22722,7 @@
       </p:grpSpPr>
       <p:sp>
         <p:nvSpPr>
-          <p:cNvPr id="183" name="Google Shape;183;p38"/>
+          <p:cNvPr id="184" name="Google Shape;184;p38"/>
           <p:cNvSpPr txBox="1"/>
           <p:nvPr>
             <p:ph idx="4294967295" type="ctrTitle"/>
@@ -22880,7 +22770,7 @@
       </p:sp>
       <p:sp>
         <p:nvSpPr>
-          <p:cNvPr id="184" name="Google Shape;184;p38"/>
+          <p:cNvPr id="185" name="Google Shape;185;p38"/>
           <p:cNvSpPr txBox="1"/>
           <p:nvPr>
             <p:ph idx="12" type="sldNum"/>
@@ -22920,7 +22810,7 @@
       </p:sp>
       <p:pic>
         <p:nvPicPr>
-          <p:cNvPr id="185" name="Google Shape;185;p38"/>
+          <p:cNvPr id="186" name="Google Shape;186;p38"/>
           <p:cNvPicPr preferRelativeResize="0"/>
           <p:nvPr/>
         </p:nvPicPr>
@@ -22959,7 +22849,7 @@
   <p:cSld>
     <p:spTree>
       <p:nvGrpSpPr>
-        <p:cNvPr id="351" name="Shape 351"/>
+        <p:cNvPr id="352" name="Shape 352"/>
         <p:cNvGrpSpPr/>
         <p:nvPr/>
       </p:nvGrpSpPr>
@@ -22973,16 +22863,17 @@
       </p:grpSpPr>
       <p:pic>
         <p:nvPicPr>
-          <p:cNvPr id="352" name="Google Shape;352;p56"/>
+          <p:cNvPr id="353" name="Google Shape;353;p56"/>
           <p:cNvPicPr preferRelativeResize="0"/>
           <p:nvPr/>
         </p:nvPicPr>
-        <p:blipFill rotWithShape="1">
+        <p:blipFill>
           <a:blip r:embed="rId3">
             <a:alphaModFix/>
           </a:blip>
-          <a:srcRect b="0" l="0" r="0" t="0"/>
-          <a:stretch/>
+          <a:stretch>
+            <a:fillRect/>
+          </a:stretch>
         </p:blipFill>
         <p:spPr>
           <a:xfrm>
@@ -23000,7 +22891,7 @@
       </p:pic>
       <p:sp>
         <p:nvSpPr>
-          <p:cNvPr id="353" name="Google Shape;353;p56"/>
+          <p:cNvPr id="354" name="Google Shape;354;p56"/>
           <p:cNvSpPr txBox="1"/>
           <p:nvPr>
             <p:ph type="title"/>
@@ -23008,8 +22899,8 @@
         </p:nvSpPr>
         <p:spPr>
           <a:xfrm>
-            <a:off x="311700" y="445025"/>
-            <a:ext cx="8520600" cy="572700"/>
+            <a:off x="311700" y="109850"/>
+            <a:ext cx="8520600" cy="607800"/>
           </a:xfrm>
           <a:prstGeom prst="rect">
             <a:avLst/>
@@ -23017,11 +22908,11 @@
         </p:spPr>
         <p:txBody>
           <a:bodyPr anchorCtr="0" anchor="t" bIns="91425" lIns="91425" spcFirstLastPara="1" rIns="91425" wrap="square" tIns="91425">
-            <a:normAutofit fontScale="90000"/>
+            <a:noAutofit/>
           </a:bodyPr>
           <a:lstStyle/>
           <a:p>
-            <a:pPr indent="0" lvl="0" marL="0" rtl="0" algn="ctr">
+            <a:pPr indent="0" lvl="0" marL="0" rtl="0" algn="l">
               <a:spcBef>
                 <a:spcPts val="0"/>
               </a:spcBef>
@@ -23036,7 +22927,7 @@
                   <a:srgbClr val="4A86E8"/>
                 </a:solidFill>
               </a:rPr>
-              <a:t>Lecture Outline</a:t>
+              <a:t>Custom Development</a:t>
             </a:r>
             <a:endParaRPr>
               <a:solidFill>
@@ -23048,14 +22939,14 @@
       </p:sp>
       <p:sp>
         <p:nvSpPr>
-          <p:cNvPr id="354" name="Google Shape;354;p56"/>
+          <p:cNvPr id="355" name="Google Shape;355;p56"/>
           <p:cNvSpPr txBox="1"/>
           <p:nvPr/>
         </p:nvSpPr>
         <p:spPr>
           <a:xfrm>
-            <a:off x="2674050" y="1380000"/>
-            <a:ext cx="8332200" cy="1970100"/>
+            <a:off x="415650" y="837000"/>
+            <a:ext cx="8312700" cy="1650000"/>
           </a:xfrm>
           <a:prstGeom prst="rect">
             <a:avLst/>
@@ -23071,148 +22962,70 @@
           </a:bodyPr>
           <a:lstStyle/>
           <a:p>
-            <a:pPr indent="0" lvl="0" marL="0" rtl="0" algn="l">
-              <a:spcBef>
-                <a:spcPts val="0"/>
-              </a:spcBef>
-              <a:spcAft>
-                <a:spcPts val="0"/>
-              </a:spcAft>
-              <a:buNone/>
+            <a:pPr indent="-336550" lvl="0" marL="457200" rtl="0" algn="l">
+              <a:lnSpc>
+                <a:spcPct val="115000"/>
+              </a:lnSpc>
+              <a:spcBef>
+                <a:spcPts val="0"/>
+              </a:spcBef>
+              <a:spcAft>
+                <a:spcPts val="0"/>
+              </a:spcAft>
+              <a:buSzPts val="1700"/>
+              <a:buChar char="●"/>
             </a:pPr>
             <a:r>
-              <a:rPr lang="en" sz="1900">
-                <a:latin typeface="Roboto"/>
-                <a:ea typeface="Roboto"/>
-                <a:cs typeface="Roboto"/>
-                <a:sym typeface="Roboto"/>
-              </a:rPr>
-              <a:t>Model Tuning</a:t>
+              <a:rPr lang="en" sz="1700"/>
+              <a:t>Another option to deploy a model is by developing the implementation of model prediction method separately.</a:t>
             </a:r>
-            <a:endParaRPr sz="1900">
-              <a:latin typeface="Roboto"/>
-              <a:ea typeface="Roboto"/>
-              <a:cs typeface="Roboto"/>
-              <a:sym typeface="Roboto"/>
-            </a:endParaRPr>
+            <a:endParaRPr sz="1700"/>
           </a:p>
           <a:p>
-            <a:pPr indent="0" lvl="0" marL="0" rtl="0" algn="l">
-              <a:spcBef>
-                <a:spcPts val="0"/>
-              </a:spcBef>
-              <a:spcAft>
-                <a:spcPts val="0"/>
-              </a:spcAft>
-              <a:buNone/>
+            <a:pPr indent="-336550" lvl="0" marL="457200" rtl="0" algn="l">
+              <a:lnSpc>
+                <a:spcPct val="115000"/>
+              </a:lnSpc>
+              <a:spcBef>
+                <a:spcPts val="0"/>
+              </a:spcBef>
+              <a:spcAft>
+                <a:spcPts val="0"/>
+              </a:spcAft>
+              <a:buSzPts val="1700"/>
+              <a:buChar char="●"/>
             </a:pPr>
             <a:r>
-              <a:t/>
+              <a:rPr lang="en" sz="1700"/>
+              <a:t>The output of most ML algorithms is the values of parameters that were learned.</a:t>
             </a:r>
-            <a:endParaRPr b="1" sz="1900">
-              <a:latin typeface="Roboto"/>
-              <a:ea typeface="Roboto"/>
-              <a:cs typeface="Roboto"/>
-              <a:sym typeface="Roboto"/>
-            </a:endParaRPr>
+            <a:endParaRPr sz="1700"/>
           </a:p>
           <a:p>
-            <a:pPr indent="0" lvl="0" marL="0" rtl="0" algn="l">
-              <a:spcBef>
-                <a:spcPts val="0"/>
-              </a:spcBef>
-              <a:spcAft>
-                <a:spcPts val="0"/>
-              </a:spcAft>
-              <a:buNone/>
+            <a:pPr indent="-336550" lvl="0" marL="457200" rtl="0" algn="l">
+              <a:lnSpc>
+                <a:spcPct val="115000"/>
+              </a:lnSpc>
+              <a:spcBef>
+                <a:spcPts val="0"/>
+              </a:spcBef>
+              <a:spcAft>
+                <a:spcPts val="0"/>
+              </a:spcAft>
+              <a:buSzPts val="1700"/>
+              <a:buChar char="●"/>
             </a:pPr>
             <a:r>
-              <a:rPr lang="en" sz="1900">
-                <a:latin typeface="Roboto"/>
-                <a:ea typeface="Roboto"/>
-                <a:cs typeface="Roboto"/>
-                <a:sym typeface="Roboto"/>
-              </a:rPr>
-              <a:t>Model Interpretation</a:t>
+              <a:rPr lang="en" sz="1700"/>
+              <a:t>We can extract these parameter values and use them for prediction by doing mathematical operation on new data using the extracted parameters.</a:t>
             </a:r>
-            <a:endParaRPr sz="1900">
-              <a:latin typeface="Roboto"/>
-              <a:ea typeface="Roboto"/>
-              <a:cs typeface="Roboto"/>
-              <a:sym typeface="Roboto"/>
-            </a:endParaRPr>
-          </a:p>
-          <a:p>
-            <a:pPr indent="0" lvl="0" marL="0" rtl="0" algn="l">
-              <a:spcBef>
-                <a:spcPts val="0"/>
-              </a:spcBef>
-              <a:spcAft>
-                <a:spcPts val="0"/>
-              </a:spcAft>
-              <a:buNone/>
-            </a:pPr>
-            <a:r>
-              <a:t/>
-            </a:r>
-            <a:endParaRPr sz="1900">
-              <a:latin typeface="Roboto"/>
-              <a:ea typeface="Roboto"/>
-              <a:cs typeface="Roboto"/>
-              <a:sym typeface="Roboto"/>
-            </a:endParaRPr>
-          </a:p>
-          <a:p>
-            <a:pPr indent="0" lvl="0" marL="0" rtl="0" algn="l">
-              <a:spcBef>
-                <a:spcPts val="0"/>
-              </a:spcBef>
-              <a:spcAft>
-                <a:spcPts val="0"/>
-              </a:spcAft>
-              <a:buNone/>
-            </a:pPr>
-            <a:r>
-              <a:rPr b="1" lang="en" sz="1900">
-                <a:latin typeface="Roboto"/>
-                <a:ea typeface="Roboto"/>
-                <a:cs typeface="Roboto"/>
-                <a:sym typeface="Roboto"/>
-              </a:rPr>
-              <a:t>Model Deployment</a:t>
-            </a:r>
-            <a:endParaRPr b="1" sz="1900">
-              <a:latin typeface="Roboto"/>
-              <a:ea typeface="Roboto"/>
-              <a:cs typeface="Roboto"/>
-              <a:sym typeface="Roboto"/>
-            </a:endParaRPr>
-          </a:p>
-          <a:p>
-            <a:pPr indent="0" lvl="0" marL="0" rtl="0" algn="l">
-              <a:spcBef>
-                <a:spcPts val="0"/>
-              </a:spcBef>
-              <a:spcAft>
-                <a:spcPts val="0"/>
-              </a:spcAft>
-              <a:buNone/>
-            </a:pPr>
-            <a:r>
-              <a:t/>
-            </a:r>
-            <a:endParaRPr sz="2100">
-              <a:latin typeface="Roboto"/>
-              <a:ea typeface="Roboto"/>
-              <a:cs typeface="Roboto"/>
-              <a:sym typeface="Roboto"/>
-            </a:endParaRPr>
+            <a:endParaRPr sz="1700"/>
           </a:p>
         </p:txBody>
       </p:sp>
       <p:sp>
         <p:nvSpPr>
-          <p:cNvPr id="355" name="Google Shape;355;p56"/>
+          <p:cNvPr id="356" name="Google Shape;356;p56"/>
           <p:cNvSpPr txBox="1"/>
           <p:nvPr>
             <p:ph idx="12" type="sldNum"/>
@@ -23220,7 +23033,7 @@
         </p:nvSpPr>
         <p:spPr>
           <a:xfrm>
-            <a:off x="8" y="4730092"/>
+            <a:off x="6" y="4730090"/>
             <a:ext cx="548700" cy="393600"/>
           </a:xfrm>
           <a:prstGeom prst="rect">
@@ -23229,7 +23042,7 @@
         </p:spPr>
         <p:txBody>
           <a:bodyPr anchorCtr="0" anchor="ctr" bIns="91425" lIns="91425" spcFirstLastPara="1" rIns="91425" wrap="square" tIns="91425">
-            <a:normAutofit/>
+            <a:noAutofit/>
           </a:bodyPr>
           <a:lstStyle/>
           <a:p>
@@ -23258,33 +23071,6 @@
           </a:p>
         </p:txBody>
       </p:sp>
-      <p:pic>
-        <p:nvPicPr>
-          <p:cNvPr id="356" name="Google Shape;356;p56"/>
-          <p:cNvPicPr preferRelativeResize="0"/>
-          <p:nvPr/>
-        </p:nvPicPr>
-        <p:blipFill rotWithShape="1">
-          <a:blip r:embed="rId4">
-            <a:alphaModFix/>
-          </a:blip>
-          <a:srcRect b="0" l="0" r="43813" t="0"/>
-          <a:stretch/>
-        </p:blipFill>
-        <p:spPr>
-          <a:xfrm>
-            <a:off x="340300" y="0"/>
-            <a:ext cx="1156000" cy="4730100"/>
-          </a:xfrm>
-          <a:prstGeom prst="rect">
-            <a:avLst/>
-          </a:prstGeom>
-          <a:noFill/>
-          <a:ln>
-            <a:noFill/>
-          </a:ln>
-        </p:spPr>
-      </p:pic>
     </p:spTree>
   </p:cSld>
   <p:clrMapOvr>
@@ -23326,7 +23112,7 @@
         </p:blipFill>
         <p:spPr>
           <a:xfrm>
-            <a:off x="0" y="4710300"/>
+            <a:off x="0" y="4572400"/>
             <a:ext cx="9144000" cy="433200"/>
           </a:xfrm>
           <a:prstGeom prst="rect">
@@ -23348,476 +23134,6 @@
         </p:nvSpPr>
         <p:spPr>
           <a:xfrm>
-            <a:off x="311700" y="109850"/>
-            <a:ext cx="8520600" cy="607800"/>
-          </a:xfrm>
-          <a:prstGeom prst="rect">
-            <a:avLst/>
-          </a:prstGeom>
-        </p:spPr>
-        <p:txBody>
-          <a:bodyPr anchorCtr="0" anchor="t" bIns="91425" lIns="91425" spcFirstLastPara="1" rIns="91425" wrap="square" tIns="91425">
-            <a:noAutofit/>
-          </a:bodyPr>
-          <a:lstStyle/>
-          <a:p>
-            <a:pPr indent="0" lvl="0" marL="0" rtl="0" algn="l">
-              <a:spcBef>
-                <a:spcPts val="0"/>
-              </a:spcBef>
-              <a:spcAft>
-                <a:spcPts val="0"/>
-              </a:spcAft>
-              <a:buNone/>
-            </a:pPr>
-            <a:r>
-              <a:rPr lang="en">
-                <a:solidFill>
-                  <a:srgbClr val="4A86E8"/>
-                </a:solidFill>
-              </a:rPr>
-              <a:t>Model persistence</a:t>
-            </a:r>
-            <a:endParaRPr>
-              <a:solidFill>
-                <a:srgbClr val="4A86E8"/>
-              </a:solidFill>
-            </a:endParaRPr>
-          </a:p>
-        </p:txBody>
-      </p:sp>
-      <p:sp>
-        <p:nvSpPr>
-          <p:cNvPr id="363" name="Google Shape;363;p57"/>
-          <p:cNvSpPr txBox="1"/>
-          <p:nvPr/>
-        </p:nvSpPr>
-        <p:spPr>
-          <a:xfrm>
-            <a:off x="415500" y="906275"/>
-            <a:ext cx="8313000" cy="1650000"/>
-          </a:xfrm>
-          <a:prstGeom prst="rect">
-            <a:avLst/>
-          </a:prstGeom>
-          <a:noFill/>
-          <a:ln>
-            <a:noFill/>
-          </a:ln>
-        </p:spPr>
-        <p:txBody>
-          <a:bodyPr anchorCtr="0" anchor="t" bIns="91425" lIns="91425" spcFirstLastPara="1" rIns="91425" wrap="square" tIns="91425">
-            <a:spAutoFit/>
-          </a:bodyPr>
-          <a:lstStyle/>
-          <a:p>
-            <a:pPr indent="-336550" lvl="0" marL="457200" rtl="0" algn="l">
-              <a:lnSpc>
-                <a:spcPct val="115000"/>
-              </a:lnSpc>
-              <a:spcBef>
-                <a:spcPts val="0"/>
-              </a:spcBef>
-              <a:spcAft>
-                <a:spcPts val="0"/>
-              </a:spcAft>
-              <a:buSzPts val="1700"/>
-              <a:buChar char="●"/>
-            </a:pPr>
-            <a:r>
-              <a:rPr lang="en" sz="1700"/>
-              <a:t>The simplest way to deploy a model is to persist the final model on permanent media like hard drive and use it for making predictions in the future.</a:t>
-            </a:r>
-            <a:endParaRPr sz="1700"/>
-          </a:p>
-          <a:p>
-            <a:pPr indent="-336550" lvl="0" marL="457200" rtl="0" algn="l">
-              <a:lnSpc>
-                <a:spcPct val="115000"/>
-              </a:lnSpc>
-              <a:spcBef>
-                <a:spcPts val="0"/>
-              </a:spcBef>
-              <a:spcAft>
-                <a:spcPts val="0"/>
-              </a:spcAft>
-              <a:buSzPts val="1700"/>
-              <a:buChar char="●"/>
-            </a:pPr>
-            <a:r>
-              <a:rPr lang="en" sz="1700"/>
-              <a:t>This deployment scheme performs the necessary data transformations on the raw data and then reads the model from the permanent data store.</a:t>
-            </a:r>
-            <a:endParaRPr sz="1700"/>
-          </a:p>
-          <a:p>
-            <a:pPr indent="-336550" lvl="0" marL="457200" rtl="0" algn="l">
-              <a:lnSpc>
-                <a:spcPct val="115000"/>
-              </a:lnSpc>
-              <a:spcBef>
-                <a:spcPts val="0"/>
-              </a:spcBef>
-              <a:spcAft>
-                <a:spcPts val="0"/>
-              </a:spcAft>
-              <a:buSzPts val="1700"/>
-              <a:buChar char="●"/>
-            </a:pPr>
-            <a:r>
-              <a:rPr lang="en" sz="1700"/>
-              <a:t>Once we have the data and model, we then can make a prediction.</a:t>
-            </a:r>
-            <a:endParaRPr sz="1700"/>
-          </a:p>
-        </p:txBody>
-      </p:sp>
-      <p:sp>
-        <p:nvSpPr>
-          <p:cNvPr id="364" name="Google Shape;364;p57"/>
-          <p:cNvSpPr txBox="1"/>
-          <p:nvPr>
-            <p:ph idx="12" type="sldNum"/>
-          </p:nvPr>
-        </p:nvSpPr>
-        <p:spPr>
-          <a:xfrm>
-            <a:off x="6" y="4730090"/>
-            <a:ext cx="548700" cy="393600"/>
-          </a:xfrm>
-          <a:prstGeom prst="rect">
-            <a:avLst/>
-          </a:prstGeom>
-        </p:spPr>
-        <p:txBody>
-          <a:bodyPr anchorCtr="0" anchor="ctr" bIns="91425" lIns="91425" spcFirstLastPara="1" rIns="91425" wrap="square" tIns="91425">
-            <a:noAutofit/>
-          </a:bodyPr>
-          <a:lstStyle/>
-          <a:p>
-            <a:pPr indent="0" lvl="0" marL="0" rtl="0" algn="r">
-              <a:spcBef>
-                <a:spcPts val="0"/>
-              </a:spcBef>
-              <a:spcAft>
-                <a:spcPts val="0"/>
-              </a:spcAft>
-              <a:buNone/>
-            </a:pPr>
-            <a:fld id="{00000000-1234-1234-1234-123412341234}" type="slidenum">
-              <a:rPr lang="en">
-                <a:solidFill>
-                  <a:schemeClr val="lt1"/>
-                </a:solidFill>
-              </a:rPr>
-              <a:t>‹#›</a:t>
-            </a:fld>
-            <a:endParaRPr>
-              <a:solidFill>
-                <a:schemeClr val="lt1"/>
-              </a:solidFill>
-            </a:endParaRPr>
-          </a:p>
-        </p:txBody>
-      </p:sp>
-    </p:spTree>
-  </p:cSld>
-  <p:clrMapOvr>
-    <a:masterClrMapping/>
-  </p:clrMapOvr>
-</p:sld>
-</file>
-
-<file path=ppt/slides/slide22.xml><?xml version="1.0" encoding="utf-8"?>
-<p:sld xmlns:a="http://schemas.openxmlformats.org/drawingml/2006/main" xmlns:r="http://schemas.openxmlformats.org/officeDocument/2006/relationships" xmlns:mc="http://schemas.openxmlformats.org/markup-compatibility/2006" xmlns:mv="urn:schemas-microsoft-com:mac:vml" xmlns:p="http://schemas.openxmlformats.org/presentationml/2006/main" xmlns:c="http://schemas.openxmlformats.org/drawingml/2006/chart" xmlns:dgm="http://schemas.openxmlformats.org/drawingml/2006/diagram" xmlns:o="urn:schemas-microsoft-com:office:office" xmlns:v="urn:schemas-microsoft-com:vml" xmlns:pvml="urn:schemas-microsoft-com:office:powerpoint" xmlns:com="http://schemas.openxmlformats.org/drawingml/2006/compatibility" xmlns:p14="http://schemas.microsoft.com/office/powerpoint/2010/main" xmlns:p15="http://schemas.microsoft.com/office/powerpoint/2012/main" xmlns:ahyp="http://schemas.microsoft.com/office/drawing/2018/hyperlinkcolor">
-  <p:cSld>
-    <p:spTree>
-      <p:nvGrpSpPr>
-        <p:cNvPr id="368" name="Shape 368"/>
-        <p:cNvGrpSpPr/>
-        <p:nvPr/>
-      </p:nvGrpSpPr>
-      <p:grpSpPr>
-        <a:xfrm>
-          <a:off x="0" y="0"/>
-          <a:ext cx="0" cy="0"/>
-          <a:chOff x="0" y="0"/>
-          <a:chExt cx="0" cy="0"/>
-        </a:xfrm>
-      </p:grpSpPr>
-      <p:pic>
-        <p:nvPicPr>
-          <p:cNvPr id="369" name="Google Shape;369;p58"/>
-          <p:cNvPicPr preferRelativeResize="0"/>
-          <p:nvPr/>
-        </p:nvPicPr>
-        <p:blipFill>
-          <a:blip r:embed="rId3">
-            <a:alphaModFix/>
-          </a:blip>
-          <a:stretch>
-            <a:fillRect/>
-          </a:stretch>
-        </p:blipFill>
-        <p:spPr>
-          <a:xfrm>
-            <a:off x="0" y="4710300"/>
-            <a:ext cx="9144000" cy="433200"/>
-          </a:xfrm>
-          <a:prstGeom prst="rect">
-            <a:avLst/>
-          </a:prstGeom>
-          <a:noFill/>
-          <a:ln>
-            <a:noFill/>
-          </a:ln>
-        </p:spPr>
-      </p:pic>
-      <p:sp>
-        <p:nvSpPr>
-          <p:cNvPr id="370" name="Google Shape;370;p58"/>
-          <p:cNvSpPr txBox="1"/>
-          <p:nvPr>
-            <p:ph type="title"/>
-          </p:nvPr>
-        </p:nvSpPr>
-        <p:spPr>
-          <a:xfrm>
-            <a:off x="311700" y="109850"/>
-            <a:ext cx="8520600" cy="607800"/>
-          </a:xfrm>
-          <a:prstGeom prst="rect">
-            <a:avLst/>
-          </a:prstGeom>
-        </p:spPr>
-        <p:txBody>
-          <a:bodyPr anchorCtr="0" anchor="t" bIns="91425" lIns="91425" spcFirstLastPara="1" rIns="91425" wrap="square" tIns="91425">
-            <a:noAutofit/>
-          </a:bodyPr>
-          <a:lstStyle/>
-          <a:p>
-            <a:pPr indent="0" lvl="0" marL="0" rtl="0" algn="l">
-              <a:spcBef>
-                <a:spcPts val="0"/>
-              </a:spcBef>
-              <a:spcAft>
-                <a:spcPts val="0"/>
-              </a:spcAft>
-              <a:buNone/>
-            </a:pPr>
-            <a:r>
-              <a:rPr lang="en">
-                <a:solidFill>
-                  <a:srgbClr val="4A86E8"/>
-                </a:solidFill>
-              </a:rPr>
-              <a:t>Custom Development</a:t>
-            </a:r>
-            <a:endParaRPr>
-              <a:solidFill>
-                <a:srgbClr val="4A86E8"/>
-              </a:solidFill>
-            </a:endParaRPr>
-          </a:p>
-        </p:txBody>
-      </p:sp>
-      <p:sp>
-        <p:nvSpPr>
-          <p:cNvPr id="371" name="Google Shape;371;p58"/>
-          <p:cNvSpPr txBox="1"/>
-          <p:nvPr/>
-        </p:nvSpPr>
-        <p:spPr>
-          <a:xfrm>
-            <a:off x="415650" y="837000"/>
-            <a:ext cx="8312700" cy="1563900"/>
-          </a:xfrm>
-          <a:prstGeom prst="rect">
-            <a:avLst/>
-          </a:prstGeom>
-          <a:noFill/>
-          <a:ln>
-            <a:noFill/>
-          </a:ln>
-        </p:spPr>
-        <p:txBody>
-          <a:bodyPr anchorCtr="0" anchor="t" bIns="91425" lIns="91425" spcFirstLastPara="1" rIns="91425" wrap="square" tIns="91425">
-            <a:spAutoFit/>
-          </a:bodyPr>
-          <a:lstStyle/>
-          <a:p>
-            <a:pPr indent="-330200" lvl="0" marL="457200" rtl="0" algn="l">
-              <a:lnSpc>
-                <a:spcPct val="115000"/>
-              </a:lnSpc>
-              <a:spcBef>
-                <a:spcPts val="0"/>
-              </a:spcBef>
-              <a:spcAft>
-                <a:spcPts val="0"/>
-              </a:spcAft>
-              <a:buSzPts val="1600"/>
-              <a:buChar char="●"/>
-            </a:pPr>
-            <a:r>
-              <a:rPr lang="en" sz="1600"/>
-              <a:t>Another option to deploy a model is by developing the implementation of model prediction method separately.</a:t>
-            </a:r>
-            <a:endParaRPr sz="1600"/>
-          </a:p>
-          <a:p>
-            <a:pPr indent="-330200" lvl="0" marL="457200" rtl="0" algn="l">
-              <a:lnSpc>
-                <a:spcPct val="115000"/>
-              </a:lnSpc>
-              <a:spcBef>
-                <a:spcPts val="0"/>
-              </a:spcBef>
-              <a:spcAft>
-                <a:spcPts val="0"/>
-              </a:spcAft>
-              <a:buSzPts val="1600"/>
-              <a:buChar char="●"/>
-            </a:pPr>
-            <a:r>
-              <a:rPr lang="en" sz="1600"/>
-              <a:t>The output of most ML algorithms is the values of parameters that were learned.</a:t>
-            </a:r>
-            <a:endParaRPr sz="1600"/>
-          </a:p>
-          <a:p>
-            <a:pPr indent="-330200" lvl="0" marL="457200" rtl="0" algn="l">
-              <a:lnSpc>
-                <a:spcPct val="115000"/>
-              </a:lnSpc>
-              <a:spcBef>
-                <a:spcPts val="0"/>
-              </a:spcBef>
-              <a:spcAft>
-                <a:spcPts val="0"/>
-              </a:spcAft>
-              <a:buSzPts val="1600"/>
-              <a:buChar char="●"/>
-            </a:pPr>
-            <a:r>
-              <a:rPr lang="en" sz="1600"/>
-              <a:t>We can extract these parameters values and use them for prediction by doing mathematical operation on new data.</a:t>
-            </a:r>
-            <a:endParaRPr sz="1600"/>
-          </a:p>
-        </p:txBody>
-      </p:sp>
-      <p:sp>
-        <p:nvSpPr>
-          <p:cNvPr id="372" name="Google Shape;372;p58"/>
-          <p:cNvSpPr txBox="1"/>
-          <p:nvPr>
-            <p:ph idx="12" type="sldNum"/>
-          </p:nvPr>
-        </p:nvSpPr>
-        <p:spPr>
-          <a:xfrm>
-            <a:off x="6" y="4730090"/>
-            <a:ext cx="548700" cy="393600"/>
-          </a:xfrm>
-          <a:prstGeom prst="rect">
-            <a:avLst/>
-          </a:prstGeom>
-        </p:spPr>
-        <p:txBody>
-          <a:bodyPr anchorCtr="0" anchor="ctr" bIns="91425" lIns="91425" spcFirstLastPara="1" rIns="91425" wrap="square" tIns="91425">
-            <a:noAutofit/>
-          </a:bodyPr>
-          <a:lstStyle/>
-          <a:p>
-            <a:pPr indent="0" lvl="0" marL="0" rtl="0" algn="r">
-              <a:spcBef>
-                <a:spcPts val="0"/>
-              </a:spcBef>
-              <a:spcAft>
-                <a:spcPts val="0"/>
-              </a:spcAft>
-              <a:buNone/>
-            </a:pPr>
-            <a:fld id="{00000000-1234-1234-1234-123412341234}" type="slidenum">
-              <a:rPr lang="en">
-                <a:solidFill>
-                  <a:schemeClr val="lt1"/>
-                </a:solidFill>
-              </a:rPr>
-              <a:t>‹#›</a:t>
-            </a:fld>
-            <a:endParaRPr>
-              <a:solidFill>
-                <a:schemeClr val="lt1"/>
-              </a:solidFill>
-            </a:endParaRPr>
-          </a:p>
-        </p:txBody>
-      </p:sp>
-    </p:spTree>
-  </p:cSld>
-  <p:clrMapOvr>
-    <a:masterClrMapping/>
-  </p:clrMapOvr>
-</p:sld>
-</file>
-
-<file path=ppt/slides/slide23.xml><?xml version="1.0" encoding="utf-8"?>
-<p:sld xmlns:a="http://schemas.openxmlformats.org/drawingml/2006/main" xmlns:r="http://schemas.openxmlformats.org/officeDocument/2006/relationships" xmlns:mc="http://schemas.openxmlformats.org/markup-compatibility/2006" xmlns:mv="urn:schemas-microsoft-com:mac:vml" xmlns:p="http://schemas.openxmlformats.org/presentationml/2006/main" xmlns:c="http://schemas.openxmlformats.org/drawingml/2006/chart" xmlns:dgm="http://schemas.openxmlformats.org/drawingml/2006/diagram" xmlns:o="urn:schemas-microsoft-com:office:office" xmlns:v="urn:schemas-microsoft-com:vml" xmlns:pvml="urn:schemas-microsoft-com:office:powerpoint" xmlns:com="http://schemas.openxmlformats.org/drawingml/2006/compatibility" xmlns:p14="http://schemas.microsoft.com/office/powerpoint/2010/main" xmlns:p15="http://schemas.microsoft.com/office/powerpoint/2012/main" xmlns:ahyp="http://schemas.microsoft.com/office/drawing/2018/hyperlinkcolor">
-  <p:cSld>
-    <p:spTree>
-      <p:nvGrpSpPr>
-        <p:cNvPr id="376" name="Shape 376"/>
-        <p:cNvGrpSpPr/>
-        <p:nvPr/>
-      </p:nvGrpSpPr>
-      <p:grpSpPr>
-        <a:xfrm>
-          <a:off x="0" y="0"/>
-          <a:ext cx="0" cy="0"/>
-          <a:chOff x="0" y="0"/>
-          <a:chExt cx="0" cy="0"/>
-        </a:xfrm>
-      </p:grpSpPr>
-      <p:pic>
-        <p:nvPicPr>
-          <p:cNvPr id="377" name="Google Shape;377;p59"/>
-          <p:cNvPicPr preferRelativeResize="0"/>
-          <p:nvPr/>
-        </p:nvPicPr>
-        <p:blipFill>
-          <a:blip r:embed="rId3">
-            <a:alphaModFix/>
-          </a:blip>
-          <a:stretch>
-            <a:fillRect/>
-          </a:stretch>
-        </p:blipFill>
-        <p:spPr>
-          <a:xfrm>
-            <a:off x="0" y="4572400"/>
-            <a:ext cx="9144000" cy="433200"/>
-          </a:xfrm>
-          <a:prstGeom prst="rect">
-            <a:avLst/>
-          </a:prstGeom>
-          <a:noFill/>
-          <a:ln>
-            <a:noFill/>
-          </a:ln>
-        </p:spPr>
-      </p:pic>
-      <p:sp>
-        <p:nvSpPr>
-          <p:cNvPr id="378" name="Google Shape;378;p59"/>
-          <p:cNvSpPr txBox="1"/>
-          <p:nvPr>
-            <p:ph type="title"/>
-          </p:nvPr>
-        </p:nvSpPr>
-        <p:spPr>
-          <a:xfrm>
             <a:off x="311700" y="129575"/>
             <a:ext cx="8520600" cy="572700"/>
           </a:xfrm>
@@ -23858,7 +23174,7 @@
       </p:sp>
       <p:sp>
         <p:nvSpPr>
-          <p:cNvPr id="379" name="Google Shape;379;p59"/>
+          <p:cNvPr id="363" name="Google Shape;363;p57"/>
           <p:cNvSpPr txBox="1"/>
           <p:nvPr>
             <p:ph idx="12" type="sldNum"/>
@@ -23898,7 +23214,7 @@
       </p:sp>
       <p:sp>
         <p:nvSpPr>
-          <p:cNvPr id="380" name="Google Shape;380;p59"/>
+          <p:cNvPr id="364" name="Google Shape;364;p57"/>
           <p:cNvSpPr txBox="1"/>
           <p:nvPr/>
         </p:nvSpPr>
@@ -23952,7 +23268,7 @@
       </p:sp>
       <p:sp>
         <p:nvSpPr>
-          <p:cNvPr id="381" name="Google Shape;381;p59"/>
+          <p:cNvPr id="365" name="Google Shape;365;p57"/>
           <p:cNvSpPr txBox="1"/>
           <p:nvPr/>
         </p:nvSpPr>
@@ -23993,7 +23309,7 @@
       </p:sp>
       <p:sp>
         <p:nvSpPr>
-          <p:cNvPr id="382" name="Google Shape;382;p59"/>
+          <p:cNvPr id="366" name="Google Shape;366;p57"/>
           <p:cNvSpPr txBox="1"/>
           <p:nvPr/>
         </p:nvSpPr>
@@ -24087,7 +23403,7 @@
       </p:sp>
       <p:sp>
         <p:nvSpPr>
-          <p:cNvPr id="383" name="Google Shape;383;p59"/>
+          <p:cNvPr id="367" name="Google Shape;367;p57"/>
           <p:cNvSpPr txBox="1"/>
           <p:nvPr/>
         </p:nvSpPr>
@@ -24141,7 +23457,7 @@
       </p:sp>
       <p:sp>
         <p:nvSpPr>
-          <p:cNvPr id="384" name="Google Shape;384;p59"/>
+          <p:cNvPr id="368" name="Google Shape;368;p57"/>
           <p:cNvSpPr txBox="1"/>
           <p:nvPr/>
         </p:nvSpPr>
@@ -24235,7 +23551,7 @@
       </p:sp>
       <p:sp>
         <p:nvSpPr>
-          <p:cNvPr id="385" name="Google Shape;385;p59"/>
+          <p:cNvPr id="369" name="Google Shape;369;p57"/>
           <p:cNvSpPr txBox="1"/>
           <p:nvPr/>
         </p:nvSpPr>
@@ -24276,7 +23592,7 @@
                 <a:cs typeface="Roboto"/>
                 <a:sym typeface="Roboto"/>
               </a:rPr>
-              <a:t>Which of the following is not Deep Learning algorithm?</a:t>
+              <a:t>Which of the following model is the best model we are looking for?</a:t>
             </a:r>
             <a:endParaRPr sz="1800">
               <a:latin typeface="Roboto"/>
@@ -24289,7 +23605,7 @@
       </p:sp>
       <p:sp>
         <p:nvSpPr>
-          <p:cNvPr id="386" name="Google Shape;386;p59"/>
+          <p:cNvPr id="370" name="Google Shape;370;p57"/>
           <p:cNvSpPr txBox="1"/>
           <p:nvPr/>
         </p:nvSpPr>
@@ -24383,7 +23699,7 @@
       </p:sp>
       <p:sp>
         <p:nvSpPr>
-          <p:cNvPr id="387" name="Google Shape;387;p59"/>
+          <p:cNvPr id="371" name="Google Shape;371;p57"/>
           <p:cNvSpPr txBox="1"/>
           <p:nvPr/>
         </p:nvSpPr>
@@ -24425,7 +23741,7 @@
       </p:sp>
       <p:sp>
         <p:nvSpPr>
-          <p:cNvPr id="388" name="Google Shape;388;p59"/>
+          <p:cNvPr id="372" name="Google Shape;372;p57"/>
           <p:cNvSpPr txBox="1"/>
           <p:nvPr/>
         </p:nvSpPr>
@@ -24467,7 +23783,7 @@
       </p:sp>
       <p:sp>
         <p:nvSpPr>
-          <p:cNvPr id="389" name="Google Shape;389;p59"/>
+          <p:cNvPr id="373" name="Google Shape;373;p57"/>
           <p:cNvSpPr txBox="1"/>
           <p:nvPr/>
         </p:nvSpPr>
@@ -24546,7 +23862,7 @@
                                           </p:stCondLst>
                                         </p:cTn>
                                         <p:tgtEl>
-                                          <p:spTgt spid="387"/>
+                                          <p:spTgt spid="371"/>
                                         </p:tgtEl>
                                         <p:attrNameLst>
                                           <p:attrName>style.visibility</p:attrName>
@@ -24560,7 +23876,7 @@
                                       <p:cBhvr>
                                         <p:cTn dur="1000"/>
                                         <p:tgtEl>
-                                          <p:spTgt spid="387"/>
+                                          <p:spTgt spid="371"/>
                                         </p:tgtEl>
                                       </p:cBhvr>
                                     </p:animEffect>
@@ -24599,7 +23915,7 @@
                                           </p:stCondLst>
                                         </p:cTn>
                                         <p:tgtEl>
-                                          <p:spTgt spid="388"/>
+                                          <p:spTgt spid="372"/>
                                         </p:tgtEl>
                                         <p:attrNameLst>
                                           <p:attrName>style.visibility</p:attrName>
@@ -24613,7 +23929,7 @@
                                       <p:cBhvr>
                                         <p:cTn dur="1000"/>
                                         <p:tgtEl>
-                                          <p:spTgt spid="388"/>
+                                          <p:spTgt spid="372"/>
                                         </p:tgtEl>
                                       </p:cBhvr>
                                     </p:animEffect>
@@ -24652,7 +23968,7 @@
                                           </p:stCondLst>
                                         </p:cTn>
                                         <p:tgtEl>
-                                          <p:spTgt spid="389"/>
+                                          <p:spTgt spid="373"/>
                                         </p:tgtEl>
                                         <p:attrNameLst>
                                           <p:attrName>style.visibility</p:attrName>
@@ -24666,7 +23982,7 @@
                                       <p:cBhvr>
                                         <p:cTn dur="1000"/>
                                         <p:tgtEl>
-                                          <p:spTgt spid="389"/>
+                                          <p:spTgt spid="373"/>
                                         </p:tgtEl>
                                       </p:cBhvr>
                                     </p:animEffect>
@@ -24704,12 +24020,12 @@
 </p:sld>
 </file>
 
-<file path=ppt/slides/slide24.xml><?xml version="1.0" encoding="utf-8"?>
+<file path=ppt/slides/slide22.xml><?xml version="1.0" encoding="utf-8"?>
 <p:sld xmlns:a="http://schemas.openxmlformats.org/drawingml/2006/main" xmlns:r="http://schemas.openxmlformats.org/officeDocument/2006/relationships" xmlns:mc="http://schemas.openxmlformats.org/markup-compatibility/2006" xmlns:mv="urn:schemas-microsoft-com:mac:vml" xmlns:p="http://schemas.openxmlformats.org/presentationml/2006/main" xmlns:c="http://schemas.openxmlformats.org/drawingml/2006/chart" xmlns:dgm="http://schemas.openxmlformats.org/drawingml/2006/diagram" xmlns:o="urn:schemas-microsoft-com:office:office" xmlns:v="urn:schemas-microsoft-com:vml" xmlns:pvml="urn:schemas-microsoft-com:office:powerpoint" xmlns:com="http://schemas.openxmlformats.org/drawingml/2006/compatibility" xmlns:p14="http://schemas.microsoft.com/office/powerpoint/2010/main" xmlns:p15="http://schemas.microsoft.com/office/powerpoint/2012/main" xmlns:ahyp="http://schemas.microsoft.com/office/drawing/2018/hyperlinkcolor">
   <p:cSld>
     <p:spTree>
       <p:nvGrpSpPr>
-        <p:cNvPr id="393" name="Shape 393"/>
+        <p:cNvPr id="377" name="Shape 377"/>
         <p:cNvGrpSpPr/>
         <p:nvPr/>
       </p:nvGrpSpPr>
@@ -24723,7 +24039,7 @@
       </p:grpSpPr>
       <p:pic>
         <p:nvPicPr>
-          <p:cNvPr id="394" name="Google Shape;394;p60"/>
+          <p:cNvPr id="378" name="Google Shape;378;p58"/>
           <p:cNvPicPr preferRelativeResize="0"/>
           <p:nvPr/>
         </p:nvPicPr>
@@ -24751,7 +24067,7 @@
       </p:pic>
       <p:sp>
         <p:nvSpPr>
-          <p:cNvPr id="395" name="Google Shape;395;p60"/>
+          <p:cNvPr id="379" name="Google Shape;379;p58"/>
           <p:cNvSpPr txBox="1"/>
           <p:nvPr>
             <p:ph type="title"/>
@@ -24799,7 +24115,7 @@
       </p:sp>
       <p:sp>
         <p:nvSpPr>
-          <p:cNvPr id="396" name="Google Shape;396;p60"/>
+          <p:cNvPr id="380" name="Google Shape;380;p58"/>
           <p:cNvSpPr txBox="1"/>
           <p:nvPr/>
         </p:nvSpPr>
@@ -24889,7 +24205,7 @@
       </p:sp>
       <p:sp>
         <p:nvSpPr>
-          <p:cNvPr id="397" name="Google Shape;397;p60"/>
+          <p:cNvPr id="381" name="Google Shape;381;p58"/>
           <p:cNvSpPr txBox="1"/>
           <p:nvPr>
             <p:ph idx="12" type="sldNum"/>
@@ -24948,7 +24264,7 @@
   <p:cSld>
     <p:spTree>
       <p:nvGrpSpPr>
-        <p:cNvPr id="189" name="Shape 189"/>
+        <p:cNvPr id="190" name="Shape 190"/>
         <p:cNvGrpSpPr/>
         <p:nvPr/>
       </p:nvGrpSpPr>
@@ -24962,7 +24278,7 @@
       </p:grpSpPr>
       <p:pic>
         <p:nvPicPr>
-          <p:cNvPr id="190" name="Google Shape;190;p39"/>
+          <p:cNvPr id="191" name="Google Shape;191;p39"/>
           <p:cNvPicPr preferRelativeResize="0"/>
           <p:nvPr/>
         </p:nvPicPr>
@@ -24989,7 +24305,7 @@
       </p:pic>
       <p:sp>
         <p:nvSpPr>
-          <p:cNvPr id="191" name="Google Shape;191;p39"/>
+          <p:cNvPr id="192" name="Google Shape;192;p39"/>
           <p:cNvSpPr txBox="1"/>
           <p:nvPr>
             <p:ph type="title"/>
@@ -25037,7 +24353,7 @@
       </p:sp>
       <p:sp>
         <p:nvSpPr>
-          <p:cNvPr id="192" name="Google Shape;192;p39"/>
+          <p:cNvPr id="193" name="Google Shape;193;p39"/>
           <p:cNvSpPr txBox="1"/>
           <p:nvPr/>
         </p:nvSpPr>
@@ -25210,7 +24526,7 @@
       </p:sp>
       <p:sp>
         <p:nvSpPr>
-          <p:cNvPr id="193" name="Google Shape;193;p39"/>
+          <p:cNvPr id="194" name="Google Shape;194;p39"/>
           <p:cNvSpPr txBox="1"/>
           <p:nvPr>
             <p:ph idx="12" type="sldNum"/>
@@ -25258,7 +24574,7 @@
       </p:sp>
       <p:pic>
         <p:nvPicPr>
-          <p:cNvPr id="194" name="Google Shape;194;p39"/>
+          <p:cNvPr id="195" name="Google Shape;195;p39"/>
           <p:cNvPicPr preferRelativeResize="0"/>
           <p:nvPr/>
         </p:nvPicPr>
@@ -25296,7 +24612,7 @@
   <p:cSld>
     <p:spTree>
       <p:nvGrpSpPr>
-        <p:cNvPr id="198" name="Shape 198"/>
+        <p:cNvPr id="199" name="Shape 199"/>
         <p:cNvGrpSpPr/>
         <p:nvPr/>
       </p:nvGrpSpPr>
@@ -25310,7 +24626,7 @@
       </p:grpSpPr>
       <p:pic>
         <p:nvPicPr>
-          <p:cNvPr id="199" name="Google Shape;199;p40"/>
+          <p:cNvPr id="200" name="Google Shape;200;p40"/>
           <p:cNvPicPr preferRelativeResize="0"/>
           <p:nvPr/>
         </p:nvPicPr>
@@ -25338,7 +24654,7 @@
       </p:pic>
       <p:sp>
         <p:nvSpPr>
-          <p:cNvPr id="200" name="Google Shape;200;p40"/>
+          <p:cNvPr id="201" name="Google Shape;201;p40"/>
           <p:cNvSpPr txBox="1"/>
           <p:nvPr>
             <p:ph type="title"/>
@@ -25386,7 +24702,7 @@
       </p:sp>
       <p:sp>
         <p:nvSpPr>
-          <p:cNvPr id="201" name="Google Shape;201;p40"/>
+          <p:cNvPr id="202" name="Google Shape;202;p40"/>
           <p:cNvSpPr txBox="1"/>
           <p:nvPr/>
         </p:nvSpPr>
@@ -25480,7 +24796,7 @@
       </p:sp>
       <p:sp>
         <p:nvSpPr>
-          <p:cNvPr id="202" name="Google Shape;202;p40"/>
+          <p:cNvPr id="203" name="Google Shape;203;p40"/>
           <p:cNvSpPr txBox="1"/>
           <p:nvPr>
             <p:ph idx="12" type="sldNum"/>
@@ -25528,7 +24844,7 @@
       </p:sp>
       <p:sp>
         <p:nvSpPr>
-          <p:cNvPr id="203" name="Google Shape;203;p40"/>
+          <p:cNvPr id="204" name="Google Shape;204;p40"/>
           <p:cNvSpPr txBox="1"/>
           <p:nvPr/>
         </p:nvSpPr>
@@ -25577,7 +24893,7 @@
       </p:sp>
       <p:pic>
         <p:nvPicPr>
-          <p:cNvPr id="204" name="Google Shape;204;p40"/>
+          <p:cNvPr id="205" name="Google Shape;205;p40"/>
           <p:cNvPicPr preferRelativeResize="0"/>
           <p:nvPr/>
         </p:nvPicPr>
@@ -25605,7 +24921,7 @@
       </p:pic>
       <p:sp>
         <p:nvSpPr>
-          <p:cNvPr id="205" name="Google Shape;205;p40"/>
+          <p:cNvPr id="206" name="Google Shape;206;p40"/>
           <p:cNvSpPr txBox="1"/>
           <p:nvPr/>
         </p:nvSpPr>
@@ -25686,7 +25002,7 @@
   <p:cSld>
     <p:spTree>
       <p:nvGrpSpPr>
-        <p:cNvPr id="209" name="Shape 209"/>
+        <p:cNvPr id="210" name="Shape 210"/>
         <p:cNvGrpSpPr/>
         <p:nvPr/>
       </p:nvGrpSpPr>
@@ -25700,7 +25016,7 @@
       </p:grpSpPr>
       <p:pic>
         <p:nvPicPr>
-          <p:cNvPr id="210" name="Google Shape;210;p41"/>
+          <p:cNvPr id="211" name="Google Shape;211;p41"/>
           <p:cNvPicPr preferRelativeResize="0"/>
           <p:nvPr/>
         </p:nvPicPr>
@@ -25728,7 +25044,7 @@
       </p:pic>
       <p:sp>
         <p:nvSpPr>
-          <p:cNvPr id="211" name="Google Shape;211;p41"/>
+          <p:cNvPr id="212" name="Google Shape;212;p41"/>
           <p:cNvSpPr txBox="1"/>
           <p:nvPr>
             <p:ph type="title"/>
@@ -25776,7 +25092,7 @@
       </p:sp>
       <p:sp>
         <p:nvSpPr>
-          <p:cNvPr id="212" name="Google Shape;212;p41"/>
+          <p:cNvPr id="213" name="Google Shape;213;p41"/>
           <p:cNvSpPr txBox="1"/>
           <p:nvPr/>
         </p:nvSpPr>
@@ -25813,10 +25129,10 @@
               <a:buChar char="●"/>
             </a:pPr>
             <a:r>
-              <a:rPr lang="en" sz="1600"/>
+              <a:rPr b="1" lang="en" sz="1600"/>
               <a:t>Logistic regression</a:t>
             </a:r>
-            <a:endParaRPr sz="1600"/>
+            <a:endParaRPr b="1" sz="1600"/>
           </a:p>
           <a:p>
             <a:pPr indent="-330200" lvl="1" marL="914400" rtl="0" algn="l">
@@ -25893,10 +25209,10 @@
               <a:buChar char="●"/>
             </a:pPr>
             <a:r>
-              <a:rPr lang="en" sz="1600"/>
+              <a:rPr b="1" lang="en" sz="1600"/>
               <a:t>Support Vector Machine</a:t>
             </a:r>
-            <a:endParaRPr sz="1600"/>
+            <a:endParaRPr b="1" sz="1600"/>
           </a:p>
           <a:p>
             <a:pPr indent="-330200" lvl="1" marL="914400" rtl="0" algn="l">
@@ -25933,10 +25249,10 @@
               <a:buChar char="●"/>
             </a:pPr>
             <a:r>
-              <a:rPr lang="en" sz="1600"/>
+              <a:rPr b="1" lang="en" sz="1600"/>
               <a:t>Neural networks</a:t>
             </a:r>
-            <a:endParaRPr sz="1600"/>
+            <a:endParaRPr b="1" sz="1600"/>
           </a:p>
           <a:p>
             <a:pPr indent="-330200" lvl="1" marL="914400" rtl="0" algn="l">
@@ -26050,7 +25366,7 @@
       </p:sp>
       <p:sp>
         <p:nvSpPr>
-          <p:cNvPr id="213" name="Google Shape;213;p41"/>
+          <p:cNvPr id="214" name="Google Shape;214;p41"/>
           <p:cNvSpPr txBox="1"/>
           <p:nvPr>
             <p:ph idx="12" type="sldNum"/>
@@ -26109,7 +25425,7 @@
   <p:cSld>
     <p:spTree>
       <p:nvGrpSpPr>
-        <p:cNvPr id="217" name="Shape 217"/>
+        <p:cNvPr id="218" name="Shape 218"/>
         <p:cNvGrpSpPr/>
         <p:nvPr/>
       </p:nvGrpSpPr>
@@ -26123,7 +25439,7 @@
       </p:grpSpPr>
       <p:pic>
         <p:nvPicPr>
-          <p:cNvPr id="218" name="Google Shape;218;p42"/>
+          <p:cNvPr id="219" name="Google Shape;219;p42"/>
           <p:cNvPicPr preferRelativeResize="0"/>
           <p:nvPr/>
         </p:nvPicPr>
@@ -26151,7 +25467,7 @@
       </p:pic>
       <p:sp>
         <p:nvSpPr>
-          <p:cNvPr id="219" name="Google Shape;219;p42"/>
+          <p:cNvPr id="220" name="Google Shape;220;p42"/>
           <p:cNvSpPr txBox="1"/>
           <p:nvPr>
             <p:ph type="title"/>
@@ -26199,14 +25515,14 @@
       </p:sp>
       <p:sp>
         <p:nvSpPr>
-          <p:cNvPr id="220" name="Google Shape;220;p42"/>
+          <p:cNvPr id="221" name="Google Shape;221;p42"/>
           <p:cNvSpPr txBox="1"/>
           <p:nvPr/>
         </p:nvSpPr>
         <p:spPr>
           <a:xfrm>
             <a:off x="415500" y="906275"/>
-            <a:ext cx="8313000" cy="2413500"/>
+            <a:ext cx="8313000" cy="2853600"/>
           </a:xfrm>
           <a:prstGeom prst="rect">
             <a:avLst/>
@@ -26222,7 +25538,7 @@
           </a:bodyPr>
           <a:lstStyle/>
           <a:p>
-            <a:pPr indent="-330200" lvl="0" marL="457200" rtl="0" algn="l">
+            <a:pPr indent="-336550" lvl="0" marL="457200" rtl="0" algn="l">
               <a:lnSpc>
                 <a:spcPct val="115000"/>
               </a:lnSpc>
@@ -26232,17 +25548,17 @@
               <a:spcAft>
                 <a:spcPts val="0"/>
               </a:spcAft>
-              <a:buSzPts val="1600"/>
+              <a:buSzPts val="1700"/>
               <a:buChar char="●"/>
             </a:pPr>
             <a:r>
-              <a:rPr lang="en" sz="1600"/>
+              <a:rPr lang="en" sz="1700"/>
               <a:t>The error that arises due to the model making wrong assumptions on the parameters in the underlying data.</a:t>
             </a:r>
-            <a:endParaRPr sz="1600"/>
+            <a:endParaRPr sz="1700"/>
           </a:p>
           <a:p>
-            <a:pPr indent="-330200" lvl="0" marL="457200" rtl="0" algn="l">
+            <a:pPr indent="-336550" lvl="0" marL="457200" rtl="0" algn="l">
               <a:lnSpc>
                 <a:spcPct val="115000"/>
               </a:lnSpc>
@@ -26252,25 +25568,17 @@
               <a:spcAft>
                 <a:spcPts val="0"/>
               </a:spcAft>
-              <a:buSzPts val="1600"/>
+              <a:buSzPts val="1700"/>
               <a:buChar char="●"/>
             </a:pPr>
             <a:r>
-              <a:rPr lang="en" sz="1600"/>
-              <a:t>The </a:t>
+              <a:rPr lang="en" sz="1700"/>
+              <a:t>The bias error is the difference between the expected or predicted value of the model estimator and the true or actual value which we are trying to predict.</a:t>
             </a:r>
-            <a:r>
-              <a:rPr lang="en" sz="1600"/>
-              <a:t>average</a:t>
-            </a:r>
-            <a:r>
-              <a:rPr lang="en" sz="1600"/>
-              <a:t> approximation error that we can expect over subset of the entire dataset.</a:t>
-            </a:r>
-            <a:endParaRPr sz="1600"/>
+            <a:endParaRPr sz="1700"/>
           </a:p>
           <a:p>
-            <a:pPr indent="-330200" lvl="0" marL="457200" rtl="0" algn="l">
+            <a:pPr indent="-336550" lvl="0" marL="457200" rtl="0" algn="l">
               <a:lnSpc>
                 <a:spcPct val="115000"/>
               </a:lnSpc>
@@ -26280,17 +25588,17 @@
               <a:spcAft>
                 <a:spcPts val="0"/>
               </a:spcAft>
-              <a:buSzPts val="1600"/>
+              <a:buSzPts val="1700"/>
               <a:buChar char="●"/>
             </a:pPr>
             <a:r>
-              <a:rPr lang="en" sz="1600"/>
+              <a:rPr lang="en" sz="1700"/>
               <a:t>Linear model (assume linearity between dependent and independent variables) has high bias than a decision tree model (no assumptions on the structure of data)</a:t>
             </a:r>
-            <a:endParaRPr sz="1600"/>
+            <a:endParaRPr sz="1700"/>
           </a:p>
           <a:p>
-            <a:pPr indent="-330200" lvl="0" marL="457200" rtl="0" algn="l">
+            <a:pPr indent="-336550" lvl="0" marL="457200" rtl="0" algn="l">
               <a:lnSpc>
                 <a:spcPct val="115000"/>
               </a:lnSpc>
@@ -26300,20 +25608,20 @@
               <a:spcAft>
                 <a:spcPts val="0"/>
               </a:spcAft>
-              <a:buSzPts val="1600"/>
+              <a:buSzPts val="1700"/>
               <a:buChar char="●"/>
             </a:pPr>
             <a:r>
-              <a:rPr lang="en" sz="1600"/>
+              <a:rPr lang="en" sz="1700"/>
               <a:t>High bias makes a model miss relevant relationships between features and output variables.</a:t>
             </a:r>
-            <a:endParaRPr sz="1600"/>
+            <a:endParaRPr sz="1700"/>
           </a:p>
         </p:txBody>
       </p:sp>
       <p:sp>
         <p:nvSpPr>
-          <p:cNvPr id="221" name="Google Shape;221;p42"/>
+          <p:cNvPr id="222" name="Google Shape;222;p42"/>
           <p:cNvSpPr txBox="1"/>
           <p:nvPr>
             <p:ph idx="12" type="sldNum"/>
@@ -26372,7 +25680,7 @@
   <p:cSld>
     <p:spTree>
       <p:nvGrpSpPr>
-        <p:cNvPr id="225" name="Shape 225"/>
+        <p:cNvPr id="226" name="Shape 226"/>
         <p:cNvGrpSpPr/>
         <p:nvPr/>
       </p:nvGrpSpPr>
@@ -26386,7 +25694,7 @@
       </p:grpSpPr>
       <p:pic>
         <p:nvPicPr>
-          <p:cNvPr id="226" name="Google Shape;226;p43"/>
+          <p:cNvPr id="227" name="Google Shape;227;p43"/>
           <p:cNvPicPr preferRelativeResize="0"/>
           <p:nvPr/>
         </p:nvPicPr>
@@ -26414,7 +25722,7 @@
       </p:pic>
       <p:sp>
         <p:nvSpPr>
-          <p:cNvPr id="227" name="Google Shape;227;p43"/>
+          <p:cNvPr id="228" name="Google Shape;228;p43"/>
           <p:cNvSpPr txBox="1"/>
           <p:nvPr>
             <p:ph type="title"/>
@@ -26470,14 +25778,14 @@
       </p:sp>
       <p:sp>
         <p:nvSpPr>
-          <p:cNvPr id="228" name="Google Shape;228;p43"/>
+          <p:cNvPr id="229" name="Google Shape;229;p43"/>
           <p:cNvSpPr txBox="1"/>
           <p:nvPr/>
         </p:nvSpPr>
         <p:spPr>
           <a:xfrm>
             <a:off x="415650" y="837000"/>
-            <a:ext cx="8312700" cy="2413500"/>
+            <a:ext cx="8312700" cy="1950900"/>
           </a:xfrm>
           <a:prstGeom prst="rect">
             <a:avLst/>
@@ -26493,7 +25801,7 @@
           </a:bodyPr>
           <a:lstStyle/>
           <a:p>
-            <a:pPr indent="-330200" lvl="0" marL="457200" rtl="0" algn="l">
+            <a:pPr indent="-336550" lvl="0" marL="457200" rtl="0" algn="l">
               <a:lnSpc>
                 <a:spcPct val="115000"/>
               </a:lnSpc>
@@ -26503,17 +25811,17 @@
               <a:spcAft>
                 <a:spcPts val="0"/>
               </a:spcAft>
-              <a:buSzPts val="1600"/>
+              <a:buSzPts val="1700"/>
               <a:buChar char="●"/>
             </a:pPr>
             <a:r>
-              <a:rPr lang="en" sz="1600"/>
-              <a:t>This error arises due to model sensitivity to fluctuations in the dataset that can arise due to new data points, features, randomness, noise etc.</a:t>
+              <a:rPr lang="en" sz="1700"/>
+              <a:t>This error arises due to model sensitivity to fluctuations in the dataset such as new data points, features, randomness, noise etc.</a:t>
             </a:r>
-            <a:endParaRPr sz="1600"/>
+            <a:endParaRPr sz="1700"/>
           </a:p>
           <a:p>
-            <a:pPr indent="-330200" lvl="0" marL="457200" rtl="0" algn="l">
+            <a:pPr indent="-336550" lvl="0" marL="457200" rtl="0" algn="l">
               <a:lnSpc>
                 <a:spcPct val="115000"/>
               </a:lnSpc>
@@ -26523,17 +25831,17 @@
               <a:spcAft>
                 <a:spcPts val="0"/>
               </a:spcAft>
-              <a:buSzPts val="1600"/>
+              <a:buSzPts val="1700"/>
               <a:buChar char="●"/>
             </a:pPr>
             <a:r>
-              <a:rPr lang="en" sz="1600"/>
-              <a:t>It represents the sensitivity of the model prediction results on particular set of data points.</a:t>
+              <a:rPr lang="en" sz="1700"/>
+              <a:t>Decision tree model has high variance than linear model based on data and underlying noise/randomness.</a:t>
             </a:r>
-            <a:endParaRPr sz="1600"/>
+            <a:endParaRPr sz="1700"/>
           </a:p>
           <a:p>
-            <a:pPr indent="-330200" lvl="0" marL="457200" rtl="0" algn="l">
+            <a:pPr indent="-336550" lvl="0" marL="457200" rtl="0" algn="l">
               <a:lnSpc>
                 <a:spcPct val="115000"/>
               </a:lnSpc>
@@ -26543,40 +25851,20 @@
               <a:spcAft>
                 <a:spcPts val="0"/>
               </a:spcAft>
-              <a:buSzPts val="1600"/>
+              <a:buSzPts val="1700"/>
               <a:buChar char="●"/>
             </a:pPr>
             <a:r>
-              <a:rPr lang="en" sz="1600"/>
-              <a:t>Decision tree model has high variance than linear model based on data and underlying noise/randomness.</a:t>
-            </a:r>
-            <a:endParaRPr sz="1600"/>
-          </a:p>
-          <a:p>
-            <a:pPr indent="-330200" lvl="0" marL="457200" rtl="0" algn="l">
-              <a:lnSpc>
-                <a:spcPct val="115000"/>
-              </a:lnSpc>
-              <a:spcBef>
-                <a:spcPts val="0"/>
-              </a:spcBef>
-              <a:spcAft>
-                <a:spcPts val="0"/>
-              </a:spcAft>
-              <a:buSzPts val="1600"/>
-              <a:buChar char="●"/>
-            </a:pPr>
-            <a:r>
-              <a:rPr lang="en" sz="1600"/>
+              <a:rPr lang="en" sz="1700"/>
               <a:t>High variance makes a model too sensitive to outliers or random noise and lead to bad generalization.</a:t>
             </a:r>
-            <a:endParaRPr sz="1600"/>
+            <a:endParaRPr sz="1700"/>
           </a:p>
         </p:txBody>
       </p:sp>
       <p:sp>
         <p:nvSpPr>
-          <p:cNvPr id="229" name="Google Shape;229;p43"/>
+          <p:cNvPr id="230" name="Google Shape;230;p43"/>
           <p:cNvSpPr txBox="1"/>
           <p:nvPr>
             <p:ph idx="12" type="sldNum"/>
@@ -26635,7 +25923,7 @@
   <p:cSld>
     <p:spTree>
       <p:nvGrpSpPr>
-        <p:cNvPr id="233" name="Shape 233"/>
+        <p:cNvPr id="234" name="Shape 234"/>
         <p:cNvGrpSpPr/>
         <p:nvPr/>
       </p:nvGrpSpPr>
@@ -26649,7 +25937,7 @@
       </p:grpSpPr>
       <p:pic>
         <p:nvPicPr>
-          <p:cNvPr id="234" name="Google Shape;234;p44"/>
+          <p:cNvPr id="235" name="Google Shape;235;p44"/>
           <p:cNvPicPr preferRelativeResize="0"/>
           <p:nvPr/>
         </p:nvPicPr>
@@ -26677,7 +25965,7 @@
       </p:pic>
       <p:sp>
         <p:nvSpPr>
-          <p:cNvPr id="235" name="Google Shape;235;p44"/>
+          <p:cNvPr id="236" name="Google Shape;236;p44"/>
           <p:cNvSpPr txBox="1"/>
           <p:nvPr>
             <p:ph type="title"/>
@@ -26733,7 +26021,7 @@
       </p:sp>
       <p:sp>
         <p:nvSpPr>
-          <p:cNvPr id="236" name="Google Shape;236;p44"/>
+          <p:cNvPr id="237" name="Google Shape;237;p44"/>
           <p:cNvSpPr txBox="1"/>
           <p:nvPr>
             <p:ph idx="12" type="sldNum"/>
@@ -26781,7 +26069,7 @@
       </p:sp>
       <p:pic>
         <p:nvPicPr>
-          <p:cNvPr id="237" name="Google Shape;237;p44"/>
+          <p:cNvPr id="238" name="Google Shape;238;p44"/>
           <p:cNvPicPr preferRelativeResize="0"/>
           <p:nvPr/>
         </p:nvPicPr>
@@ -26809,7 +26097,7 @@
       </p:pic>
       <p:sp>
         <p:nvSpPr>
-          <p:cNvPr id="238" name="Google Shape;238;p44"/>
+          <p:cNvPr id="239" name="Google Shape;239;p44"/>
           <p:cNvSpPr txBox="1"/>
           <p:nvPr/>
         </p:nvSpPr>
@@ -26861,7 +26149,7 @@
       </p:sp>
       <p:sp>
         <p:nvSpPr>
-          <p:cNvPr id="239" name="Google Shape;239;p44"/>
+          <p:cNvPr id="240" name="Google Shape;240;p44"/>
           <p:cNvSpPr txBox="1"/>
           <p:nvPr/>
         </p:nvSpPr>
@@ -26919,7 +26207,7 @@
       </p:sp>
       <p:sp>
         <p:nvSpPr>
-          <p:cNvPr id="240" name="Google Shape;240;p44"/>
+          <p:cNvPr id="241" name="Google Shape;241;p44"/>
           <p:cNvSpPr txBox="1"/>
           <p:nvPr/>
         </p:nvSpPr>
@@ -26977,7 +26265,7 @@
       </p:sp>
       <p:sp>
         <p:nvSpPr>
-          <p:cNvPr id="241" name="Google Shape;241;p44"/>
+          <p:cNvPr id="242" name="Google Shape;242;p44"/>
           <p:cNvSpPr txBox="1"/>
           <p:nvPr/>
         </p:nvSpPr>
@@ -27035,7 +26323,7 @@
       </p:sp>
       <p:sp>
         <p:nvSpPr>
-          <p:cNvPr id="242" name="Google Shape;242;p44"/>
+          <p:cNvPr id="243" name="Google Shape;243;p44"/>
           <p:cNvSpPr txBox="1"/>
           <p:nvPr/>
         </p:nvSpPr>
@@ -27104,7 +26392,7 @@
   <p:cSld>
     <p:spTree>
       <p:nvGrpSpPr>
-        <p:cNvPr id="246" name="Shape 246"/>
+        <p:cNvPr id="247" name="Shape 247"/>
         <p:cNvGrpSpPr/>
         <p:nvPr/>
       </p:nvGrpSpPr>
@@ -27118,7 +26406,7 @@
       </p:grpSpPr>
       <p:pic>
         <p:nvPicPr>
-          <p:cNvPr id="247" name="Google Shape;247;p45"/>
+          <p:cNvPr id="248" name="Google Shape;248;p45"/>
           <p:cNvPicPr preferRelativeResize="0"/>
           <p:nvPr/>
         </p:nvPicPr>
@@ -27146,7 +26434,7 @@
       </p:pic>
       <p:sp>
         <p:nvSpPr>
-          <p:cNvPr id="248" name="Google Shape;248;p45"/>
+          <p:cNvPr id="249" name="Google Shape;249;p45"/>
           <p:cNvSpPr txBox="1"/>
           <p:nvPr>
             <p:ph type="title"/>
@@ -27194,7 +26482,7 @@
       </p:sp>
       <p:sp>
         <p:nvSpPr>
-          <p:cNvPr id="249" name="Google Shape;249;p45"/>
+          <p:cNvPr id="250" name="Google Shape;250;p45"/>
           <p:cNvSpPr txBox="1"/>
           <p:nvPr/>
         </p:nvSpPr>
@@ -27300,7 +26588,7 @@
       </p:sp>
       <p:sp>
         <p:nvSpPr>
-          <p:cNvPr id="250" name="Google Shape;250;p45"/>
+          <p:cNvPr id="251" name="Google Shape;251;p45"/>
           <p:cNvSpPr txBox="1"/>
           <p:nvPr>
             <p:ph idx="12" type="sldNum"/>
@@ -27348,7 +26636,7 @@
       </p:sp>
       <p:sp>
         <p:nvSpPr>
-          <p:cNvPr id="251" name="Google Shape;251;p45"/>
+          <p:cNvPr id="252" name="Google Shape;252;p45"/>
           <p:cNvSpPr txBox="1"/>
           <p:nvPr/>
         </p:nvSpPr>
@@ -27400,7 +26688,7 @@
       </p:sp>
       <p:pic>
         <p:nvPicPr>
-          <p:cNvPr id="252" name="Google Shape;252;p45"/>
+          <p:cNvPr id="253" name="Google Shape;253;p45"/>
           <p:cNvPicPr preferRelativeResize="0"/>
           <p:nvPr/>
         </p:nvPicPr>
@@ -27993,6 +27281,285 @@
 </file>
 
 <file path=ppt/theme/theme3.xml><?xml version="1.0" encoding="utf-8"?>
+<a:theme xmlns:a="http://schemas.openxmlformats.org/drawingml/2006/main" xmlns:r="http://schemas.openxmlformats.org/officeDocument/2006/relationships" name="Simple Light">
+  <a:themeElements>
+    <a:clrScheme name="Simple Light">
+      <a:dk1>
+        <a:srgbClr val="000000"/>
+      </a:dk1>
+      <a:lt1>
+        <a:srgbClr val="FFFFFF"/>
+      </a:lt1>
+      <a:dk2>
+        <a:srgbClr val="595959"/>
+      </a:dk2>
+      <a:lt2>
+        <a:srgbClr val="EEEEEE"/>
+      </a:lt2>
+      <a:accent1>
+        <a:srgbClr val="4285F4"/>
+      </a:accent1>
+      <a:accent2>
+        <a:srgbClr val="212121"/>
+      </a:accent2>
+      <a:accent3>
+        <a:srgbClr val="78909C"/>
+      </a:accent3>
+      <a:accent4>
+        <a:srgbClr val="FFAB40"/>
+      </a:accent4>
+      <a:accent5>
+        <a:srgbClr val="0097A7"/>
+      </a:accent5>
+      <a:accent6>
+        <a:srgbClr val="EEFF41"/>
+      </a:accent6>
+      <a:hlink>
+        <a:srgbClr val="0097A7"/>
+      </a:hlink>
+      <a:folHlink>
+        <a:srgbClr val="0097A7"/>
+      </a:folHlink>
+    </a:clrScheme>
+    <a:fontScheme name="Office">
+      <a:majorFont>
+        <a:latin typeface="Arial"/>
+        <a:ea typeface=""/>
+        <a:cs typeface=""/>
+        <a:font script="Jpan" typeface="ＭＳ Ｐゴシック"/>
+        <a:font script="Hang" typeface="맑은 고딕"/>
+        <a:font script="Hans" typeface="宋体"/>
+        <a:font script="Hant" typeface="新細明體"/>
+        <a:font script="Arab" typeface="Times New Roman"/>
+        <a:font script="Hebr" typeface="Times New Roman"/>
+        <a:font script="Thai" typeface="Angsana New"/>
+        <a:font script="Ethi" typeface="Nyala"/>
+        <a:font script="Beng" typeface="Vrinda"/>
+        <a:font script="Gujr" typeface="Shruti"/>
+        <a:font script="Khmr" typeface="MoolBoran"/>
+        <a:font script="Knda" typeface="Tunga"/>
+        <a:font script="Guru" typeface="Raavi"/>
+        <a:font script="Cans" typeface="Euphemia"/>
+        <a:font script="Cher" typeface="Plantagenet Cherokee"/>
+        <a:font script="Yiii" typeface="Microsoft Yi Baiti"/>
+        <a:font script="Tibt" typeface="Microsoft Himalaya"/>
+        <a:font script="Thaa" typeface="MV Boli"/>
+        <a:font script="Deva" typeface="Mangal"/>
+        <a:font script="Telu" typeface="Gautami"/>
+        <a:font script="Taml" typeface="Latha"/>
+        <a:font script="Syrc" typeface="Estrangelo Edessa"/>
+        <a:font script="Orya" typeface="Kalinga"/>
+        <a:font script="Mlym" typeface="Kartika"/>
+        <a:font script="Laoo" typeface="DokChampa"/>
+        <a:font script="Sinh" typeface="Iskoola Pota"/>
+        <a:font script="Mong" typeface="Mongolian Baiti"/>
+        <a:font script="Viet" typeface="Times New Roman"/>
+        <a:font script="Uigh" typeface="Microsoft Uighur"/>
+        <a:font script="Geor" typeface="Sylfaen"/>
+      </a:majorFont>
+      <a:minorFont>
+        <a:latin typeface="Arial"/>
+        <a:ea typeface=""/>
+        <a:cs typeface=""/>
+        <a:font script="Jpan" typeface="ＭＳ Ｐゴシック"/>
+        <a:font script="Hang" typeface="맑은 고딕"/>
+        <a:font script="Hans" typeface="宋体"/>
+        <a:font script="Hant" typeface="新細明體"/>
+        <a:font script="Arab" typeface="Arial"/>
+        <a:font script="Hebr" typeface="Arial"/>
+        <a:font script="Thai" typeface="Cordia New"/>
+        <a:font script="Ethi" typeface="Nyala"/>
+        <a:font script="Beng" typeface="Vrinda"/>
+        <a:font script="Gujr" typeface="Shruti"/>
+        <a:font script="Khmr" typeface="DaunPenh"/>
+        <a:font script="Knda" typeface="Tunga"/>
+        <a:font script="Guru" typeface="Raavi"/>
+        <a:font script="Cans" typeface="Euphemia"/>
+        <a:font script="Cher" typeface="Plantagenet Cherokee"/>
+        <a:font script="Yiii" typeface="Microsoft Yi Baiti"/>
+        <a:font script="Tibt" typeface="Microsoft Himalaya"/>
+        <a:font script="Thaa" typeface="MV Boli"/>
+        <a:font script="Deva" typeface="Mangal"/>
+        <a:font script="Telu" typeface="Gautami"/>
+        <a:font script="Taml" typeface="Latha"/>
+        <a:font script="Syrc" typeface="Estrangelo Edessa"/>
+        <a:font script="Orya" typeface="Kalinga"/>
+        <a:font script="Mlym" typeface="Kartika"/>
+        <a:font script="Laoo" typeface="DokChampa"/>
+        <a:font script="Sinh" typeface="Iskoola Pota"/>
+        <a:font script="Mong" typeface="Mongolian Baiti"/>
+        <a:font script="Viet" typeface="Arial"/>
+        <a:font script="Uigh" typeface="Microsoft Uighur"/>
+        <a:font script="Geor" typeface="Sylfaen"/>
+      </a:minorFont>
+    </a:fontScheme>
+    <a:fmtScheme name="Office">
+      <a:fillStyleLst>
+        <a:solidFill>
+          <a:schemeClr val="phClr"/>
+        </a:solidFill>
+        <a:gradFill rotWithShape="1">
+          <a:gsLst>
+            <a:gs pos="0">
+              <a:schemeClr val="phClr">
+                <a:tint val="50000"/>
+                <a:satMod val="300000"/>
+              </a:schemeClr>
+            </a:gs>
+            <a:gs pos="35000">
+              <a:schemeClr val="phClr">
+                <a:tint val="37000"/>
+                <a:satMod val="300000"/>
+              </a:schemeClr>
+            </a:gs>
+            <a:gs pos="100000">
+              <a:schemeClr val="phClr">
+                <a:tint val="15000"/>
+                <a:satMod val="350000"/>
+              </a:schemeClr>
+            </a:gs>
+          </a:gsLst>
+          <a:lin ang="16200000" scaled="1"/>
+        </a:gradFill>
+        <a:gradFill rotWithShape="1">
+          <a:gsLst>
+            <a:gs pos="0">
+              <a:schemeClr val="phClr">
+                <a:tint val="100000"/>
+                <a:shade val="100000"/>
+                <a:satMod val="130000"/>
+              </a:schemeClr>
+            </a:gs>
+            <a:gs pos="100000">
+              <a:schemeClr val="phClr">
+                <a:tint val="50000"/>
+                <a:shade val="100000"/>
+                <a:satMod val="350000"/>
+              </a:schemeClr>
+            </a:gs>
+          </a:gsLst>
+          <a:lin ang="16200000" scaled="0"/>
+        </a:gradFill>
+      </a:fillStyleLst>
+      <a:lnStyleLst>
+        <a:ln w="9525" cap="flat" cmpd="sng" algn="ctr">
+          <a:solidFill>
+            <a:schemeClr val="phClr">
+              <a:shade val="95000"/>
+              <a:satMod val="105000"/>
+            </a:schemeClr>
+          </a:solidFill>
+          <a:prstDash val="solid"/>
+        </a:ln>
+        <a:ln w="25400" cap="flat" cmpd="sng" algn="ctr">
+          <a:solidFill>
+            <a:schemeClr val="phClr"/>
+          </a:solidFill>
+          <a:prstDash val="solid"/>
+        </a:ln>
+        <a:ln w="38100" cap="flat" cmpd="sng" algn="ctr">
+          <a:solidFill>
+            <a:schemeClr val="phClr"/>
+          </a:solidFill>
+          <a:prstDash val="solid"/>
+        </a:ln>
+      </a:lnStyleLst>
+      <a:effectStyleLst>
+        <a:effectStyle>
+          <a:effectLst>
+            <a:outerShdw blurRad="40000" dist="20000" dir="5400000" rotWithShape="0">
+              <a:srgbClr val="000000">
+                <a:alpha val="38000"/>
+              </a:srgbClr>
+            </a:outerShdw>
+          </a:effectLst>
+        </a:effectStyle>
+        <a:effectStyle>
+          <a:effectLst>
+            <a:outerShdw blurRad="40000" dist="23000" dir="5400000" rotWithShape="0">
+              <a:srgbClr val="000000">
+                <a:alpha val="35000"/>
+              </a:srgbClr>
+            </a:outerShdw>
+          </a:effectLst>
+        </a:effectStyle>
+        <a:effectStyle>
+          <a:effectLst>
+            <a:outerShdw blurRad="40000" dist="23000" dir="5400000" rotWithShape="0">
+              <a:srgbClr val="000000">
+                <a:alpha val="35000"/>
+              </a:srgbClr>
+            </a:outerShdw>
+          </a:effectLst>
+          <a:scene3d>
+            <a:camera prst="orthographicFront">
+              <a:rot lat="0" lon="0" rev="0"/>
+            </a:camera>
+            <a:lightRig rig="threePt" dir="t">
+              <a:rot lat="0" lon="0" rev="1200000"/>
+            </a:lightRig>
+          </a:scene3d>
+          <a:sp3d>
+            <a:bevelT w="63500" h="25400"/>
+          </a:sp3d>
+        </a:effectStyle>
+      </a:effectStyleLst>
+      <a:bgFillStyleLst>
+        <a:solidFill>
+          <a:schemeClr val="phClr"/>
+        </a:solidFill>
+        <a:gradFill rotWithShape="1">
+          <a:gsLst>
+            <a:gs pos="0">
+              <a:schemeClr val="phClr">
+                <a:tint val="40000"/>
+                <a:satMod val="350000"/>
+              </a:schemeClr>
+            </a:gs>
+            <a:gs pos="40000">
+              <a:schemeClr val="phClr">
+                <a:tint val="45000"/>
+                <a:shade val="99000"/>
+                <a:satMod val="350000"/>
+              </a:schemeClr>
+            </a:gs>
+            <a:gs pos="100000">
+              <a:schemeClr val="phClr">
+                <a:shade val="20000"/>
+                <a:satMod val="255000"/>
+              </a:schemeClr>
+            </a:gs>
+          </a:gsLst>
+          <a:path path="circle">
+            <a:fillToRect l="50000" t="-80000" r="50000" b="180000"/>
+          </a:path>
+        </a:gradFill>
+        <a:gradFill rotWithShape="1">
+          <a:gsLst>
+            <a:gs pos="0">
+              <a:schemeClr val="phClr">
+                <a:tint val="80000"/>
+                <a:satMod val="300000"/>
+              </a:schemeClr>
+            </a:gs>
+            <a:gs pos="100000">
+              <a:schemeClr val="phClr">
+                <a:shade val="30000"/>
+                <a:satMod val="200000"/>
+              </a:schemeClr>
+            </a:gs>
+          </a:gsLst>
+          <a:path path="circle">
+            <a:fillToRect l="50000" t="50000" r="50000" b="50000"/>
+          </a:path>
+        </a:gradFill>
+      </a:bgFillStyleLst>
+    </a:fmtScheme>
+  </a:themeElements>
+</a:theme>
+</file>
+
+<file path=ppt/theme/theme4.xml><?xml version="1.0" encoding="utf-8"?>
 <a:theme xmlns:a="http://schemas.openxmlformats.org/drawingml/2006/main" xmlns:r="http://schemas.openxmlformats.org/officeDocument/2006/relationships" name="Geometric">
   <a:themeElements>
     <a:clrScheme name="Geometric">
@@ -28269,283 +27836,4 @@
     </a:fmtScheme>
   </a:themeElements>
 </a:theme>
-</file>
-
-<file path=ppt/theme/theme4.xml><?xml version="1.0" encoding="utf-8"?>
-<a:theme xmlns:a="http://schemas.openxmlformats.org/drawingml/2006/main" xmlns:r="http://schemas.openxmlformats.org/officeDocument/2006/relationships" name="Simple Light">
-  <a:themeElements>
-    <a:clrScheme name="Simple Light">
-      <a:dk1>
-        <a:srgbClr val="000000"/>
-      </a:dk1>
-      <a:lt1>
-        <a:srgbClr val="FFFFFF"/>
-      </a:lt1>
-      <a:dk2>
-        <a:srgbClr val="595959"/>
-      </a:dk2>
-      <a:lt2>
-        <a:srgbClr val="EEEEEE"/>
-      </a:lt2>
-      <a:accent1>
-        <a:srgbClr val="4285F4"/>
-      </a:accent1>
-      <a:accent2>
-        <a:srgbClr val="212121"/>
-      </a:accent2>
-      <a:accent3>
-        <a:srgbClr val="78909C"/>
-      </a:accent3>
-      <a:accent4>
-        <a:srgbClr val="FFAB40"/>
-      </a:accent4>
-      <a:accent5>
-        <a:srgbClr val="0097A7"/>
-      </a:accent5>
-      <a:accent6>
-        <a:srgbClr val="EEFF41"/>
-      </a:accent6>
-      <a:hlink>
-        <a:srgbClr val="0097A7"/>
-      </a:hlink>
-      <a:folHlink>
-        <a:srgbClr val="0097A7"/>
-      </a:folHlink>
-    </a:clrScheme>
-    <a:fontScheme name="Office">
-      <a:majorFont>
-        <a:latin typeface="Arial"/>
-        <a:ea typeface=""/>
-        <a:cs typeface=""/>
-        <a:font script="Jpan" typeface="ＭＳ Ｐゴシック"/>
-        <a:font script="Hang" typeface="맑은 고딕"/>
-        <a:font script="Hans" typeface="宋体"/>
-        <a:font script="Hant" typeface="新細明體"/>
-        <a:font script="Arab" typeface="Times New Roman"/>
-        <a:font script="Hebr" typeface="Times New Roman"/>
-        <a:font script="Thai" typeface="Angsana New"/>
-        <a:font script="Ethi" typeface="Nyala"/>
-        <a:font script="Beng" typeface="Vrinda"/>
-        <a:font script="Gujr" typeface="Shruti"/>
-        <a:font script="Khmr" typeface="MoolBoran"/>
-        <a:font script="Knda" typeface="Tunga"/>
-        <a:font script="Guru" typeface="Raavi"/>
-        <a:font script="Cans" typeface="Euphemia"/>
-        <a:font script="Cher" typeface="Plantagenet Cherokee"/>
-        <a:font script="Yiii" typeface="Microsoft Yi Baiti"/>
-        <a:font script="Tibt" typeface="Microsoft Himalaya"/>
-        <a:font script="Thaa" typeface="MV Boli"/>
-        <a:font script="Deva" typeface="Mangal"/>
-        <a:font script="Telu" typeface="Gautami"/>
-        <a:font script="Taml" typeface="Latha"/>
-        <a:font script="Syrc" typeface="Estrangelo Edessa"/>
-        <a:font script="Orya" typeface="Kalinga"/>
-        <a:font script="Mlym" typeface="Kartika"/>
-        <a:font script="Laoo" typeface="DokChampa"/>
-        <a:font script="Sinh" typeface="Iskoola Pota"/>
-        <a:font script="Mong" typeface="Mongolian Baiti"/>
-        <a:font script="Viet" typeface="Times New Roman"/>
-        <a:font script="Uigh" typeface="Microsoft Uighur"/>
-        <a:font script="Geor" typeface="Sylfaen"/>
-      </a:majorFont>
-      <a:minorFont>
-        <a:latin typeface="Arial"/>
-        <a:ea typeface=""/>
-        <a:cs typeface=""/>
-        <a:font script="Jpan" typeface="ＭＳ Ｐゴシック"/>
-        <a:font script="Hang" typeface="맑은 고딕"/>
-        <a:font script="Hans" typeface="宋体"/>
-        <a:font script="Hant" typeface="新細明體"/>
-        <a:font script="Arab" typeface="Arial"/>
-        <a:font script="Hebr" typeface="Arial"/>
-        <a:font script="Thai" typeface="Cordia New"/>
-        <a:font script="Ethi" typeface="Nyala"/>
-        <a:font script="Beng" typeface="Vrinda"/>
-        <a:font script="Gujr" typeface="Shruti"/>
-        <a:font script="Khmr" typeface="DaunPenh"/>
-        <a:font script="Knda" typeface="Tunga"/>
-        <a:font script="Guru" typeface="Raavi"/>
-        <a:font script="Cans" typeface="Euphemia"/>
-        <a:font script="Cher" typeface="Plantagenet Cherokee"/>
-        <a:font script="Yiii" typeface="Microsoft Yi Baiti"/>
-        <a:font script="Tibt" typeface="Microsoft Himalaya"/>
-        <a:font script="Thaa" typeface="MV Boli"/>
-        <a:font script="Deva" typeface="Mangal"/>
-        <a:font script="Telu" typeface="Gautami"/>
-        <a:font script="Taml" typeface="Latha"/>
-        <a:font script="Syrc" typeface="Estrangelo Edessa"/>
-        <a:font script="Orya" typeface="Kalinga"/>
-        <a:font script="Mlym" typeface="Kartika"/>
-        <a:font script="Laoo" typeface="DokChampa"/>
-        <a:font script="Sinh" typeface="Iskoola Pota"/>
-        <a:font script="Mong" typeface="Mongolian Baiti"/>
-        <a:font script="Viet" typeface="Arial"/>
-        <a:font script="Uigh" typeface="Microsoft Uighur"/>
-        <a:font script="Geor" typeface="Sylfaen"/>
-      </a:minorFont>
-    </a:fontScheme>
-    <a:fmtScheme name="Office">
-      <a:fillStyleLst>
-        <a:solidFill>
-          <a:schemeClr val="phClr"/>
-        </a:solidFill>
-        <a:gradFill rotWithShape="1">
-          <a:gsLst>
-            <a:gs pos="0">
-              <a:schemeClr val="phClr">
-                <a:tint val="50000"/>
-                <a:satMod val="300000"/>
-              </a:schemeClr>
-            </a:gs>
-            <a:gs pos="35000">
-              <a:schemeClr val="phClr">
-                <a:tint val="37000"/>
-                <a:satMod val="300000"/>
-              </a:schemeClr>
-            </a:gs>
-            <a:gs pos="100000">
-              <a:schemeClr val="phClr">
-                <a:tint val="15000"/>
-                <a:satMod val="350000"/>
-              </a:schemeClr>
-            </a:gs>
-          </a:gsLst>
-          <a:lin ang="16200000" scaled="1"/>
-        </a:gradFill>
-        <a:gradFill rotWithShape="1">
-          <a:gsLst>
-            <a:gs pos="0">
-              <a:schemeClr val="phClr">
-                <a:tint val="100000"/>
-                <a:shade val="100000"/>
-                <a:satMod val="130000"/>
-              </a:schemeClr>
-            </a:gs>
-            <a:gs pos="100000">
-              <a:schemeClr val="phClr">
-                <a:tint val="50000"/>
-                <a:shade val="100000"/>
-                <a:satMod val="350000"/>
-              </a:schemeClr>
-            </a:gs>
-          </a:gsLst>
-          <a:lin ang="16200000" scaled="0"/>
-        </a:gradFill>
-      </a:fillStyleLst>
-      <a:lnStyleLst>
-        <a:ln w="9525" cap="flat" cmpd="sng" algn="ctr">
-          <a:solidFill>
-            <a:schemeClr val="phClr">
-              <a:shade val="95000"/>
-              <a:satMod val="105000"/>
-            </a:schemeClr>
-          </a:solidFill>
-          <a:prstDash val="solid"/>
-        </a:ln>
-        <a:ln w="25400" cap="flat" cmpd="sng" algn="ctr">
-          <a:solidFill>
-            <a:schemeClr val="phClr"/>
-          </a:solidFill>
-          <a:prstDash val="solid"/>
-        </a:ln>
-        <a:ln w="38100" cap="flat" cmpd="sng" algn="ctr">
-          <a:solidFill>
-            <a:schemeClr val="phClr"/>
-          </a:solidFill>
-          <a:prstDash val="solid"/>
-        </a:ln>
-      </a:lnStyleLst>
-      <a:effectStyleLst>
-        <a:effectStyle>
-          <a:effectLst>
-            <a:outerShdw blurRad="40000" dist="20000" dir="5400000" rotWithShape="0">
-              <a:srgbClr val="000000">
-                <a:alpha val="38000"/>
-              </a:srgbClr>
-            </a:outerShdw>
-          </a:effectLst>
-        </a:effectStyle>
-        <a:effectStyle>
-          <a:effectLst>
-            <a:outerShdw blurRad="40000" dist="23000" dir="5400000" rotWithShape="0">
-              <a:srgbClr val="000000">
-                <a:alpha val="35000"/>
-              </a:srgbClr>
-            </a:outerShdw>
-          </a:effectLst>
-        </a:effectStyle>
-        <a:effectStyle>
-          <a:effectLst>
-            <a:outerShdw blurRad="40000" dist="23000" dir="5400000" rotWithShape="0">
-              <a:srgbClr val="000000">
-                <a:alpha val="35000"/>
-              </a:srgbClr>
-            </a:outerShdw>
-          </a:effectLst>
-          <a:scene3d>
-            <a:camera prst="orthographicFront">
-              <a:rot lat="0" lon="0" rev="0"/>
-            </a:camera>
-            <a:lightRig rig="threePt" dir="t">
-              <a:rot lat="0" lon="0" rev="1200000"/>
-            </a:lightRig>
-          </a:scene3d>
-          <a:sp3d>
-            <a:bevelT w="63500" h="25400"/>
-          </a:sp3d>
-        </a:effectStyle>
-      </a:effectStyleLst>
-      <a:bgFillStyleLst>
-        <a:solidFill>
-          <a:schemeClr val="phClr"/>
-        </a:solidFill>
-        <a:gradFill rotWithShape="1">
-          <a:gsLst>
-            <a:gs pos="0">
-              <a:schemeClr val="phClr">
-                <a:tint val="40000"/>
-                <a:satMod val="350000"/>
-              </a:schemeClr>
-            </a:gs>
-            <a:gs pos="40000">
-              <a:schemeClr val="phClr">
-                <a:tint val="45000"/>
-                <a:shade val="99000"/>
-                <a:satMod val="350000"/>
-              </a:schemeClr>
-            </a:gs>
-            <a:gs pos="100000">
-              <a:schemeClr val="phClr">
-                <a:shade val="20000"/>
-                <a:satMod val="255000"/>
-              </a:schemeClr>
-            </a:gs>
-          </a:gsLst>
-          <a:path path="circle">
-            <a:fillToRect l="50000" t="-80000" r="50000" b="180000"/>
-          </a:path>
-        </a:gradFill>
-        <a:gradFill rotWithShape="1">
-          <a:gsLst>
-            <a:gs pos="0">
-              <a:schemeClr val="phClr">
-                <a:tint val="80000"/>
-                <a:satMod val="300000"/>
-              </a:schemeClr>
-            </a:gs>
-            <a:gs pos="100000">
-              <a:schemeClr val="phClr">
-                <a:shade val="30000"/>
-                <a:satMod val="200000"/>
-              </a:schemeClr>
-            </a:gs>
-          </a:gsLst>
-          <a:path path="circle">
-            <a:fillToRect l="50000" t="50000" r="50000" b="50000"/>
-          </a:path>
-        </a:gradFill>
-      </a:bgFillStyleLst>
-    </a:fmtScheme>
-  </a:themeElements>
-</a:theme>
 </file>
--- a/Day_4/Lectures/Day_4_Lecture_2_Model_Tuning_Interpretation_Deployment.pptx
+++ b/Day_4/Lectures/Day_4_Lecture_2_Model_Tuning_Interpretation_Deployment.pptx
@@ -910,7 +910,7 @@
   <p:cSld>
     <p:spTree>
       <p:nvGrpSpPr>
-        <p:cNvPr id="254" name="Shape 254"/>
+        <p:cNvPr id="256" name="Shape 256"/>
         <p:cNvGrpSpPr/>
         <p:nvPr/>
       </p:nvGrpSpPr>
@@ -924,7 +924,7 @@
       </p:grpSpPr>
       <p:sp>
         <p:nvSpPr>
-          <p:cNvPr id="255" name="Google Shape;255;g111b5833a4e_0_153:notes"/>
+          <p:cNvPr id="257" name="Google Shape;257;g111b5833a4e_0_153:notes"/>
           <p:cNvSpPr/>
           <p:nvPr>
             <p:ph idx="2" type="sldImg"/>
@@ -959,7 +959,7 @@
       </p:sp>
       <p:sp>
         <p:nvSpPr>
-          <p:cNvPr id="256" name="Google Shape;256;g111b5833a4e_0_153:notes"/>
+          <p:cNvPr id="258" name="Google Shape;258;g111b5833a4e_0_153:notes"/>
           <p:cNvSpPr txBox="1"/>
           <p:nvPr>
             <p:ph idx="1" type="body"/>
@@ -1009,7 +1009,7 @@
   <p:cSld>
     <p:spTree>
       <p:nvGrpSpPr>
-        <p:cNvPr id="264" name="Shape 264"/>
+        <p:cNvPr id="266" name="Shape 266"/>
         <p:cNvGrpSpPr/>
         <p:nvPr/>
       </p:nvGrpSpPr>
@@ -1023,7 +1023,7 @@
       </p:grpSpPr>
       <p:sp>
         <p:nvSpPr>
-          <p:cNvPr id="265" name="Google Shape;265;g111984a9035_0_38:notes"/>
+          <p:cNvPr id="267" name="Google Shape;267;g111984a9035_0_38:notes"/>
           <p:cNvSpPr/>
           <p:nvPr>
             <p:ph idx="2" type="sldImg"/>
@@ -1058,7 +1058,7 @@
       </p:sp>
       <p:sp>
         <p:nvSpPr>
-          <p:cNvPr id="266" name="Google Shape;266;g111984a9035_0_38:notes"/>
+          <p:cNvPr id="268" name="Google Shape;268;g111984a9035_0_38:notes"/>
           <p:cNvSpPr txBox="1"/>
           <p:nvPr>
             <p:ph idx="1" type="body"/>
@@ -1108,7 +1108,7 @@
   <p:cSld>
     <p:spTree>
       <p:nvGrpSpPr>
-        <p:cNvPr id="275" name="Shape 275"/>
+        <p:cNvPr id="277" name="Shape 277"/>
         <p:cNvGrpSpPr/>
         <p:nvPr/>
       </p:nvGrpSpPr>
@@ -1122,7 +1122,7 @@
       </p:grpSpPr>
       <p:sp>
         <p:nvSpPr>
-          <p:cNvPr id="276" name="Google Shape;276;g111984a9035_0_46:notes"/>
+          <p:cNvPr id="278" name="Google Shape;278;g111984a9035_0_46:notes"/>
           <p:cNvSpPr/>
           <p:nvPr>
             <p:ph idx="2" type="sldImg"/>
@@ -1157,7 +1157,7 @@
       </p:sp>
       <p:sp>
         <p:nvSpPr>
-          <p:cNvPr id="277" name="Google Shape;277;g111984a9035_0_46:notes"/>
+          <p:cNvPr id="279" name="Google Shape;279;g111984a9035_0_46:notes"/>
           <p:cNvSpPr txBox="1"/>
           <p:nvPr>
             <p:ph idx="1" type="body"/>
@@ -1207,7 +1207,7 @@
   <p:cSld>
     <p:spTree>
       <p:nvGrpSpPr>
-        <p:cNvPr id="285" name="Shape 285"/>
+        <p:cNvPr id="287" name="Shape 287"/>
         <p:cNvGrpSpPr/>
         <p:nvPr/>
       </p:nvGrpSpPr>
@@ -1221,7 +1221,7 @@
       </p:grpSpPr>
       <p:sp>
         <p:nvSpPr>
-          <p:cNvPr id="286" name="Google Shape;286;g111984a9035_0_73:notes"/>
+          <p:cNvPr id="288" name="Google Shape;288;g111984a9035_0_73:notes"/>
           <p:cNvSpPr/>
           <p:nvPr>
             <p:ph idx="2" type="sldImg"/>
@@ -1256,7 +1256,7 @@
       </p:sp>
       <p:sp>
         <p:nvSpPr>
-          <p:cNvPr id="287" name="Google Shape;287;g111984a9035_0_73:notes"/>
+          <p:cNvPr id="289" name="Google Shape;289;g111984a9035_0_73:notes"/>
           <p:cNvSpPr txBox="1"/>
           <p:nvPr>
             <p:ph idx="1" type="body"/>
@@ -1306,7 +1306,7 @@
   <p:cSld>
     <p:spTree>
       <p:nvGrpSpPr>
-        <p:cNvPr id="296" name="Shape 296"/>
+        <p:cNvPr id="298" name="Shape 298"/>
         <p:cNvGrpSpPr/>
         <p:nvPr/>
       </p:nvGrpSpPr>
@@ -1320,7 +1320,7 @@
       </p:grpSpPr>
       <p:sp>
         <p:nvSpPr>
-          <p:cNvPr id="297" name="Google Shape;297;g111b5833a4e_0_34:notes"/>
+          <p:cNvPr id="299" name="Google Shape;299;g111b5833a4e_0_34:notes"/>
           <p:cNvSpPr/>
           <p:nvPr>
             <p:ph idx="2" type="sldImg"/>
@@ -1355,7 +1355,7 @@
       </p:sp>
       <p:sp>
         <p:nvSpPr>
-          <p:cNvPr id="298" name="Google Shape;298;g111b5833a4e_0_34:notes"/>
+          <p:cNvPr id="300" name="Google Shape;300;g111b5833a4e_0_34:notes"/>
           <p:cNvSpPr txBox="1"/>
           <p:nvPr>
             <p:ph idx="1" type="body"/>
@@ -1405,7 +1405,7 @@
   <p:cSld>
     <p:spTree>
       <p:nvGrpSpPr>
-        <p:cNvPr id="304" name="Shape 304"/>
+        <p:cNvPr id="306" name="Shape 306"/>
         <p:cNvGrpSpPr/>
         <p:nvPr/>
       </p:nvGrpSpPr>
@@ -1419,7 +1419,7 @@
       </p:grpSpPr>
       <p:sp>
         <p:nvSpPr>
-          <p:cNvPr id="305" name="Google Shape;305;g11c1490d445_0_1:notes"/>
+          <p:cNvPr id="307" name="Google Shape;307;g11c1490d445_0_1:notes"/>
           <p:cNvSpPr/>
           <p:nvPr>
             <p:ph idx="2" type="sldImg"/>
@@ -1454,7 +1454,7 @@
       </p:sp>
       <p:sp>
         <p:nvSpPr>
-          <p:cNvPr id="306" name="Google Shape;306;g11c1490d445_0_1:notes"/>
+          <p:cNvPr id="308" name="Google Shape;308;g11c1490d445_0_1:notes"/>
           <p:cNvSpPr txBox="1"/>
           <p:nvPr>
             <p:ph idx="1" type="body"/>
@@ -1504,7 +1504,7 @@
   <p:cSld>
     <p:spTree>
       <p:nvGrpSpPr>
-        <p:cNvPr id="313" name="Shape 313"/>
+        <p:cNvPr id="315" name="Shape 315"/>
         <p:cNvGrpSpPr/>
         <p:nvPr/>
       </p:nvGrpSpPr>
@@ -1518,7 +1518,7 @@
       </p:grpSpPr>
       <p:sp>
         <p:nvSpPr>
-          <p:cNvPr id="314" name="Google Shape;314;g111b5833a4e_0_43:notes"/>
+          <p:cNvPr id="316" name="Google Shape;316;g111b5833a4e_0_43:notes"/>
           <p:cNvSpPr/>
           <p:nvPr>
             <p:ph idx="2" type="sldImg"/>
@@ -1553,7 +1553,7 @@
       </p:sp>
       <p:sp>
         <p:nvSpPr>
-          <p:cNvPr id="315" name="Google Shape;315;g111b5833a4e_0_43:notes"/>
+          <p:cNvPr id="317" name="Google Shape;317;g111b5833a4e_0_43:notes"/>
           <p:cNvSpPr txBox="1"/>
           <p:nvPr>
             <p:ph idx="1" type="body"/>
@@ -1603,7 +1603,7 @@
   <p:cSld>
     <p:spTree>
       <p:nvGrpSpPr>
-        <p:cNvPr id="322" name="Shape 322"/>
+        <p:cNvPr id="324" name="Shape 324"/>
         <p:cNvGrpSpPr/>
         <p:nvPr/>
       </p:nvGrpSpPr>
@@ -1617,7 +1617,7 @@
       </p:grpSpPr>
       <p:sp>
         <p:nvSpPr>
-          <p:cNvPr id="323" name="Google Shape;323;g111b5833a4e_0_50:notes"/>
+          <p:cNvPr id="325" name="Google Shape;325;g111b5833a4e_0_50:notes"/>
           <p:cNvSpPr/>
           <p:nvPr>
             <p:ph idx="2" type="sldImg"/>
@@ -1652,7 +1652,7 @@
       </p:sp>
       <p:sp>
         <p:nvSpPr>
-          <p:cNvPr id="324" name="Google Shape;324;g111b5833a4e_0_50:notes"/>
+          <p:cNvPr id="326" name="Google Shape;326;g111b5833a4e_0_50:notes"/>
           <p:cNvSpPr txBox="1"/>
           <p:nvPr>
             <p:ph idx="1" type="body"/>
@@ -1673,9 +1673,40 @@
           </a:bodyPr>
           <a:lstStyle/>
           <a:p>
+            <a:pPr indent="-323850" lvl="0" marL="457200" rtl="0" algn="l">
+              <a:lnSpc>
+                <a:spcPct val="115000"/>
+              </a:lnSpc>
+              <a:spcBef>
+                <a:spcPts val="0"/>
+              </a:spcBef>
+              <a:spcAft>
+                <a:spcPts val="0"/>
+              </a:spcAft>
+              <a:buClr>
+                <a:schemeClr val="dk1"/>
+              </a:buClr>
+              <a:buSzPts val="1500"/>
+              <a:buChar char="●"/>
+            </a:pPr>
+            <a:r>
+              <a:rPr lang="en" sz="1500">
+                <a:solidFill>
+                  <a:schemeClr val="dk1"/>
+                </a:solidFill>
+              </a:rPr>
+              <a:t>The philosophy of Skater is that all models should be evaluated as black boxes and decision criteria of the models are inferred and interpreted based on input perturbations and observing the corresponding output predictions.</a:t>
+            </a:r>
+            <a:endParaRPr sz="1500">
+              <a:solidFill>
+                <a:schemeClr val="dk1"/>
+              </a:solidFill>
+            </a:endParaRPr>
+          </a:p>
+          <a:p>
             <a:pPr indent="0" lvl="0" marL="0" rtl="0" algn="l">
               <a:spcBef>
-                <a:spcPts val="0"/>
+                <a:spcPts val="1000"/>
               </a:spcBef>
               <a:spcAft>
                 <a:spcPts val="0"/>
@@ -1702,7 +1733,7 @@
   <p:cSld>
     <p:spTree>
       <p:nvGrpSpPr>
-        <p:cNvPr id="332" name="Shape 332"/>
+        <p:cNvPr id="334" name="Shape 334"/>
         <p:cNvGrpSpPr/>
         <p:nvPr/>
       </p:nvGrpSpPr>
@@ -1716,7 +1747,7 @@
       </p:grpSpPr>
       <p:sp>
         <p:nvSpPr>
-          <p:cNvPr id="333" name="Google Shape;333;g11c1490d445_0_9:notes"/>
+          <p:cNvPr id="335" name="Google Shape;335;g11c1490d445_0_9:notes"/>
           <p:cNvSpPr/>
           <p:nvPr>
             <p:ph idx="2" type="sldImg"/>
@@ -1751,7 +1782,7 @@
       </p:sp>
       <p:sp>
         <p:nvSpPr>
-          <p:cNvPr id="334" name="Google Shape;334;g11c1490d445_0_9:notes"/>
+          <p:cNvPr id="336" name="Google Shape;336;g11c1490d445_0_9:notes"/>
           <p:cNvSpPr txBox="1"/>
           <p:nvPr>
             <p:ph idx="1" type="body"/>
@@ -1801,7 +1832,7 @@
   <p:cSld>
     <p:spTree>
       <p:nvGrpSpPr>
-        <p:cNvPr id="341" name="Shape 341"/>
+        <p:cNvPr id="343" name="Shape 343"/>
         <p:cNvGrpSpPr/>
         <p:nvPr/>
       </p:nvGrpSpPr>
@@ -1815,7 +1846,7 @@
       </p:grpSpPr>
       <p:sp>
         <p:nvSpPr>
-          <p:cNvPr id="342" name="Google Shape;342;g111b5833a4e_0_65:notes"/>
+          <p:cNvPr id="344" name="Google Shape;344;g111b5833a4e_0_65:notes"/>
           <p:cNvSpPr/>
           <p:nvPr>
             <p:ph idx="2" type="sldImg"/>
@@ -1850,7 +1881,7 @@
       </p:sp>
       <p:sp>
         <p:nvSpPr>
-          <p:cNvPr id="343" name="Google Shape;343;g111b5833a4e_0_65:notes"/>
+          <p:cNvPr id="345" name="Google Shape;345;g111b5833a4e_0_65:notes"/>
           <p:cNvSpPr txBox="1"/>
           <p:nvPr>
             <p:ph idx="1" type="body"/>
@@ -1999,7 +2030,7 @@
   <p:cSld>
     <p:spTree>
       <p:nvGrpSpPr>
-        <p:cNvPr id="349" name="Shape 349"/>
+        <p:cNvPr id="351" name="Shape 351"/>
         <p:cNvGrpSpPr/>
         <p:nvPr/>
       </p:nvGrpSpPr>
@@ -2013,7 +2044,7 @@
       </p:grpSpPr>
       <p:sp>
         <p:nvSpPr>
-          <p:cNvPr id="350" name="Google Shape;350;g111b5833a4e_0_71:notes"/>
+          <p:cNvPr id="352" name="Google Shape;352;g111b5833a4e_0_71:notes"/>
           <p:cNvSpPr/>
           <p:nvPr>
             <p:ph idx="2" type="sldImg"/>
@@ -2048,7 +2079,7 @@
       </p:sp>
       <p:sp>
         <p:nvSpPr>
-          <p:cNvPr id="351" name="Google Shape;351;g111b5833a4e_0_71:notes"/>
+          <p:cNvPr id="353" name="Google Shape;353;g111b5833a4e_0_71:notes"/>
           <p:cNvSpPr txBox="1"/>
           <p:nvPr>
             <p:ph idx="1" type="body"/>
@@ -2098,7 +2129,7 @@
   <p:cSld>
     <p:spTree>
       <p:nvGrpSpPr>
-        <p:cNvPr id="357" name="Shape 357"/>
+        <p:cNvPr id="359" name="Shape 359"/>
         <p:cNvGrpSpPr/>
         <p:nvPr/>
       </p:nvGrpSpPr>
@@ -2112,7 +2143,7 @@
       </p:grpSpPr>
       <p:sp>
         <p:nvSpPr>
-          <p:cNvPr id="358" name="Google Shape;358;g11b9f8cd8a3_0_64:notes"/>
+          <p:cNvPr id="360" name="Google Shape;360;g11b9f8cd8a3_0_64:notes"/>
           <p:cNvSpPr/>
           <p:nvPr>
             <p:ph idx="2" type="sldImg"/>
@@ -2147,7 +2178,7 @@
       </p:sp>
       <p:sp>
         <p:nvSpPr>
-          <p:cNvPr id="359" name="Google Shape;359;g11b9f8cd8a3_0_64:notes"/>
+          <p:cNvPr id="361" name="Google Shape;361;g11b9f8cd8a3_0_64:notes"/>
           <p:cNvSpPr txBox="1"/>
           <p:nvPr>
             <p:ph idx="1" type="body"/>
@@ -2197,7 +2228,7 @@
   <p:cSld>
     <p:spTree>
       <p:nvGrpSpPr>
-        <p:cNvPr id="374" name="Shape 374"/>
+        <p:cNvPr id="378" name="Shape 378"/>
         <p:cNvGrpSpPr/>
         <p:nvPr/>
       </p:nvGrpSpPr>
@@ -2211,7 +2242,7 @@
       </p:grpSpPr>
       <p:sp>
         <p:nvSpPr>
-          <p:cNvPr id="375" name="Google Shape;375;g110cd4518f6_0_0:notes"/>
+          <p:cNvPr id="379" name="Google Shape;379;g110cd4518f6_0_0:notes"/>
           <p:cNvSpPr/>
           <p:nvPr>
             <p:ph idx="2" type="sldImg"/>
@@ -2246,7 +2277,7 @@
       </p:sp>
       <p:sp>
         <p:nvSpPr>
-          <p:cNvPr id="376" name="Google Shape;376;g110cd4518f6_0_0:notes"/>
+          <p:cNvPr id="380" name="Google Shape;380;g110cd4518f6_0_0:notes"/>
           <p:cNvSpPr txBox="1"/>
           <p:nvPr>
             <p:ph idx="1" type="body"/>
@@ -2494,7 +2525,7 @@
   <p:cSld>
     <p:spTree>
       <p:nvGrpSpPr>
-        <p:cNvPr id="207" name="Shape 207"/>
+        <p:cNvPr id="209" name="Shape 209"/>
         <p:cNvGrpSpPr/>
         <p:nvPr/>
       </p:nvGrpSpPr>
@@ -2508,7 +2539,7 @@
       </p:grpSpPr>
       <p:sp>
         <p:nvSpPr>
-          <p:cNvPr id="208" name="Google Shape;208;g1113c07b4bc_0_112:notes"/>
+          <p:cNvPr id="210" name="Google Shape;210;g1113c07b4bc_0_112:notes"/>
           <p:cNvSpPr/>
           <p:nvPr>
             <p:ph idx="2" type="sldImg"/>
@@ -2543,7 +2574,7 @@
       </p:sp>
       <p:sp>
         <p:nvSpPr>
-          <p:cNvPr id="209" name="Google Shape;209;g1113c07b4bc_0_112:notes"/>
+          <p:cNvPr id="211" name="Google Shape;211;g1113c07b4bc_0_112:notes"/>
           <p:cNvSpPr txBox="1"/>
           <p:nvPr>
             <p:ph idx="1" type="body"/>
@@ -2593,7 +2624,7 @@
   <p:cSld>
     <p:spTree>
       <p:nvGrpSpPr>
-        <p:cNvPr id="215" name="Shape 215"/>
+        <p:cNvPr id="217" name="Shape 217"/>
         <p:cNvGrpSpPr/>
         <p:nvPr/>
       </p:nvGrpSpPr>
@@ -2607,7 +2638,7 @@
       </p:grpSpPr>
       <p:sp>
         <p:nvSpPr>
-          <p:cNvPr id="216" name="Google Shape;216;g111984a9035_0_12:notes"/>
+          <p:cNvPr id="218" name="Google Shape;218;g111984a9035_0_12:notes"/>
           <p:cNvSpPr/>
           <p:nvPr>
             <p:ph idx="2" type="sldImg"/>
@@ -2642,7 +2673,7 @@
       </p:sp>
       <p:sp>
         <p:nvSpPr>
-          <p:cNvPr id="217" name="Google Shape;217;g111984a9035_0_12:notes"/>
+          <p:cNvPr id="219" name="Google Shape;219;g111984a9035_0_12:notes"/>
           <p:cNvSpPr txBox="1"/>
           <p:nvPr>
             <p:ph idx="1" type="body"/>
@@ -2692,7 +2723,7 @@
   <p:cSld>
     <p:spTree>
       <p:nvGrpSpPr>
-        <p:cNvPr id="223" name="Shape 223"/>
+        <p:cNvPr id="225" name="Shape 225"/>
         <p:cNvGrpSpPr/>
         <p:nvPr/>
       </p:nvGrpSpPr>
@@ -2706,7 +2737,7 @@
       </p:grpSpPr>
       <p:sp>
         <p:nvSpPr>
-          <p:cNvPr id="224" name="Google Shape;224;g111b5833a4e_0_13:notes"/>
+          <p:cNvPr id="226" name="Google Shape;226;g111b5833a4e_0_13:notes"/>
           <p:cNvSpPr/>
           <p:nvPr>
             <p:ph idx="2" type="sldImg"/>
@@ -2741,7 +2772,7 @@
       </p:sp>
       <p:sp>
         <p:nvSpPr>
-          <p:cNvPr id="225" name="Google Shape;225;g111b5833a4e_0_13:notes"/>
+          <p:cNvPr id="227" name="Google Shape;227;g111b5833a4e_0_13:notes"/>
           <p:cNvSpPr txBox="1"/>
           <p:nvPr>
             <p:ph idx="1" type="body"/>
@@ -2791,7 +2822,7 @@
   <p:cSld>
     <p:spTree>
       <p:nvGrpSpPr>
-        <p:cNvPr id="231" name="Shape 231"/>
+        <p:cNvPr id="233" name="Shape 233"/>
         <p:cNvGrpSpPr/>
         <p:nvPr/>
       </p:nvGrpSpPr>
@@ -2805,7 +2836,7 @@
       </p:grpSpPr>
       <p:sp>
         <p:nvSpPr>
-          <p:cNvPr id="232" name="Google Shape;232;g111b5833a4e_0_5:notes"/>
+          <p:cNvPr id="234" name="Google Shape;234;g111b5833a4e_0_5:notes"/>
           <p:cNvSpPr/>
           <p:nvPr>
             <p:ph idx="2" type="sldImg"/>
@@ -2840,7 +2871,7 @@
       </p:sp>
       <p:sp>
         <p:nvSpPr>
-          <p:cNvPr id="233" name="Google Shape;233;g111b5833a4e_0_5:notes"/>
+          <p:cNvPr id="235" name="Google Shape;235;g111b5833a4e_0_5:notes"/>
           <p:cNvSpPr txBox="1"/>
           <p:nvPr>
             <p:ph idx="1" type="body"/>
@@ -2890,7 +2921,7 @@
   <p:cSld>
     <p:spTree>
       <p:nvGrpSpPr>
-        <p:cNvPr id="244" name="Shape 244"/>
+        <p:cNvPr id="246" name="Shape 246"/>
         <p:cNvGrpSpPr/>
         <p:nvPr/>
       </p:nvGrpSpPr>
@@ -2904,7 +2935,7 @@
       </p:grpSpPr>
       <p:sp>
         <p:nvSpPr>
-          <p:cNvPr id="245" name="Google Shape;245;g111984a9035_0_23:notes"/>
+          <p:cNvPr id="247" name="Google Shape;247;g111984a9035_0_23:notes"/>
           <p:cNvSpPr/>
           <p:nvPr>
             <p:ph idx="2" type="sldImg"/>
@@ -2939,7 +2970,7 @@
       </p:sp>
       <p:sp>
         <p:nvSpPr>
-          <p:cNvPr id="246" name="Google Shape;246;g111984a9035_0_23:notes"/>
+          <p:cNvPr id="248" name="Google Shape;248;g111984a9035_0_23:notes"/>
           <p:cNvSpPr txBox="1"/>
           <p:nvPr>
             <p:ph idx="1" type="body"/>
@@ -19339,7 +19370,7 @@
   <p:cSld>
     <p:spTree>
       <p:nvGrpSpPr>
-        <p:cNvPr id="257" name="Shape 257"/>
+        <p:cNvPr id="259" name="Shape 259"/>
         <p:cNvGrpSpPr/>
         <p:nvPr/>
       </p:nvGrpSpPr>
@@ -19353,7 +19384,7 @@
       </p:grpSpPr>
       <p:pic>
         <p:nvPicPr>
-          <p:cNvPr id="258" name="Google Shape;258;p46"/>
+          <p:cNvPr id="260" name="Google Shape;260;p46"/>
           <p:cNvPicPr preferRelativeResize="0"/>
           <p:nvPr/>
         </p:nvPicPr>
@@ -19381,7 +19412,7 @@
       </p:pic>
       <p:sp>
         <p:nvSpPr>
-          <p:cNvPr id="259" name="Google Shape;259;p46"/>
+          <p:cNvPr id="261" name="Google Shape;261;p46"/>
           <p:cNvSpPr txBox="1"/>
           <p:nvPr>
             <p:ph type="title"/>
@@ -19402,7 +19433,7 @@
           </a:bodyPr>
           <a:lstStyle/>
           <a:p>
-            <a:pPr indent="0" lvl="0" marL="0" rtl="0" algn="l">
+            <a:pPr indent="0" lvl="0" marL="0" rtl="0" algn="ctr">
               <a:spcBef>
                 <a:spcPts val="0"/>
               </a:spcBef>
@@ -19429,7 +19460,7 @@
       </p:sp>
       <p:sp>
         <p:nvSpPr>
-          <p:cNvPr id="260" name="Google Shape;260;p46"/>
+          <p:cNvPr id="262" name="Google Shape;262;p46"/>
           <p:cNvSpPr txBox="1"/>
           <p:nvPr/>
         </p:nvSpPr>
@@ -19543,7 +19574,7 @@
       </p:sp>
       <p:sp>
         <p:nvSpPr>
-          <p:cNvPr id="261" name="Google Shape;261;p46"/>
+          <p:cNvPr id="263" name="Google Shape;263;p46"/>
           <p:cNvSpPr txBox="1"/>
           <p:nvPr>
             <p:ph idx="12" type="sldNum"/>
@@ -19591,7 +19622,7 @@
       </p:sp>
       <p:pic>
         <p:nvPicPr>
-          <p:cNvPr id="262" name="Google Shape;262;p46"/>
+          <p:cNvPr id="264" name="Google Shape;264;p46"/>
           <p:cNvPicPr preferRelativeResize="0"/>
           <p:nvPr/>
         </p:nvPicPr>
@@ -19619,14 +19650,14 @@
       </p:pic>
       <p:sp>
         <p:nvSpPr>
-          <p:cNvPr id="263" name="Google Shape;263;p46"/>
+          <p:cNvPr id="265" name="Google Shape;265;p46"/>
           <p:cNvSpPr txBox="1"/>
           <p:nvPr/>
         </p:nvSpPr>
         <p:spPr>
           <a:xfrm>
-            <a:off x="2018750" y="3512350"/>
-            <a:ext cx="690000" cy="400200"/>
+            <a:off x="1233100" y="3512350"/>
+            <a:ext cx="1475700" cy="400200"/>
           </a:xfrm>
           <a:prstGeom prst="rect">
             <a:avLst/>
@@ -19658,7 +19689,7 @@
                 <a:cs typeface="Roboto"/>
                 <a:sym typeface="Roboto"/>
               </a:rPr>
-              <a:t>(IBM)</a:t>
+              <a:t>(source: IBM)</a:t>
             </a:r>
             <a:endParaRPr>
               <a:latin typeface="Roboto"/>
@@ -19682,7 +19713,7 @@
   <p:cSld>
     <p:spTree>
       <p:nvGrpSpPr>
-        <p:cNvPr id="267" name="Shape 267"/>
+        <p:cNvPr id="269" name="Shape 269"/>
         <p:cNvGrpSpPr/>
         <p:nvPr/>
       </p:nvGrpSpPr>
@@ -19696,7 +19727,7 @@
       </p:grpSpPr>
       <p:pic>
         <p:nvPicPr>
-          <p:cNvPr id="268" name="Google Shape;268;p47"/>
+          <p:cNvPr id="270" name="Google Shape;270;p47"/>
           <p:cNvPicPr preferRelativeResize="0"/>
           <p:nvPr/>
         </p:nvPicPr>
@@ -19724,7 +19755,7 @@
       </p:pic>
       <p:sp>
         <p:nvSpPr>
-          <p:cNvPr id="269" name="Google Shape;269;p47"/>
+          <p:cNvPr id="271" name="Google Shape;271;p47"/>
           <p:cNvSpPr txBox="1"/>
           <p:nvPr>
             <p:ph type="title"/>
@@ -19745,7 +19776,7 @@
           </a:bodyPr>
           <a:lstStyle/>
           <a:p>
-            <a:pPr indent="0" lvl="0" marL="0" rtl="0" algn="l">
+            <a:pPr indent="0" lvl="0" marL="0" rtl="0" algn="ctr">
               <a:spcBef>
                 <a:spcPts val="0"/>
               </a:spcBef>
@@ -19772,7 +19803,7 @@
       </p:sp>
       <p:sp>
         <p:nvSpPr>
-          <p:cNvPr id="270" name="Google Shape;270;p47"/>
+          <p:cNvPr id="272" name="Google Shape;272;p47"/>
           <p:cNvSpPr txBox="1"/>
           <p:nvPr/>
         </p:nvSpPr>
@@ -19898,7 +19929,7 @@
       </p:sp>
       <p:sp>
         <p:nvSpPr>
-          <p:cNvPr id="271" name="Google Shape;271;p47"/>
+          <p:cNvPr id="273" name="Google Shape;273;p47"/>
           <p:cNvSpPr txBox="1"/>
           <p:nvPr>
             <p:ph idx="12" type="sldNum"/>
@@ -19946,7 +19977,7 @@
       </p:sp>
       <p:pic>
         <p:nvPicPr>
-          <p:cNvPr id="272" name="Google Shape;272;p47"/>
+          <p:cNvPr id="274" name="Google Shape;274;p47"/>
           <p:cNvPicPr preferRelativeResize="0"/>
           <p:nvPr/>
         </p:nvPicPr>
@@ -19974,14 +20005,14 @@
       </p:pic>
       <p:sp>
         <p:nvSpPr>
-          <p:cNvPr id="273" name="Google Shape;273;p47"/>
+          <p:cNvPr id="275" name="Google Shape;275;p47"/>
           <p:cNvSpPr txBox="1"/>
           <p:nvPr/>
         </p:nvSpPr>
         <p:spPr>
           <a:xfrm>
             <a:off x="1023925" y="4123275"/>
-            <a:ext cx="2095500" cy="400200"/>
+            <a:ext cx="2719800" cy="400200"/>
           </a:xfrm>
           <a:prstGeom prst="rect">
             <a:avLst/>
@@ -20013,7 +20044,7 @@
                 <a:cs typeface="Roboto"/>
                 <a:sym typeface="Roboto"/>
               </a:rPr>
-              <a:t>(Sarkar et al. 2018)</a:t>
+              <a:t>(source: Sarkar et al. 2018)</a:t>
             </a:r>
             <a:endParaRPr>
               <a:latin typeface="Roboto"/>
@@ -20026,7 +20057,7 @@
       </p:sp>
       <p:pic>
         <p:nvPicPr>
-          <p:cNvPr id="274" name="Google Shape;274;p47"/>
+          <p:cNvPr id="276" name="Google Shape;276;p47"/>
           <p:cNvPicPr preferRelativeResize="0"/>
           <p:nvPr/>
         </p:nvPicPr>
@@ -20065,7 +20096,7 @@
   <p:cSld>
     <p:spTree>
       <p:nvGrpSpPr>
-        <p:cNvPr id="278" name="Shape 278"/>
+        <p:cNvPr id="280" name="Shape 280"/>
         <p:cNvGrpSpPr/>
         <p:nvPr/>
       </p:nvGrpSpPr>
@@ -20079,7 +20110,7 @@
       </p:grpSpPr>
       <p:pic>
         <p:nvPicPr>
-          <p:cNvPr id="279" name="Google Shape;279;p48"/>
+          <p:cNvPr id="281" name="Google Shape;281;p48"/>
           <p:cNvPicPr preferRelativeResize="0"/>
           <p:nvPr/>
         </p:nvPicPr>
@@ -20107,7 +20138,7 @@
       </p:pic>
       <p:sp>
         <p:nvSpPr>
-          <p:cNvPr id="280" name="Google Shape;280;p48"/>
+          <p:cNvPr id="282" name="Google Shape;282;p48"/>
           <p:cNvSpPr txBox="1"/>
           <p:nvPr>
             <p:ph type="title"/>
@@ -20128,7 +20159,7 @@
           </a:bodyPr>
           <a:lstStyle/>
           <a:p>
-            <a:pPr indent="0" lvl="0" marL="0" rtl="0" algn="l">
+            <a:pPr indent="0" lvl="0" marL="0" rtl="0" algn="ctr">
               <a:spcBef>
                 <a:spcPts val="0"/>
               </a:spcBef>
@@ -20155,14 +20186,14 @@
       </p:sp>
       <p:sp>
         <p:nvSpPr>
-          <p:cNvPr id="281" name="Google Shape;281;p48"/>
+          <p:cNvPr id="283" name="Google Shape;283;p48"/>
           <p:cNvSpPr txBox="1"/>
           <p:nvPr/>
         </p:nvSpPr>
         <p:spPr>
           <a:xfrm>
             <a:off x="548700" y="766750"/>
-            <a:ext cx="8401200" cy="1736100"/>
+            <a:ext cx="8401200" cy="1992900"/>
           </a:xfrm>
           <a:prstGeom prst="rect">
             <a:avLst/>
@@ -20203,7 +20234,7 @@
                 <a:spcPct val="115000"/>
               </a:lnSpc>
               <a:spcBef>
-                <a:spcPts val="0"/>
+                <a:spcPts val="1000"/>
               </a:spcBef>
               <a:spcAft>
                 <a:spcPts val="0"/>
@@ -20223,10 +20254,10 @@
                 <a:spcPct val="115000"/>
               </a:lnSpc>
               <a:spcBef>
-                <a:spcPts val="0"/>
-              </a:spcBef>
-              <a:spcAft>
-                <a:spcPts val="0"/>
+                <a:spcPts val="1000"/>
+              </a:spcBef>
+              <a:spcAft>
+                <a:spcPts val="1000"/>
               </a:spcAft>
               <a:buSzPts val="1800"/>
               <a:buChar char="●"/>
@@ -20241,7 +20272,7 @@
       </p:sp>
       <p:sp>
         <p:nvSpPr>
-          <p:cNvPr id="282" name="Google Shape;282;p48"/>
+          <p:cNvPr id="284" name="Google Shape;284;p48"/>
           <p:cNvSpPr txBox="1"/>
           <p:nvPr>
             <p:ph idx="12" type="sldNum"/>
@@ -20289,22 +20320,21 @@
       </p:sp>
       <p:pic>
         <p:nvPicPr>
-          <p:cNvPr id="283" name="Google Shape;283;p48"/>
+          <p:cNvPr id="285" name="Google Shape;285;p48"/>
           <p:cNvPicPr preferRelativeResize="0"/>
           <p:nvPr/>
         </p:nvPicPr>
-        <p:blipFill>
+        <p:blipFill rotWithShape="1">
           <a:blip r:embed="rId4">
             <a:alphaModFix/>
           </a:blip>
-          <a:stretch>
-            <a:fillRect/>
-          </a:stretch>
+          <a:srcRect b="7663" l="0" r="0" t="0"/>
+          <a:stretch/>
         </p:blipFill>
         <p:spPr>
           <a:xfrm>
-            <a:off x="1673538" y="2551952"/>
-            <a:ext cx="3883162" cy="2158350"/>
+            <a:off x="1731375" y="2701875"/>
+            <a:ext cx="3883150" cy="1992900"/>
           </a:xfrm>
           <a:prstGeom prst="rect">
             <a:avLst/>
@@ -20317,14 +20347,14 @@
       </p:pic>
       <p:sp>
         <p:nvSpPr>
-          <p:cNvPr id="284" name="Google Shape;284;p48"/>
+          <p:cNvPr id="286" name="Google Shape;286;p48"/>
           <p:cNvSpPr txBox="1"/>
           <p:nvPr/>
         </p:nvSpPr>
         <p:spPr>
           <a:xfrm>
-            <a:off x="5614513" y="3986025"/>
-            <a:ext cx="1989300" cy="400200"/>
+            <a:off x="5614529" y="3986025"/>
+            <a:ext cx="2595000" cy="400200"/>
           </a:xfrm>
           <a:prstGeom prst="rect">
             <a:avLst/>
@@ -20356,7 +20386,7 @@
                 <a:cs typeface="Roboto"/>
                 <a:sym typeface="Roboto"/>
               </a:rPr>
-              <a:t>(Greener et al. 2022)</a:t>
+              <a:t>(source: Greener et al. 2022)</a:t>
             </a:r>
             <a:endParaRPr>
               <a:latin typeface="Roboto"/>
@@ -20380,7 +20410,7 @@
   <p:cSld>
     <p:spTree>
       <p:nvGrpSpPr>
-        <p:cNvPr id="288" name="Shape 288"/>
+        <p:cNvPr id="290" name="Shape 290"/>
         <p:cNvGrpSpPr/>
         <p:nvPr/>
       </p:nvGrpSpPr>
@@ -20394,7 +20424,7 @@
       </p:grpSpPr>
       <p:pic>
         <p:nvPicPr>
-          <p:cNvPr id="289" name="Google Shape;289;p49"/>
+          <p:cNvPr id="291" name="Google Shape;291;p49"/>
           <p:cNvPicPr preferRelativeResize="0"/>
           <p:nvPr/>
         </p:nvPicPr>
@@ -20422,7 +20452,7 @@
       </p:pic>
       <p:sp>
         <p:nvSpPr>
-          <p:cNvPr id="290" name="Google Shape;290;p49"/>
+          <p:cNvPr id="292" name="Google Shape;292;p49"/>
           <p:cNvSpPr txBox="1"/>
           <p:nvPr>
             <p:ph type="title"/>
@@ -20443,7 +20473,7 @@
           </a:bodyPr>
           <a:lstStyle/>
           <a:p>
-            <a:pPr indent="0" lvl="0" marL="0" rtl="0" algn="l">
+            <a:pPr indent="0" lvl="0" marL="0" rtl="0" algn="ctr">
               <a:spcBef>
                 <a:spcPts val="0"/>
               </a:spcBef>
@@ -20470,7 +20500,7 @@
       </p:sp>
       <p:sp>
         <p:nvSpPr>
-          <p:cNvPr id="291" name="Google Shape;291;p49"/>
+          <p:cNvPr id="293" name="Google Shape;293;p49"/>
           <p:cNvSpPr txBox="1"/>
           <p:nvPr/>
         </p:nvSpPr>
@@ -20532,7 +20562,7 @@
             </a:pPr>
             <a:r>
               <a:rPr lang="en" sz="1600"/>
-              <a:t>We have a single point only in our validation set and the rest n-1 observations become the training set. Mostly suitable for small datasets.</a:t>
+              <a:t>We have a single data point only in our validation set and the rest n-1 observations become the training set. Mostly suitable for small datasets.</a:t>
             </a:r>
             <a:endParaRPr sz="1600"/>
           </a:p>
@@ -20540,7 +20570,7 @@
       </p:sp>
       <p:sp>
         <p:nvSpPr>
-          <p:cNvPr id="292" name="Google Shape;292;p49"/>
+          <p:cNvPr id="294" name="Google Shape;294;p49"/>
           <p:cNvSpPr txBox="1"/>
           <p:nvPr>
             <p:ph idx="12" type="sldNum"/>
@@ -20588,7 +20618,7 @@
       </p:sp>
       <p:sp>
         <p:nvSpPr>
-          <p:cNvPr id="293" name="Google Shape;293;p49"/>
+          <p:cNvPr id="295" name="Google Shape;295;p49"/>
           <p:cNvSpPr txBox="1"/>
           <p:nvPr/>
         </p:nvSpPr>
@@ -20718,7 +20748,7 @@
       </p:sp>
       <p:pic>
         <p:nvPicPr>
-          <p:cNvPr id="294" name="Google Shape;294;p49"/>
+          <p:cNvPr id="296" name="Google Shape;296;p49"/>
           <p:cNvPicPr preferRelativeResize="0"/>
           <p:nvPr/>
         </p:nvPicPr>
@@ -20732,7 +20762,7 @@
         </p:blipFill>
         <p:spPr>
           <a:xfrm>
-            <a:off x="122775" y="1834200"/>
+            <a:off x="203500" y="2144562"/>
             <a:ext cx="3878574" cy="1736125"/>
           </a:xfrm>
           <a:prstGeom prst="rect">
@@ -20746,14 +20776,14 @@
       </p:pic>
       <p:sp>
         <p:nvSpPr>
-          <p:cNvPr id="295" name="Google Shape;295;p49"/>
+          <p:cNvPr id="297" name="Google Shape;297;p49"/>
           <p:cNvSpPr txBox="1"/>
           <p:nvPr/>
         </p:nvSpPr>
         <p:spPr>
           <a:xfrm>
-            <a:off x="820713" y="3629850"/>
-            <a:ext cx="1233000" cy="400200"/>
+            <a:off x="901459" y="3940213"/>
+            <a:ext cx="2145300" cy="400200"/>
           </a:xfrm>
           <a:prstGeom prst="rect">
             <a:avLst/>
@@ -20785,7 +20815,7 @@
                 <a:cs typeface="Roboto"/>
                 <a:sym typeface="Roboto"/>
               </a:rPr>
-              <a:t>(Patro, 2021)</a:t>
+              <a:t>(source: Patro, 2021)</a:t>
             </a:r>
             <a:endParaRPr>
               <a:latin typeface="Roboto"/>
@@ -20809,7 +20839,7 @@
   <p:cSld>
     <p:spTree>
       <p:nvGrpSpPr>
-        <p:cNvPr id="299" name="Shape 299"/>
+        <p:cNvPr id="301" name="Shape 301"/>
         <p:cNvGrpSpPr/>
         <p:nvPr/>
       </p:nvGrpSpPr>
@@ -20823,7 +20853,7 @@
       </p:grpSpPr>
       <p:pic>
         <p:nvPicPr>
-          <p:cNvPr id="300" name="Google Shape;300;p50"/>
+          <p:cNvPr id="302" name="Google Shape;302;p50"/>
           <p:cNvPicPr preferRelativeResize="0"/>
           <p:nvPr/>
         </p:nvPicPr>
@@ -20851,7 +20881,7 @@
       </p:pic>
       <p:sp>
         <p:nvSpPr>
-          <p:cNvPr id="301" name="Google Shape;301;p50"/>
+          <p:cNvPr id="303" name="Google Shape;303;p50"/>
           <p:cNvSpPr txBox="1"/>
           <p:nvPr>
             <p:ph type="title"/>
@@ -20872,7 +20902,7 @@
           </a:bodyPr>
           <a:lstStyle/>
           <a:p>
-            <a:pPr indent="0" lvl="0" marL="0" rtl="0" algn="l">
+            <a:pPr indent="0" lvl="0" marL="0" rtl="0" algn="ctr">
               <a:spcBef>
                 <a:spcPts val="0"/>
               </a:spcBef>
@@ -20899,7 +20929,7 @@
       </p:sp>
       <p:sp>
         <p:nvSpPr>
-          <p:cNvPr id="302" name="Google Shape;302;p50"/>
+          <p:cNvPr id="304" name="Google Shape;304;p50"/>
           <p:cNvSpPr txBox="1"/>
           <p:nvPr/>
         </p:nvSpPr>
@@ -21097,7 +21127,7 @@
       </p:sp>
       <p:sp>
         <p:nvSpPr>
-          <p:cNvPr id="303" name="Google Shape;303;p50"/>
+          <p:cNvPr id="305" name="Google Shape;305;p50"/>
           <p:cNvSpPr txBox="1"/>
           <p:nvPr>
             <p:ph idx="12" type="sldNum"/>
@@ -21156,7 +21186,7 @@
   <p:cSld>
     <p:spTree>
       <p:nvGrpSpPr>
-        <p:cNvPr id="307" name="Shape 307"/>
+        <p:cNvPr id="309" name="Shape 309"/>
         <p:cNvGrpSpPr/>
         <p:nvPr/>
       </p:nvGrpSpPr>
@@ -21170,7 +21200,7 @@
       </p:grpSpPr>
       <p:pic>
         <p:nvPicPr>
-          <p:cNvPr id="308" name="Google Shape;308;p51"/>
+          <p:cNvPr id="310" name="Google Shape;310;p51"/>
           <p:cNvPicPr preferRelativeResize="0"/>
           <p:nvPr/>
         </p:nvPicPr>
@@ -21197,7 +21227,7 @@
       </p:pic>
       <p:sp>
         <p:nvSpPr>
-          <p:cNvPr id="309" name="Google Shape;309;p51"/>
+          <p:cNvPr id="311" name="Google Shape;311;p51"/>
           <p:cNvSpPr txBox="1"/>
           <p:nvPr>
             <p:ph type="title"/>
@@ -21245,7 +21275,7 @@
       </p:sp>
       <p:sp>
         <p:nvSpPr>
-          <p:cNvPr id="310" name="Google Shape;310;p51"/>
+          <p:cNvPr id="312" name="Google Shape;312;p51"/>
           <p:cNvSpPr txBox="1"/>
           <p:nvPr/>
         </p:nvSpPr>
@@ -21409,7 +21439,7 @@
       </p:sp>
       <p:sp>
         <p:nvSpPr>
-          <p:cNvPr id="311" name="Google Shape;311;p51"/>
+          <p:cNvPr id="313" name="Google Shape;313;p51"/>
           <p:cNvSpPr txBox="1"/>
           <p:nvPr>
             <p:ph idx="12" type="sldNum"/>
@@ -21457,7 +21487,7 @@
       </p:sp>
       <p:pic>
         <p:nvPicPr>
-          <p:cNvPr id="312" name="Google Shape;312;p51"/>
+          <p:cNvPr id="314" name="Google Shape;314;p51"/>
           <p:cNvPicPr preferRelativeResize="0"/>
           <p:nvPr/>
         </p:nvPicPr>
@@ -21495,7 +21525,7 @@
   <p:cSld>
     <p:spTree>
       <p:nvGrpSpPr>
-        <p:cNvPr id="316" name="Shape 316"/>
+        <p:cNvPr id="318" name="Shape 318"/>
         <p:cNvGrpSpPr/>
         <p:nvPr/>
       </p:nvGrpSpPr>
@@ -21509,7 +21539,7 @@
       </p:grpSpPr>
       <p:pic>
         <p:nvPicPr>
-          <p:cNvPr id="317" name="Google Shape;317;p52"/>
+          <p:cNvPr id="319" name="Google Shape;319;p52"/>
           <p:cNvPicPr preferRelativeResize="0"/>
           <p:nvPr/>
         </p:nvPicPr>
@@ -21537,7 +21567,7 @@
       </p:pic>
       <p:sp>
         <p:nvSpPr>
-          <p:cNvPr id="318" name="Google Shape;318;p52"/>
+          <p:cNvPr id="320" name="Google Shape;320;p52"/>
           <p:cNvSpPr txBox="1"/>
           <p:nvPr>
             <p:ph type="title"/>
@@ -21558,7 +21588,7 @@
           </a:bodyPr>
           <a:lstStyle/>
           <a:p>
-            <a:pPr indent="0" lvl="0" marL="0" rtl="0" algn="l">
+            <a:pPr indent="0" lvl="0" marL="0" rtl="0" algn="ctr">
               <a:spcBef>
                 <a:spcPts val="0"/>
               </a:spcBef>
@@ -21585,14 +21615,14 @@
       </p:sp>
       <p:sp>
         <p:nvSpPr>
-          <p:cNvPr id="319" name="Google Shape;319;p52"/>
+          <p:cNvPr id="321" name="Google Shape;321;p52"/>
           <p:cNvSpPr txBox="1"/>
           <p:nvPr/>
         </p:nvSpPr>
         <p:spPr>
           <a:xfrm>
             <a:off x="311700" y="717650"/>
-            <a:ext cx="8697300" cy="2979900"/>
+            <a:ext cx="8697300" cy="3209700"/>
           </a:xfrm>
           <a:prstGeom prst="rect">
             <a:avLst/>
@@ -21633,7 +21663,7 @@
                 <a:spcPct val="115000"/>
               </a:lnSpc>
               <a:spcBef>
-                <a:spcPts val="0"/>
+                <a:spcPts val="1000"/>
               </a:spcBef>
               <a:spcAft>
                 <a:spcPts val="0"/>
@@ -21653,7 +21683,7 @@
                 <a:spcPct val="115000"/>
               </a:lnSpc>
               <a:spcBef>
-                <a:spcPts val="0"/>
+                <a:spcPts val="1000"/>
               </a:spcBef>
               <a:spcAft>
                 <a:spcPts val="0"/>
@@ -21663,7 +21693,7 @@
             </a:pPr>
             <a:r>
               <a:rPr lang="en" sz="1600"/>
-              <a:t>Other simple black box models such as simple decision tree could be made interpretable by using the feature importance as an output.</a:t>
+              <a:t>Many ML models are black box and hard to interpret.</a:t>
             </a:r>
             <a:endParaRPr sz="1600"/>
           </a:p>
@@ -21673,7 +21703,7 @@
                 <a:spcPct val="115000"/>
               </a:lnSpc>
               <a:spcBef>
-                <a:spcPts val="0"/>
+                <a:spcPts val="1000"/>
               </a:spcBef>
               <a:spcAft>
                 <a:spcPts val="0"/>
@@ -21693,10 +21723,10 @@
                 <a:spcPct val="115000"/>
               </a:lnSpc>
               <a:spcBef>
-                <a:spcPts val="0"/>
-              </a:spcBef>
-              <a:spcAft>
-                <a:spcPts val="0"/>
+                <a:spcPts val="1000"/>
+              </a:spcBef>
+              <a:spcAft>
+                <a:spcPts val="1000"/>
               </a:spcAft>
               <a:buSzPts val="1600"/>
               <a:buChar char="●"/>
@@ -21711,7 +21741,7 @@
       </p:sp>
       <p:sp>
         <p:nvSpPr>
-          <p:cNvPr id="320" name="Google Shape;320;p52"/>
+          <p:cNvPr id="322" name="Google Shape;322;p52"/>
           <p:cNvSpPr txBox="1"/>
           <p:nvPr>
             <p:ph idx="12" type="sldNum"/>
@@ -21759,7 +21789,7 @@
       </p:sp>
       <p:sp>
         <p:nvSpPr>
-          <p:cNvPr id="321" name="Google Shape;321;p52"/>
+          <p:cNvPr id="323" name="Google Shape;323;p52"/>
           <p:cNvSpPr txBox="1"/>
           <p:nvPr/>
         </p:nvSpPr>
@@ -21819,7 +21849,7 @@
   <p:cSld>
     <p:spTree>
       <p:nvGrpSpPr>
-        <p:cNvPr id="325" name="Shape 325"/>
+        <p:cNvPr id="327" name="Shape 327"/>
         <p:cNvGrpSpPr/>
         <p:nvPr/>
       </p:nvGrpSpPr>
@@ -21833,7 +21863,7 @@
       </p:grpSpPr>
       <p:pic>
         <p:nvPicPr>
-          <p:cNvPr id="326" name="Google Shape;326;p53"/>
+          <p:cNvPr id="328" name="Google Shape;328;p53"/>
           <p:cNvPicPr preferRelativeResize="0"/>
           <p:nvPr/>
         </p:nvPicPr>
@@ -21861,7 +21891,7 @@
       </p:pic>
       <p:sp>
         <p:nvSpPr>
-          <p:cNvPr id="327" name="Google Shape;327;p53"/>
+          <p:cNvPr id="329" name="Google Shape;329;p53"/>
           <p:cNvSpPr txBox="1"/>
           <p:nvPr>
             <p:ph type="title"/>
@@ -21882,7 +21912,7 @@
           </a:bodyPr>
           <a:lstStyle/>
           <a:p>
-            <a:pPr indent="0" lvl="0" marL="0" rtl="0" algn="l">
+            <a:pPr indent="0" lvl="0" marL="0" rtl="0" algn="ctr">
               <a:spcBef>
                 <a:spcPts val="0"/>
               </a:spcBef>
@@ -21909,14 +21939,14 @@
       </p:sp>
       <p:sp>
         <p:nvSpPr>
-          <p:cNvPr id="328" name="Google Shape;328;p53"/>
+          <p:cNvPr id="330" name="Google Shape;330;p53"/>
           <p:cNvSpPr txBox="1"/>
           <p:nvPr/>
         </p:nvSpPr>
         <p:spPr>
           <a:xfrm>
-            <a:off x="69300" y="605125"/>
-            <a:ext cx="8763000" cy="1743300"/>
+            <a:off x="69300" y="613850"/>
+            <a:ext cx="8763000" cy="1862400"/>
           </a:xfrm>
           <a:prstGeom prst="rect">
             <a:avLst/>
@@ -21957,7 +21987,7 @@
                 <a:spcPct val="115000"/>
               </a:lnSpc>
               <a:spcBef>
-                <a:spcPts val="0"/>
+                <a:spcPts val="1000"/>
               </a:spcBef>
               <a:spcAft>
                 <a:spcPts val="0"/>
@@ -21967,7 +21997,7 @@
             </a:pPr>
             <a:r>
               <a:rPr lang="en" sz="1500"/>
-              <a:t>The ideas of Skater is to understand black box ML models by querying them and interpreting their learned decision policies.</a:t>
+              <a:t>The idea of Skater is to understand black box ML models by querying them and interpreting their learned decision policies.</a:t>
             </a:r>
             <a:endParaRPr sz="1500"/>
           </a:p>
@@ -21977,7 +22007,7 @@
                 <a:spcPct val="115000"/>
               </a:lnSpc>
               <a:spcBef>
-                <a:spcPts val="0"/>
+                <a:spcPts val="1000"/>
               </a:spcBef>
               <a:spcAft>
                 <a:spcPts val="0"/>
@@ -21987,7 +22017,25 @@
             </a:pPr>
             <a:r>
               <a:rPr lang="en" sz="1500"/>
-              <a:t>The philosophy of Skater is that all models should be evaluated as black boxes and decision criteria of the models are inferred and interpreted based on input perturbations and observing the corresponding output predictions.</a:t>
+              <a:t>Skater enables us to do both global and local interpretations.</a:t>
+            </a:r>
+            <a:endParaRPr sz="1500"/>
+          </a:p>
+          <a:p>
+            <a:pPr indent="0" lvl="0" marL="457200" rtl="0" algn="l">
+              <a:lnSpc>
+                <a:spcPct val="115000"/>
+              </a:lnSpc>
+              <a:spcBef>
+                <a:spcPts val="1000"/>
+              </a:spcBef>
+              <a:spcAft>
+                <a:spcPts val="1000"/>
+              </a:spcAft>
+              <a:buNone/>
+            </a:pPr>
+            <a:r>
+              <a:t/>
             </a:r>
             <a:endParaRPr sz="1500"/>
           </a:p>
@@ -21995,7 +22043,7 @@
       </p:sp>
       <p:sp>
         <p:nvSpPr>
-          <p:cNvPr id="329" name="Google Shape;329;p53"/>
+          <p:cNvPr id="331" name="Google Shape;331;p53"/>
           <p:cNvSpPr txBox="1"/>
           <p:nvPr>
             <p:ph idx="12" type="sldNum"/>
@@ -22043,7 +22091,7 @@
       </p:sp>
       <p:pic>
         <p:nvPicPr>
-          <p:cNvPr id="330" name="Google Shape;330;p53"/>
+          <p:cNvPr id="332" name="Google Shape;332;p53"/>
           <p:cNvPicPr preferRelativeResize="0"/>
           <p:nvPr/>
         </p:nvPicPr>
@@ -22057,8 +22105,8 @@
         </p:blipFill>
         <p:spPr>
           <a:xfrm>
-            <a:off x="2419225" y="2278425"/>
-            <a:ext cx="5174925" cy="2319350"/>
+            <a:off x="2476925" y="2206100"/>
+            <a:ext cx="5325400" cy="2386800"/>
           </a:xfrm>
           <a:prstGeom prst="rect">
             <a:avLst/>
@@ -22071,14 +22119,14 @@
       </p:pic>
       <p:sp>
         <p:nvSpPr>
-          <p:cNvPr id="331" name="Google Shape;331;p53"/>
+          <p:cNvPr id="333" name="Google Shape;333;p53"/>
           <p:cNvSpPr txBox="1"/>
           <p:nvPr/>
         </p:nvSpPr>
         <p:spPr>
           <a:xfrm>
-            <a:off x="2241725" y="4011150"/>
-            <a:ext cx="1473600" cy="369300"/>
+            <a:off x="465700" y="4113150"/>
+            <a:ext cx="2382300" cy="369300"/>
           </a:xfrm>
           <a:prstGeom prst="rect">
             <a:avLst/>
@@ -22110,7 +22158,7 @@
                 <a:cs typeface="Roboto"/>
                 <a:sym typeface="Roboto"/>
               </a:rPr>
-              <a:t>(Sarkar et al. 2018)</a:t>
+              <a:t>(source: Sarkar et al. 2018)</a:t>
             </a:r>
             <a:endParaRPr sz="1200">
               <a:latin typeface="Roboto"/>
@@ -22134,7 +22182,7 @@
   <p:cSld>
     <p:spTree>
       <p:nvGrpSpPr>
-        <p:cNvPr id="335" name="Shape 335"/>
+        <p:cNvPr id="337" name="Shape 337"/>
         <p:cNvGrpSpPr/>
         <p:nvPr/>
       </p:nvGrpSpPr>
@@ -22148,7 +22196,7 @@
       </p:grpSpPr>
       <p:pic>
         <p:nvPicPr>
-          <p:cNvPr id="336" name="Google Shape;336;p54"/>
+          <p:cNvPr id="338" name="Google Shape;338;p54"/>
           <p:cNvPicPr preferRelativeResize="0"/>
           <p:nvPr/>
         </p:nvPicPr>
@@ -22175,7 +22223,7 @@
       </p:pic>
       <p:sp>
         <p:nvSpPr>
-          <p:cNvPr id="337" name="Google Shape;337;p54"/>
+          <p:cNvPr id="339" name="Google Shape;339;p54"/>
           <p:cNvSpPr txBox="1"/>
           <p:nvPr>
             <p:ph type="title"/>
@@ -22223,7 +22271,7 @@
       </p:sp>
       <p:sp>
         <p:nvSpPr>
-          <p:cNvPr id="338" name="Google Shape;338;p54"/>
+          <p:cNvPr id="340" name="Google Shape;340;p54"/>
           <p:cNvSpPr txBox="1"/>
           <p:nvPr/>
         </p:nvSpPr>
@@ -22387,7 +22435,7 @@
       </p:sp>
       <p:sp>
         <p:nvSpPr>
-          <p:cNvPr id="339" name="Google Shape;339;p54"/>
+          <p:cNvPr id="341" name="Google Shape;341;p54"/>
           <p:cNvSpPr txBox="1"/>
           <p:nvPr>
             <p:ph idx="12" type="sldNum"/>
@@ -22435,7 +22483,7 @@
       </p:sp>
       <p:pic>
         <p:nvPicPr>
-          <p:cNvPr id="340" name="Google Shape;340;p54"/>
+          <p:cNvPr id="342" name="Google Shape;342;p54"/>
           <p:cNvPicPr preferRelativeResize="0"/>
           <p:nvPr/>
         </p:nvPicPr>
@@ -22473,7 +22521,7 @@
   <p:cSld>
     <p:spTree>
       <p:nvGrpSpPr>
-        <p:cNvPr id="344" name="Shape 344"/>
+        <p:cNvPr id="346" name="Shape 346"/>
         <p:cNvGrpSpPr/>
         <p:nvPr/>
       </p:nvGrpSpPr>
@@ -22487,7 +22535,7 @@
       </p:grpSpPr>
       <p:pic>
         <p:nvPicPr>
-          <p:cNvPr id="345" name="Google Shape;345;p55"/>
+          <p:cNvPr id="347" name="Google Shape;347;p55"/>
           <p:cNvPicPr preferRelativeResize="0"/>
           <p:nvPr/>
         </p:nvPicPr>
@@ -22515,7 +22563,7 @@
       </p:pic>
       <p:sp>
         <p:nvSpPr>
-          <p:cNvPr id="346" name="Google Shape;346;p55"/>
+          <p:cNvPr id="348" name="Google Shape;348;p55"/>
           <p:cNvSpPr txBox="1"/>
           <p:nvPr>
             <p:ph type="title"/>
@@ -22536,7 +22584,7 @@
           </a:bodyPr>
           <a:lstStyle/>
           <a:p>
-            <a:pPr indent="0" lvl="0" marL="0" rtl="0" algn="l">
+            <a:pPr indent="0" lvl="0" marL="0" rtl="0" algn="ctr">
               <a:spcBef>
                 <a:spcPts val="0"/>
               </a:spcBef>
@@ -22563,14 +22611,14 @@
       </p:sp>
       <p:sp>
         <p:nvSpPr>
-          <p:cNvPr id="347" name="Google Shape;347;p55"/>
+          <p:cNvPr id="349" name="Google Shape;349;p55"/>
           <p:cNvSpPr txBox="1"/>
           <p:nvPr/>
         </p:nvSpPr>
         <p:spPr>
           <a:xfrm>
-            <a:off x="415500" y="906275"/>
-            <a:ext cx="8313000" cy="1650000"/>
+            <a:off x="357850" y="1540550"/>
+            <a:ext cx="8313000" cy="1906500"/>
           </a:xfrm>
           <a:prstGeom prst="rect">
             <a:avLst/>
@@ -22611,7 +22659,7 @@
                 <a:spcPct val="115000"/>
               </a:lnSpc>
               <a:spcBef>
-                <a:spcPts val="0"/>
+                <a:spcPts val="1000"/>
               </a:spcBef>
               <a:spcAft>
                 <a:spcPts val="0"/>
@@ -22631,10 +22679,10 @@
                 <a:spcPct val="115000"/>
               </a:lnSpc>
               <a:spcBef>
-                <a:spcPts val="0"/>
-              </a:spcBef>
-              <a:spcAft>
-                <a:spcPts val="0"/>
+                <a:spcPts val="1000"/>
+              </a:spcBef>
+              <a:spcAft>
+                <a:spcPts val="1000"/>
               </a:spcAft>
               <a:buSzPts val="1700"/>
               <a:buChar char="●"/>
@@ -22649,7 +22697,7 @@
       </p:sp>
       <p:sp>
         <p:nvSpPr>
-          <p:cNvPr id="348" name="Google Shape;348;p55"/>
+          <p:cNvPr id="350" name="Google Shape;350;p55"/>
           <p:cNvSpPr txBox="1"/>
           <p:nvPr>
             <p:ph idx="12" type="sldNum"/>
@@ -22849,7 +22897,7 @@
   <p:cSld>
     <p:spTree>
       <p:nvGrpSpPr>
-        <p:cNvPr id="352" name="Shape 352"/>
+        <p:cNvPr id="354" name="Shape 354"/>
         <p:cNvGrpSpPr/>
         <p:nvPr/>
       </p:nvGrpSpPr>
@@ -22863,7 +22911,7 @@
       </p:grpSpPr>
       <p:pic>
         <p:nvPicPr>
-          <p:cNvPr id="353" name="Google Shape;353;p56"/>
+          <p:cNvPr id="355" name="Google Shape;355;p56"/>
           <p:cNvPicPr preferRelativeResize="0"/>
           <p:nvPr/>
         </p:nvPicPr>
@@ -22891,7 +22939,7 @@
       </p:pic>
       <p:sp>
         <p:nvSpPr>
-          <p:cNvPr id="354" name="Google Shape;354;p56"/>
+          <p:cNvPr id="356" name="Google Shape;356;p56"/>
           <p:cNvSpPr txBox="1"/>
           <p:nvPr>
             <p:ph type="title"/>
@@ -22912,7 +22960,7 @@
           </a:bodyPr>
           <a:lstStyle/>
           <a:p>
-            <a:pPr indent="0" lvl="0" marL="0" rtl="0" algn="l">
+            <a:pPr indent="0" lvl="0" marL="0" rtl="0" algn="ctr">
               <a:spcBef>
                 <a:spcPts val="0"/>
               </a:spcBef>
@@ -22939,14 +22987,14 @@
       </p:sp>
       <p:sp>
         <p:nvSpPr>
-          <p:cNvPr id="355" name="Google Shape;355;p56"/>
+          <p:cNvPr id="357" name="Google Shape;357;p56"/>
           <p:cNvSpPr txBox="1"/>
           <p:nvPr/>
         </p:nvSpPr>
         <p:spPr>
           <a:xfrm>
-            <a:off x="415650" y="837000"/>
-            <a:ext cx="8312700" cy="1650000"/>
+            <a:off x="415650" y="1540475"/>
+            <a:ext cx="8312700" cy="1906500"/>
           </a:xfrm>
           <a:prstGeom prst="rect">
             <a:avLst/>
@@ -22987,7 +23035,7 @@
                 <a:spcPct val="115000"/>
               </a:lnSpc>
               <a:spcBef>
-                <a:spcPts val="0"/>
+                <a:spcPts val="1000"/>
               </a:spcBef>
               <a:spcAft>
                 <a:spcPts val="0"/>
@@ -23007,10 +23055,10 @@
                 <a:spcPct val="115000"/>
               </a:lnSpc>
               <a:spcBef>
-                <a:spcPts val="0"/>
-              </a:spcBef>
-              <a:spcAft>
-                <a:spcPts val="0"/>
+                <a:spcPts val="1000"/>
+              </a:spcBef>
+              <a:spcAft>
+                <a:spcPts val="1000"/>
               </a:spcAft>
               <a:buSzPts val="1700"/>
               <a:buChar char="●"/>
@@ -23025,7 +23073,7 @@
       </p:sp>
       <p:sp>
         <p:nvSpPr>
-          <p:cNvPr id="356" name="Google Shape;356;p56"/>
+          <p:cNvPr id="358" name="Google Shape;358;p56"/>
           <p:cNvSpPr txBox="1"/>
           <p:nvPr>
             <p:ph idx="12" type="sldNum"/>
@@ -23084,7 +23132,7 @@
   <p:cSld>
     <p:spTree>
       <p:nvGrpSpPr>
-        <p:cNvPr id="360" name="Shape 360"/>
+        <p:cNvPr id="362" name="Shape 362"/>
         <p:cNvGrpSpPr/>
         <p:nvPr/>
       </p:nvGrpSpPr>
@@ -23098,7 +23146,7 @@
       </p:grpSpPr>
       <p:pic>
         <p:nvPicPr>
-          <p:cNvPr id="361" name="Google Shape;361;p57"/>
+          <p:cNvPr id="363" name="Google Shape;363;p57"/>
           <p:cNvPicPr preferRelativeResize="0"/>
           <p:nvPr/>
         </p:nvPicPr>
@@ -23126,7 +23174,7 @@
       </p:pic>
       <p:sp>
         <p:nvSpPr>
-          <p:cNvPr id="362" name="Google Shape;362;p57"/>
+          <p:cNvPr id="364" name="Google Shape;364;p57"/>
           <p:cNvSpPr txBox="1"/>
           <p:nvPr>
             <p:ph type="title"/>
@@ -23174,7 +23222,7 @@
       </p:sp>
       <p:sp>
         <p:nvSpPr>
-          <p:cNvPr id="363" name="Google Shape;363;p57"/>
+          <p:cNvPr id="365" name="Google Shape;365;p57"/>
           <p:cNvSpPr txBox="1"/>
           <p:nvPr>
             <p:ph idx="12" type="sldNum"/>
@@ -23214,7 +23262,7 @@
       </p:sp>
       <p:sp>
         <p:nvSpPr>
-          <p:cNvPr id="364" name="Google Shape;364;p57"/>
+          <p:cNvPr id="366" name="Google Shape;366;p57"/>
           <p:cNvSpPr txBox="1"/>
           <p:nvPr/>
         </p:nvSpPr>
@@ -23268,7 +23316,7 @@
       </p:sp>
       <p:sp>
         <p:nvSpPr>
-          <p:cNvPr id="365" name="Google Shape;365;p57"/>
+          <p:cNvPr id="367" name="Google Shape;367;p57"/>
           <p:cNvSpPr txBox="1"/>
           <p:nvPr/>
         </p:nvSpPr>
@@ -23309,7 +23357,7 @@
       </p:sp>
       <p:sp>
         <p:nvSpPr>
-          <p:cNvPr id="366" name="Google Shape;366;p57"/>
+          <p:cNvPr id="368" name="Google Shape;368;p57"/>
           <p:cNvSpPr txBox="1"/>
           <p:nvPr/>
         </p:nvSpPr>
@@ -23403,7 +23451,7 @@
       </p:sp>
       <p:sp>
         <p:nvSpPr>
-          <p:cNvPr id="367" name="Google Shape;367;p57"/>
+          <p:cNvPr id="369" name="Google Shape;369;p57"/>
           <p:cNvSpPr txBox="1"/>
           <p:nvPr/>
         </p:nvSpPr>
@@ -23457,7 +23505,7 @@
       </p:sp>
       <p:sp>
         <p:nvSpPr>
-          <p:cNvPr id="368" name="Google Shape;368;p57"/>
+          <p:cNvPr id="370" name="Google Shape;370;p57"/>
           <p:cNvSpPr txBox="1"/>
           <p:nvPr/>
         </p:nvSpPr>
@@ -23551,7 +23599,7 @@
       </p:sp>
       <p:sp>
         <p:nvSpPr>
-          <p:cNvPr id="369" name="Google Shape;369;p57"/>
+          <p:cNvPr id="371" name="Google Shape;371;p57"/>
           <p:cNvSpPr txBox="1"/>
           <p:nvPr/>
         </p:nvSpPr>
@@ -23605,7 +23653,7 @@
       </p:sp>
       <p:sp>
         <p:nvSpPr>
-          <p:cNvPr id="370" name="Google Shape;370;p57"/>
+          <p:cNvPr id="372" name="Google Shape;372;p57"/>
           <p:cNvSpPr txBox="1"/>
           <p:nvPr/>
         </p:nvSpPr>
@@ -23699,7 +23747,7 @@
       </p:sp>
       <p:sp>
         <p:nvSpPr>
-          <p:cNvPr id="371" name="Google Shape;371;p57"/>
+          <p:cNvPr id="373" name="Google Shape;373;p57"/>
           <p:cNvSpPr txBox="1"/>
           <p:nvPr/>
         </p:nvSpPr>
@@ -23741,7 +23789,7 @@
       </p:sp>
       <p:sp>
         <p:nvSpPr>
-          <p:cNvPr id="372" name="Google Shape;372;p57"/>
+          <p:cNvPr id="374" name="Google Shape;374;p57"/>
           <p:cNvSpPr txBox="1"/>
           <p:nvPr/>
         </p:nvSpPr>
@@ -23783,7 +23831,7 @@
       </p:sp>
       <p:sp>
         <p:nvSpPr>
-          <p:cNvPr id="373" name="Google Shape;373;p57"/>
+          <p:cNvPr id="375" name="Google Shape;375;p57"/>
           <p:cNvSpPr txBox="1"/>
           <p:nvPr/>
         </p:nvSpPr>
@@ -23823,6 +23871,85 @@
           </a:p>
         </p:txBody>
       </p:sp>
+      <p:sp>
+        <p:nvSpPr>
+          <p:cNvPr id="376" name="Google Shape;376;p57"/>
+          <p:cNvSpPr txBox="1"/>
+          <p:nvPr/>
+        </p:nvSpPr>
+        <p:spPr>
+          <a:xfrm>
+            <a:off x="4243675" y="4099250"/>
+            <a:ext cx="4154700" cy="400200"/>
+          </a:xfrm>
+          <a:prstGeom prst="rect">
+            <a:avLst/>
+          </a:prstGeom>
+          <a:noFill/>
+          <a:ln>
+            <a:noFill/>
+          </a:ln>
+        </p:spPr>
+        <p:txBody>
+          <a:bodyPr anchorCtr="0" anchor="t" bIns="91425" lIns="91425" spcFirstLastPara="1" rIns="91425" wrap="square" tIns="91425">
+            <a:spAutoFit/>
+          </a:bodyPr>
+          <a:lstStyle/>
+          <a:p>
+            <a:pPr indent="0" lvl="0" marL="0" rtl="0" algn="l">
+              <a:spcBef>
+                <a:spcPts val="0"/>
+              </a:spcBef>
+              <a:spcAft>
+                <a:spcPts val="0"/>
+              </a:spcAft>
+              <a:buNone/>
+            </a:pPr>
+            <a:r>
+              <a:rPr lang="en" u="sng">
+                <a:solidFill>
+                  <a:schemeClr val="hlink"/>
+                </a:solidFill>
+                <a:hlinkClick r:id="rId4"/>
+              </a:rPr>
+              <a:t>https://forms.gle/4pYqDEqpw4orJ4Vz6</a:t>
+            </a:r>
+            <a:r>
+              <a:rPr lang="en"/>
+              <a:t> </a:t>
+            </a:r>
+            <a:endParaRPr/>
+          </a:p>
+        </p:txBody>
+      </p:sp>
+      <p:pic>
+        <p:nvPicPr>
+          <p:cNvPr id="377" name="Google Shape;377;p57"/>
+          <p:cNvPicPr preferRelativeResize="0"/>
+          <p:nvPr/>
+        </p:nvPicPr>
+        <p:blipFill>
+          <a:blip r:embed="rId5">
+            <a:alphaModFix/>
+          </a:blip>
+          <a:stretch>
+            <a:fillRect/>
+          </a:stretch>
+        </p:blipFill>
+        <p:spPr>
+          <a:xfrm>
+            <a:off x="7974500" y="3695821"/>
+            <a:ext cx="746051" cy="746051"/>
+          </a:xfrm>
+          <a:prstGeom prst="rect">
+            <a:avLst/>
+          </a:prstGeom>
+          <a:noFill/>
+          <a:ln>
+            <a:noFill/>
+          </a:ln>
+        </p:spPr>
+      </p:pic>
     </p:spTree>
   </p:cSld>
   <p:clrMapOvr>
@@ -23836,112 +23963,6 @@
             <p:seq concurrent="1" nextAc="seek">
               <p:cTn dur="indefinite" id="2" nodeType="mainSeq">
                 <p:childTnLst>
-                  <p:par>
-                    <p:cTn fill="hold">
-                      <p:stCondLst>
-                        <p:cond delay="indefinite"/>
-                      </p:stCondLst>
-                      <p:childTnLst>
-                        <p:par>
-                          <p:cTn fill="hold">
-                            <p:stCondLst>
-                              <p:cond delay="0"/>
-                            </p:stCondLst>
-                            <p:childTnLst>
-                              <p:par>
-                                <p:cTn fill="hold" nodeType="clickEffect" presetClass="entr" presetID="10" presetSubtype="0">
-                                  <p:stCondLst>
-                                    <p:cond delay="0"/>
-                                  </p:stCondLst>
-                                  <p:childTnLst>
-                                    <p:set>
-                                      <p:cBhvr>
-                                        <p:cTn dur="1" fill="hold">
-                                          <p:stCondLst>
-                                            <p:cond delay="0"/>
-                                          </p:stCondLst>
-                                        </p:cTn>
-                                        <p:tgtEl>
-                                          <p:spTgt spid="371"/>
-                                        </p:tgtEl>
-                                        <p:attrNameLst>
-                                          <p:attrName>style.visibility</p:attrName>
-                                        </p:attrNameLst>
-                                      </p:cBhvr>
-                                      <p:to>
-                                        <p:strVal val="visible"/>
-                                      </p:to>
-                                    </p:set>
-                                    <p:animEffect filter="fade" transition="in">
-                                      <p:cBhvr>
-                                        <p:cTn dur="1000"/>
-                                        <p:tgtEl>
-                                          <p:spTgt spid="371"/>
-                                        </p:tgtEl>
-                                      </p:cBhvr>
-                                    </p:animEffect>
-                                  </p:childTnLst>
-                                </p:cTn>
-                              </p:par>
-                            </p:childTnLst>
-                          </p:cTn>
-                        </p:par>
-                      </p:childTnLst>
-                    </p:cTn>
-                  </p:par>
-                  <p:par>
-                    <p:cTn fill="hold">
-                      <p:stCondLst>
-                        <p:cond delay="indefinite"/>
-                      </p:stCondLst>
-                      <p:childTnLst>
-                        <p:par>
-                          <p:cTn fill="hold">
-                            <p:stCondLst>
-                              <p:cond delay="0"/>
-                            </p:stCondLst>
-                            <p:childTnLst>
-                              <p:par>
-                                <p:cTn fill="hold" nodeType="clickEffect" presetClass="entr" presetID="10" presetSubtype="0">
-                                  <p:stCondLst>
-                                    <p:cond delay="0"/>
-                                  </p:stCondLst>
-                                  <p:childTnLst>
-                                    <p:set>
-                                      <p:cBhvr>
-                                        <p:cTn dur="1" fill="hold">
-                                          <p:stCondLst>
-                                            <p:cond delay="0"/>
-                                          </p:stCondLst>
-                                        </p:cTn>
-                                        <p:tgtEl>
-                                          <p:spTgt spid="372"/>
-                                        </p:tgtEl>
-                                        <p:attrNameLst>
-                                          <p:attrName>style.visibility</p:attrName>
-                                        </p:attrNameLst>
-                                      </p:cBhvr>
-                                      <p:to>
-                                        <p:strVal val="visible"/>
-                                      </p:to>
-                                    </p:set>
-                                    <p:animEffect filter="fade" transition="in">
-                                      <p:cBhvr>
-                                        <p:cTn dur="1000"/>
-                                        <p:tgtEl>
-                                          <p:spTgt spid="372"/>
-                                        </p:tgtEl>
-                                      </p:cBhvr>
-                                    </p:animEffect>
-                                  </p:childTnLst>
-                                </p:cTn>
-                              </p:par>
-                            </p:childTnLst>
-                          </p:cTn>
-                        </p:par>
-                      </p:childTnLst>
-                    </p:cTn>
-                  </p:par>
                   <p:par>
                     <p:cTn fill="hold">
                       <p:stCondLst>
@@ -23995,6 +24016,112 @@
                       </p:childTnLst>
                     </p:cTn>
                   </p:par>
+                  <p:par>
+                    <p:cTn fill="hold">
+                      <p:stCondLst>
+                        <p:cond delay="indefinite"/>
+                      </p:stCondLst>
+                      <p:childTnLst>
+                        <p:par>
+                          <p:cTn fill="hold">
+                            <p:stCondLst>
+                              <p:cond delay="0"/>
+                            </p:stCondLst>
+                            <p:childTnLst>
+                              <p:par>
+                                <p:cTn fill="hold" nodeType="clickEffect" presetClass="entr" presetID="10" presetSubtype="0">
+                                  <p:stCondLst>
+                                    <p:cond delay="0"/>
+                                  </p:stCondLst>
+                                  <p:childTnLst>
+                                    <p:set>
+                                      <p:cBhvr>
+                                        <p:cTn dur="1" fill="hold">
+                                          <p:stCondLst>
+                                            <p:cond delay="0"/>
+                                          </p:stCondLst>
+                                        </p:cTn>
+                                        <p:tgtEl>
+                                          <p:spTgt spid="374"/>
+                                        </p:tgtEl>
+                                        <p:attrNameLst>
+                                          <p:attrName>style.visibility</p:attrName>
+                                        </p:attrNameLst>
+                                      </p:cBhvr>
+                                      <p:to>
+                                        <p:strVal val="visible"/>
+                                      </p:to>
+                                    </p:set>
+                                    <p:animEffect filter="fade" transition="in">
+                                      <p:cBhvr>
+                                        <p:cTn dur="1000"/>
+                                        <p:tgtEl>
+                                          <p:spTgt spid="374"/>
+                                        </p:tgtEl>
+                                      </p:cBhvr>
+                                    </p:animEffect>
+                                  </p:childTnLst>
+                                </p:cTn>
+                              </p:par>
+                            </p:childTnLst>
+                          </p:cTn>
+                        </p:par>
+                      </p:childTnLst>
+                    </p:cTn>
+                  </p:par>
+                  <p:par>
+                    <p:cTn fill="hold">
+                      <p:stCondLst>
+                        <p:cond delay="indefinite"/>
+                      </p:stCondLst>
+                      <p:childTnLst>
+                        <p:par>
+                          <p:cTn fill="hold">
+                            <p:stCondLst>
+                              <p:cond delay="0"/>
+                            </p:stCondLst>
+                            <p:childTnLst>
+                              <p:par>
+                                <p:cTn fill="hold" nodeType="clickEffect" presetClass="entr" presetID="10" presetSubtype="0">
+                                  <p:stCondLst>
+                                    <p:cond delay="0"/>
+                                  </p:stCondLst>
+                                  <p:childTnLst>
+                                    <p:set>
+                                      <p:cBhvr>
+                                        <p:cTn dur="1" fill="hold">
+                                          <p:stCondLst>
+                                            <p:cond delay="0"/>
+                                          </p:stCondLst>
+                                        </p:cTn>
+                                        <p:tgtEl>
+                                          <p:spTgt spid="375"/>
+                                        </p:tgtEl>
+                                        <p:attrNameLst>
+                                          <p:attrName>style.visibility</p:attrName>
+                                        </p:attrNameLst>
+                                      </p:cBhvr>
+                                      <p:to>
+                                        <p:strVal val="visible"/>
+                                      </p:to>
+                                    </p:set>
+                                    <p:animEffect filter="fade" transition="in">
+                                      <p:cBhvr>
+                                        <p:cTn dur="1000"/>
+                                        <p:tgtEl>
+                                          <p:spTgt spid="375"/>
+                                        </p:tgtEl>
+                                      </p:cBhvr>
+                                    </p:animEffect>
+                                  </p:childTnLst>
+                                </p:cTn>
+                              </p:par>
+                            </p:childTnLst>
+                          </p:cTn>
+                        </p:par>
+                      </p:childTnLst>
+                    </p:cTn>
+                  </p:par>
                 </p:childTnLst>
               </p:cTn>
               <p:prevCondLst>
@@ -24025,7 +24152,7 @@
   <p:cSld>
     <p:spTree>
       <p:nvGrpSpPr>
-        <p:cNvPr id="377" name="Shape 377"/>
+        <p:cNvPr id="381" name="Shape 381"/>
         <p:cNvGrpSpPr/>
         <p:nvPr/>
       </p:nvGrpSpPr>
@@ -24039,7 +24166,7 @@
       </p:grpSpPr>
       <p:pic>
         <p:nvPicPr>
-          <p:cNvPr id="378" name="Google Shape;378;p58"/>
+          <p:cNvPr id="382" name="Google Shape;382;p58"/>
           <p:cNvPicPr preferRelativeResize="0"/>
           <p:nvPr/>
         </p:nvPicPr>
@@ -24067,7 +24194,7 @@
       </p:pic>
       <p:sp>
         <p:nvSpPr>
-          <p:cNvPr id="379" name="Google Shape;379;p58"/>
+          <p:cNvPr id="383" name="Google Shape;383;p58"/>
           <p:cNvSpPr txBox="1"/>
           <p:nvPr>
             <p:ph type="title"/>
@@ -24075,7 +24202,7 @@
         </p:nvSpPr>
         <p:spPr>
           <a:xfrm>
-            <a:off x="311700" y="109850"/>
+            <a:off x="311700" y="227050"/>
             <a:ext cx="8520600" cy="607800"/>
           </a:xfrm>
           <a:prstGeom prst="rect">
@@ -24088,7 +24215,7 @@
           </a:bodyPr>
           <a:lstStyle/>
           <a:p>
-            <a:pPr indent="0" lvl="0" marL="0" rtl="0" algn="l">
+            <a:pPr indent="0" lvl="0" marL="0" rtl="0" algn="ctr">
               <a:spcBef>
                 <a:spcPts val="0"/>
               </a:spcBef>
@@ -24115,14 +24242,14 @@
       </p:sp>
       <p:sp>
         <p:nvSpPr>
-          <p:cNvPr id="380" name="Google Shape;380;p58"/>
+          <p:cNvPr id="384" name="Google Shape;384;p58"/>
           <p:cNvSpPr txBox="1"/>
           <p:nvPr/>
         </p:nvSpPr>
         <p:spPr>
           <a:xfrm>
-            <a:off x="311700" y="717650"/>
-            <a:ext cx="8697300" cy="2130300"/>
+            <a:off x="223350" y="1190475"/>
+            <a:ext cx="8697300" cy="2386800"/>
           </a:xfrm>
           <a:prstGeom prst="rect">
             <a:avLst/>
@@ -24163,7 +24290,7 @@
                 <a:spcPct val="115000"/>
               </a:lnSpc>
               <a:spcBef>
-                <a:spcPts val="0"/>
+                <a:spcPts val="1000"/>
               </a:spcBef>
               <a:spcAft>
                 <a:spcPts val="0"/>
@@ -24187,10 +24314,10 @@
                 <a:spcPct val="115000"/>
               </a:lnSpc>
               <a:spcBef>
-                <a:spcPts val="0"/>
-              </a:spcBef>
-              <a:spcAft>
-                <a:spcPts val="0"/>
+                <a:spcPts val="1000"/>
+              </a:spcBef>
+              <a:spcAft>
+                <a:spcPts val="1000"/>
               </a:spcAft>
               <a:buSzPts val="1600"/>
               <a:buChar char="●"/>
@@ -24205,7 +24332,7 @@
       </p:sp>
       <p:sp>
         <p:nvSpPr>
-          <p:cNvPr id="381" name="Google Shape;381;p58"/>
+          <p:cNvPr id="385" name="Google Shape;385;p58"/>
           <p:cNvSpPr txBox="1"/>
           <p:nvPr>
             <p:ph idx="12" type="sldNum"/>
@@ -24251,6 +24378,34 @@
           </a:p>
         </p:txBody>
       </p:sp>
+      <p:pic>
+        <p:nvPicPr>
+          <p:cNvPr id="386" name="Google Shape;386;p58"/>
+          <p:cNvPicPr preferRelativeResize="0"/>
+          <p:nvPr/>
+        </p:nvPicPr>
+        <p:blipFill>
+          <a:blip r:embed="rId4">
+            <a:alphaModFix/>
+          </a:blip>
+          <a:stretch>
+            <a:fillRect/>
+          </a:stretch>
+        </p:blipFill>
+        <p:spPr>
+          <a:xfrm>
+            <a:off x="2295750" y="0"/>
+            <a:ext cx="1061900" cy="1061900"/>
+          </a:xfrm>
+          <a:prstGeom prst="rect">
+            <a:avLst/>
+          </a:prstGeom>
+          <a:noFill/>
+          <a:ln>
+            <a:noFill/>
+          </a:ln>
+        </p:spPr>
+      </p:pic>
     </p:spTree>
   </p:cSld>
   <p:clrMapOvr>
@@ -24675,7 +24830,7 @@
           </a:bodyPr>
           <a:lstStyle/>
           <a:p>
-            <a:pPr indent="0" lvl="0" marL="0" rtl="0" algn="l">
+            <a:pPr indent="0" lvl="0" marL="0" rtl="0" algn="ctr">
               <a:spcBef>
                 <a:spcPts val="0"/>
               </a:spcBef>
@@ -24708,8 +24863,8 @@
         </p:nvSpPr>
         <p:spPr>
           <a:xfrm>
-            <a:off x="3996800" y="717650"/>
-            <a:ext cx="5012400" cy="3263100"/>
+            <a:off x="4010300" y="1985813"/>
+            <a:ext cx="5012400" cy="2258400"/>
           </a:xfrm>
           <a:prstGeom prst="rect">
             <a:avLst/>
@@ -24740,34 +24895,6 @@
             </a:pPr>
             <a:r>
               <a:rPr lang="en" sz="1600"/>
-              <a:t>Hyperparameters are </a:t>
-            </a:r>
-            <a:r>
-              <a:rPr b="1" lang="en" sz="1600"/>
-              <a:t>meta parameters</a:t>
-            </a:r>
-            <a:r>
-              <a:rPr lang="en" sz="1600"/>
-              <a:t> that are associated with any ML algorithms and are usually set before the model training and building process.</a:t>
-            </a:r>
-            <a:endParaRPr sz="1600"/>
-          </a:p>
-          <a:p>
-            <a:pPr indent="-330200" lvl="0" marL="457200" rtl="0" algn="l">
-              <a:lnSpc>
-                <a:spcPct val="115000"/>
-              </a:lnSpc>
-              <a:spcBef>
-                <a:spcPts val="0"/>
-              </a:spcBef>
-              <a:spcAft>
-                <a:spcPts val="0"/>
-              </a:spcAft>
-              <a:buSzPts val="1600"/>
-              <a:buChar char="●"/>
-            </a:pPr>
-            <a:r>
-              <a:rPr lang="en" sz="1600"/>
               <a:t>Hyperparameters are different from model parameters since they do not have dependency on the data.</a:t>
             </a:r>
             <a:endParaRPr sz="1600"/>
@@ -24778,10 +24905,10 @@
                 <a:spcPct val="115000"/>
               </a:lnSpc>
               <a:spcBef>
-                <a:spcPts val="0"/>
-              </a:spcBef>
-              <a:spcAft>
-                <a:spcPts val="0"/>
+                <a:spcPts val="1000"/>
+              </a:spcBef>
+              <a:spcAft>
+                <a:spcPts val="1000"/>
               </a:spcAft>
               <a:buSzPts val="1600"/>
               <a:buChar char="●"/>
@@ -24907,8 +25034,8 @@
         </p:blipFill>
         <p:spPr>
           <a:xfrm>
-            <a:off x="311700" y="1124000"/>
-            <a:ext cx="3629426" cy="2042700"/>
+            <a:off x="219450" y="1782950"/>
+            <a:ext cx="3874749" cy="2180775"/>
           </a:xfrm>
           <a:prstGeom prst="rect">
             <a:avLst/>
@@ -24927,8 +25054,8 @@
         </p:nvSpPr>
         <p:spPr>
           <a:xfrm>
-            <a:off x="1711221" y="3211675"/>
-            <a:ext cx="1409400" cy="384900"/>
+            <a:off x="1188677" y="4088875"/>
+            <a:ext cx="1932000" cy="384900"/>
           </a:xfrm>
           <a:prstGeom prst="rect">
             <a:avLst/>
@@ -24960,7 +25087,7 @@
                 <a:cs typeface="Roboto"/>
                 <a:sym typeface="Roboto"/>
               </a:rPr>
-              <a:t>(</a:t>
+              <a:t>(source: </a:t>
             </a:r>
             <a:r>
               <a:rPr lang="en" sz="1300">
@@ -24989,6 +25116,89 @@
           </a:p>
         </p:txBody>
       </p:sp>
+      <p:sp>
+        <p:nvSpPr>
+          <p:cNvPr id="207" name="Google Shape;207;p40"/>
+          <p:cNvSpPr txBox="1"/>
+          <p:nvPr/>
+        </p:nvSpPr>
+        <p:spPr>
+          <a:xfrm>
+            <a:off x="1386575" y="805425"/>
+            <a:ext cx="7069500" cy="714300"/>
+          </a:xfrm>
+          <a:prstGeom prst="rect">
+            <a:avLst/>
+          </a:prstGeom>
+          <a:solidFill>
+            <a:srgbClr val="FFF2CC"/>
+          </a:solidFill>
+          <a:ln>
+            <a:noFill/>
+          </a:ln>
+        </p:spPr>
+        <p:txBody>
+          <a:bodyPr anchorCtr="0" anchor="t" bIns="91425" lIns="91425" spcFirstLastPara="1" rIns="91425" wrap="square" tIns="91425">
+            <a:spAutoFit/>
+          </a:bodyPr>
+          <a:lstStyle/>
+          <a:p>
+            <a:pPr indent="0" lvl="0" marL="0" rtl="0" algn="l">
+              <a:lnSpc>
+                <a:spcPct val="115000"/>
+              </a:lnSpc>
+              <a:spcBef>
+                <a:spcPts val="0"/>
+              </a:spcBef>
+              <a:spcAft>
+                <a:spcPts val="1000"/>
+              </a:spcAft>
+              <a:buNone/>
+            </a:pPr>
+            <a:r>
+              <a:rPr lang="en" sz="1600"/>
+              <a:t>Hyperparameters are </a:t>
+            </a:r>
+            <a:r>
+              <a:rPr b="1" lang="en" sz="1600"/>
+              <a:t>meta parameters</a:t>
+            </a:r>
+            <a:r>
+              <a:rPr lang="en" sz="1600"/>
+              <a:t> that are associated with any ML algorithm and are usually set before the model training and building process.</a:t>
+            </a:r>
+            <a:endParaRPr/>
+          </a:p>
+        </p:txBody>
+      </p:sp>
+      <p:pic>
+        <p:nvPicPr>
+          <p:cNvPr id="208" name="Google Shape;208;p40"/>
+          <p:cNvPicPr preferRelativeResize="0"/>
+          <p:nvPr/>
+        </p:nvPicPr>
+        <p:blipFill>
+          <a:blip r:embed="rId5">
+            <a:alphaModFix/>
+          </a:blip>
+          <a:stretch>
+            <a:fillRect/>
+          </a:stretch>
+        </p:blipFill>
+        <p:spPr>
+          <a:xfrm>
+            <a:off x="311700" y="782475"/>
+            <a:ext cx="1112259" cy="714300"/>
+          </a:xfrm>
+          <a:prstGeom prst="rect">
+            <a:avLst/>
+          </a:prstGeom>
+          <a:noFill/>
+          <a:ln>
+            <a:noFill/>
+          </a:ln>
+        </p:spPr>
+      </p:pic>
     </p:spTree>
   </p:cSld>
   <p:clrMapOvr>
@@ -25002,7 +25212,7 @@
   <p:cSld>
     <p:spTree>
       <p:nvGrpSpPr>
-        <p:cNvPr id="210" name="Shape 210"/>
+        <p:cNvPr id="212" name="Shape 212"/>
         <p:cNvGrpSpPr/>
         <p:nvPr/>
       </p:nvGrpSpPr>
@@ -25016,7 +25226,7 @@
       </p:grpSpPr>
       <p:pic>
         <p:nvPicPr>
-          <p:cNvPr id="211" name="Google Shape;211;p41"/>
+          <p:cNvPr id="213" name="Google Shape;213;p41"/>
           <p:cNvPicPr preferRelativeResize="0"/>
           <p:nvPr/>
         </p:nvPicPr>
@@ -25044,7 +25254,7 @@
       </p:pic>
       <p:sp>
         <p:nvSpPr>
-          <p:cNvPr id="212" name="Google Shape;212;p41"/>
+          <p:cNvPr id="214" name="Google Shape;214;p41"/>
           <p:cNvSpPr txBox="1"/>
           <p:nvPr>
             <p:ph type="title"/>
@@ -25065,7 +25275,7 @@
           </a:bodyPr>
           <a:lstStyle/>
           <a:p>
-            <a:pPr indent="0" lvl="0" marL="0" rtl="0" algn="l">
+            <a:pPr indent="0" lvl="0" marL="0" rtl="0" algn="ctr">
               <a:spcBef>
                 <a:spcPts val="0"/>
               </a:spcBef>
@@ -25092,7 +25302,7 @@
       </p:sp>
       <p:sp>
         <p:nvSpPr>
-          <p:cNvPr id="213" name="Google Shape;213;p41"/>
+          <p:cNvPr id="215" name="Google Shape;215;p41"/>
           <p:cNvSpPr txBox="1"/>
           <p:nvPr/>
         </p:nvSpPr>
@@ -25366,7 +25576,7 @@
       </p:sp>
       <p:sp>
         <p:nvSpPr>
-          <p:cNvPr id="214" name="Google Shape;214;p41"/>
+          <p:cNvPr id="216" name="Google Shape;216;p41"/>
           <p:cNvSpPr txBox="1"/>
           <p:nvPr>
             <p:ph idx="12" type="sldNum"/>
@@ -25425,7 +25635,7 @@
   <p:cSld>
     <p:spTree>
       <p:nvGrpSpPr>
-        <p:cNvPr id="218" name="Shape 218"/>
+        <p:cNvPr id="220" name="Shape 220"/>
         <p:cNvGrpSpPr/>
         <p:nvPr/>
       </p:nvGrpSpPr>
@@ -25439,7 +25649,7 @@
       </p:grpSpPr>
       <p:pic>
         <p:nvPicPr>
-          <p:cNvPr id="219" name="Google Shape;219;p42"/>
+          <p:cNvPr id="221" name="Google Shape;221;p42"/>
           <p:cNvPicPr preferRelativeResize="0"/>
           <p:nvPr/>
         </p:nvPicPr>
@@ -25467,7 +25677,7 @@
       </p:pic>
       <p:sp>
         <p:nvSpPr>
-          <p:cNvPr id="220" name="Google Shape;220;p42"/>
+          <p:cNvPr id="222" name="Google Shape;222;p42"/>
           <p:cNvSpPr txBox="1"/>
           <p:nvPr>
             <p:ph type="title"/>
@@ -25488,7 +25698,7 @@
           </a:bodyPr>
           <a:lstStyle/>
           <a:p>
-            <a:pPr indent="0" lvl="0" marL="0" rtl="0" algn="l">
+            <a:pPr indent="0" lvl="0" marL="0" rtl="0" algn="ctr">
               <a:spcBef>
                 <a:spcPts val="0"/>
               </a:spcBef>
@@ -25515,14 +25725,14 @@
       </p:sp>
       <p:sp>
         <p:nvSpPr>
-          <p:cNvPr id="221" name="Google Shape;221;p42"/>
+          <p:cNvPr id="223" name="Google Shape;223;p42"/>
           <p:cNvSpPr txBox="1"/>
           <p:nvPr/>
         </p:nvSpPr>
         <p:spPr>
           <a:xfrm>
-            <a:off x="415500" y="906275"/>
-            <a:ext cx="8313000" cy="2853600"/>
+            <a:off x="415500" y="952500"/>
+            <a:ext cx="8313000" cy="3238500"/>
           </a:xfrm>
           <a:prstGeom prst="rect">
             <a:avLst/>
@@ -25563,7 +25773,7 @@
                 <a:spcPct val="115000"/>
               </a:lnSpc>
               <a:spcBef>
-                <a:spcPts val="0"/>
+                <a:spcPts val="1000"/>
               </a:spcBef>
               <a:spcAft>
                 <a:spcPts val="0"/>
@@ -25583,7 +25793,7 @@
                 <a:spcPct val="115000"/>
               </a:lnSpc>
               <a:spcBef>
-                <a:spcPts val="0"/>
+                <a:spcPts val="1000"/>
               </a:spcBef>
               <a:spcAft>
                 <a:spcPts val="0"/>
@@ -25603,10 +25813,10 @@
                 <a:spcPct val="115000"/>
               </a:lnSpc>
               <a:spcBef>
-                <a:spcPts val="0"/>
-              </a:spcBef>
-              <a:spcAft>
-                <a:spcPts val="0"/>
+                <a:spcPts val="1000"/>
+              </a:spcBef>
+              <a:spcAft>
+                <a:spcPts val="1000"/>
               </a:spcAft>
               <a:buSzPts val="1700"/>
               <a:buChar char="●"/>
@@ -25621,7 +25831,7 @@
       </p:sp>
       <p:sp>
         <p:nvSpPr>
-          <p:cNvPr id="222" name="Google Shape;222;p42"/>
+          <p:cNvPr id="224" name="Google Shape;224;p42"/>
           <p:cNvSpPr txBox="1"/>
           <p:nvPr>
             <p:ph idx="12" type="sldNum"/>
@@ -25680,7 +25890,7 @@
   <p:cSld>
     <p:spTree>
       <p:nvGrpSpPr>
-        <p:cNvPr id="226" name="Shape 226"/>
+        <p:cNvPr id="228" name="Shape 228"/>
         <p:cNvGrpSpPr/>
         <p:nvPr/>
       </p:nvGrpSpPr>
@@ -25694,7 +25904,7 @@
       </p:grpSpPr>
       <p:pic>
         <p:nvPicPr>
-          <p:cNvPr id="227" name="Google Shape;227;p43"/>
+          <p:cNvPr id="229" name="Google Shape;229;p43"/>
           <p:cNvPicPr preferRelativeResize="0"/>
           <p:nvPr/>
         </p:nvPicPr>
@@ -25722,7 +25932,7 @@
       </p:pic>
       <p:sp>
         <p:nvSpPr>
-          <p:cNvPr id="228" name="Google Shape;228;p43"/>
+          <p:cNvPr id="230" name="Google Shape;230;p43"/>
           <p:cNvSpPr txBox="1"/>
           <p:nvPr>
             <p:ph type="title"/>
@@ -25743,7 +25953,7 @@
           </a:bodyPr>
           <a:lstStyle/>
           <a:p>
-            <a:pPr indent="0" lvl="0" marL="0" rtl="0" algn="l">
+            <a:pPr indent="0" lvl="0" marL="0" rtl="0" algn="ctr">
               <a:spcBef>
                 <a:spcPts val="0"/>
               </a:spcBef>
@@ -25778,14 +25988,14 @@
       </p:sp>
       <p:sp>
         <p:nvSpPr>
-          <p:cNvPr id="229" name="Google Shape;229;p43"/>
+          <p:cNvPr id="231" name="Google Shape;231;p43"/>
           <p:cNvSpPr txBox="1"/>
           <p:nvPr/>
         </p:nvSpPr>
         <p:spPr>
           <a:xfrm>
             <a:off x="415650" y="837000"/>
-            <a:ext cx="8312700" cy="1950900"/>
+            <a:ext cx="8312700" cy="2207400"/>
           </a:xfrm>
           <a:prstGeom prst="rect">
             <a:avLst/>
@@ -25816,7 +26026,7 @@
             </a:pPr>
             <a:r>
               <a:rPr lang="en" sz="1700"/>
-              <a:t>This error arises due to model sensitivity to fluctuations in the dataset such as new data points, features, randomness, noise etc.</a:t>
+              <a:t>This error arises due to model sensitivity to fluctuations in the dataset such as new data points, randomness, noise etc.</a:t>
             </a:r>
             <a:endParaRPr sz="1700"/>
           </a:p>
@@ -25826,7 +26036,7 @@
                 <a:spcPct val="115000"/>
               </a:lnSpc>
               <a:spcBef>
-                <a:spcPts val="0"/>
+                <a:spcPts val="1000"/>
               </a:spcBef>
               <a:spcAft>
                 <a:spcPts val="0"/>
@@ -25846,10 +26056,10 @@
                 <a:spcPct val="115000"/>
               </a:lnSpc>
               <a:spcBef>
-                <a:spcPts val="0"/>
-              </a:spcBef>
-              <a:spcAft>
-                <a:spcPts val="0"/>
+                <a:spcPts val="1000"/>
+              </a:spcBef>
+              <a:spcAft>
+                <a:spcPts val="1000"/>
               </a:spcAft>
               <a:buSzPts val="1700"/>
               <a:buChar char="●"/>
@@ -25864,7 +26074,7 @@
       </p:sp>
       <p:sp>
         <p:nvSpPr>
-          <p:cNvPr id="230" name="Google Shape;230;p43"/>
+          <p:cNvPr id="232" name="Google Shape;232;p43"/>
           <p:cNvSpPr txBox="1"/>
           <p:nvPr>
             <p:ph idx="12" type="sldNum"/>
@@ -25923,7 +26133,7 @@
   <p:cSld>
     <p:spTree>
       <p:nvGrpSpPr>
-        <p:cNvPr id="234" name="Shape 234"/>
+        <p:cNvPr id="236" name="Shape 236"/>
         <p:cNvGrpSpPr/>
         <p:nvPr/>
       </p:nvGrpSpPr>
@@ -25937,7 +26147,7 @@
       </p:grpSpPr>
       <p:pic>
         <p:nvPicPr>
-          <p:cNvPr id="235" name="Google Shape;235;p44"/>
+          <p:cNvPr id="237" name="Google Shape;237;p44"/>
           <p:cNvPicPr preferRelativeResize="0"/>
           <p:nvPr/>
         </p:nvPicPr>
@@ -25965,7 +26175,7 @@
       </p:pic>
       <p:sp>
         <p:nvSpPr>
-          <p:cNvPr id="236" name="Google Shape;236;p44"/>
+          <p:cNvPr id="238" name="Google Shape;238;p44"/>
           <p:cNvSpPr txBox="1"/>
           <p:nvPr>
             <p:ph type="title"/>
@@ -25986,7 +26196,7 @@
           </a:bodyPr>
           <a:lstStyle/>
           <a:p>
-            <a:pPr indent="0" lvl="0" marL="0" rtl="0" algn="l">
+            <a:pPr indent="0" lvl="0" marL="0" rtl="0" algn="ctr">
               <a:spcBef>
                 <a:spcPts val="0"/>
               </a:spcBef>
@@ -26021,7 +26231,7 @@
       </p:sp>
       <p:sp>
         <p:nvSpPr>
-          <p:cNvPr id="237" name="Google Shape;237;p44"/>
+          <p:cNvPr id="239" name="Google Shape;239;p44"/>
           <p:cNvSpPr txBox="1"/>
           <p:nvPr>
             <p:ph idx="12" type="sldNum"/>
@@ -26069,7 +26279,7 @@
       </p:sp>
       <p:pic>
         <p:nvPicPr>
-          <p:cNvPr id="238" name="Google Shape;238;p44"/>
+          <p:cNvPr id="240" name="Google Shape;240;p44"/>
           <p:cNvPicPr preferRelativeResize="0"/>
           <p:nvPr/>
         </p:nvPicPr>
@@ -26097,14 +26307,14 @@
       </p:pic>
       <p:sp>
         <p:nvSpPr>
-          <p:cNvPr id="239" name="Google Shape;239;p44"/>
+          <p:cNvPr id="241" name="Google Shape;241;p44"/>
           <p:cNvSpPr txBox="1"/>
           <p:nvPr/>
         </p:nvSpPr>
         <p:spPr>
           <a:xfrm>
             <a:off x="3678825" y="4341000"/>
-            <a:ext cx="1630500" cy="369300"/>
+            <a:ext cx="2453400" cy="369300"/>
           </a:xfrm>
           <a:prstGeom prst="rect">
             <a:avLst/>
@@ -26136,7 +26346,7 @@
                 <a:cs typeface="Roboto"/>
                 <a:sym typeface="Roboto"/>
               </a:rPr>
-              <a:t>(Sarkar et al. 2018)</a:t>
+              <a:t>(source: Sarkar et al. 2018)</a:t>
             </a:r>
             <a:endParaRPr sz="1200">
               <a:latin typeface="Roboto"/>
@@ -26149,7 +26359,7 @@
       </p:sp>
       <p:sp>
         <p:nvSpPr>
-          <p:cNvPr id="240" name="Google Shape;240;p44"/>
+          <p:cNvPr id="242" name="Google Shape;242;p44"/>
           <p:cNvSpPr txBox="1"/>
           <p:nvPr/>
         </p:nvSpPr>
@@ -26207,7 +26417,7 @@
       </p:sp>
       <p:sp>
         <p:nvSpPr>
-          <p:cNvPr id="241" name="Google Shape;241;p44"/>
+          <p:cNvPr id="243" name="Google Shape;243;p44"/>
           <p:cNvSpPr txBox="1"/>
           <p:nvPr/>
         </p:nvSpPr>
@@ -26265,7 +26475,7 @@
       </p:sp>
       <p:sp>
         <p:nvSpPr>
-          <p:cNvPr id="242" name="Google Shape;242;p44"/>
+          <p:cNvPr id="244" name="Google Shape;244;p44"/>
           <p:cNvSpPr txBox="1"/>
           <p:nvPr/>
         </p:nvSpPr>
@@ -26323,7 +26533,7 @@
       </p:sp>
       <p:sp>
         <p:nvSpPr>
-          <p:cNvPr id="243" name="Google Shape;243;p44"/>
+          <p:cNvPr id="245" name="Google Shape;245;p44"/>
           <p:cNvSpPr txBox="1"/>
           <p:nvPr/>
         </p:nvSpPr>
@@ -26392,7 +26602,7 @@
   <p:cSld>
     <p:spTree>
       <p:nvGrpSpPr>
-        <p:cNvPr id="247" name="Shape 247"/>
+        <p:cNvPr id="249" name="Shape 249"/>
         <p:cNvGrpSpPr/>
         <p:nvPr/>
       </p:nvGrpSpPr>
@@ -26406,7 +26616,7 @@
       </p:grpSpPr>
       <p:pic>
         <p:nvPicPr>
-          <p:cNvPr id="248" name="Google Shape;248;p45"/>
+          <p:cNvPr id="250" name="Google Shape;250;p45"/>
           <p:cNvPicPr preferRelativeResize="0"/>
           <p:nvPr/>
         </p:nvPicPr>
@@ -26434,7 +26644,7 @@
       </p:pic>
       <p:sp>
         <p:nvSpPr>
-          <p:cNvPr id="249" name="Google Shape;249;p45"/>
+          <p:cNvPr id="251" name="Google Shape;251;p45"/>
           <p:cNvSpPr txBox="1"/>
           <p:nvPr>
             <p:ph type="title"/>
@@ -26455,7 +26665,7 @@
           </a:bodyPr>
           <a:lstStyle/>
           <a:p>
-            <a:pPr indent="0" lvl="0" marL="0" rtl="0" algn="l">
+            <a:pPr indent="0" lvl="0" marL="0" rtl="0" algn="ctr">
               <a:spcBef>
                 <a:spcPts val="0"/>
               </a:spcBef>
@@ -26482,7 +26692,7 @@
       </p:sp>
       <p:sp>
         <p:nvSpPr>
-          <p:cNvPr id="250" name="Google Shape;250;p45"/>
+          <p:cNvPr id="252" name="Google Shape;252;p45"/>
           <p:cNvSpPr txBox="1"/>
           <p:nvPr/>
         </p:nvSpPr>
@@ -26588,7 +26798,7 @@
       </p:sp>
       <p:sp>
         <p:nvSpPr>
-          <p:cNvPr id="251" name="Google Shape;251;p45"/>
+          <p:cNvPr id="253" name="Google Shape;253;p45"/>
           <p:cNvSpPr txBox="1"/>
           <p:nvPr>
             <p:ph idx="12" type="sldNum"/>
@@ -26636,14 +26846,14 @@
       </p:sp>
       <p:sp>
         <p:nvSpPr>
-          <p:cNvPr id="252" name="Google Shape;252;p45"/>
+          <p:cNvPr id="254" name="Google Shape;254;p45"/>
           <p:cNvSpPr txBox="1"/>
           <p:nvPr/>
         </p:nvSpPr>
         <p:spPr>
           <a:xfrm>
-            <a:off x="1948650" y="3423250"/>
-            <a:ext cx="690000" cy="400200"/>
+            <a:off x="1244225" y="3423250"/>
+            <a:ext cx="1394400" cy="400200"/>
           </a:xfrm>
           <a:prstGeom prst="rect">
             <a:avLst/>
@@ -26675,7 +26885,7 @@
                 <a:cs typeface="Roboto"/>
                 <a:sym typeface="Roboto"/>
               </a:rPr>
-              <a:t>(IBM)</a:t>
+              <a:t>(source: IBM)</a:t>
             </a:r>
             <a:endParaRPr>
               <a:latin typeface="Roboto"/>
@@ -26688,7 +26898,7 @@
       </p:sp>
       <p:pic>
         <p:nvPicPr>
-          <p:cNvPr id="253" name="Google Shape;253;p45"/>
+          <p:cNvPr id="255" name="Google Shape;255;p45"/>
           <p:cNvPicPr preferRelativeResize="0"/>
           <p:nvPr/>
         </p:nvPicPr>
@@ -27002,9 +27212,9 @@
 </file>
 
 <file path=ppt/theme/theme2.xml><?xml version="1.0" encoding="utf-8"?>
-<a:theme xmlns:a="http://schemas.openxmlformats.org/drawingml/2006/main" xmlns:r="http://schemas.openxmlformats.org/officeDocument/2006/relationships">
+<a:theme xmlns:a="http://schemas.openxmlformats.org/drawingml/2006/main" xmlns:r="http://schemas.openxmlformats.org/officeDocument/2006/relationships" name="Simple Light">
   <a:themeElements>
-    <a:clrScheme name="Default">
+    <a:clrScheme name="Simple Light">
       <a:dk1>
         <a:srgbClr val="000000"/>
       </a:dk1>
@@ -27012,34 +27222,34 @@
         <a:srgbClr val="FFFFFF"/>
       </a:lt1>
       <a:dk2>
-        <a:srgbClr val="158158"/>
+        <a:srgbClr val="595959"/>
       </a:dk2>
       <a:lt2>
-        <a:srgbClr val="F3F3F3"/>
+        <a:srgbClr val="EEEEEE"/>
       </a:lt2>
       <a:accent1>
-        <a:srgbClr val="058DC7"/>
+        <a:srgbClr val="4285F4"/>
       </a:accent1>
       <a:accent2>
-        <a:srgbClr val="50B432"/>
+        <a:srgbClr val="212121"/>
       </a:accent2>
       <a:accent3>
-        <a:srgbClr val="ED561B"/>
+        <a:srgbClr val="78909C"/>
       </a:accent3>
       <a:accent4>
-        <a:srgbClr val="EDEF00"/>
+        <a:srgbClr val="FFAB40"/>
       </a:accent4>
       <a:accent5>
-        <a:srgbClr val="24CBE5"/>
+        <a:srgbClr val="0097A7"/>
       </a:accent5>
       <a:accent6>
-        <a:srgbClr val="64E572"/>
+        <a:srgbClr val="EEFF41"/>
       </a:accent6>
       <a:hlink>
-        <a:srgbClr val="2200CC"/>
+        <a:srgbClr val="0097A7"/>
       </a:hlink>
       <a:folHlink>
-        <a:srgbClr val="551A8B"/>
+        <a:srgbClr val="0097A7"/>
       </a:folHlink>
     </a:clrScheme>
     <a:fontScheme name="Office">
@@ -27281,9 +27491,9 @@
 </file>
 
 <file path=ppt/theme/theme3.xml><?xml version="1.0" encoding="utf-8"?>
-<a:theme xmlns:a="http://schemas.openxmlformats.org/drawingml/2006/main" xmlns:r="http://schemas.openxmlformats.org/officeDocument/2006/relationships" name="Simple Light">
+<a:theme xmlns:a="http://schemas.openxmlformats.org/drawingml/2006/main" xmlns:r="http://schemas.openxmlformats.org/officeDocument/2006/relationships">
   <a:themeElements>
-    <a:clrScheme name="Simple Light">
+    <a:clrScheme name="Default">
       <a:dk1>
         <a:srgbClr val="000000"/>
       </a:dk1>
@@ -27291,34 +27501,34 @@
         <a:srgbClr val="FFFFFF"/>
       </a:lt1>
       <a:dk2>
-        <a:srgbClr val="595959"/>
+        <a:srgbClr val="158158"/>
       </a:dk2>
       <a:lt2>
-        <a:srgbClr val="EEEEEE"/>
+        <a:srgbClr val="F3F3F3"/>
       </a:lt2>
       <a:accent1>
-        <a:srgbClr val="4285F4"/>
+        <a:srgbClr val="058DC7"/>
       </a:accent1>
       <a:accent2>
-        <a:srgbClr val="212121"/>
+        <a:srgbClr val="50B432"/>
       </a:accent2>
       <a:accent3>
-        <a:srgbClr val="78909C"/>
+        <a:srgbClr val="ED561B"/>
       </a:accent3>
       <a:accent4>
-        <a:srgbClr val="FFAB40"/>
+        <a:srgbClr val="EDEF00"/>
       </a:accent4>
       <a:accent5>
-        <a:srgbClr val="0097A7"/>
+        <a:srgbClr val="24CBE5"/>
       </a:accent5>
       <a:accent6>
-        <a:srgbClr val="EEFF41"/>
+        <a:srgbClr val="64E572"/>
       </a:accent6>
       <a:hlink>
-        <a:srgbClr val="0097A7"/>
+        <a:srgbClr val="2200CC"/>
       </a:hlink>
       <a:folHlink>
-        <a:srgbClr val="0097A7"/>
+        <a:srgbClr val="551A8B"/>
       </a:folHlink>
     </a:clrScheme>
     <a:fontScheme name="Office">

--- a/Day_4/Lectures/Day_4_Lecture_2_Model_Tuning_Interpretation_Deployment.pptx
+++ b/Day_4/Lectures/Day_4_Lecture_2_Model_Tuning_Interpretation_Deployment.pptx
@@ -22618,7 +22618,7 @@
         <p:spPr>
           <a:xfrm>
             <a:off x="357850" y="1540550"/>
-            <a:ext cx="8313000" cy="1906500"/>
+            <a:ext cx="8313000" cy="2335800"/>
           </a:xfrm>
           <a:prstGeom prst="rect">
             <a:avLst/>
@@ -22682,7 +22682,7 @@
                 <a:spcPts val="1000"/>
               </a:spcBef>
               <a:spcAft>
-                <a:spcPts val="1000"/>
+                <a:spcPts val="0"/>
               </a:spcAft>
               <a:buSzPts val="1700"/>
               <a:buChar char="●"/>
@@ -22690,6 +22690,30 @@
             <a:r>
               <a:rPr lang="en" sz="1700"/>
               <a:t>Once we have the data and model, we then can make a prediction.</a:t>
+            </a:r>
+            <a:endParaRPr sz="1700"/>
+          </a:p>
+          <a:p>
+            <a:pPr indent="-336550" lvl="0" marL="457200" rtl="0" algn="l">
+              <a:lnSpc>
+                <a:spcPct val="115000"/>
+              </a:lnSpc>
+              <a:spcBef>
+                <a:spcPts val="1000"/>
+              </a:spcBef>
+              <a:spcAft>
+                <a:spcPts val="0"/>
+              </a:spcAft>
+              <a:buSzPts val="1700"/>
+              <a:buChar char="●"/>
+            </a:pPr>
+            <a:r>
+              <a:rPr b="1" lang="en" sz="1600"/>
+              <a:t>FAIR</a:t>
+            </a:r>
+            <a:r>
+              <a:rPr lang="en" sz="1600"/>
+              <a:t> (Findable, Accessible, Interoperable, and Reusable) data practices.</a:t>
             </a:r>
             <a:endParaRPr sz="1700"/>
           </a:p>
@@ -27212,6 +27236,285 @@
 </file>
 
 <file path=ppt/theme/theme2.xml><?xml version="1.0" encoding="utf-8"?>
+<a:theme xmlns:a="http://schemas.openxmlformats.org/drawingml/2006/main" xmlns:r="http://schemas.openxmlformats.org/officeDocument/2006/relationships" name="Geometric">
+  <a:themeElements>
+    <a:clrScheme name="Geometric">
+      <a:dk1>
+        <a:srgbClr val="2A3990"/>
+      </a:dk1>
+      <a:lt1>
+        <a:srgbClr val="FFFFFF"/>
+      </a:lt1>
+      <a:dk2>
+        <a:srgbClr val="434343"/>
+      </a:dk2>
+      <a:lt2>
+        <a:srgbClr val="999999"/>
+      </a:lt2>
+      <a:accent1>
+        <a:srgbClr val="212D74"/>
+      </a:accent1>
+      <a:accent2>
+        <a:srgbClr val="3949AB"/>
+      </a:accent2>
+      <a:accent3>
+        <a:srgbClr val="9C254D"/>
+      </a:accent3>
+      <a:accent4>
+        <a:srgbClr val="D23369"/>
+      </a:accent4>
+      <a:accent5>
+        <a:srgbClr val="F06292"/>
+      </a:accent5>
+      <a:accent6>
+        <a:srgbClr val="7890CD"/>
+      </a:accent6>
+      <a:hlink>
+        <a:srgbClr val="F06292"/>
+      </a:hlink>
+      <a:folHlink>
+        <a:srgbClr val="F06292"/>
+      </a:folHlink>
+    </a:clrScheme>
+    <a:fontScheme name="Office">
+      <a:majorFont>
+        <a:latin typeface="Arial"/>
+        <a:ea typeface=""/>
+        <a:cs typeface=""/>
+        <a:font script="Jpan" typeface="ＭＳ Ｐゴシック"/>
+        <a:font script="Hang" typeface="맑은 고딕"/>
+        <a:font script="Hans" typeface="宋体"/>
+        <a:font script="Hant" typeface="新細明體"/>
+        <a:font script="Arab" typeface="Times New Roman"/>
+        <a:font script="Hebr" typeface="Times New Roman"/>
+        <a:font script="Thai" typeface="Angsana New"/>
+        <a:font script="Ethi" typeface="Nyala"/>
+        <a:font script="Beng" typeface="Vrinda"/>
+        <a:font script="Gujr" typeface="Shruti"/>
+        <a:font script="Khmr" typeface="MoolBoran"/>
+        <a:font script="Knda" typeface="Tunga"/>
+        <a:font script="Guru" typeface="Raavi"/>
+        <a:font script="Cans" typeface="Euphemia"/>
+        <a:font script="Cher" typeface="Plantagenet Cherokee"/>
+        <a:font script="Yiii" typeface="Microsoft Yi Baiti"/>
+        <a:font script="Tibt" typeface="Microsoft Himalaya"/>
+        <a:font script="Thaa" typeface="MV Boli"/>
+        <a:font script="Deva" typeface="Mangal"/>
+        <a:font script="Telu" typeface="Gautami"/>
+        <a:font script="Taml" typeface="Latha"/>
+        <a:font script="Syrc" typeface="Estrangelo Edessa"/>
+        <a:font script="Orya" typeface="Kalinga"/>
+        <a:font script="Mlym" typeface="Kartika"/>
+        <a:font script="Laoo" typeface="DokChampa"/>
+        <a:font script="Sinh" typeface="Iskoola Pota"/>
+        <a:font script="Mong" typeface="Mongolian Baiti"/>
+        <a:font script="Viet" typeface="Times New Roman"/>
+        <a:font script="Uigh" typeface="Microsoft Uighur"/>
+        <a:font script="Geor" typeface="Sylfaen"/>
+      </a:majorFont>
+      <a:minorFont>
+        <a:latin typeface="Arial"/>
+        <a:ea typeface=""/>
+        <a:cs typeface=""/>
+        <a:font script="Jpan" typeface="ＭＳ Ｐゴシック"/>
+        <a:font script="Hang" typeface="맑은 고딕"/>
+        <a:font script="Hans" typeface="宋体"/>
+        <a:font script="Hant" typeface="新細明體"/>
+        <a:font script="Arab" typeface="Arial"/>
+        <a:font script="Hebr" typeface="Arial"/>
+        <a:font script="Thai" typeface="Cordia New"/>
+        <a:font script="Ethi" typeface="Nyala"/>
+        <a:font script="Beng" typeface="Vrinda"/>
+        <a:font script="Gujr" typeface="Shruti"/>
+        <a:font script="Khmr" typeface="DaunPenh"/>
+        <a:font script="Knda" typeface="Tunga"/>
+        <a:font script="Guru" typeface="Raavi"/>
+        <a:font script="Cans" typeface="Euphemia"/>
+        <a:font script="Cher" typeface="Plantagenet Cherokee"/>
+        <a:font script="Yiii" typeface="Microsoft Yi Baiti"/>
+        <a:font script="Tibt" typeface="Microsoft Himalaya"/>
+        <a:font script="Thaa" typeface="MV Boli"/>
+        <a:font script="Deva" typeface="Mangal"/>
+        <a:font script="Telu" typeface="Gautami"/>
+        <a:font script="Taml" typeface="Latha"/>
+        <a:font script="Syrc" typeface="Estrangelo Edessa"/>
+        <a:font script="Orya" typeface="Kalinga"/>
+        <a:font script="Mlym" typeface="Kartika"/>
+        <a:font script="Laoo" typeface="DokChampa"/>
+        <a:font script="Sinh" typeface="Iskoola Pota"/>
+        <a:font script="Mong" typeface="Mongolian Baiti"/>
+        <a:font script="Viet" typeface="Arial"/>
+        <a:font script="Uigh" typeface="Microsoft Uighur"/>
+        <a:font script="Geor" typeface="Sylfaen"/>
+      </a:minorFont>
+    </a:fontScheme>
+    <a:fmtScheme name="Office">
+      <a:fillStyleLst>
+        <a:solidFill>
+          <a:schemeClr val="phClr"/>
+        </a:solidFill>
+        <a:gradFill rotWithShape="1">
+          <a:gsLst>
+            <a:gs pos="0">
+              <a:schemeClr val="phClr">
+                <a:tint val="50000"/>
+                <a:satMod val="300000"/>
+              </a:schemeClr>
+            </a:gs>
+            <a:gs pos="35000">
+              <a:schemeClr val="phClr">
+                <a:tint val="37000"/>
+                <a:satMod val="300000"/>
+              </a:schemeClr>
+            </a:gs>
+            <a:gs pos="100000">
+              <a:schemeClr val="phClr">
+                <a:tint val="15000"/>
+                <a:satMod val="350000"/>
+              </a:schemeClr>
+            </a:gs>
+          </a:gsLst>
+          <a:lin ang="16200000" scaled="1"/>
+        </a:gradFill>
+        <a:gradFill rotWithShape="1">
+          <a:gsLst>
+            <a:gs pos="0">
+              <a:schemeClr val="phClr">
+                <a:tint val="100000"/>
+                <a:shade val="100000"/>
+                <a:satMod val="130000"/>
+              </a:schemeClr>
+            </a:gs>
+            <a:gs pos="100000">
+              <a:schemeClr val="phClr">
+                <a:tint val="50000"/>
+                <a:shade val="100000"/>
+                <a:satMod val="350000"/>
+              </a:schemeClr>
+            </a:gs>
+          </a:gsLst>
+          <a:lin ang="16200000" scaled="0"/>
+        </a:gradFill>
+      </a:fillStyleLst>
+      <a:lnStyleLst>
+        <a:ln w="9525" cap="flat" cmpd="sng" algn="ctr">
+          <a:solidFill>
+            <a:schemeClr val="phClr">
+              <a:shade val="95000"/>
+              <a:satMod val="105000"/>
+            </a:schemeClr>
+          </a:solidFill>
+          <a:prstDash val="solid"/>
+        </a:ln>
+        <a:ln w="25400" cap="flat" cmpd="sng" algn="ctr">
+          <a:solidFill>
+            <a:schemeClr val="phClr"/>
+          </a:solidFill>
+          <a:prstDash val="solid"/>
+        </a:ln>
+        <a:ln w="38100" cap="flat" cmpd="sng" algn="ctr">
+          <a:solidFill>
+            <a:schemeClr val="phClr"/>
+          </a:solidFill>
+          <a:prstDash val="solid"/>
+        </a:ln>
+      </a:lnStyleLst>
+      <a:effectStyleLst>
+        <a:effectStyle>
+          <a:effectLst>
+            <a:outerShdw blurRad="40000" dist="20000" dir="5400000" rotWithShape="0">
+              <a:srgbClr val="000000">
+                <a:alpha val="38000"/>
+              </a:srgbClr>
+            </a:outerShdw>
+          </a:effectLst>
+        </a:effectStyle>
+        <a:effectStyle>
+          <a:effectLst>
+            <a:outerShdw blurRad="40000" dist="23000" dir="5400000" rotWithShape="0">
+              <a:srgbClr val="000000">
+                <a:alpha val="35000"/>
+              </a:srgbClr>
+            </a:outerShdw>
+          </a:effectLst>
+        </a:effectStyle>
+        <a:effectStyle>
+          <a:effectLst>
+            <a:outerShdw blurRad="40000" dist="23000" dir="5400000" rotWithShape="0">
+              <a:srgbClr val="000000">
+                <a:alpha val="35000"/>
+              </a:srgbClr>
+            </a:outerShdw>
+          </a:effectLst>
+          <a:scene3d>
+            <a:camera prst="orthographicFront">
+              <a:rot lat="0" lon="0" rev="0"/>
+            </a:camera>
+            <a:lightRig rig="threePt" dir="t">
+              <a:rot lat="0" lon="0" rev="1200000"/>
+            </a:lightRig>
+          </a:scene3d>
+          <a:sp3d>
+            <a:bevelT w="63500" h="25400"/>
+          </a:sp3d>
+        </a:effectStyle>
+      </a:effectStyleLst>
+      <a:bgFillStyleLst>
+        <a:solidFill>
+          <a:schemeClr val="phClr"/>
+        </a:solidFill>
+        <a:gradFill rotWithShape="1">
+          <a:gsLst>
+            <a:gs pos="0">
+              <a:schemeClr val="phClr">
+                <a:tint val="40000"/>
+                <a:satMod val="350000"/>
+              </a:schemeClr>
+            </a:gs>
+            <a:gs pos="40000">
+              <a:schemeClr val="phClr">
+                <a:tint val="45000"/>
+                <a:shade val="99000"/>
+                <a:satMod val="350000"/>
+              </a:schemeClr>
+            </a:gs>
+            <a:gs pos="100000">
+              <a:schemeClr val="phClr">
+                <a:shade val="20000"/>
+                <a:satMod val="255000"/>
+              </a:schemeClr>
+            </a:gs>
+          </a:gsLst>
+          <a:path path="circle">
+            <a:fillToRect l="50000" t="-80000" r="50000" b="180000"/>
+          </a:path>
+        </a:gradFill>
+        <a:gradFill rotWithShape="1">
+          <a:gsLst>
+            <a:gs pos="0">
+              <a:schemeClr val="phClr">
+                <a:tint val="80000"/>
+                <a:satMod val="300000"/>
+              </a:schemeClr>
+            </a:gs>
+            <a:gs pos="100000">
+              <a:schemeClr val="phClr">
+                <a:shade val="30000"/>
+                <a:satMod val="200000"/>
+              </a:schemeClr>
+            </a:gs>
+          </a:gsLst>
+          <a:path path="circle">
+            <a:fillToRect l="50000" t="50000" r="50000" b="50000"/>
+          </a:path>
+        </a:gradFill>
+      </a:bgFillStyleLst>
+    </a:fmtScheme>
+  </a:themeElements>
+</a:theme>
+</file>
+
+<file path=ppt/theme/theme3.xml><?xml version="1.0" encoding="utf-8"?>
 <a:theme xmlns:a="http://schemas.openxmlformats.org/drawingml/2006/main" xmlns:r="http://schemas.openxmlformats.org/officeDocument/2006/relationships" name="Simple Light">
   <a:themeElements>
     <a:clrScheme name="Simple Light">
@@ -27490,7 +27793,7 @@
 </a:theme>
 </file>
 
-<file path=ppt/theme/theme3.xml><?xml version="1.0" encoding="utf-8"?>
+<file path=ppt/theme/theme4.xml><?xml version="1.0" encoding="utf-8"?>
 <a:theme xmlns:a="http://schemas.openxmlformats.org/drawingml/2006/main" xmlns:r="http://schemas.openxmlformats.org/officeDocument/2006/relationships">
   <a:themeElements>
     <a:clrScheme name="Default">
@@ -27767,283 +28070,4 @@
     </a:fmtScheme>
   </a:themeElements>
 </a:theme>
-</file>
-
-<file path=ppt/theme/theme4.xml><?xml version="1.0" encoding="utf-8"?>
-<a:theme xmlns:a="http://schemas.openxmlformats.org/drawingml/2006/main" xmlns:r="http://schemas.openxmlformats.org/officeDocument/2006/relationships" name="Geometric">
-  <a:themeElements>
-    <a:clrScheme name="Geometric">
-      <a:dk1>
-        <a:srgbClr val="2A3990"/>
-      </a:dk1>
-      <a:lt1>
-        <a:srgbClr val="FFFFFF"/>
-      </a:lt1>
-      <a:dk2>
-        <a:srgbClr val="434343"/>
-      </a:dk2>
-      <a:lt2>
-        <a:srgbClr val="999999"/>
-      </a:lt2>
-      <a:accent1>
-        <a:srgbClr val="212D74"/>
-      </a:accent1>
-      <a:accent2>
-        <a:srgbClr val="3949AB"/>
-      </a:accent2>
-      <a:accent3>
-        <a:srgbClr val="9C254D"/>
-      </a:accent3>
-      <a:accent4>
-        <a:srgbClr val="D23369"/>
-      </a:accent4>
-      <a:accent5>
-        <a:srgbClr val="F06292"/>
-      </a:accent5>
-      <a:accent6>
-        <a:srgbClr val="7890CD"/>
-      </a:accent6>
-      <a:hlink>
-        <a:srgbClr val="F06292"/>
-      </a:hlink>
-      <a:folHlink>
-        <a:srgbClr val="F06292"/>
-      </a:folHlink>
-    </a:clrScheme>
-    <a:fontScheme name="Office">
-      <a:majorFont>
-        <a:latin typeface="Arial"/>
-        <a:ea typeface=""/>
-        <a:cs typeface=""/>
-        <a:font script="Jpan" typeface="ＭＳ Ｐゴシック"/>
-        <a:font script="Hang" typeface="맑은 고딕"/>
-        <a:font script="Hans" typeface="宋体"/>
-        <a:font script="Hant" typeface="新細明體"/>
-        <a:font script="Arab" typeface="Times New Roman"/>
-        <a:font script="Hebr" typeface="Times New Roman"/>
-        <a:font script="Thai" typeface="Angsana New"/>
-        <a:font script="Ethi" typeface="Nyala"/>
-        <a:font script="Beng" typeface="Vrinda"/>
-        <a:font script="Gujr" typeface="Shruti"/>
-        <a:font script="Khmr" typeface="MoolBoran"/>
-        <a:font script="Knda" typeface="Tunga"/>
-        <a:font script="Guru" typeface="Raavi"/>
-        <a:font script="Cans" typeface="Euphemia"/>
-        <a:font script="Cher" typeface="Plantagenet Cherokee"/>
-        <a:font script="Yiii" typeface="Microsoft Yi Baiti"/>
-        <a:font script="Tibt" typeface="Microsoft Himalaya"/>
-        <a:font script="Thaa" typeface="MV Boli"/>
-        <a:font script="Deva" typeface="Mangal"/>
-        <a:font script="Telu" typeface="Gautami"/>
-        <a:font script="Taml" typeface="Latha"/>
-        <a:font script="Syrc" typeface="Estrangelo Edessa"/>
-        <a:font script="Orya" typeface="Kalinga"/>
-        <a:font script="Mlym" typeface="Kartika"/>
-        <a:font script="Laoo" typeface="DokChampa"/>
-        <a:font script="Sinh" typeface="Iskoola Pota"/>
-        <a:font script="Mong" typeface="Mongolian Baiti"/>
-        <a:font script="Viet" typeface="Times New Roman"/>
-        <a:font script="Uigh" typeface="Microsoft Uighur"/>
-        <a:font script="Geor" typeface="Sylfaen"/>
-      </a:majorFont>
-      <a:minorFont>
-        <a:latin typeface="Arial"/>
-        <a:ea typeface=""/>
-        <a:cs typeface=""/>
-        <a:font script="Jpan" typeface="ＭＳ Ｐゴシック"/>
-        <a:font script="Hang" typeface="맑은 고딕"/>
-        <a:font script="Hans" typeface="宋体"/>
-        <a:font script="Hant" typeface="新細明體"/>
-        <a:font script="Arab" typeface="Arial"/>
-        <a:font script="Hebr" typeface="Arial"/>
-        <a:font script="Thai" typeface="Cordia New"/>
-        <a:font script="Ethi" typeface="Nyala"/>
-        <a:font script="Beng" typeface="Vrinda"/>
-        <a:font script="Gujr" typeface="Shruti"/>
-        <a:font script="Khmr" typeface="DaunPenh"/>
-        <a:font script="Knda" typeface="Tunga"/>
-        <a:font script="Guru" typeface="Raavi"/>
-        <a:font script="Cans" typeface="Euphemia"/>
-        <a:font script="Cher" typeface="Plantagenet Cherokee"/>
-        <a:font script="Yiii" typeface="Microsoft Yi Baiti"/>
-        <a:font script="Tibt" typeface="Microsoft Himalaya"/>
-        <a:font script="Thaa" typeface="MV Boli"/>
-        <a:font script="Deva" typeface="Mangal"/>
-        <a:font script="Telu" typeface="Gautami"/>
-        <a:font script="Taml" typeface="Latha"/>
-        <a:font script="Syrc" typeface="Estrangelo Edessa"/>
-        <a:font script="Orya" typeface="Kalinga"/>
-        <a:font script="Mlym" typeface="Kartika"/>
-        <a:font script="Laoo" typeface="DokChampa"/>
-        <a:font script="Sinh" typeface="Iskoola Pota"/>
-        <a:font script="Mong" typeface="Mongolian Baiti"/>
-        <a:font script="Viet" typeface="Arial"/>
-        <a:font script="Uigh" typeface="Microsoft Uighur"/>
-        <a:font script="Geor" typeface="Sylfaen"/>
-      </a:minorFont>
-    </a:fontScheme>
-    <a:fmtScheme name="Office">
-      <a:fillStyleLst>
-        <a:solidFill>
-          <a:schemeClr val="phClr"/>
-        </a:solidFill>
-        <a:gradFill rotWithShape="1">
-          <a:gsLst>
-            <a:gs pos="0">
-              <a:schemeClr val="phClr">
-                <a:tint val="50000"/>
-                <a:satMod val="300000"/>
-              </a:schemeClr>
-            </a:gs>
-            <a:gs pos="35000">
-              <a:schemeClr val="phClr">
-                <a:tint val="37000"/>
-                <a:satMod val="300000"/>
-              </a:schemeClr>
-            </a:gs>
-            <a:gs pos="100000">
-              <a:schemeClr val="phClr">
-                <a:tint val="15000"/>
-                <a:satMod val="350000"/>
-              </a:schemeClr>
-            </a:gs>
-          </a:gsLst>
-          <a:lin ang="16200000" scaled="1"/>
-        </a:gradFill>
-        <a:gradFill rotWithShape="1">
-          <a:gsLst>
-            <a:gs pos="0">
-              <a:schemeClr val="phClr">
-                <a:tint val="100000"/>
-                <a:shade val="100000"/>
-                <a:satMod val="130000"/>
-              </a:schemeClr>
-            </a:gs>
-            <a:gs pos="100000">
-              <a:schemeClr val="phClr">
-                <a:tint val="50000"/>
-                <a:shade val="100000"/>
-                <a:satMod val="350000"/>
-              </a:schemeClr>
-            </a:gs>
-          </a:gsLst>
-          <a:lin ang="16200000" scaled="0"/>
-        </a:gradFill>
-      </a:fillStyleLst>
-      <a:lnStyleLst>
-        <a:ln w="9525" cap="flat" cmpd="sng" algn="ctr">
-          <a:solidFill>
-            <a:schemeClr val="phClr">
-              <a:shade val="95000"/>
-              <a:satMod val="105000"/>
-            </a:schemeClr>
-          </a:solidFill>
-          <a:prstDash val="solid"/>
-        </a:ln>
-        <a:ln w="25400" cap="flat" cmpd="sng" algn="ctr">
-          <a:solidFill>
-            <a:schemeClr val="phClr"/>
-          </a:solidFill>
-          <a:prstDash val="solid"/>
-        </a:ln>
-        <a:ln w="38100" cap="flat" cmpd="sng" algn="ctr">
-          <a:solidFill>
-            <a:schemeClr val="phClr"/>
-          </a:solidFill>
-          <a:prstDash val="solid"/>
-        </a:ln>
-      </a:lnStyleLst>
-      <a:effectStyleLst>
-        <a:effectStyle>
-          <a:effectLst>
-            <a:outerShdw blurRad="40000" dist="20000" dir="5400000" rotWithShape="0">
-              <a:srgbClr val="000000">
-                <a:alpha val="38000"/>
-              </a:srgbClr>
-            </a:outerShdw>
-          </a:effectLst>
-        </a:effectStyle>
-        <a:effectStyle>
-          <a:effectLst>
-            <a:outerShdw blurRad="40000" dist="23000" dir="5400000" rotWithShape="0">
-              <a:srgbClr val="000000">
-                <a:alpha val="35000"/>
-              </a:srgbClr>
-            </a:outerShdw>
-          </a:effectLst>
-        </a:effectStyle>
-        <a:effectStyle>
-          <a:effectLst>
-            <a:outerShdw blurRad="40000" dist="23000" dir="5400000" rotWithShape="0">
-              <a:srgbClr val="000000">
-                <a:alpha val="35000"/>
-              </a:srgbClr>
-            </a:outerShdw>
-          </a:effectLst>
-          <a:scene3d>
-            <a:camera prst="orthographicFront">
-              <a:rot lat="0" lon="0" rev="0"/>
-            </a:camera>
-            <a:lightRig rig="threePt" dir="t">
-              <a:rot lat="0" lon="0" rev="1200000"/>
-            </a:lightRig>
-          </a:scene3d>
-          <a:sp3d>
-            <a:bevelT w="63500" h="25400"/>
-          </a:sp3d>
-        </a:effectStyle>
-      </a:effectStyleLst>
-      <a:bgFillStyleLst>
-        <a:solidFill>
-          <a:schemeClr val="phClr"/>
-        </a:solidFill>
-        <a:gradFill rotWithShape="1">
-          <a:gsLst>
-            <a:gs pos="0">
-              <a:schemeClr val="phClr">
-                <a:tint val="40000"/>
-                <a:satMod val="350000"/>
-              </a:schemeClr>
-            </a:gs>
-            <a:gs pos="40000">
-              <a:schemeClr val="phClr">
-                <a:tint val="45000"/>
-                <a:shade val="99000"/>
-                <a:satMod val="350000"/>
-              </a:schemeClr>
-            </a:gs>
-            <a:gs pos="100000">
-              <a:schemeClr val="phClr">
-                <a:shade val="20000"/>
-                <a:satMod val="255000"/>
-              </a:schemeClr>
-            </a:gs>
-          </a:gsLst>
-          <a:path path="circle">
-            <a:fillToRect l="50000" t="-80000" r="50000" b="180000"/>
-          </a:path>
-        </a:gradFill>
-        <a:gradFill rotWithShape="1">
-          <a:gsLst>
-            <a:gs pos="0">
-              <a:schemeClr val="phClr">
-                <a:tint val="80000"/>
-                <a:satMod val="300000"/>
-              </a:schemeClr>
-            </a:gs>
-            <a:gs pos="100000">
-              <a:schemeClr val="phClr">
-                <a:shade val="30000"/>
-                <a:satMod val="200000"/>
-              </a:schemeClr>
-            </a:gs>
-          </a:gsLst>
-          <a:path path="circle">
-            <a:fillToRect l="50000" t="50000" r="50000" b="50000"/>
-          </a:path>
-        </a:gradFill>
-      </a:bgFillStyleLst>
-    </a:fmtScheme>
-  </a:themeElements>
-</a:theme>
 </file>
--- a/Day_4/Lectures/Day_4_Lecture_2_Model_Tuning_Interpretation_Deployment.pptx
+++ b/Day_4/Lectures/Day_4_Lecture_2_Model_Tuning_Interpretation_Deployment.pptx
@@ -27236,44 +27236,44 @@
 </file>
 
 <file path=ppt/theme/theme2.xml><?xml version="1.0" encoding="utf-8"?>
-<a:theme xmlns:a="http://schemas.openxmlformats.org/drawingml/2006/main" xmlns:r="http://schemas.openxmlformats.org/officeDocument/2006/relationships" name="Geometric">
+<a:theme xmlns:a="http://schemas.openxmlformats.org/drawingml/2006/main" xmlns:r="http://schemas.openxmlformats.org/officeDocument/2006/relationships" name="Simple Light">
   <a:themeElements>
-    <a:clrScheme name="Geometric">
+    <a:clrScheme name="Simple Light">
       <a:dk1>
-        <a:srgbClr val="2A3990"/>
+        <a:srgbClr val="000000"/>
       </a:dk1>
       <a:lt1>
         <a:srgbClr val="FFFFFF"/>
       </a:lt1>
       <a:dk2>
-        <a:srgbClr val="434343"/>
+        <a:srgbClr val="595959"/>
       </a:dk2>
       <a:lt2>
-        <a:srgbClr val="999999"/>
+        <a:srgbClr val="EEEEEE"/>
       </a:lt2>
       <a:accent1>
-        <a:srgbClr val="212D74"/>
+        <a:srgbClr val="4285F4"/>
       </a:accent1>
       <a:accent2>
-        <a:srgbClr val="3949AB"/>
+        <a:srgbClr val="212121"/>
       </a:accent2>
       <a:accent3>
-        <a:srgbClr val="9C254D"/>
+        <a:srgbClr val="78909C"/>
       </a:accent3>
       <a:accent4>
-        <a:srgbClr val="D23369"/>
+        <a:srgbClr val="FFAB40"/>
       </a:accent4>
       <a:accent5>
-        <a:srgbClr val="F06292"/>
+        <a:srgbClr val="0097A7"/>
       </a:accent5>
       <a:accent6>
-        <a:srgbClr val="7890CD"/>
+        <a:srgbClr val="EEFF41"/>
       </a:accent6>
       <a:hlink>
-        <a:srgbClr val="F06292"/>
+        <a:srgbClr val="0097A7"/>
       </a:hlink>
       <a:folHlink>
-        <a:srgbClr val="F06292"/>
+        <a:srgbClr val="0097A7"/>
       </a:folHlink>
     </a:clrScheme>
     <a:fontScheme name="Office">
@@ -27515,44 +27515,44 @@
 </file>
 
 <file path=ppt/theme/theme3.xml><?xml version="1.0" encoding="utf-8"?>
-<a:theme xmlns:a="http://schemas.openxmlformats.org/drawingml/2006/main" xmlns:r="http://schemas.openxmlformats.org/officeDocument/2006/relationships" name="Simple Light">
+<a:theme xmlns:a="http://schemas.openxmlformats.org/drawingml/2006/main" xmlns:r="http://schemas.openxmlformats.org/officeDocument/2006/relationships" name="Geometric">
   <a:themeElements>
-    <a:clrScheme name="Simple Light">
+    <a:clrScheme name="Geometric">
       <a:dk1>
-        <a:srgbClr val="000000"/>
+        <a:srgbClr val="2A3990"/>
       </a:dk1>
       <a:lt1>
         <a:srgbClr val="FFFFFF"/>
       </a:lt1>
       <a:dk2>
-        <a:srgbClr val="595959"/>
+        <a:srgbClr val="434343"/>
       </a:dk2>
       <a:lt2>
-        <a:srgbClr val="EEEEEE"/>
+        <a:srgbClr val="999999"/>
       </a:lt2>
       <a:accent1>
-        <a:srgbClr val="4285F4"/>
+        <a:srgbClr val="212D74"/>
       </a:accent1>
       <a:accent2>
-        <a:srgbClr val="212121"/>
+        <a:srgbClr val="3949AB"/>
       </a:accent2>
       <a:accent3>
-        <a:srgbClr val="78909C"/>
+        <a:srgbClr val="9C254D"/>
       </a:accent3>
       <a:accent4>
-        <a:srgbClr val="FFAB40"/>
+        <a:srgbClr val="D23369"/>
       </a:accent4>
       <a:accent5>
-        <a:srgbClr val="0097A7"/>
+        <a:srgbClr val="F06292"/>
       </a:accent5>
       <a:accent6>
-        <a:srgbClr val="EEFF41"/>
+        <a:srgbClr val="7890CD"/>
       </a:accent6>
       <a:hlink>
-        <a:srgbClr val="0097A7"/>
+        <a:srgbClr val="F06292"/>
       </a:hlink>
       <a:folHlink>
-        <a:srgbClr val="0097A7"/>
+        <a:srgbClr val="F06292"/>
       </a:folHlink>
     </a:clrScheme>
     <a:fontScheme name="Office">

--- a/Day_4/Lectures/Day_4_Lecture_2_Model_Tuning_Interpretation_Deployment.pptx
+++ b/Day_4/Lectures/Day_4_Lecture_2_Model_Tuning_Interpretation_Deployment.pptx
@@ -26957,44 +26957,44 @@
 </file>
 
 <file path=ppt/theme/theme1.xml><?xml version="1.0" encoding="utf-8"?>
-<a:theme xmlns:a="http://schemas.openxmlformats.org/drawingml/2006/main" xmlns:r="http://schemas.openxmlformats.org/officeDocument/2006/relationships" name="Geometric">
+<a:theme xmlns:a="http://schemas.openxmlformats.org/drawingml/2006/main" xmlns:r="http://schemas.openxmlformats.org/officeDocument/2006/relationships" name="Simple Light">
   <a:themeElements>
-    <a:clrScheme name="Geometric">
+    <a:clrScheme name="Simple Light">
       <a:dk1>
-        <a:srgbClr val="2A3990"/>
+        <a:srgbClr val="000000"/>
       </a:dk1>
       <a:lt1>
         <a:srgbClr val="FFFFFF"/>
       </a:lt1>
       <a:dk2>
-        <a:srgbClr val="434343"/>
+        <a:srgbClr val="595959"/>
       </a:dk2>
       <a:lt2>
-        <a:srgbClr val="999999"/>
+        <a:srgbClr val="EEEEEE"/>
       </a:lt2>
       <a:accent1>
-        <a:srgbClr val="212D74"/>
+        <a:srgbClr val="4285F4"/>
       </a:accent1>
       <a:accent2>
-        <a:srgbClr val="3949AB"/>
+        <a:srgbClr val="212121"/>
       </a:accent2>
       <a:accent3>
-        <a:srgbClr val="9C254D"/>
+        <a:srgbClr val="78909C"/>
       </a:accent3>
       <a:accent4>
-        <a:srgbClr val="D23369"/>
+        <a:srgbClr val="FFAB40"/>
       </a:accent4>
       <a:accent5>
-        <a:srgbClr val="F06292"/>
+        <a:srgbClr val="0097A7"/>
       </a:accent5>
       <a:accent6>
-        <a:srgbClr val="7890CD"/>
+        <a:srgbClr val="EEFF41"/>
       </a:accent6>
       <a:hlink>
-        <a:srgbClr val="F06292"/>
+        <a:srgbClr val="0097A7"/>
       </a:hlink>
       <a:folHlink>
-        <a:srgbClr val="F06292"/>
+        <a:srgbClr val="0097A7"/>
       </a:folHlink>
     </a:clrScheme>
     <a:fontScheme name="Office">
@@ -27515,44 +27515,44 @@
 </file>
 
 <file path=ppt/theme/theme3.xml><?xml version="1.0" encoding="utf-8"?>
-<a:theme xmlns:a="http://schemas.openxmlformats.org/drawingml/2006/main" xmlns:r="http://schemas.openxmlformats.org/officeDocument/2006/relationships" name="Simple Light">
+<a:theme xmlns:a="http://schemas.openxmlformats.org/drawingml/2006/main" xmlns:r="http://schemas.openxmlformats.org/officeDocument/2006/relationships" name="Geometric">
   <a:themeElements>
-    <a:clrScheme name="Simple Light">
+    <a:clrScheme name="Geometric">
       <a:dk1>
-        <a:srgbClr val="000000"/>
+        <a:srgbClr val="2A3990"/>
       </a:dk1>
       <a:lt1>
         <a:srgbClr val="FFFFFF"/>
       </a:lt1>
       <a:dk2>
-        <a:srgbClr val="595959"/>
+        <a:srgbClr val="434343"/>
       </a:dk2>
       <a:lt2>
-        <a:srgbClr val="EEEEEE"/>
+        <a:srgbClr val="999999"/>
       </a:lt2>
       <a:accent1>
-        <a:srgbClr val="4285F4"/>
+        <a:srgbClr val="212D74"/>
       </a:accent1>
       <a:accent2>
-        <a:srgbClr val="212121"/>
+        <a:srgbClr val="3949AB"/>
       </a:accent2>
       <a:accent3>
-        <a:srgbClr val="78909C"/>
+        <a:srgbClr val="9C254D"/>
       </a:accent3>
       <a:accent4>
-        <a:srgbClr val="FFAB40"/>
+        <a:srgbClr val="D23369"/>
       </a:accent4>
       <a:accent5>
-        <a:srgbClr val="0097A7"/>
+        <a:srgbClr val="F06292"/>
       </a:accent5>
       <a:accent6>
-        <a:srgbClr val="EEFF41"/>
+        <a:srgbClr val="7890CD"/>
       </a:accent6>
       <a:hlink>
-        <a:srgbClr val="0097A7"/>
+        <a:srgbClr val="F06292"/>
       </a:hlink>
       <a:folHlink>
-        <a:srgbClr val="0097A7"/>
+        <a:srgbClr val="F06292"/>
       </a:folHlink>
     </a:clrScheme>
     <a:fontScheme name="Office">

--- a/Day_4/Lectures/Day_4_Lecture_2_Model_Tuning_Interpretation_Deployment.pptx
+++ b/Day_4/Lectures/Day_4_Lecture_2_Model_Tuning_Interpretation_Deployment.pptx
@@ -27236,285 +27236,6 @@
 </file>
 
 <file path=ppt/theme/theme2.xml><?xml version="1.0" encoding="utf-8"?>
-<a:theme xmlns:a="http://schemas.openxmlformats.org/drawingml/2006/main" xmlns:r="http://schemas.openxmlformats.org/officeDocument/2006/relationships">
-  <a:themeElements>
-    <a:clrScheme name="Default">
-      <a:dk1>
-        <a:srgbClr val="000000"/>
-      </a:dk1>
-      <a:lt1>
-        <a:srgbClr val="FFFFFF"/>
-      </a:lt1>
-      <a:dk2>
-        <a:srgbClr val="158158"/>
-      </a:dk2>
-      <a:lt2>
-        <a:srgbClr val="F3F3F3"/>
-      </a:lt2>
-      <a:accent1>
-        <a:srgbClr val="058DC7"/>
-      </a:accent1>
-      <a:accent2>
-        <a:srgbClr val="50B432"/>
-      </a:accent2>
-      <a:accent3>
-        <a:srgbClr val="ED561B"/>
-      </a:accent3>
-      <a:accent4>
-        <a:srgbClr val="EDEF00"/>
-      </a:accent4>
-      <a:accent5>
-        <a:srgbClr val="24CBE5"/>
-      </a:accent5>
-      <a:accent6>
-        <a:srgbClr val="64E572"/>
-      </a:accent6>
-      <a:hlink>
-        <a:srgbClr val="2200CC"/>
-      </a:hlink>
-      <a:folHlink>
-        <a:srgbClr val="551A8B"/>
-      </a:folHlink>
-    </a:clrScheme>
-    <a:fontScheme name="Office">
-      <a:majorFont>
-        <a:latin typeface="Arial"/>
-        <a:ea typeface=""/>
-        <a:cs typeface=""/>
-        <a:font script="Jpan" typeface="ＭＳ Ｐゴシック"/>
-        <a:font script="Hang" typeface="맑은 고딕"/>
-        <a:font script="Hans" typeface="宋体"/>
-        <a:font script="Hant" typeface="新細明體"/>
-        <a:font script="Arab" typeface="Times New Roman"/>
-        <a:font script="Hebr" typeface="Times New Roman"/>
-        <a:font script="Thai" typeface="Angsana New"/>
-        <a:font script="Ethi" typeface="Nyala"/>
-        <a:font script="Beng" typeface="Vrinda"/>
-        <a:font script="Gujr" typeface="Shruti"/>
-        <a:font script="Khmr" typeface="MoolBoran"/>
-        <a:font script="Knda" typeface="Tunga"/>
-        <a:font script="Guru" typeface="Raavi"/>
-        <a:font script="Cans" typeface="Euphemia"/>
-        <a:font script="Cher" typeface="Plantagenet Cherokee"/>
-        <a:font script="Yiii" typeface="Microsoft Yi Baiti"/>
-        <a:font script="Tibt" typeface="Microsoft Himalaya"/>
-        <a:font script="Thaa" typeface="MV Boli"/>
-        <a:font script="Deva" typeface="Mangal"/>
-        <a:font script="Telu" typeface="Gautami"/>
-        <a:font script="Taml" typeface="Latha"/>
-        <a:font script="Syrc" typeface="Estrangelo Edessa"/>
-        <a:font script="Orya" typeface="Kalinga"/>
-        <a:font script="Mlym" typeface="Kartika"/>
-        <a:font script="Laoo" typeface="DokChampa"/>
-        <a:font script="Sinh" typeface="Iskoola Pota"/>
-        <a:font script="Mong" typeface="Mongolian Baiti"/>
-        <a:font script="Viet" typeface="Times New Roman"/>
-        <a:font script="Uigh" typeface="Microsoft Uighur"/>
-        <a:font script="Geor" typeface="Sylfaen"/>
-      </a:majorFont>
-      <a:minorFont>
-        <a:latin typeface="Arial"/>
-        <a:ea typeface=""/>
-        <a:cs typeface=""/>
-        <a:font script="Jpan" typeface="ＭＳ Ｐゴシック"/>
-        <a:font script="Hang" typeface="맑은 고딕"/>
-        <a:font script="Hans" typeface="宋体"/>
-        <a:font script="Hant" typeface="新細明體"/>
-        <a:font script="Arab" typeface="Arial"/>
-        <a:font script="Hebr" typeface="Arial"/>
-        <a:font script="Thai" typeface="Cordia New"/>
-        <a:font script="Ethi" typeface="Nyala"/>
-        <a:font script="Beng" typeface="Vrinda"/>
-        <a:font script="Gujr" typeface="Shruti"/>
-        <a:font script="Khmr" typeface="DaunPenh"/>
-        <a:font script="Knda" typeface="Tunga"/>
-        <a:font script="Guru" typeface="Raavi"/>
-        <a:font script="Cans" typeface="Euphemia"/>
-        <a:font script="Cher" typeface="Plantagenet Cherokee"/>
-        <a:font script="Yiii" typeface="Microsoft Yi Baiti"/>
-        <a:font script="Tibt" typeface="Microsoft Himalaya"/>
-        <a:font script="Thaa" typeface="MV Boli"/>
-        <a:font script="Deva" typeface="Mangal"/>
-        <a:font script="Telu" typeface="Gautami"/>
-        <a:font script="Taml" typeface="Latha"/>
-        <a:font script="Syrc" typeface="Estrangelo Edessa"/>
-        <a:font script="Orya" typeface="Kalinga"/>
-        <a:font script="Mlym" typeface="Kartika"/>
-        <a:font script="Laoo" typeface="DokChampa"/>
-        <a:font script="Sinh" typeface="Iskoola Pota"/>
-        <a:font script="Mong" typeface="Mongolian Baiti"/>
-        <a:font script="Viet" typeface="Arial"/>
-        <a:font script="Uigh" typeface="Microsoft Uighur"/>
-        <a:font script="Geor" typeface="Sylfaen"/>
-      </a:minorFont>
-    </a:fontScheme>
-    <a:fmtScheme name="Office">
-      <a:fillStyleLst>
-        <a:solidFill>
-          <a:schemeClr val="phClr"/>
-        </a:solidFill>
-        <a:gradFill rotWithShape="1">
-          <a:gsLst>
-            <a:gs pos="0">
-              <a:schemeClr val="phClr">
-                <a:tint val="50000"/>
-                <a:satMod val="300000"/>
-              </a:schemeClr>
-            </a:gs>
-            <a:gs pos="35000">
-              <a:schemeClr val="phClr">
-                <a:tint val="37000"/>
-                <a:satMod val="300000"/>
-              </a:schemeClr>
-            </a:gs>
-            <a:gs pos="100000">
-              <a:schemeClr val="phClr">
-                <a:tint val="15000"/>
-                <a:satMod val="350000"/>
-              </a:schemeClr>
-            </a:gs>
-          </a:gsLst>
-          <a:lin ang="16200000" scaled="1"/>
-        </a:gradFill>
-        <a:gradFill rotWithShape="1">
-          <a:gsLst>
-            <a:gs pos="0">
-              <a:schemeClr val="phClr">
-                <a:tint val="100000"/>
-                <a:shade val="100000"/>
-                <a:satMod val="130000"/>
-              </a:schemeClr>
-            </a:gs>
-            <a:gs pos="100000">
-              <a:schemeClr val="phClr">
-                <a:tint val="50000"/>
-                <a:shade val="100000"/>
-                <a:satMod val="350000"/>
-              </a:schemeClr>
-            </a:gs>
-          </a:gsLst>
-          <a:lin ang="16200000" scaled="0"/>
-        </a:gradFill>
-      </a:fillStyleLst>
-      <a:lnStyleLst>
-        <a:ln w="9525" cap="flat" cmpd="sng" algn="ctr">
-          <a:solidFill>
-            <a:schemeClr val="phClr">
-              <a:shade val="95000"/>
-              <a:satMod val="105000"/>
-            </a:schemeClr>
-          </a:solidFill>
-          <a:prstDash val="solid"/>
-        </a:ln>
-        <a:ln w="25400" cap="flat" cmpd="sng" algn="ctr">
-          <a:solidFill>
-            <a:schemeClr val="phClr"/>
-          </a:solidFill>
-          <a:prstDash val="solid"/>
-        </a:ln>
-        <a:ln w="38100" cap="flat" cmpd="sng" algn="ctr">
-          <a:solidFill>
-            <a:schemeClr val="phClr"/>
-          </a:solidFill>
-          <a:prstDash val="solid"/>
-        </a:ln>
-      </a:lnStyleLst>
-      <a:effectStyleLst>
-        <a:effectStyle>
-          <a:effectLst>
-            <a:outerShdw blurRad="40000" dist="20000" dir="5400000" rotWithShape="0">
-              <a:srgbClr val="000000">
-                <a:alpha val="38000"/>
-              </a:srgbClr>
-            </a:outerShdw>
-          </a:effectLst>
-        </a:effectStyle>
-        <a:effectStyle>
-          <a:effectLst>
-            <a:outerShdw blurRad="40000" dist="23000" dir="5400000" rotWithShape="0">
-              <a:srgbClr val="000000">
-                <a:alpha val="35000"/>
-              </a:srgbClr>
-            </a:outerShdw>
-          </a:effectLst>
-        </a:effectStyle>
-        <a:effectStyle>
-          <a:effectLst>
-            <a:outerShdw blurRad="40000" dist="23000" dir="5400000" rotWithShape="0">
-              <a:srgbClr val="000000">
-                <a:alpha val="35000"/>
-              </a:srgbClr>
-            </a:outerShdw>
-          </a:effectLst>
-          <a:scene3d>
-            <a:camera prst="orthographicFront">
-              <a:rot lat="0" lon="0" rev="0"/>
-            </a:camera>
-            <a:lightRig rig="threePt" dir="t">
-              <a:rot lat="0" lon="0" rev="1200000"/>
-            </a:lightRig>
-          </a:scene3d>
-          <a:sp3d>
-            <a:bevelT w="63500" h="25400"/>
-          </a:sp3d>
-        </a:effectStyle>
-      </a:effectStyleLst>
-      <a:bgFillStyleLst>
-        <a:solidFill>
-          <a:schemeClr val="phClr"/>
-        </a:solidFill>
-        <a:gradFill rotWithShape="1">
-          <a:gsLst>
-            <a:gs pos="0">
-              <a:schemeClr val="phClr">
-                <a:tint val="40000"/>
-                <a:satMod val="350000"/>
-              </a:schemeClr>
-            </a:gs>
-            <a:gs pos="40000">
-              <a:schemeClr val="phClr">
-                <a:tint val="45000"/>
-                <a:shade val="99000"/>
-                <a:satMod val="350000"/>
-              </a:schemeClr>
-            </a:gs>
-            <a:gs pos="100000">
-              <a:schemeClr val="phClr">
-                <a:shade val="20000"/>
-                <a:satMod val="255000"/>
-              </a:schemeClr>
-            </a:gs>
-          </a:gsLst>
-          <a:path path="circle">
-            <a:fillToRect l="50000" t="-80000" r="50000" b="180000"/>
-          </a:path>
-        </a:gradFill>
-        <a:gradFill rotWithShape="1">
-          <a:gsLst>
-            <a:gs pos="0">
-              <a:schemeClr val="phClr">
-                <a:tint val="80000"/>
-                <a:satMod val="300000"/>
-              </a:schemeClr>
-            </a:gs>
-            <a:gs pos="100000">
-              <a:schemeClr val="phClr">
-                <a:shade val="30000"/>
-                <a:satMod val="200000"/>
-              </a:schemeClr>
-            </a:gs>
-          </a:gsLst>
-          <a:path path="circle">
-            <a:fillToRect l="50000" t="50000" r="50000" b="50000"/>
-          </a:path>
-        </a:gradFill>
-      </a:bgFillStyleLst>
-    </a:fmtScheme>
-  </a:themeElements>
-</a:theme>
-</file>
-
-<file path=ppt/theme/theme3.xml><?xml version="1.0" encoding="utf-8"?>
 <a:theme xmlns:a="http://schemas.openxmlformats.org/drawingml/2006/main" xmlns:r="http://schemas.openxmlformats.org/officeDocument/2006/relationships" name="Geometric">
   <a:themeElements>
     <a:clrScheme name="Geometric">
@@ -27793,7 +27514,7 @@
 </a:theme>
 </file>
 
-<file path=ppt/theme/theme4.xml><?xml version="1.0" encoding="utf-8"?>
+<file path=ppt/theme/theme3.xml><?xml version="1.0" encoding="utf-8"?>
 <a:theme xmlns:a="http://schemas.openxmlformats.org/drawingml/2006/main" xmlns:r="http://schemas.openxmlformats.org/officeDocument/2006/relationships" name="Simple Light">
   <a:themeElements>
     <a:clrScheme name="Simple Light">
@@ -28070,4 +27791,283 @@
     </a:fmtScheme>
   </a:themeElements>
 </a:theme>
+</file>
+
+<file path=ppt/theme/theme4.xml><?xml version="1.0" encoding="utf-8"?>
+<a:theme xmlns:a="http://schemas.openxmlformats.org/drawingml/2006/main" xmlns:r="http://schemas.openxmlformats.org/officeDocument/2006/relationships">
+  <a:themeElements>
+    <a:clrScheme name="Default">
+      <a:dk1>
+        <a:srgbClr val="000000"/>
+      </a:dk1>
+      <a:lt1>
+        <a:srgbClr val="FFFFFF"/>
+      </a:lt1>
+      <a:dk2>
+        <a:srgbClr val="158158"/>
+      </a:dk2>
+      <a:lt2>
+        <a:srgbClr val="F3F3F3"/>
+      </a:lt2>
+      <a:accent1>
+        <a:srgbClr val="058DC7"/>
+      </a:accent1>
+      <a:accent2>
+        <a:srgbClr val="50B432"/>
+      </a:accent2>
+      <a:accent3>
+        <a:srgbClr val="ED561B"/>
+      </a:accent3>
+      <a:accent4>
+        <a:srgbClr val="EDEF00"/>
+      </a:accent4>
+      <a:accent5>
+        <a:srgbClr val="24CBE5"/>
+      </a:accent5>
+      <a:accent6>
+        <a:srgbClr val="64E572"/>
+      </a:accent6>
+      <a:hlink>
+        <a:srgbClr val="2200CC"/>
+      </a:hlink>
+      <a:folHlink>
+        <a:srgbClr val="551A8B"/>
+      </a:folHlink>
+    </a:clrScheme>
+    <a:fontScheme name="Office">
+      <a:majorFont>
+        <a:latin typeface="Arial"/>
+        <a:ea typeface=""/>
+        <a:cs typeface=""/>
+        <a:font script="Jpan" typeface="ＭＳ Ｐゴシック"/>
+        <a:font script="Hang" typeface="맑은 고딕"/>
+        <a:font script="Hans" typeface="宋体"/>
+        <a:font script="Hant" typeface="新細明體"/>
+        <a:font script="Arab" typeface="Times New Roman"/>
+        <a:font script="Hebr" typeface="Times New Roman"/>
+        <a:font script="Thai" typeface="Angsana New"/>
+        <a:font script="Ethi" typeface="Nyala"/>
+        <a:font script="Beng" typeface="Vrinda"/>
+        <a:font script="Gujr" typeface="Shruti"/>
+        <a:font script="Khmr" typeface="MoolBoran"/>
+        <a:font script="Knda" typeface="Tunga"/>
+        <a:font script="Guru" typeface="Raavi"/>
+        <a:font script="Cans" typeface="Euphemia"/>
+        <a:font script="Cher" typeface="Plantagenet Cherokee"/>
+        <a:font script="Yiii" typeface="Microsoft Yi Baiti"/>
+        <a:font script="Tibt" typeface="Microsoft Himalaya"/>
+        <a:font script="Thaa" typeface="MV Boli"/>
+        <a:font script="Deva" typeface="Mangal"/>
+        <a:font script="Telu" typeface="Gautami"/>
+        <a:font script="Taml" typeface="Latha"/>
+        <a:font script="Syrc" typeface="Estrangelo Edessa"/>
+        <a:font script="Orya" typeface="Kalinga"/>
+        <a:font script="Mlym" typeface="Kartika"/>
+        <a:font script="Laoo" typeface="DokChampa"/>
+        <a:font script="Sinh" typeface="Iskoola Pota"/>
+        <a:font script="Mong" typeface="Mongolian Baiti"/>
+        <a:font script="Viet" typeface="Times New Roman"/>
+        <a:font script="Uigh" typeface="Microsoft Uighur"/>
+        <a:font script="Geor" typeface="Sylfaen"/>
+      </a:majorFont>
+      <a:minorFont>
+        <a:latin typeface="Arial"/>
+        <a:ea typeface=""/>
+        <a:cs typeface=""/>
+        <a:font script="Jpan" typeface="ＭＳ Ｐゴシック"/>
+        <a:font script="Hang" typeface="맑은 고딕"/>
+        <a:font script="Hans" typeface="宋体"/>
+        <a:font script="Hant" typeface="新細明體"/>
+        <a:font script="Arab" typeface="Arial"/>
+        <a:font script="Hebr" typeface="Arial"/>
+        <a:font script="Thai" typeface="Cordia New"/>
+        <a:font script="Ethi" typeface="Nyala"/>
+        <a:font script="Beng" typeface="Vrinda"/>
+        <a:font script="Gujr" typeface="Shruti"/>
+        <a:font script="Khmr" typeface="DaunPenh"/>
+        <a:font script="Knda" typeface="Tunga"/>
+        <a:font script="Guru" typeface="Raavi"/>
+        <a:font script="Cans" typeface="Euphemia"/>
+        <a:font script="Cher" typeface="Plantagenet Cherokee"/>
+        <a:font script="Yiii" typeface="Microsoft Yi Baiti"/>
+        <a:font script="Tibt" typeface="Microsoft Himalaya"/>
+        <a:font script="Thaa" typeface="MV Boli"/>
+        <a:font script="Deva" typeface="Mangal"/>
+        <a:font script="Telu" typeface="Gautami"/>
+        <a:font script="Taml" typeface="Latha"/>
+        <a:font script="Syrc" typeface="Estrangelo Edessa"/>
+        <a:font script="Orya" typeface="Kalinga"/>
+        <a:font script="Mlym" typeface="Kartika"/>
+        <a:font script="Laoo" typeface="DokChampa"/>
+        <a:font script="Sinh" typeface="Iskoola Pota"/>
+        <a:font script="Mong" typeface="Mongolian Baiti"/>
+        <a:font script="Viet" typeface="Arial"/>
+        <a:font script="Uigh" typeface="Microsoft Uighur"/>
+        <a:font script="Geor" typeface="Sylfaen"/>
+      </a:minorFont>
+    </a:fontScheme>
+    <a:fmtScheme name="Office">
+      <a:fillStyleLst>
+        <a:solidFill>
+          <a:schemeClr val="phClr"/>
+        </a:solidFill>
+        <a:gradFill rotWithShape="1">
+          <a:gsLst>
+            <a:gs pos="0">
+              <a:schemeClr val="phClr">
+                <a:tint val="50000"/>
+                <a:satMod val="300000"/>
+              </a:schemeClr>
+            </a:gs>
+            <a:gs pos="35000">
+              <a:schemeClr val="phClr">
+                <a:tint val="37000"/>
+                <a:satMod val="300000"/>
+              </a:schemeClr>
+            </a:gs>
+            <a:gs pos="100000">
+              <a:schemeClr val="phClr">
+                <a:tint val="15000"/>
+                <a:satMod val="350000"/>
+              </a:schemeClr>
+            </a:gs>
+          </a:gsLst>
+          <a:lin ang="16200000" scaled="1"/>
+        </a:gradFill>
+        <a:gradFill rotWithShape="1">
+          <a:gsLst>
+            <a:gs pos="0">
+              <a:schemeClr val="phClr">
+                <a:tint val="100000"/>
+                <a:shade val="100000"/>
+                <a:satMod val="130000"/>
+              </a:schemeClr>
+            </a:gs>
+            <a:gs pos="100000">
+              <a:schemeClr val="phClr">
+                <a:tint val="50000"/>
+                <a:shade val="100000"/>
+                <a:satMod val="350000"/>
+              </a:schemeClr>
+            </a:gs>
+          </a:gsLst>
+          <a:lin ang="16200000" scaled="0"/>
+        </a:gradFill>
+      </a:fillStyleLst>
+      <a:lnStyleLst>
+        <a:ln w="9525" cap="flat" cmpd="sng" algn="ctr">
+          <a:solidFill>
+            <a:schemeClr val="phClr">
+              <a:shade val="95000"/>
+              <a:satMod val="105000"/>
+            </a:schemeClr>
+          </a:solidFill>
+          <a:prstDash val="solid"/>
+        </a:ln>
+        <a:ln w="25400" cap="flat" cmpd="sng" algn="ctr">
+          <a:solidFill>
+            <a:schemeClr val="phClr"/>
+          </a:solidFill>
+          <a:prstDash val="solid"/>
+        </a:ln>
+        <a:ln w="38100" cap="flat" cmpd="sng" algn="ctr">
+          <a:solidFill>
+            <a:schemeClr val="phClr"/>
+          </a:solidFill>
+          <a:prstDash val="solid"/>
+        </a:ln>
+      </a:lnStyleLst>
+      <a:effectStyleLst>
+        <a:effectStyle>
+          <a:effectLst>
+            <a:outerShdw blurRad="40000" dist="20000" dir="5400000" rotWithShape="0">
+              <a:srgbClr val="000000">
+                <a:alpha val="38000"/>
+              </a:srgbClr>
+            </a:outerShdw>
+          </a:effectLst>
+        </a:effectStyle>
+        <a:effectStyle>
+          <a:effectLst>
+            <a:outerShdw blurRad="40000" dist="23000" dir="5400000" rotWithShape="0">
+              <a:srgbClr val="000000">
+                <a:alpha val="35000"/>
+              </a:srgbClr>
+            </a:outerShdw>
+          </a:effectLst>
+        </a:effectStyle>
+        <a:effectStyle>
+          <a:effectLst>
+            <a:outerShdw blurRad="40000" dist="23000" dir="5400000" rotWithShape="0">
+              <a:srgbClr val="000000">
+                <a:alpha val="35000"/>
+              </a:srgbClr>
+            </a:outerShdw>
+          </a:effectLst>
+          <a:scene3d>
+            <a:camera prst="orthographicFront">
+              <a:rot lat="0" lon="0" rev="0"/>
+            </a:camera>
+            <a:lightRig rig="threePt" dir="t">
+              <a:rot lat="0" lon="0" rev="1200000"/>
+            </a:lightRig>
+          </a:scene3d>
+          <a:sp3d>
+            <a:bevelT w="63500" h="25400"/>
+          </a:sp3d>
+        </a:effectStyle>
+      </a:effectStyleLst>
+      <a:bgFillStyleLst>
+        <a:solidFill>
+          <a:schemeClr val="phClr"/>
+        </a:solidFill>
+        <a:gradFill rotWithShape="1">
+          <a:gsLst>
+            <a:gs pos="0">
+              <a:schemeClr val="phClr">
+                <a:tint val="40000"/>
+                <a:satMod val="350000"/>
+              </a:schemeClr>
+            </a:gs>
+            <a:gs pos="40000">
+              <a:schemeClr val="phClr">
+                <a:tint val="45000"/>
+                <a:shade val="99000"/>
+                <a:satMod val="350000"/>
+              </a:schemeClr>
+            </a:gs>
+            <a:gs pos="100000">
+              <a:schemeClr val="phClr">
+                <a:shade val="20000"/>
+                <a:satMod val="255000"/>
+              </a:schemeClr>
+            </a:gs>
+          </a:gsLst>
+          <a:path path="circle">
+            <a:fillToRect l="50000" t="-80000" r="50000" b="180000"/>
+          </a:path>
+        </a:gradFill>
+        <a:gradFill rotWithShape="1">
+          <a:gsLst>
+            <a:gs pos="0">
+              <a:schemeClr val="phClr">
+                <a:tint val="80000"/>
+                <a:satMod val="300000"/>
+              </a:schemeClr>
+            </a:gs>
+            <a:gs pos="100000">
+              <a:schemeClr val="phClr">
+                <a:shade val="30000"/>
+                <a:satMod val="200000"/>
+              </a:schemeClr>
+            </a:gs>
+          </a:gsLst>
+          <a:path path="circle">
+            <a:fillToRect l="50000" t="50000" r="50000" b="50000"/>
+          </a:path>
+        </a:gradFill>
+      </a:bgFillStyleLst>
+    </a:fmtScheme>
+  </a:themeElements>
+</a:theme>
 </file>